--- a/resources/generator.pptx
+++ b/resources/generator.pptx
@@ -6,6 +6,13 @@
   </p:sldMasterIdLst>
   <p:sldIdLst>
     <p:sldId id="257" r:id="rId2"/>
+    <p:sldId id="258" r:id="rId3"/>
+    <p:sldId id="259" r:id="rId4"/>
+    <p:sldId id="261" r:id="rId5"/>
+    <p:sldId id="260" r:id="rId6"/>
+    <p:sldId id="262" r:id="rId7"/>
+    <p:sldId id="263" r:id="rId8"/>
+    <p:sldId id="264" r:id="rId9"/>
   </p:sldIdLst>
   <p:sldSz cx="12192000" cy="6858000"/>
   <p:notesSz cx="6858000" cy="9144000"/>
@@ -259,7 +266,7 @@
           <a:p>
             <a:fld id="{DBF708C3-C24C-40C3-BC91-14E0A7E7E073}" type="datetimeFigureOut">
               <a:rPr lang="en-US" smtClean="0"/>
-              <a:t>2/2/2021</a:t>
+              <a:t>2/3/2021</a:t>
             </a:fld>
             <a:endParaRPr lang="en-US"/>
           </a:p>
@@ -457,7 +464,7 @@
           <a:p>
             <a:fld id="{DBF708C3-C24C-40C3-BC91-14E0A7E7E073}" type="datetimeFigureOut">
               <a:rPr lang="en-US" smtClean="0"/>
-              <a:t>2/2/2021</a:t>
+              <a:t>2/3/2021</a:t>
             </a:fld>
             <a:endParaRPr lang="en-US"/>
           </a:p>
@@ -665,7 +672,7 @@
           <a:p>
             <a:fld id="{DBF708C3-C24C-40C3-BC91-14E0A7E7E073}" type="datetimeFigureOut">
               <a:rPr lang="en-US" smtClean="0"/>
-              <a:t>2/2/2021</a:t>
+              <a:t>2/3/2021</a:t>
             </a:fld>
             <a:endParaRPr lang="en-US"/>
           </a:p>
@@ -863,7 +870,7 @@
           <a:p>
             <a:fld id="{DBF708C3-C24C-40C3-BC91-14E0A7E7E073}" type="datetimeFigureOut">
               <a:rPr lang="en-US" smtClean="0"/>
-              <a:t>2/2/2021</a:t>
+              <a:t>2/3/2021</a:t>
             </a:fld>
             <a:endParaRPr lang="en-US"/>
           </a:p>
@@ -1138,7 +1145,7 @@
           <a:p>
             <a:fld id="{DBF708C3-C24C-40C3-BC91-14E0A7E7E073}" type="datetimeFigureOut">
               <a:rPr lang="en-US" smtClean="0"/>
-              <a:t>2/2/2021</a:t>
+              <a:t>2/3/2021</a:t>
             </a:fld>
             <a:endParaRPr lang="en-US"/>
           </a:p>
@@ -1403,7 +1410,7 @@
           <a:p>
             <a:fld id="{DBF708C3-C24C-40C3-BC91-14E0A7E7E073}" type="datetimeFigureOut">
               <a:rPr lang="en-US" smtClean="0"/>
-              <a:t>2/2/2021</a:t>
+              <a:t>2/3/2021</a:t>
             </a:fld>
             <a:endParaRPr lang="en-US"/>
           </a:p>
@@ -1815,7 +1822,7 @@
           <a:p>
             <a:fld id="{DBF708C3-C24C-40C3-BC91-14E0A7E7E073}" type="datetimeFigureOut">
               <a:rPr lang="en-US" smtClean="0"/>
-              <a:t>2/2/2021</a:t>
+              <a:t>2/3/2021</a:t>
             </a:fld>
             <a:endParaRPr lang="en-US"/>
           </a:p>
@@ -1956,7 +1963,7 @@
           <a:p>
             <a:fld id="{DBF708C3-C24C-40C3-BC91-14E0A7E7E073}" type="datetimeFigureOut">
               <a:rPr lang="en-US" smtClean="0"/>
-              <a:t>2/2/2021</a:t>
+              <a:t>2/3/2021</a:t>
             </a:fld>
             <a:endParaRPr lang="en-US"/>
           </a:p>
@@ -2069,7 +2076,7 @@
           <a:p>
             <a:fld id="{DBF708C3-C24C-40C3-BC91-14E0A7E7E073}" type="datetimeFigureOut">
               <a:rPr lang="en-US" smtClean="0"/>
-              <a:t>2/2/2021</a:t>
+              <a:t>2/3/2021</a:t>
             </a:fld>
             <a:endParaRPr lang="en-US"/>
           </a:p>
@@ -2380,7 +2387,7 @@
           <a:p>
             <a:fld id="{DBF708C3-C24C-40C3-BC91-14E0A7E7E073}" type="datetimeFigureOut">
               <a:rPr lang="en-US" smtClean="0"/>
-              <a:t>2/2/2021</a:t>
+              <a:t>2/3/2021</a:t>
             </a:fld>
             <a:endParaRPr lang="en-US"/>
           </a:p>
@@ -2668,7 +2675,7 @@
           <a:p>
             <a:fld id="{DBF708C3-C24C-40C3-BC91-14E0A7E7E073}" type="datetimeFigureOut">
               <a:rPr lang="en-US" smtClean="0"/>
-              <a:t>2/2/2021</a:t>
+              <a:t>2/3/2021</a:t>
             </a:fld>
             <a:endParaRPr lang="en-US"/>
           </a:p>
@@ -2914,7 +2921,7 @@
           <a:p>
             <a:fld id="{DBF708C3-C24C-40C3-BC91-14E0A7E7E073}" type="datetimeFigureOut">
               <a:rPr lang="en-US" smtClean="0"/>
-              <a:t>2/2/2021</a:t>
+              <a:t>2/3/2021</a:t>
             </a:fld>
             <a:endParaRPr lang="en-US"/>
           </a:p>
@@ -3615,6 +3622,6015 @@
 </p:sld>
 </file>
 
+<file path=ppt/slides/slide2.xml><?xml version="1.0" encoding="utf-8"?>
+<p:sld xmlns:a="http://schemas.openxmlformats.org/drawingml/2006/main" xmlns:r="http://schemas.openxmlformats.org/officeDocument/2006/relationships" xmlns:p="http://schemas.openxmlformats.org/presentationml/2006/main">
+  <p:cSld>
+    <p:spTree>
+      <p:nvGrpSpPr>
+        <p:cNvPr id="1" name=""/>
+        <p:cNvGrpSpPr/>
+        <p:nvPr/>
+      </p:nvGrpSpPr>
+      <p:grpSpPr>
+        <a:xfrm>
+          <a:off x="0" y="0"/>
+          <a:ext cx="0" cy="0"/>
+          <a:chOff x="0" y="0"/>
+          <a:chExt cx="0" cy="0"/>
+        </a:xfrm>
+      </p:grpSpPr>
+      <p:pic>
+        <p:nvPicPr>
+          <p:cNvPr id="3" name="Picture 2">
+            <a:extLst>
+              <a:ext uri="{FF2B5EF4-FFF2-40B4-BE49-F238E27FC236}">
+                <a16:creationId xmlns:a16="http://schemas.microsoft.com/office/drawing/2014/main" id="{1BB6BED0-5CB7-4A3E-B390-E5036E49681A}"/>
+              </a:ext>
+            </a:extLst>
+          </p:cNvPr>
+          <p:cNvPicPr>
+            <a:picLocks noChangeAspect="1"/>
+          </p:cNvPicPr>
+          <p:nvPr/>
+        </p:nvPicPr>
+        <p:blipFill rotWithShape="1">
+          <a:blip r:embed="rId2">
+            <a:extLst>
+              <a:ext uri="{28A0092B-C50C-407E-A947-70E740481C1C}">
+                <a14:useLocalDpi xmlns:a14="http://schemas.microsoft.com/office/drawing/2010/main" val="0"/>
+              </a:ext>
+            </a:extLst>
+          </a:blip>
+          <a:srcRect l="1730" t="9436" r="35386" b="9538"/>
+          <a:stretch/>
+        </p:blipFill>
+        <p:spPr>
+          <a:xfrm>
+            <a:off x="787791" y="337624"/>
+            <a:ext cx="7666892" cy="5556738"/>
+          </a:xfrm>
+          <a:prstGeom prst="rect">
+            <a:avLst/>
+          </a:prstGeom>
+        </p:spPr>
+      </p:pic>
+      <p:pic>
+        <p:nvPicPr>
+          <p:cNvPr id="5" name="Picture 4">
+            <a:extLst>
+              <a:ext uri="{FF2B5EF4-FFF2-40B4-BE49-F238E27FC236}">
+                <a16:creationId xmlns:a16="http://schemas.microsoft.com/office/drawing/2014/main" id="{D3191B62-95DE-40CD-8F1B-9ED896C81E83}"/>
+              </a:ext>
+            </a:extLst>
+          </p:cNvPr>
+          <p:cNvPicPr>
+            <a:picLocks noChangeAspect="1"/>
+          </p:cNvPicPr>
+          <p:nvPr/>
+        </p:nvPicPr>
+        <p:blipFill rotWithShape="1">
+          <a:blip r:embed="rId2">
+            <a:extLst>
+              <a:ext uri="{28A0092B-C50C-407E-A947-70E740481C1C}">
+                <a14:useLocalDpi xmlns:a14="http://schemas.microsoft.com/office/drawing/2010/main" val="0"/>
+              </a:ext>
+            </a:extLst>
+          </a:blip>
+          <a:srcRect l="66692" t="22974" r="5615" b="18975"/>
+          <a:stretch/>
+        </p:blipFill>
+        <p:spPr>
+          <a:xfrm>
+            <a:off x="8623495" y="1575582"/>
+            <a:ext cx="3376246" cy="3981156"/>
+          </a:xfrm>
+          <a:prstGeom prst="rect">
+            <a:avLst/>
+          </a:prstGeom>
+        </p:spPr>
+      </p:pic>
+    </p:spTree>
+    <p:extLst>
+      <p:ext uri="{BB962C8B-B14F-4D97-AF65-F5344CB8AC3E}">
+        <p14:creationId xmlns:p14="http://schemas.microsoft.com/office/powerpoint/2010/main" val="2200415626"/>
+      </p:ext>
+    </p:extLst>
+  </p:cSld>
+  <p:clrMapOvr>
+    <a:masterClrMapping/>
+  </p:clrMapOvr>
+</p:sld>
+</file>
+
+<file path=ppt/slides/slide3.xml><?xml version="1.0" encoding="utf-8"?>
+<p:sld xmlns:a="http://schemas.openxmlformats.org/drawingml/2006/main" xmlns:r="http://schemas.openxmlformats.org/officeDocument/2006/relationships" xmlns:p="http://schemas.openxmlformats.org/presentationml/2006/main">
+  <p:cSld>
+    <p:spTree>
+      <p:nvGrpSpPr>
+        <p:cNvPr id="1" name=""/>
+        <p:cNvGrpSpPr/>
+        <p:nvPr/>
+      </p:nvGrpSpPr>
+      <p:grpSpPr>
+        <a:xfrm>
+          <a:off x="0" y="0"/>
+          <a:ext cx="0" cy="0"/>
+          <a:chOff x="0" y="0"/>
+          <a:chExt cx="0" cy="0"/>
+        </a:xfrm>
+      </p:grpSpPr>
+      <p:grpSp>
+        <p:nvGrpSpPr>
+          <p:cNvPr id="8" name="Group 7">
+            <a:extLst>
+              <a:ext uri="{FF2B5EF4-FFF2-40B4-BE49-F238E27FC236}">
+                <a16:creationId xmlns:a16="http://schemas.microsoft.com/office/drawing/2014/main" id="{BEB4F103-ED70-4703-8CAC-F5D00BDD2449}"/>
+              </a:ext>
+            </a:extLst>
+          </p:cNvPr>
+          <p:cNvGrpSpPr/>
+          <p:nvPr/>
+        </p:nvGrpSpPr>
+        <p:grpSpPr>
+          <a:xfrm>
+            <a:off x="1427777" y="1450336"/>
+            <a:ext cx="7097244" cy="1754208"/>
+            <a:chOff x="1427777" y="1450336"/>
+            <a:chExt cx="7097244" cy="1754208"/>
+          </a:xfrm>
+        </p:grpSpPr>
+        <p:sp>
+          <p:nvSpPr>
+            <p:cNvPr id="2" name="Rectangle 1">
+              <a:extLst>
+                <a:ext uri="{FF2B5EF4-FFF2-40B4-BE49-F238E27FC236}">
+                  <a16:creationId xmlns:a16="http://schemas.microsoft.com/office/drawing/2014/main" id="{A1626772-304E-41A9-A5D8-E127254B0706}"/>
+                </a:ext>
+              </a:extLst>
+            </p:cNvPr>
+            <p:cNvSpPr/>
+            <p:nvPr/>
+          </p:nvSpPr>
+          <p:spPr>
+            <a:xfrm>
+              <a:off x="1730326" y="1688123"/>
+              <a:ext cx="6794695" cy="737269"/>
+            </a:xfrm>
+            <a:prstGeom prst="rect">
+              <a:avLst/>
+            </a:prstGeom>
+            <a:solidFill>
+              <a:srgbClr val="0070C0"/>
+            </a:solidFill>
+            <a:ln>
+              <a:noFill/>
+            </a:ln>
+          </p:spPr>
+          <p:style>
+            <a:lnRef idx="2">
+              <a:schemeClr val="accent1">
+                <a:shade val="50000"/>
+              </a:schemeClr>
+            </a:lnRef>
+            <a:fillRef idx="1">
+              <a:schemeClr val="accent1"/>
+            </a:fillRef>
+            <a:effectRef idx="0">
+              <a:schemeClr val="accent1"/>
+            </a:effectRef>
+            <a:fontRef idx="minor">
+              <a:schemeClr val="lt1"/>
+            </a:fontRef>
+          </p:style>
+          <p:txBody>
+            <a:bodyPr rtlCol="0" anchor="ctr"/>
+            <a:lstStyle/>
+            <a:p>
+              <a:pPr algn="ctr"/>
+              <a:endParaRPr lang="en-US" dirty="0">
+                <a:ln>
+                  <a:solidFill>
+                    <a:srgbClr val="122142"/>
+                  </a:solidFill>
+                </a:ln>
+              </a:endParaRPr>
+            </a:p>
+          </p:txBody>
+        </p:sp>
+        <p:sp>
+          <p:nvSpPr>
+            <p:cNvPr id="7" name="Pentagon 6">
+              <a:extLst>
+                <a:ext uri="{FF2B5EF4-FFF2-40B4-BE49-F238E27FC236}">
+                  <a16:creationId xmlns:a16="http://schemas.microsoft.com/office/drawing/2014/main" id="{D664CD40-C262-4899-BFDC-6C32E72DC428}"/>
+                </a:ext>
+              </a:extLst>
+            </p:cNvPr>
+            <p:cNvSpPr/>
+            <p:nvPr/>
+          </p:nvSpPr>
+          <p:spPr>
+            <a:xfrm rot="10800000">
+              <a:off x="4793356" y="2281214"/>
+              <a:ext cx="678976" cy="923330"/>
+            </a:xfrm>
+            <a:prstGeom prst="pentagon">
+              <a:avLst/>
+            </a:prstGeom>
+            <a:solidFill>
+              <a:schemeClr val="bg1"/>
+            </a:solidFill>
+            <a:ln w="28575">
+              <a:solidFill>
+                <a:srgbClr val="122142"/>
+              </a:solidFill>
+              <a:prstDash val="sysDot"/>
+            </a:ln>
+          </p:spPr>
+          <p:style>
+            <a:lnRef idx="2">
+              <a:schemeClr val="accent1">
+                <a:shade val="50000"/>
+              </a:schemeClr>
+            </a:lnRef>
+            <a:fillRef idx="1">
+              <a:schemeClr val="accent1"/>
+            </a:fillRef>
+            <a:effectRef idx="0">
+              <a:schemeClr val="accent1"/>
+            </a:effectRef>
+            <a:fontRef idx="minor">
+              <a:schemeClr val="lt1"/>
+            </a:fontRef>
+          </p:style>
+          <p:txBody>
+            <a:bodyPr rtlCol="0" anchor="ctr"/>
+            <a:lstStyle/>
+            <a:p>
+              <a:pPr algn="ctr"/>
+              <a:endParaRPr lang="en-US"/>
+            </a:p>
+          </p:txBody>
+        </p:sp>
+        <p:sp>
+          <p:nvSpPr>
+            <p:cNvPr id="4" name="Rectangle 3">
+              <a:extLst>
+                <a:ext uri="{FF2B5EF4-FFF2-40B4-BE49-F238E27FC236}">
+                  <a16:creationId xmlns:a16="http://schemas.microsoft.com/office/drawing/2014/main" id="{77EED79F-00F8-4338-9E48-002A34D03A1F}"/>
+                </a:ext>
+              </a:extLst>
+            </p:cNvPr>
+            <p:cNvSpPr/>
+            <p:nvPr/>
+          </p:nvSpPr>
+          <p:spPr>
+            <a:xfrm>
+              <a:off x="3280853" y="1795147"/>
+              <a:ext cx="3693640" cy="523220"/>
+            </a:xfrm>
+            <a:prstGeom prst="rect">
+              <a:avLst/>
+            </a:prstGeom>
+            <a:noFill/>
+          </p:spPr>
+          <p:txBody>
+            <a:bodyPr wrap="none" lIns="91440" tIns="45720" rIns="91440" bIns="45720">
+              <a:spAutoFit/>
+            </a:bodyPr>
+            <a:lstStyle/>
+            <a:p>
+              <a:pPr algn="ctr"/>
+              <a:r>
+                <a:rPr lang="en-US" sz="2800" b="0" cap="none" spc="0" dirty="0">
+                  <a:ln w="0"/>
+                  <a:solidFill>
+                    <a:schemeClr val="bg1"/>
+                  </a:solidFill>
+                  <a:effectLst>
+                    <a:outerShdw blurRad="38100" dist="19050" dir="2700000" algn="tl" rotWithShape="0">
+                      <a:schemeClr val="dk1">
+                        <a:alpha val="40000"/>
+                      </a:schemeClr>
+                    </a:outerShdw>
+                  </a:effectLst>
+                  <a:latin typeface="Bahnschrift Light SemiCondensed" panose="020B0502040204020203" pitchFamily="34" charset="0"/>
+                </a:rPr>
+                <a:t>ONE MEETING ASSISTANT</a:t>
+              </a:r>
+            </a:p>
+          </p:txBody>
+        </p:sp>
+        <p:pic>
+          <p:nvPicPr>
+            <p:cNvPr id="5" name="Picture 2" descr="AI Meeting Assistant | LIFEdata AI Conversational AI : LIFEdata AI">
+              <a:extLst>
+                <a:ext uri="{FF2B5EF4-FFF2-40B4-BE49-F238E27FC236}">
+                  <a16:creationId xmlns:a16="http://schemas.microsoft.com/office/drawing/2014/main" id="{84C43199-C791-41E9-AA99-530F682F9034}"/>
+                </a:ext>
+              </a:extLst>
+            </p:cNvPr>
+            <p:cNvPicPr>
+              <a:picLocks noChangeAspect="1" noChangeArrowheads="1"/>
+            </p:cNvPicPr>
+            <p:nvPr/>
+          </p:nvPicPr>
+          <p:blipFill>
+            <a:blip r:embed="rId2">
+              <a:extLst>
+                <a:ext uri="{28A0092B-C50C-407E-A947-70E740481C1C}">
+                  <a14:useLocalDpi xmlns:a14="http://schemas.microsoft.com/office/drawing/2010/main" val="0"/>
+                </a:ext>
+              </a:extLst>
+            </a:blip>
+            <a:srcRect/>
+            <a:stretch>
+              <a:fillRect/>
+            </a:stretch>
+          </p:blipFill>
+          <p:spPr bwMode="auto">
+            <a:xfrm>
+              <a:off x="1427777" y="1450336"/>
+              <a:ext cx="1540505" cy="1095290"/>
+            </a:xfrm>
+            <a:prstGeom prst="rect">
+              <a:avLst/>
+            </a:prstGeom>
+            <a:noFill/>
+            <a:extLst>
+              <a:ext uri="{909E8E84-426E-40DD-AFC4-6F175D3DCCD1}">
+                <a14:hiddenFill xmlns:a14="http://schemas.microsoft.com/office/drawing/2010/main">
+                  <a:solidFill>
+                    <a:srgbClr val="FFFFFF"/>
+                  </a:solidFill>
+                </a14:hiddenFill>
+              </a:ext>
+            </a:extLst>
+          </p:spPr>
+        </p:pic>
+        <p:sp>
+          <p:nvSpPr>
+            <p:cNvPr id="6" name="Rectangle 5">
+              <a:extLst>
+                <a:ext uri="{FF2B5EF4-FFF2-40B4-BE49-F238E27FC236}">
+                  <a16:creationId xmlns:a16="http://schemas.microsoft.com/office/drawing/2014/main" id="{C18A219C-F113-4219-B9CD-FE16FCB78E95}"/>
+                </a:ext>
+              </a:extLst>
+            </p:cNvPr>
+            <p:cNvSpPr/>
+            <p:nvPr/>
+          </p:nvSpPr>
+          <p:spPr>
+            <a:xfrm>
+              <a:off x="4931145" y="2233408"/>
+              <a:ext cx="393056" cy="923330"/>
+            </a:xfrm>
+            <a:prstGeom prst="rect">
+              <a:avLst/>
+            </a:prstGeom>
+            <a:noFill/>
+          </p:spPr>
+          <p:txBody>
+            <a:bodyPr wrap="none" lIns="91440" tIns="45720" rIns="91440" bIns="45720">
+              <a:spAutoFit/>
+            </a:bodyPr>
+            <a:lstStyle/>
+            <a:p>
+              <a:pPr algn="ctr"/>
+              <a:r>
+                <a:rPr lang="en-US" sz="5400" b="0" cap="none" spc="0" dirty="0">
+                  <a:ln w="0"/>
+                  <a:effectLst>
+                    <a:outerShdw blurRad="38100" dist="19050" dir="2700000" algn="tl" rotWithShape="0">
+                      <a:schemeClr val="dk1">
+                        <a:alpha val="40000"/>
+                      </a:schemeClr>
+                    </a:outerShdw>
+                  </a:effectLst>
+                  <a:latin typeface="Bahnschrift Light SemiCondensed" panose="020B0502040204020203" pitchFamily="34" charset="0"/>
+                </a:rPr>
+                <a:t>1</a:t>
+              </a:r>
+            </a:p>
+          </p:txBody>
+        </p:sp>
+      </p:grpSp>
+      <p:grpSp>
+        <p:nvGrpSpPr>
+          <p:cNvPr id="18" name="Group 17">
+            <a:extLst>
+              <a:ext uri="{FF2B5EF4-FFF2-40B4-BE49-F238E27FC236}">
+                <a16:creationId xmlns:a16="http://schemas.microsoft.com/office/drawing/2014/main" id="{41242F9F-FE05-40EC-AA11-BF3C6BE5BF26}"/>
+              </a:ext>
+            </a:extLst>
+          </p:cNvPr>
+          <p:cNvGrpSpPr/>
+          <p:nvPr/>
+        </p:nvGrpSpPr>
+        <p:grpSpPr>
+          <a:xfrm>
+            <a:off x="1926853" y="2631538"/>
+            <a:ext cx="6794695" cy="1594923"/>
+            <a:chOff x="2074984" y="2869323"/>
+            <a:chExt cx="6794695" cy="1594923"/>
+          </a:xfrm>
+        </p:grpSpPr>
+        <p:sp>
+          <p:nvSpPr>
+            <p:cNvPr id="10" name="Rectangle 9">
+              <a:extLst>
+                <a:ext uri="{FF2B5EF4-FFF2-40B4-BE49-F238E27FC236}">
+                  <a16:creationId xmlns:a16="http://schemas.microsoft.com/office/drawing/2014/main" id="{F502315F-39F7-4B31-93D1-108C9273D293}"/>
+                </a:ext>
+              </a:extLst>
+            </p:cNvPr>
+            <p:cNvSpPr/>
+            <p:nvPr/>
+          </p:nvSpPr>
+          <p:spPr>
+            <a:xfrm>
+              <a:off x="2074984" y="3666785"/>
+              <a:ext cx="6794695" cy="737269"/>
+            </a:xfrm>
+            <a:prstGeom prst="rect">
+              <a:avLst/>
+            </a:prstGeom>
+            <a:solidFill>
+              <a:srgbClr val="0070C0"/>
+            </a:solidFill>
+            <a:ln>
+              <a:noFill/>
+            </a:ln>
+          </p:spPr>
+          <p:style>
+            <a:lnRef idx="2">
+              <a:schemeClr val="accent1">
+                <a:shade val="50000"/>
+              </a:schemeClr>
+            </a:lnRef>
+            <a:fillRef idx="1">
+              <a:schemeClr val="accent1"/>
+            </a:fillRef>
+            <a:effectRef idx="0">
+              <a:schemeClr val="accent1"/>
+            </a:effectRef>
+            <a:fontRef idx="minor">
+              <a:schemeClr val="lt1"/>
+            </a:fontRef>
+          </p:style>
+          <p:txBody>
+            <a:bodyPr rtlCol="0" anchor="ctr"/>
+            <a:lstStyle/>
+            <a:p>
+              <a:pPr algn="ctr"/>
+              <a:endParaRPr lang="en-US" dirty="0">
+                <a:ln>
+                  <a:solidFill>
+                    <a:srgbClr val="122142"/>
+                  </a:solidFill>
+                </a:ln>
+              </a:endParaRPr>
+            </a:p>
+          </p:txBody>
+        </p:sp>
+        <p:sp>
+          <p:nvSpPr>
+            <p:cNvPr id="12" name="Rectangle 11">
+              <a:extLst>
+                <a:ext uri="{FF2B5EF4-FFF2-40B4-BE49-F238E27FC236}">
+                  <a16:creationId xmlns:a16="http://schemas.microsoft.com/office/drawing/2014/main" id="{EB4C9B61-76F5-49A3-9D3A-FC8942776E4A}"/>
+                </a:ext>
+              </a:extLst>
+            </p:cNvPr>
+            <p:cNvSpPr/>
+            <p:nvPr/>
+          </p:nvSpPr>
+          <p:spPr>
+            <a:xfrm>
+              <a:off x="2286038" y="3773810"/>
+              <a:ext cx="5290231" cy="523220"/>
+            </a:xfrm>
+            <a:prstGeom prst="rect">
+              <a:avLst/>
+            </a:prstGeom>
+            <a:noFill/>
+          </p:spPr>
+          <p:txBody>
+            <a:bodyPr wrap="none" lIns="91440" tIns="45720" rIns="91440" bIns="45720">
+              <a:spAutoFit/>
+            </a:bodyPr>
+            <a:lstStyle/>
+            <a:p>
+              <a:pPr algn="ctr"/>
+              <a:r>
+                <a:rPr lang="en-US" sz="2800" dirty="0">
+                  <a:ln w="0"/>
+                  <a:solidFill>
+                    <a:schemeClr val="bg1"/>
+                  </a:solidFill>
+                  <a:effectLst>
+                    <a:outerShdw blurRad="38100" dist="19050" dir="2700000" algn="tl" rotWithShape="0">
+                      <a:schemeClr val="dk1">
+                        <a:alpha val="40000"/>
+                      </a:schemeClr>
+                    </a:outerShdw>
+                  </a:effectLst>
+                  <a:latin typeface="Bahnschrift Light SemiCondensed" panose="020B0502040204020203" pitchFamily="34" charset="0"/>
+                </a:rPr>
+                <a:t>CREATED WITH PYTHON, KIVY &amp; JSON</a:t>
+              </a:r>
+              <a:endParaRPr lang="en-US" sz="2800" b="0" cap="none" spc="0" dirty="0">
+                <a:ln w="0"/>
+                <a:solidFill>
+                  <a:schemeClr val="bg1"/>
+                </a:solidFill>
+                <a:effectLst>
+                  <a:outerShdw blurRad="38100" dist="19050" dir="2700000" algn="tl" rotWithShape="0">
+                    <a:schemeClr val="dk1">
+                      <a:alpha val="40000"/>
+                    </a:schemeClr>
+                  </a:outerShdw>
+                </a:effectLst>
+                <a:latin typeface="Bahnschrift Light SemiCondensed" panose="020B0502040204020203" pitchFamily="34" charset="0"/>
+              </a:endParaRPr>
+            </a:p>
+          </p:txBody>
+        </p:sp>
+        <p:pic>
+          <p:nvPicPr>
+            <p:cNvPr id="16" name="Picture 15">
+              <a:extLst>
+                <a:ext uri="{FF2B5EF4-FFF2-40B4-BE49-F238E27FC236}">
+                  <a16:creationId xmlns:a16="http://schemas.microsoft.com/office/drawing/2014/main" id="{88D94014-FEC4-42FA-856B-7E5794FDC62F}"/>
+                </a:ext>
+              </a:extLst>
+            </p:cNvPr>
+            <p:cNvPicPr>
+              <a:picLocks noChangeAspect="1"/>
+            </p:cNvPicPr>
+            <p:nvPr/>
+          </p:nvPicPr>
+          <p:blipFill rotWithShape="1">
+            <a:blip r:embed="rId3">
+              <a:biLevel thresh="25000"/>
+              <a:extLst>
+                <a:ext uri="{BEBA8EAE-BF5A-486C-A8C5-ECC9F3942E4B}">
+                  <a14:imgProps xmlns:a14="http://schemas.microsoft.com/office/drawing/2010/main">
+                    <a14:imgLayer r:embed="rId4">
+                      <a14:imgEffect>
+                        <a14:backgroundRemoval t="10000" b="90000" l="10000" r="90000">
+                          <a14:foregroundMark x1="46889" y1="58000" x2="54667" y2="57556"/>
+                          <a14:foregroundMark x1="54667" y1="57556" x2="54778" y2="57556"/>
+                        </a14:backgroundRemoval>
+                      </a14:imgEffect>
+                    </a14:imgLayer>
+                  </a14:imgProps>
+                </a:ext>
+                <a:ext uri="{28A0092B-C50C-407E-A947-70E740481C1C}">
+                  <a14:useLocalDpi xmlns:a14="http://schemas.microsoft.com/office/drawing/2010/main" val="0"/>
+                </a:ext>
+              </a:extLst>
+            </a:blip>
+            <a:srcRect r="5396"/>
+            <a:stretch/>
+          </p:blipFill>
+          <p:spPr>
+            <a:xfrm>
+              <a:off x="7348821" y="2869323"/>
+              <a:ext cx="1520858" cy="1594923"/>
+            </a:xfrm>
+            <a:prstGeom prst="rect">
+              <a:avLst/>
+            </a:prstGeom>
+          </p:spPr>
+        </p:pic>
+      </p:grpSp>
+    </p:spTree>
+    <p:extLst>
+      <p:ext uri="{BB962C8B-B14F-4D97-AF65-F5344CB8AC3E}">
+        <p14:creationId xmlns:p14="http://schemas.microsoft.com/office/powerpoint/2010/main" val="3917197255"/>
+      </p:ext>
+    </p:extLst>
+  </p:cSld>
+  <p:clrMapOvr>
+    <a:masterClrMapping/>
+  </p:clrMapOvr>
+</p:sld>
+</file>
+
+<file path=ppt/slides/slide4.xml><?xml version="1.0" encoding="utf-8"?>
+<p:sld xmlns:a="http://schemas.openxmlformats.org/drawingml/2006/main" xmlns:r="http://schemas.openxmlformats.org/officeDocument/2006/relationships" xmlns:p="http://schemas.openxmlformats.org/presentationml/2006/main">
+  <p:cSld>
+    <p:spTree>
+      <p:nvGrpSpPr>
+        <p:cNvPr id="1" name=""/>
+        <p:cNvGrpSpPr/>
+        <p:nvPr/>
+      </p:nvGrpSpPr>
+      <p:grpSpPr>
+        <a:xfrm>
+          <a:off x="0" y="0"/>
+          <a:ext cx="0" cy="0"/>
+          <a:chOff x="0" y="0"/>
+          <a:chExt cx="0" cy="0"/>
+        </a:xfrm>
+      </p:grpSpPr>
+      <p:grpSp>
+        <p:nvGrpSpPr>
+          <p:cNvPr id="9" name="Group 8">
+            <a:extLst>
+              <a:ext uri="{FF2B5EF4-FFF2-40B4-BE49-F238E27FC236}">
+                <a16:creationId xmlns:a16="http://schemas.microsoft.com/office/drawing/2014/main" id="{3941D385-6320-409E-96E6-A6D992F5341C}"/>
+              </a:ext>
+            </a:extLst>
+          </p:cNvPr>
+          <p:cNvGrpSpPr/>
+          <p:nvPr/>
+        </p:nvGrpSpPr>
+        <p:grpSpPr>
+          <a:xfrm>
+            <a:off x="-133962" y="0"/>
+            <a:ext cx="6858000" cy="6858000"/>
+            <a:chOff x="1541585" y="0"/>
+            <a:chExt cx="6858000" cy="6858000"/>
+          </a:xfrm>
+        </p:grpSpPr>
+        <p:sp>
+          <p:nvSpPr>
+            <p:cNvPr id="8" name="Rectangle 7">
+              <a:extLst>
+                <a:ext uri="{FF2B5EF4-FFF2-40B4-BE49-F238E27FC236}">
+                  <a16:creationId xmlns:a16="http://schemas.microsoft.com/office/drawing/2014/main" id="{4F97E6F1-10ED-46B3-B3E8-B05186A266A8}"/>
+                </a:ext>
+              </a:extLst>
+            </p:cNvPr>
+            <p:cNvSpPr/>
+            <p:nvPr/>
+          </p:nvSpPr>
+          <p:spPr>
+            <a:xfrm>
+              <a:off x="2757268" y="2039815"/>
+              <a:ext cx="4135901" cy="3291840"/>
+            </a:xfrm>
+            <a:prstGeom prst="rect">
+              <a:avLst/>
+            </a:prstGeom>
+            <a:solidFill>
+              <a:schemeClr val="bg1"/>
+            </a:solidFill>
+          </p:spPr>
+          <p:style>
+            <a:lnRef idx="2">
+              <a:schemeClr val="accent1">
+                <a:shade val="50000"/>
+              </a:schemeClr>
+            </a:lnRef>
+            <a:fillRef idx="1">
+              <a:schemeClr val="accent1"/>
+            </a:fillRef>
+            <a:effectRef idx="0">
+              <a:schemeClr val="accent1"/>
+            </a:effectRef>
+            <a:fontRef idx="minor">
+              <a:schemeClr val="lt1"/>
+            </a:fontRef>
+          </p:style>
+          <p:txBody>
+            <a:bodyPr rtlCol="0" anchor="ctr"/>
+            <a:lstStyle/>
+            <a:p>
+              <a:pPr algn="ctr"/>
+              <a:endParaRPr lang="en-US"/>
+            </a:p>
+          </p:txBody>
+        </p:sp>
+        <p:pic>
+          <p:nvPicPr>
+            <p:cNvPr id="7" name="Picture 6">
+              <a:extLst>
+                <a:ext uri="{FF2B5EF4-FFF2-40B4-BE49-F238E27FC236}">
+                  <a16:creationId xmlns:a16="http://schemas.microsoft.com/office/drawing/2014/main" id="{09FACE23-3736-435F-AD79-2ACD52B66ADB}"/>
+                </a:ext>
+              </a:extLst>
+            </p:cNvPr>
+            <p:cNvPicPr>
+              <a:picLocks noChangeAspect="1"/>
+            </p:cNvPicPr>
+            <p:nvPr/>
+          </p:nvPicPr>
+          <p:blipFill>
+            <a:blip r:embed="rId2">
+              <a:extLst>
+                <a:ext uri="{BEBA8EAE-BF5A-486C-A8C5-ECC9F3942E4B}">
+                  <a14:imgProps xmlns:a14="http://schemas.microsoft.com/office/drawing/2010/main">
+                    <a14:imgLayer r:embed="rId3">
+                      <a14:imgEffect>
+                        <a14:backgroundRemoval t="5333" b="92889" l="5222" r="93000">
+                          <a14:foregroundMark x1="9333" y1="46778" x2="8889" y2="49889"/>
+                          <a14:foregroundMark x1="49556" y1="7556" x2="42333" y2="8000"/>
+                          <a14:foregroundMark x1="42333" y1="8000" x2="49778" y2="6556"/>
+                          <a14:foregroundMark x1="49778" y1="6556" x2="57333" y2="8556"/>
+                          <a14:foregroundMark x1="57333" y1="8556" x2="58333" y2="9444"/>
+                          <a14:foregroundMark x1="91111" y1="38778" x2="93222" y2="55000"/>
+                          <a14:foregroundMark x1="5778" y1="46333" x2="5444" y2="50444"/>
+                          <a14:foregroundMark x1="37222" y1="91333" x2="52333" y2="92889"/>
+                          <a14:foregroundMark x1="52333" y1="92889" x2="62000" y2="91111"/>
+                          <a14:foregroundMark x1="51556" y1="5333" x2="51000" y2="5333"/>
+                        </a14:backgroundRemoval>
+                      </a14:imgEffect>
+                    </a14:imgLayer>
+                  </a14:imgProps>
+                </a:ext>
+                <a:ext uri="{28A0092B-C50C-407E-A947-70E740481C1C}">
+                  <a14:useLocalDpi xmlns:a14="http://schemas.microsoft.com/office/drawing/2010/main" val="0"/>
+                </a:ext>
+              </a:extLst>
+            </a:blip>
+            <a:stretch>
+              <a:fillRect/>
+            </a:stretch>
+          </p:blipFill>
+          <p:spPr>
+            <a:xfrm>
+              <a:off x="1541585" y="0"/>
+              <a:ext cx="6858000" cy="6858000"/>
+            </a:xfrm>
+            <a:prstGeom prst="rect">
+              <a:avLst/>
+            </a:prstGeom>
+          </p:spPr>
+        </p:pic>
+      </p:grpSp>
+      <p:grpSp>
+        <p:nvGrpSpPr>
+          <p:cNvPr id="10" name="Group 9">
+            <a:extLst>
+              <a:ext uri="{FF2B5EF4-FFF2-40B4-BE49-F238E27FC236}">
+                <a16:creationId xmlns:a16="http://schemas.microsoft.com/office/drawing/2014/main" id="{6BFB4B43-7721-4F98-B1FA-CF6AE8E033E6}"/>
+              </a:ext>
+            </a:extLst>
+          </p:cNvPr>
+          <p:cNvGrpSpPr/>
+          <p:nvPr/>
+        </p:nvGrpSpPr>
+        <p:grpSpPr>
+          <a:xfrm>
+            <a:off x="7056120" y="0"/>
+            <a:ext cx="7833360" cy="7833360"/>
+            <a:chOff x="1541585" y="0"/>
+            <a:chExt cx="6858000" cy="6858000"/>
+          </a:xfrm>
+        </p:grpSpPr>
+        <p:sp>
+          <p:nvSpPr>
+            <p:cNvPr id="11" name="Rectangle 10">
+              <a:extLst>
+                <a:ext uri="{FF2B5EF4-FFF2-40B4-BE49-F238E27FC236}">
+                  <a16:creationId xmlns:a16="http://schemas.microsoft.com/office/drawing/2014/main" id="{C0893BA3-2115-4ABC-BCE2-0FC05B620313}"/>
+                </a:ext>
+              </a:extLst>
+            </p:cNvPr>
+            <p:cNvSpPr/>
+            <p:nvPr/>
+          </p:nvSpPr>
+          <p:spPr>
+            <a:xfrm>
+              <a:off x="2757268" y="2039815"/>
+              <a:ext cx="4135901" cy="3291840"/>
+            </a:xfrm>
+            <a:prstGeom prst="rect">
+              <a:avLst/>
+            </a:prstGeom>
+            <a:solidFill>
+              <a:schemeClr val="bg1"/>
+            </a:solidFill>
+          </p:spPr>
+          <p:style>
+            <a:lnRef idx="2">
+              <a:schemeClr val="accent1">
+                <a:shade val="50000"/>
+              </a:schemeClr>
+            </a:lnRef>
+            <a:fillRef idx="1">
+              <a:schemeClr val="accent1"/>
+            </a:fillRef>
+            <a:effectRef idx="0">
+              <a:schemeClr val="accent1"/>
+            </a:effectRef>
+            <a:fontRef idx="minor">
+              <a:schemeClr val="lt1"/>
+            </a:fontRef>
+          </p:style>
+          <p:txBody>
+            <a:bodyPr rtlCol="0" anchor="ctr"/>
+            <a:lstStyle/>
+            <a:p>
+              <a:pPr algn="ctr"/>
+              <a:endParaRPr lang="en-US"/>
+            </a:p>
+          </p:txBody>
+        </p:sp>
+        <p:pic>
+          <p:nvPicPr>
+            <p:cNvPr id="12" name="Picture 11">
+              <a:extLst>
+                <a:ext uri="{FF2B5EF4-FFF2-40B4-BE49-F238E27FC236}">
+                  <a16:creationId xmlns:a16="http://schemas.microsoft.com/office/drawing/2014/main" id="{46DE6E62-CB57-4081-8725-4C56C5F0059F}"/>
+                </a:ext>
+              </a:extLst>
+            </p:cNvPr>
+            <p:cNvPicPr>
+              <a:picLocks noChangeAspect="1"/>
+            </p:cNvPicPr>
+            <p:nvPr/>
+          </p:nvPicPr>
+          <p:blipFill>
+            <a:blip r:embed="rId4">
+              <a:extLst>
+                <a:ext uri="{BEBA8EAE-BF5A-486C-A8C5-ECC9F3942E4B}">
+                  <a14:imgProps xmlns:a14="http://schemas.microsoft.com/office/drawing/2010/main">
+                    <a14:imgLayer r:embed="rId3">
+                      <a14:imgEffect>
+                        <a14:backgroundRemoval t="5333" b="92889" l="5222" r="93000">
+                          <a14:foregroundMark x1="9333" y1="46778" x2="8889" y2="49889"/>
+                          <a14:foregroundMark x1="49556" y1="7556" x2="42333" y2="8000"/>
+                          <a14:foregroundMark x1="42333" y1="8000" x2="49778" y2="6556"/>
+                          <a14:foregroundMark x1="49778" y1="6556" x2="57333" y2="8556"/>
+                          <a14:foregroundMark x1="57333" y1="8556" x2="58333" y2="9444"/>
+                          <a14:foregroundMark x1="91111" y1="38778" x2="93222" y2="55000"/>
+                          <a14:foregroundMark x1="5778" y1="46333" x2="5444" y2="50444"/>
+                          <a14:foregroundMark x1="37222" y1="91333" x2="52333" y2="92889"/>
+                          <a14:foregroundMark x1="52333" y1="92889" x2="62000" y2="91111"/>
+                          <a14:foregroundMark x1="51556" y1="5333" x2="51000" y2="5333"/>
+                        </a14:backgroundRemoval>
+                      </a14:imgEffect>
+                      <a14:imgEffect>
+                        <a14:saturation sat="0"/>
+                      </a14:imgEffect>
+                    </a14:imgLayer>
+                  </a14:imgProps>
+                </a:ext>
+                <a:ext uri="{28A0092B-C50C-407E-A947-70E740481C1C}">
+                  <a14:useLocalDpi xmlns:a14="http://schemas.microsoft.com/office/drawing/2010/main" val="0"/>
+                </a:ext>
+              </a:extLst>
+            </a:blip>
+            <a:stretch>
+              <a:fillRect/>
+            </a:stretch>
+          </p:blipFill>
+          <p:spPr>
+            <a:xfrm>
+              <a:off x="1541585" y="0"/>
+              <a:ext cx="6858000" cy="6858000"/>
+            </a:xfrm>
+            <a:prstGeom prst="rect">
+              <a:avLst/>
+            </a:prstGeom>
+          </p:spPr>
+        </p:pic>
+      </p:grpSp>
+    </p:spTree>
+    <p:extLst>
+      <p:ext uri="{BB962C8B-B14F-4D97-AF65-F5344CB8AC3E}">
+        <p14:creationId xmlns:p14="http://schemas.microsoft.com/office/powerpoint/2010/main" val="1088316494"/>
+      </p:ext>
+    </p:extLst>
+  </p:cSld>
+  <p:clrMapOvr>
+    <a:masterClrMapping/>
+  </p:clrMapOvr>
+</p:sld>
+</file>
+
+<file path=ppt/slides/slide5.xml><?xml version="1.0" encoding="utf-8"?>
+<p:sld xmlns:a="http://schemas.openxmlformats.org/drawingml/2006/main" xmlns:r="http://schemas.openxmlformats.org/officeDocument/2006/relationships" xmlns:p="http://schemas.openxmlformats.org/presentationml/2006/main">
+  <p:cSld>
+    <p:spTree>
+      <p:nvGrpSpPr>
+        <p:cNvPr id="1" name=""/>
+        <p:cNvGrpSpPr/>
+        <p:nvPr/>
+      </p:nvGrpSpPr>
+      <p:grpSpPr>
+        <a:xfrm>
+          <a:off x="0" y="0"/>
+          <a:ext cx="0" cy="0"/>
+          <a:chOff x="0" y="0"/>
+          <a:chExt cx="0" cy="0"/>
+        </a:xfrm>
+      </p:grpSpPr>
+      <p:grpSp>
+        <p:nvGrpSpPr>
+          <p:cNvPr id="19" name="Group 18">
+            <a:extLst>
+              <a:ext uri="{FF2B5EF4-FFF2-40B4-BE49-F238E27FC236}">
+                <a16:creationId xmlns:a16="http://schemas.microsoft.com/office/drawing/2014/main" id="{8C45ADB9-0378-40DA-879E-508AB4FD2955}"/>
+              </a:ext>
+            </a:extLst>
+          </p:cNvPr>
+          <p:cNvGrpSpPr/>
+          <p:nvPr/>
+        </p:nvGrpSpPr>
+        <p:grpSpPr>
+          <a:xfrm>
+            <a:off x="-651014" y="361840"/>
+            <a:ext cx="6858000" cy="6858000"/>
+            <a:chOff x="-328246" y="152401"/>
+            <a:chExt cx="6858000" cy="6858000"/>
+          </a:xfrm>
+        </p:grpSpPr>
+        <p:sp>
+          <p:nvSpPr>
+            <p:cNvPr id="18" name="Rectangle 17">
+              <a:extLst>
+                <a:ext uri="{FF2B5EF4-FFF2-40B4-BE49-F238E27FC236}">
+                  <a16:creationId xmlns:a16="http://schemas.microsoft.com/office/drawing/2014/main" id="{AE955291-E6FD-49E9-93D7-109AADE11298}"/>
+                </a:ext>
+              </a:extLst>
+            </p:cNvPr>
+            <p:cNvSpPr/>
+            <p:nvPr/>
+          </p:nvSpPr>
+          <p:spPr>
+            <a:xfrm>
+              <a:off x="728133" y="1456267"/>
+              <a:ext cx="4572000" cy="4135641"/>
+            </a:xfrm>
+            <a:prstGeom prst="rect">
+              <a:avLst/>
+            </a:prstGeom>
+            <a:solidFill>
+              <a:schemeClr val="bg1"/>
+            </a:solidFill>
+            <a:ln>
+              <a:solidFill>
+                <a:schemeClr val="bg1">
+                  <a:lumMod val="95000"/>
+                </a:schemeClr>
+              </a:solidFill>
+            </a:ln>
+          </p:spPr>
+          <p:style>
+            <a:lnRef idx="2">
+              <a:schemeClr val="accent1">
+                <a:shade val="50000"/>
+              </a:schemeClr>
+            </a:lnRef>
+            <a:fillRef idx="1">
+              <a:schemeClr val="accent1"/>
+            </a:fillRef>
+            <a:effectRef idx="0">
+              <a:schemeClr val="accent1"/>
+            </a:effectRef>
+            <a:fontRef idx="minor">
+              <a:schemeClr val="lt1"/>
+            </a:fontRef>
+          </p:style>
+          <p:txBody>
+            <a:bodyPr rtlCol="0" anchor="ctr"/>
+            <a:lstStyle/>
+            <a:p>
+              <a:pPr algn="ctr"/>
+              <a:endParaRPr lang="en-US"/>
+            </a:p>
+          </p:txBody>
+        </p:sp>
+        <p:pic>
+          <p:nvPicPr>
+            <p:cNvPr id="17" name="Picture 16">
+              <a:extLst>
+                <a:ext uri="{FF2B5EF4-FFF2-40B4-BE49-F238E27FC236}">
+                  <a16:creationId xmlns:a16="http://schemas.microsoft.com/office/drawing/2014/main" id="{D710F688-C4A4-4782-BD43-D717580F921C}"/>
+                </a:ext>
+              </a:extLst>
+            </p:cNvPr>
+            <p:cNvPicPr>
+              <a:picLocks noChangeAspect="1"/>
+            </p:cNvPicPr>
+            <p:nvPr/>
+          </p:nvPicPr>
+          <p:blipFill>
+            <a:blip r:embed="rId2">
+              <a:extLst>
+                <a:ext uri="{BEBA8EAE-BF5A-486C-A8C5-ECC9F3942E4B}">
+                  <a14:imgProps xmlns:a14="http://schemas.microsoft.com/office/drawing/2010/main">
+                    <a14:imgLayer r:embed="rId3">
+                      <a14:imgEffect>
+                        <a14:backgroundRemoval t="5000" b="97000" l="3222" r="95667">
+                          <a14:foregroundMark x1="13444" y1="35333" x2="20444" y2="48444"/>
+                          <a14:foregroundMark x1="50333" y1="41778" x2="46778" y2="49333"/>
+                          <a14:foregroundMark x1="46778" y1="49333" x2="53889" y2="43889"/>
+                          <a14:foregroundMark x1="53889" y1="43889" x2="48556" y2="39111"/>
+                          <a14:foregroundMark x1="48556" y1="39111" x2="41889" y2="42222"/>
+                          <a14:foregroundMark x1="41889" y1="42222" x2="42889" y2="49444"/>
+                          <a14:foregroundMark x1="42889" y1="49444" x2="52333" y2="47556"/>
+                          <a14:foregroundMark x1="52333" y1="47556" x2="53000" y2="46222"/>
+                          <a14:foregroundMark x1="47556" y1="40778" x2="39667" y2="45778"/>
+                          <a14:foregroundMark x1="39667" y1="45778" x2="41667" y2="54000"/>
+                          <a14:foregroundMark x1="41667" y1="54000" x2="50556" y2="48778"/>
+                          <a14:foregroundMark x1="50556" y1="48778" x2="46778" y2="41222"/>
+                          <a14:foregroundMark x1="46778" y1="41222" x2="39000" y2="41222"/>
+                          <a14:foregroundMark x1="39000" y1="41222" x2="35333" y2="48778"/>
+                          <a14:foregroundMark x1="35333" y1="48778" x2="42444" y2="52000"/>
+                          <a14:foregroundMark x1="42444" y1="52000" x2="50889" y2="47444"/>
+                          <a14:foregroundMark x1="50889" y1="47444" x2="55333" y2="40444"/>
+                          <a14:foregroundMark x1="55333" y1="40444" x2="42111" y2="50889"/>
+                          <a14:foregroundMark x1="42111" y1="50889" x2="48778" y2="51889"/>
+                          <a14:foregroundMark x1="57444" y1="11333" x2="40111" y2="15444"/>
+                          <a14:foregroundMark x1="40111" y1="15444" x2="31444" y2="21222"/>
+                          <a14:foregroundMark x1="31444" y1="21222" x2="21222" y2="46667"/>
+                          <a14:foregroundMark x1="21222" y1="46667" x2="21556" y2="58222"/>
+                          <a14:foregroundMark x1="21556" y1="58222" x2="24778" y2="64556"/>
+                          <a14:foregroundMark x1="24778" y1="64556" x2="37889" y2="76000"/>
+                          <a14:foregroundMark x1="37889" y1="76000" x2="56778" y2="82111"/>
+                          <a14:foregroundMark x1="56778" y1="82111" x2="73889" y2="80889"/>
+                          <a14:foregroundMark x1="73889" y1="80889" x2="80111" y2="74667"/>
+                          <a14:foregroundMark x1="80111" y1="74667" x2="80889" y2="27889"/>
+                          <a14:foregroundMark x1="80889" y1="27889" x2="58667" y2="10111"/>
+                          <a14:foregroundMark x1="58667" y1="10111" x2="55000" y2="12889"/>
+                          <a14:foregroundMark x1="39667" y1="13333" x2="29889" y2="15222"/>
+                          <a14:foregroundMark x1="29889" y1="15222" x2="12111" y2="31556"/>
+                          <a14:foregroundMark x1="12111" y1="31556" x2="10778" y2="41778"/>
+                          <a14:foregroundMark x1="10778" y1="41778" x2="12778" y2="49333"/>
+                          <a14:foregroundMark x1="12778" y1="49333" x2="11889" y2="66222"/>
+                          <a14:foregroundMark x1="11889" y1="66222" x2="23889" y2="81000"/>
+                          <a14:foregroundMark x1="23889" y1="81000" x2="34111" y2="85222"/>
+                          <a14:foregroundMark x1="34111" y1="85222" x2="58556" y2="86889"/>
+                          <a14:foregroundMark x1="58556" y1="86889" x2="66333" y2="85667"/>
+                          <a14:foregroundMark x1="66333" y1="85667" x2="49556" y2="74556"/>
+                          <a14:foregroundMark x1="49556" y1="74556" x2="56111" y2="69444"/>
+                          <a14:foregroundMark x1="56111" y1="69444" x2="60222" y2="76222"/>
+                          <a14:foregroundMark x1="60222" y1="76222" x2="69778" y2="80222"/>
+                          <a14:foregroundMark x1="69778" y1="80222" x2="77222" y2="80111"/>
+                          <a14:foregroundMark x1="77222" y1="80111" x2="82667" y2="72000"/>
+                          <a14:foregroundMark x1="82667" y1="72000" x2="81889" y2="63667"/>
+                          <a14:foregroundMark x1="81889" y1="63667" x2="69556" y2="52333"/>
+                          <a14:foregroundMark x1="69556" y1="52333" x2="78111" y2="51667"/>
+                          <a14:foregroundMark x1="78111" y1="51667" x2="84444" y2="55000"/>
+                          <a14:foregroundMark x1="84444" y1="55000" x2="92333" y2="53667"/>
+                          <a14:foregroundMark x1="92333" y1="53667" x2="89444" y2="45556"/>
+                          <a14:foregroundMark x1="89444" y1="45556" x2="84111" y2="40667"/>
+                          <a14:foregroundMark x1="84111" y1="40667" x2="74000" y2="39667"/>
+                          <a14:foregroundMark x1="74000" y1="39667" x2="72778" y2="30556"/>
+                          <a14:foregroundMark x1="72778" y1="30556" x2="80111" y2="27889"/>
+                          <a14:foregroundMark x1="80111" y1="27889" x2="72000" y2="23111"/>
+                          <a14:foregroundMark x1="72000" y1="23111" x2="63778" y2="23222"/>
+                          <a14:foregroundMark x1="63778" y1="23222" x2="63444" y2="14444"/>
+                          <a14:foregroundMark x1="63444" y1="14444" x2="57778" y2="10111"/>
+                          <a14:foregroundMark x1="57778" y1="10111" x2="51222" y2="13444"/>
+                          <a14:foregroundMark x1="51222" y1="13444" x2="48889" y2="20444"/>
+                          <a14:foregroundMark x1="48889" y1="20444" x2="44444" y2="13889"/>
+                          <a14:foregroundMark x1="44444" y1="13889" x2="38000" y2="10222"/>
+                          <a14:foregroundMark x1="38000" y1="10222" x2="24667" y2="17889"/>
+                          <a14:foregroundMark x1="24667" y1="17889" x2="23222" y2="25889"/>
+                          <a14:foregroundMark x1="23222" y1="25889" x2="11111" y2="39333"/>
+                          <a14:foregroundMark x1="11111" y1="39333" x2="14667" y2="46111"/>
+                          <a14:foregroundMark x1="14667" y1="46111" x2="11333" y2="53667"/>
+                          <a14:foregroundMark x1="11333" y1="53667" x2="14333" y2="62667"/>
+                          <a14:foregroundMark x1="14333" y1="62667" x2="10000" y2="69667"/>
+                          <a14:foregroundMark x1="10000" y1="69667" x2="17667" y2="72667"/>
+                          <a14:foregroundMark x1="17667" y1="72667" x2="24556" y2="72444"/>
+                          <a14:foregroundMark x1="24556" y1="72444" x2="22111" y2="83000"/>
+                          <a14:foregroundMark x1="22111" y1="83000" x2="29000" y2="87889"/>
+                          <a14:foregroundMark x1="29000" y1="87889" x2="38333" y2="90222"/>
+                          <a14:foregroundMark x1="38333" y1="90222" x2="41111" y2="82667"/>
+                          <a14:foregroundMark x1="41111" y1="82667" x2="38889" y2="89556"/>
+                          <a14:foregroundMark x1="38889" y1="89556" x2="47222" y2="85667"/>
+                          <a14:foregroundMark x1="47222" y1="85667" x2="31667" y2="62000"/>
+                          <a14:foregroundMark x1="31667" y1="62000" x2="42556" y2="67333"/>
+                          <a14:foregroundMark x1="42556" y1="67333" x2="50889" y2="67444"/>
+                          <a14:foregroundMark x1="50889" y1="67444" x2="53778" y2="65889"/>
+                          <a14:foregroundMark x1="8111" y1="35333" x2="5667" y2="42222"/>
+                          <a14:foregroundMark x1="5667" y1="42222" x2="6889" y2="59000"/>
+                          <a14:foregroundMark x1="6889" y1="59000" x2="9778" y2="63222"/>
+                          <a14:foregroundMark x1="37889" y1="93778" x2="53778" y2="95111"/>
+                          <a14:foregroundMark x1="53778" y1="95111" x2="60889" y2="93222"/>
+                          <a14:foregroundMark x1="60889" y1="93222" x2="61111" y2="92556"/>
+                          <a14:foregroundMark x1="93778" y1="40222" x2="95667" y2="54333"/>
+                          <a14:foregroundMark x1="41889" y1="5667" x2="49556" y2="5222"/>
+                          <a14:foregroundMark x1="49556" y1="5222" x2="51556" y2="5222"/>
+                          <a14:foregroundMark x1="3667" y1="50333" x2="3333" y2="50333"/>
+                          <a14:foregroundMark x1="51778" y1="96556" x2="51778" y2="97000"/>
+                        </a14:backgroundRemoval>
+                      </a14:imgEffect>
+                      <a14:imgEffect>
+                        <a14:brightnessContrast bright="-20000" contrast="20000"/>
+                      </a14:imgEffect>
+                    </a14:imgLayer>
+                  </a14:imgProps>
+                </a:ext>
+                <a:ext uri="{28A0092B-C50C-407E-A947-70E740481C1C}">
+                  <a14:useLocalDpi xmlns:a14="http://schemas.microsoft.com/office/drawing/2010/main" val="0"/>
+                </a:ext>
+              </a:extLst>
+            </a:blip>
+            <a:stretch>
+              <a:fillRect/>
+            </a:stretch>
+          </p:blipFill>
+          <p:spPr>
+            <a:xfrm>
+              <a:off x="-328246" y="152401"/>
+              <a:ext cx="6858000" cy="6858000"/>
+            </a:xfrm>
+            <a:prstGeom prst="rect">
+              <a:avLst/>
+            </a:prstGeom>
+          </p:spPr>
+        </p:pic>
+      </p:grpSp>
+      <p:grpSp>
+        <p:nvGrpSpPr>
+          <p:cNvPr id="6" name="Group 5">
+            <a:extLst>
+              <a:ext uri="{FF2B5EF4-FFF2-40B4-BE49-F238E27FC236}">
+                <a16:creationId xmlns:a16="http://schemas.microsoft.com/office/drawing/2014/main" id="{86D15A27-4BA2-4B49-8B6F-96EEC3B7D612}"/>
+              </a:ext>
+            </a:extLst>
+          </p:cNvPr>
+          <p:cNvGrpSpPr/>
+          <p:nvPr/>
+        </p:nvGrpSpPr>
+        <p:grpSpPr>
+          <a:xfrm>
+            <a:off x="5449141" y="-99790"/>
+            <a:ext cx="3530991" cy="3530991"/>
+            <a:chOff x="5449141" y="-99790"/>
+            <a:chExt cx="3530991" cy="3530991"/>
+          </a:xfrm>
+        </p:grpSpPr>
+        <p:grpSp>
+          <p:nvGrpSpPr>
+            <p:cNvPr id="22" name="Group 21">
+              <a:extLst>
+                <a:ext uri="{FF2B5EF4-FFF2-40B4-BE49-F238E27FC236}">
+                  <a16:creationId xmlns:a16="http://schemas.microsoft.com/office/drawing/2014/main" id="{A038B036-8AE3-4112-842A-E44CE0FD88B9}"/>
+                </a:ext>
+              </a:extLst>
+            </p:cNvPr>
+            <p:cNvGrpSpPr/>
+            <p:nvPr/>
+          </p:nvGrpSpPr>
+          <p:grpSpPr>
+            <a:xfrm>
+              <a:off x="5449141" y="-99790"/>
+              <a:ext cx="3530991" cy="3530991"/>
+              <a:chOff x="-133962" y="0"/>
+              <a:chExt cx="6858000" cy="6858000"/>
+            </a:xfrm>
+          </p:grpSpPr>
+          <p:grpSp>
+            <p:nvGrpSpPr>
+              <p:cNvPr id="23" name="Group 22">
+                <a:extLst>
+                  <a:ext uri="{FF2B5EF4-FFF2-40B4-BE49-F238E27FC236}">
+                    <a16:creationId xmlns:a16="http://schemas.microsoft.com/office/drawing/2014/main" id="{12D88BD5-E81D-4358-B6DD-EA44CBE1C16B}"/>
+                  </a:ext>
+                </a:extLst>
+              </p:cNvPr>
+              <p:cNvGrpSpPr/>
+              <p:nvPr/>
+            </p:nvGrpSpPr>
+            <p:grpSpPr>
+              <a:xfrm>
+                <a:off x="-133962" y="0"/>
+                <a:ext cx="6858000" cy="6858000"/>
+                <a:chOff x="1541585" y="0"/>
+                <a:chExt cx="6858000" cy="6858000"/>
+              </a:xfrm>
+            </p:grpSpPr>
+            <p:sp>
+              <p:nvSpPr>
+                <p:cNvPr id="25" name="Rectangle 24">
+                  <a:extLst>
+                    <a:ext uri="{FF2B5EF4-FFF2-40B4-BE49-F238E27FC236}">
+                      <a16:creationId xmlns:a16="http://schemas.microsoft.com/office/drawing/2014/main" id="{04A46578-8F06-44F7-A478-257A69101372}"/>
+                    </a:ext>
+                  </a:extLst>
+                </p:cNvPr>
+                <p:cNvSpPr/>
+                <p:nvPr/>
+              </p:nvSpPr>
+              <p:spPr>
+                <a:xfrm>
+                  <a:off x="2757268" y="2039815"/>
+                  <a:ext cx="4135901" cy="3291840"/>
+                </a:xfrm>
+                <a:prstGeom prst="rect">
+                  <a:avLst/>
+                </a:prstGeom>
+                <a:solidFill>
+                  <a:schemeClr val="bg1"/>
+                </a:solidFill>
+              </p:spPr>
+              <p:style>
+                <a:lnRef idx="2">
+                  <a:schemeClr val="accent1">
+                    <a:shade val="50000"/>
+                  </a:schemeClr>
+                </a:lnRef>
+                <a:fillRef idx="1">
+                  <a:schemeClr val="accent1"/>
+                </a:fillRef>
+                <a:effectRef idx="0">
+                  <a:schemeClr val="accent1"/>
+                </a:effectRef>
+                <a:fontRef idx="minor">
+                  <a:schemeClr val="lt1"/>
+                </a:fontRef>
+              </p:style>
+              <p:txBody>
+                <a:bodyPr rtlCol="0" anchor="ctr"/>
+                <a:lstStyle/>
+                <a:p>
+                  <a:pPr algn="ctr"/>
+                  <a:endParaRPr lang="en-US"/>
+                </a:p>
+              </p:txBody>
+            </p:sp>
+            <p:pic>
+              <p:nvPicPr>
+                <p:cNvPr id="26" name="Picture 25">
+                  <a:extLst>
+                    <a:ext uri="{FF2B5EF4-FFF2-40B4-BE49-F238E27FC236}">
+                      <a16:creationId xmlns:a16="http://schemas.microsoft.com/office/drawing/2014/main" id="{5BC7200D-3299-48D5-AE48-11FD7E2F0804}"/>
+                    </a:ext>
+                  </a:extLst>
+                </p:cNvPr>
+                <p:cNvPicPr>
+                  <a:picLocks noChangeAspect="1"/>
+                </p:cNvPicPr>
+                <p:nvPr/>
+              </p:nvPicPr>
+              <p:blipFill>
+                <a:blip r:embed="rId4">
+                  <a:extLst>
+                    <a:ext uri="{BEBA8EAE-BF5A-486C-A8C5-ECC9F3942E4B}">
+                      <a14:imgProps xmlns:a14="http://schemas.microsoft.com/office/drawing/2010/main">
+                        <a14:imgLayer r:embed="rId5">
+                          <a14:imgEffect>
+                            <a14:backgroundRemoval t="5333" b="92889" l="5222" r="93000">
+                              <a14:foregroundMark x1="9333" y1="46778" x2="8889" y2="49889"/>
+                              <a14:foregroundMark x1="49556" y1="7556" x2="42333" y2="8000"/>
+                              <a14:foregroundMark x1="42333" y1="8000" x2="49778" y2="6556"/>
+                              <a14:foregroundMark x1="49778" y1="6556" x2="57333" y2="8556"/>
+                              <a14:foregroundMark x1="57333" y1="8556" x2="58333" y2="9444"/>
+                              <a14:foregroundMark x1="91111" y1="38778" x2="93222" y2="55000"/>
+                              <a14:foregroundMark x1="5778" y1="46333" x2="5444" y2="50444"/>
+                              <a14:foregroundMark x1="37222" y1="91333" x2="52333" y2="92889"/>
+                              <a14:foregroundMark x1="52333" y1="92889" x2="62000" y2="91111"/>
+                              <a14:foregroundMark x1="51556" y1="5333" x2="51000" y2="5333"/>
+                            </a14:backgroundRemoval>
+                          </a14:imgEffect>
+                        </a14:imgLayer>
+                      </a14:imgProps>
+                    </a:ext>
+                    <a:ext uri="{28A0092B-C50C-407E-A947-70E740481C1C}">
+                      <a14:useLocalDpi xmlns:a14="http://schemas.microsoft.com/office/drawing/2010/main" val="0"/>
+                    </a:ext>
+                  </a:extLst>
+                </a:blip>
+                <a:stretch>
+                  <a:fillRect/>
+                </a:stretch>
+              </p:blipFill>
+              <p:spPr>
+                <a:xfrm>
+                  <a:off x="1541585" y="0"/>
+                  <a:ext cx="6858000" cy="6858000"/>
+                </a:xfrm>
+                <a:prstGeom prst="rect">
+                  <a:avLst/>
+                </a:prstGeom>
+              </p:spPr>
+            </p:pic>
+          </p:grpSp>
+          <p:sp>
+            <p:nvSpPr>
+              <p:cNvPr id="24" name="Oval 23">
+                <a:extLst>
+                  <a:ext uri="{FF2B5EF4-FFF2-40B4-BE49-F238E27FC236}">
+                    <a16:creationId xmlns:a16="http://schemas.microsoft.com/office/drawing/2014/main" id="{DDF8183D-0ABD-4049-B451-4AB976267577}"/>
+                  </a:ext>
+                </a:extLst>
+              </p:cNvPr>
+              <p:cNvSpPr/>
+              <p:nvPr/>
+            </p:nvSpPr>
+            <p:spPr>
+              <a:xfrm>
+                <a:off x="1350498" y="1744394"/>
+                <a:ext cx="3812345" cy="3530991"/>
+              </a:xfrm>
+              <a:prstGeom prst="ellipse">
+                <a:avLst/>
+              </a:prstGeom>
+              <a:solidFill>
+                <a:srgbClr val="2BA6E1"/>
+              </a:solidFill>
+              <a:ln>
+                <a:solidFill>
+                  <a:srgbClr val="2BA6E1"/>
+                </a:solidFill>
+              </a:ln>
+            </p:spPr>
+            <p:style>
+              <a:lnRef idx="2">
+                <a:schemeClr val="accent1">
+                  <a:shade val="50000"/>
+                </a:schemeClr>
+              </a:lnRef>
+              <a:fillRef idx="1">
+                <a:schemeClr val="accent1"/>
+              </a:fillRef>
+              <a:effectRef idx="0">
+                <a:schemeClr val="accent1"/>
+              </a:effectRef>
+              <a:fontRef idx="minor">
+                <a:schemeClr val="lt1"/>
+              </a:fontRef>
+            </p:style>
+            <p:txBody>
+              <a:bodyPr rtlCol="0" anchor="ctr"/>
+              <a:lstStyle/>
+              <a:p>
+                <a:pPr algn="ctr"/>
+                <a:endParaRPr lang="en-US"/>
+              </a:p>
+            </p:txBody>
+          </p:sp>
+        </p:grpSp>
+        <p:sp>
+          <p:nvSpPr>
+            <p:cNvPr id="5" name="Rectangle 4">
+              <a:extLst>
+                <a:ext uri="{FF2B5EF4-FFF2-40B4-BE49-F238E27FC236}">
+                  <a16:creationId xmlns:a16="http://schemas.microsoft.com/office/drawing/2014/main" id="{CA177D40-E08B-4472-91AE-AA3A035E2BE6}"/>
+                </a:ext>
+              </a:extLst>
+            </p:cNvPr>
+            <p:cNvSpPr/>
+            <p:nvPr/>
+          </p:nvSpPr>
+          <p:spPr>
+            <a:xfrm>
+              <a:off x="5702538" y="1111707"/>
+              <a:ext cx="2874505" cy="1107996"/>
+            </a:xfrm>
+            <a:prstGeom prst="rect">
+              <a:avLst/>
+            </a:prstGeom>
+            <a:noFill/>
+          </p:spPr>
+          <p:txBody>
+            <a:bodyPr wrap="none" lIns="91440" tIns="45720" rIns="91440" bIns="45720">
+              <a:spAutoFit/>
+            </a:bodyPr>
+            <a:lstStyle/>
+            <a:p>
+              <a:pPr algn="ctr"/>
+              <a:r>
+                <a:rPr lang="en-US" sz="6600" dirty="0">
+                  <a:ln w="0"/>
+                  <a:latin typeface="Bahnschrift Light SemiCondensed" panose="020B0502040204020203" pitchFamily="34" charset="0"/>
+                </a:rPr>
+                <a:t>SEARCH</a:t>
+              </a:r>
+              <a:endParaRPr lang="en-US" sz="6600" b="0" cap="none" spc="0" dirty="0">
+                <a:ln w="0"/>
+                <a:solidFill>
+                  <a:schemeClr val="tx1"/>
+                </a:solidFill>
+                <a:latin typeface="Bahnschrift Light SemiCondensed" panose="020B0502040204020203" pitchFamily="34" charset="0"/>
+              </a:endParaRPr>
+            </a:p>
+          </p:txBody>
+        </p:sp>
+      </p:grpSp>
+      <p:grpSp>
+        <p:nvGrpSpPr>
+          <p:cNvPr id="7" name="Group 6">
+            <a:extLst>
+              <a:ext uri="{FF2B5EF4-FFF2-40B4-BE49-F238E27FC236}">
+                <a16:creationId xmlns:a16="http://schemas.microsoft.com/office/drawing/2014/main" id="{78FECB28-AB3C-4371-92DD-AAFCDBF6A027}"/>
+              </a:ext>
+            </a:extLst>
+          </p:cNvPr>
+          <p:cNvGrpSpPr/>
+          <p:nvPr/>
+        </p:nvGrpSpPr>
+        <p:grpSpPr>
+          <a:xfrm>
+            <a:off x="6996587" y="3327009"/>
+            <a:ext cx="3530991" cy="3530991"/>
+            <a:chOff x="6996587" y="3327009"/>
+            <a:chExt cx="3530991" cy="3530991"/>
+          </a:xfrm>
+        </p:grpSpPr>
+        <p:grpSp>
+          <p:nvGrpSpPr>
+            <p:cNvPr id="33" name="Group 32">
+              <a:extLst>
+                <a:ext uri="{FF2B5EF4-FFF2-40B4-BE49-F238E27FC236}">
+                  <a16:creationId xmlns:a16="http://schemas.microsoft.com/office/drawing/2014/main" id="{3D929773-6006-49BE-A8DF-BA7ED3FE7F3B}"/>
+                </a:ext>
+              </a:extLst>
+            </p:cNvPr>
+            <p:cNvGrpSpPr/>
+            <p:nvPr/>
+          </p:nvGrpSpPr>
+          <p:grpSpPr>
+            <a:xfrm>
+              <a:off x="6996587" y="3327009"/>
+              <a:ext cx="3530991" cy="3530991"/>
+              <a:chOff x="-133962" y="0"/>
+              <a:chExt cx="6858000" cy="6858000"/>
+            </a:xfrm>
+          </p:grpSpPr>
+          <p:grpSp>
+            <p:nvGrpSpPr>
+              <p:cNvPr id="34" name="Group 33">
+                <a:extLst>
+                  <a:ext uri="{FF2B5EF4-FFF2-40B4-BE49-F238E27FC236}">
+                    <a16:creationId xmlns:a16="http://schemas.microsoft.com/office/drawing/2014/main" id="{76BD2EA8-EF21-41F3-BCBF-641D8F04A729}"/>
+                  </a:ext>
+                </a:extLst>
+              </p:cNvPr>
+              <p:cNvGrpSpPr/>
+              <p:nvPr/>
+            </p:nvGrpSpPr>
+            <p:grpSpPr>
+              <a:xfrm>
+                <a:off x="-133962" y="0"/>
+                <a:ext cx="6858000" cy="6858000"/>
+                <a:chOff x="1541585" y="0"/>
+                <a:chExt cx="6858000" cy="6858000"/>
+              </a:xfrm>
+            </p:grpSpPr>
+            <p:sp>
+              <p:nvSpPr>
+                <p:cNvPr id="36" name="Rectangle 35">
+                  <a:extLst>
+                    <a:ext uri="{FF2B5EF4-FFF2-40B4-BE49-F238E27FC236}">
+                      <a16:creationId xmlns:a16="http://schemas.microsoft.com/office/drawing/2014/main" id="{D54522D4-07C4-456D-BA79-CC0A684ED694}"/>
+                    </a:ext>
+                  </a:extLst>
+                </p:cNvPr>
+                <p:cNvSpPr/>
+                <p:nvPr/>
+              </p:nvSpPr>
+              <p:spPr>
+                <a:xfrm>
+                  <a:off x="2757268" y="2039815"/>
+                  <a:ext cx="4135901" cy="3291840"/>
+                </a:xfrm>
+                <a:prstGeom prst="rect">
+                  <a:avLst/>
+                </a:prstGeom>
+                <a:solidFill>
+                  <a:schemeClr val="bg1"/>
+                </a:solidFill>
+              </p:spPr>
+              <p:style>
+                <a:lnRef idx="2">
+                  <a:schemeClr val="accent1">
+                    <a:shade val="50000"/>
+                  </a:schemeClr>
+                </a:lnRef>
+                <a:fillRef idx="1">
+                  <a:schemeClr val="accent1"/>
+                </a:fillRef>
+                <a:effectRef idx="0">
+                  <a:schemeClr val="accent1"/>
+                </a:effectRef>
+                <a:fontRef idx="minor">
+                  <a:schemeClr val="lt1"/>
+                </a:fontRef>
+              </p:style>
+              <p:txBody>
+                <a:bodyPr rtlCol="0" anchor="ctr"/>
+                <a:lstStyle/>
+                <a:p>
+                  <a:pPr algn="ctr"/>
+                  <a:endParaRPr lang="en-US"/>
+                </a:p>
+              </p:txBody>
+            </p:sp>
+            <p:pic>
+              <p:nvPicPr>
+                <p:cNvPr id="37" name="Picture 36">
+                  <a:extLst>
+                    <a:ext uri="{FF2B5EF4-FFF2-40B4-BE49-F238E27FC236}">
+                      <a16:creationId xmlns:a16="http://schemas.microsoft.com/office/drawing/2014/main" id="{B68F951B-057A-430A-B808-498CD804B8E8}"/>
+                    </a:ext>
+                  </a:extLst>
+                </p:cNvPr>
+                <p:cNvPicPr>
+                  <a:picLocks noChangeAspect="1"/>
+                </p:cNvPicPr>
+                <p:nvPr/>
+              </p:nvPicPr>
+              <p:blipFill>
+                <a:blip r:embed="rId4">
+                  <a:extLst>
+                    <a:ext uri="{BEBA8EAE-BF5A-486C-A8C5-ECC9F3942E4B}">
+                      <a14:imgProps xmlns:a14="http://schemas.microsoft.com/office/drawing/2010/main">
+                        <a14:imgLayer r:embed="rId5">
+                          <a14:imgEffect>
+                            <a14:backgroundRemoval t="5333" b="92889" l="5222" r="93000">
+                              <a14:foregroundMark x1="9333" y1="46778" x2="8889" y2="49889"/>
+                              <a14:foregroundMark x1="49556" y1="7556" x2="42333" y2="8000"/>
+                              <a14:foregroundMark x1="42333" y1="8000" x2="49778" y2="6556"/>
+                              <a14:foregroundMark x1="49778" y1="6556" x2="57333" y2="8556"/>
+                              <a14:foregroundMark x1="57333" y1="8556" x2="58333" y2="9444"/>
+                              <a14:foregroundMark x1="91111" y1="38778" x2="93222" y2="55000"/>
+                              <a14:foregroundMark x1="5778" y1="46333" x2="5444" y2="50444"/>
+                              <a14:foregroundMark x1="37222" y1="91333" x2="52333" y2="92889"/>
+                              <a14:foregroundMark x1="52333" y1="92889" x2="62000" y2="91111"/>
+                              <a14:foregroundMark x1="51556" y1="5333" x2="51000" y2="5333"/>
+                            </a14:backgroundRemoval>
+                          </a14:imgEffect>
+                        </a14:imgLayer>
+                      </a14:imgProps>
+                    </a:ext>
+                    <a:ext uri="{28A0092B-C50C-407E-A947-70E740481C1C}">
+                      <a14:useLocalDpi xmlns:a14="http://schemas.microsoft.com/office/drawing/2010/main" val="0"/>
+                    </a:ext>
+                  </a:extLst>
+                </a:blip>
+                <a:stretch>
+                  <a:fillRect/>
+                </a:stretch>
+              </p:blipFill>
+              <p:spPr>
+                <a:xfrm>
+                  <a:off x="1541585" y="0"/>
+                  <a:ext cx="6858000" cy="6858000"/>
+                </a:xfrm>
+                <a:prstGeom prst="rect">
+                  <a:avLst/>
+                </a:prstGeom>
+              </p:spPr>
+            </p:pic>
+          </p:grpSp>
+          <p:sp>
+            <p:nvSpPr>
+              <p:cNvPr id="35" name="Oval 34">
+                <a:extLst>
+                  <a:ext uri="{FF2B5EF4-FFF2-40B4-BE49-F238E27FC236}">
+                    <a16:creationId xmlns:a16="http://schemas.microsoft.com/office/drawing/2014/main" id="{4302A620-6811-4A98-87F7-20FA8CEC30E3}"/>
+                  </a:ext>
+                </a:extLst>
+              </p:cNvPr>
+              <p:cNvSpPr/>
+              <p:nvPr/>
+            </p:nvSpPr>
+            <p:spPr>
+              <a:xfrm>
+                <a:off x="1350498" y="1744394"/>
+                <a:ext cx="3812345" cy="3530991"/>
+              </a:xfrm>
+              <a:prstGeom prst="ellipse">
+                <a:avLst/>
+              </a:prstGeom>
+              <a:solidFill>
+                <a:srgbClr val="2BA6E1"/>
+              </a:solidFill>
+              <a:ln>
+                <a:solidFill>
+                  <a:srgbClr val="2BA6E1"/>
+                </a:solidFill>
+              </a:ln>
+            </p:spPr>
+            <p:style>
+              <a:lnRef idx="2">
+                <a:schemeClr val="accent1">
+                  <a:shade val="50000"/>
+                </a:schemeClr>
+              </a:lnRef>
+              <a:fillRef idx="1">
+                <a:schemeClr val="accent1"/>
+              </a:fillRef>
+              <a:effectRef idx="0">
+                <a:schemeClr val="accent1"/>
+              </a:effectRef>
+              <a:fontRef idx="minor">
+                <a:schemeClr val="lt1"/>
+              </a:fontRef>
+            </p:style>
+            <p:txBody>
+              <a:bodyPr rtlCol="0" anchor="ctr"/>
+              <a:lstStyle/>
+              <a:p>
+                <a:pPr algn="ctr"/>
+                <a:endParaRPr lang="en-US"/>
+              </a:p>
+            </p:txBody>
+          </p:sp>
+        </p:grpSp>
+        <p:sp>
+          <p:nvSpPr>
+            <p:cNvPr id="38" name="Rectangle 37">
+              <a:extLst>
+                <a:ext uri="{FF2B5EF4-FFF2-40B4-BE49-F238E27FC236}">
+                  <a16:creationId xmlns:a16="http://schemas.microsoft.com/office/drawing/2014/main" id="{087D0DCD-A75C-4273-9D09-9F2B8EFF8A1C}"/>
+                </a:ext>
+              </a:extLst>
+            </p:cNvPr>
+            <p:cNvSpPr/>
+            <p:nvPr/>
+          </p:nvSpPr>
+          <p:spPr>
+            <a:xfrm>
+              <a:off x="7466695" y="4161480"/>
+              <a:ext cx="2590774" cy="1862048"/>
+            </a:xfrm>
+            <a:prstGeom prst="rect">
+              <a:avLst/>
+            </a:prstGeom>
+            <a:noFill/>
+          </p:spPr>
+          <p:txBody>
+            <a:bodyPr wrap="none" lIns="91440" tIns="45720" rIns="91440" bIns="45720">
+              <a:spAutoFit/>
+            </a:bodyPr>
+            <a:lstStyle/>
+            <a:p>
+              <a:pPr algn="ctr"/>
+              <a:r>
+                <a:rPr lang="en-US" sz="11500" b="0" cap="none" spc="0" dirty="0">
+                  <a:ln w="0"/>
+                  <a:solidFill>
+                    <a:schemeClr val="tx1"/>
+                  </a:solidFill>
+                  <a:latin typeface="Bahnschrift Light SemiCondensed" panose="020B0502040204020203" pitchFamily="34" charset="0"/>
+                </a:rPr>
+                <a:t>ADD</a:t>
+              </a:r>
+            </a:p>
+          </p:txBody>
+        </p:sp>
+      </p:grpSp>
+      <p:grpSp>
+        <p:nvGrpSpPr>
+          <p:cNvPr id="39" name="Group 38">
+            <a:extLst>
+              <a:ext uri="{FF2B5EF4-FFF2-40B4-BE49-F238E27FC236}">
+                <a16:creationId xmlns:a16="http://schemas.microsoft.com/office/drawing/2014/main" id="{5F226C58-E952-4C60-826D-E5D830E682B8}"/>
+              </a:ext>
+            </a:extLst>
+          </p:cNvPr>
+          <p:cNvGrpSpPr/>
+          <p:nvPr/>
+        </p:nvGrpSpPr>
+        <p:grpSpPr>
+          <a:xfrm>
+            <a:off x="9029547" y="-101991"/>
+            <a:ext cx="3530991" cy="3530991"/>
+            <a:chOff x="-133962" y="0"/>
+            <a:chExt cx="6858000" cy="6858000"/>
+          </a:xfrm>
+        </p:grpSpPr>
+        <p:grpSp>
+          <p:nvGrpSpPr>
+            <p:cNvPr id="40" name="Group 39">
+              <a:extLst>
+                <a:ext uri="{FF2B5EF4-FFF2-40B4-BE49-F238E27FC236}">
+                  <a16:creationId xmlns:a16="http://schemas.microsoft.com/office/drawing/2014/main" id="{8774AD54-FA75-474F-B853-7D96147A4BC8}"/>
+                </a:ext>
+              </a:extLst>
+            </p:cNvPr>
+            <p:cNvGrpSpPr/>
+            <p:nvPr/>
+          </p:nvGrpSpPr>
+          <p:grpSpPr>
+            <a:xfrm>
+              <a:off x="-133962" y="0"/>
+              <a:ext cx="6858000" cy="6858000"/>
+              <a:chOff x="1541585" y="0"/>
+              <a:chExt cx="6858000" cy="6858000"/>
+            </a:xfrm>
+          </p:grpSpPr>
+          <p:sp>
+            <p:nvSpPr>
+              <p:cNvPr id="42" name="Rectangle 41">
+                <a:extLst>
+                  <a:ext uri="{FF2B5EF4-FFF2-40B4-BE49-F238E27FC236}">
+                    <a16:creationId xmlns:a16="http://schemas.microsoft.com/office/drawing/2014/main" id="{56D71774-6894-4C46-A81D-5917370237DE}"/>
+                  </a:ext>
+                </a:extLst>
+              </p:cNvPr>
+              <p:cNvSpPr/>
+              <p:nvPr/>
+            </p:nvSpPr>
+            <p:spPr>
+              <a:xfrm>
+                <a:off x="2757268" y="2039815"/>
+                <a:ext cx="4135901" cy="3291840"/>
+              </a:xfrm>
+              <a:prstGeom prst="rect">
+                <a:avLst/>
+              </a:prstGeom>
+              <a:solidFill>
+                <a:schemeClr val="bg1"/>
+              </a:solidFill>
+            </p:spPr>
+            <p:style>
+              <a:lnRef idx="2">
+                <a:schemeClr val="accent1">
+                  <a:shade val="50000"/>
+                </a:schemeClr>
+              </a:lnRef>
+              <a:fillRef idx="1">
+                <a:schemeClr val="accent1"/>
+              </a:fillRef>
+              <a:effectRef idx="0">
+                <a:schemeClr val="accent1"/>
+              </a:effectRef>
+              <a:fontRef idx="minor">
+                <a:schemeClr val="lt1"/>
+              </a:fontRef>
+            </p:style>
+            <p:txBody>
+              <a:bodyPr rtlCol="0" anchor="ctr"/>
+              <a:lstStyle/>
+              <a:p>
+                <a:pPr algn="ctr"/>
+                <a:endParaRPr lang="en-US"/>
+              </a:p>
+            </p:txBody>
+          </p:sp>
+          <p:pic>
+            <p:nvPicPr>
+              <p:cNvPr id="43" name="Picture 42">
+                <a:extLst>
+                  <a:ext uri="{FF2B5EF4-FFF2-40B4-BE49-F238E27FC236}">
+                    <a16:creationId xmlns:a16="http://schemas.microsoft.com/office/drawing/2014/main" id="{5C8E3BDD-FB68-4B3A-BA6E-F42CE76F7196}"/>
+                  </a:ext>
+                </a:extLst>
+              </p:cNvPr>
+              <p:cNvPicPr>
+                <a:picLocks noChangeAspect="1"/>
+              </p:cNvPicPr>
+              <p:nvPr/>
+            </p:nvPicPr>
+            <p:blipFill>
+              <a:blip r:embed="rId4">
+                <a:extLst>
+                  <a:ext uri="{BEBA8EAE-BF5A-486C-A8C5-ECC9F3942E4B}">
+                    <a14:imgProps xmlns:a14="http://schemas.microsoft.com/office/drawing/2010/main">
+                      <a14:imgLayer r:embed="rId5">
+                        <a14:imgEffect>
+                          <a14:backgroundRemoval t="5333" b="92889" l="5222" r="93000">
+                            <a14:foregroundMark x1="9333" y1="46778" x2="8889" y2="49889"/>
+                            <a14:foregroundMark x1="49556" y1="7556" x2="42333" y2="8000"/>
+                            <a14:foregroundMark x1="42333" y1="8000" x2="49778" y2="6556"/>
+                            <a14:foregroundMark x1="49778" y1="6556" x2="57333" y2="8556"/>
+                            <a14:foregroundMark x1="57333" y1="8556" x2="58333" y2="9444"/>
+                            <a14:foregroundMark x1="91111" y1="38778" x2="93222" y2="55000"/>
+                            <a14:foregroundMark x1="5778" y1="46333" x2="5444" y2="50444"/>
+                            <a14:foregroundMark x1="37222" y1="91333" x2="52333" y2="92889"/>
+                            <a14:foregroundMark x1="52333" y1="92889" x2="62000" y2="91111"/>
+                            <a14:foregroundMark x1="51556" y1="5333" x2="51000" y2="5333"/>
+                          </a14:backgroundRemoval>
+                        </a14:imgEffect>
+                      </a14:imgLayer>
+                    </a14:imgProps>
+                  </a:ext>
+                  <a:ext uri="{28A0092B-C50C-407E-A947-70E740481C1C}">
+                    <a14:useLocalDpi xmlns:a14="http://schemas.microsoft.com/office/drawing/2010/main" val="0"/>
+                  </a:ext>
+                </a:extLst>
+              </a:blip>
+              <a:stretch>
+                <a:fillRect/>
+              </a:stretch>
+            </p:blipFill>
+            <p:spPr>
+              <a:xfrm>
+                <a:off x="1541585" y="0"/>
+                <a:ext cx="6858000" cy="6858000"/>
+              </a:xfrm>
+              <a:prstGeom prst="rect">
+                <a:avLst/>
+              </a:prstGeom>
+            </p:spPr>
+          </p:pic>
+        </p:grpSp>
+        <p:sp>
+          <p:nvSpPr>
+            <p:cNvPr id="41" name="Oval 40">
+              <a:extLst>
+                <a:ext uri="{FF2B5EF4-FFF2-40B4-BE49-F238E27FC236}">
+                  <a16:creationId xmlns:a16="http://schemas.microsoft.com/office/drawing/2014/main" id="{2266E2F4-0925-48AF-8AD5-18F718E648FE}"/>
+                </a:ext>
+              </a:extLst>
+            </p:cNvPr>
+            <p:cNvSpPr/>
+            <p:nvPr/>
+          </p:nvSpPr>
+          <p:spPr>
+            <a:xfrm>
+              <a:off x="1350498" y="1744394"/>
+              <a:ext cx="3812345" cy="3530991"/>
+            </a:xfrm>
+            <a:prstGeom prst="ellipse">
+              <a:avLst/>
+            </a:prstGeom>
+            <a:solidFill>
+              <a:srgbClr val="2BA6E1"/>
+            </a:solidFill>
+            <a:ln>
+              <a:solidFill>
+                <a:srgbClr val="2BA6E1"/>
+              </a:solidFill>
+            </a:ln>
+          </p:spPr>
+          <p:style>
+            <a:lnRef idx="2">
+              <a:schemeClr val="accent1">
+                <a:shade val="50000"/>
+              </a:schemeClr>
+            </a:lnRef>
+            <a:fillRef idx="1">
+              <a:schemeClr val="accent1"/>
+            </a:fillRef>
+            <a:effectRef idx="0">
+              <a:schemeClr val="accent1"/>
+            </a:effectRef>
+            <a:fontRef idx="minor">
+              <a:schemeClr val="lt1"/>
+            </a:fontRef>
+          </p:style>
+          <p:txBody>
+            <a:bodyPr rtlCol="0" anchor="ctr"/>
+            <a:lstStyle/>
+            <a:p>
+              <a:pPr algn="ctr"/>
+              <a:endParaRPr lang="en-US"/>
+            </a:p>
+          </p:txBody>
+        </p:sp>
+      </p:grpSp>
+      <p:sp>
+        <p:nvSpPr>
+          <p:cNvPr id="44" name="Rectangle 43">
+            <a:extLst>
+              <a:ext uri="{FF2B5EF4-FFF2-40B4-BE49-F238E27FC236}">
+                <a16:creationId xmlns:a16="http://schemas.microsoft.com/office/drawing/2014/main" id="{FCF42DCF-55CE-46C7-815D-66138323DF75}"/>
+              </a:ext>
+            </a:extLst>
+          </p:cNvPr>
+          <p:cNvSpPr/>
+          <p:nvPr/>
+        </p:nvSpPr>
+        <p:spPr>
+          <a:xfrm>
+            <a:off x="9369294" y="878674"/>
+            <a:ext cx="2811988" cy="1569660"/>
+          </a:xfrm>
+          <a:prstGeom prst="rect">
+            <a:avLst/>
+          </a:prstGeom>
+          <a:noFill/>
+        </p:spPr>
+        <p:txBody>
+          <a:bodyPr wrap="none" lIns="91440" tIns="45720" rIns="91440" bIns="45720">
+            <a:spAutoFit/>
+          </a:bodyPr>
+          <a:lstStyle/>
+          <a:p>
+            <a:pPr algn="ctr"/>
+            <a:r>
+              <a:rPr lang="en-US" sz="9600" b="0" cap="none" spc="0" dirty="0">
+                <a:ln w="0"/>
+                <a:solidFill>
+                  <a:schemeClr val="tx1"/>
+                </a:solidFill>
+                <a:latin typeface="Bahnschrift Light SemiCondensed" panose="020B0502040204020203" pitchFamily="34" charset="0"/>
+              </a:rPr>
+              <a:t>DOCS</a:t>
+            </a:r>
+          </a:p>
+        </p:txBody>
+      </p:sp>
+    </p:spTree>
+    <p:extLst>
+      <p:ext uri="{BB962C8B-B14F-4D97-AF65-F5344CB8AC3E}">
+        <p14:creationId xmlns:p14="http://schemas.microsoft.com/office/powerpoint/2010/main" val="3871545707"/>
+      </p:ext>
+    </p:extLst>
+  </p:cSld>
+  <p:clrMapOvr>
+    <a:masterClrMapping/>
+  </p:clrMapOvr>
+</p:sld>
+</file>
+
+<file path=ppt/slides/slide6.xml><?xml version="1.0" encoding="utf-8"?>
+<p:sld xmlns:a="http://schemas.openxmlformats.org/drawingml/2006/main" xmlns:r="http://schemas.openxmlformats.org/officeDocument/2006/relationships" xmlns:p="http://schemas.openxmlformats.org/presentationml/2006/main">
+  <p:cSld>
+    <p:spTree>
+      <p:nvGrpSpPr>
+        <p:cNvPr id="1" name=""/>
+        <p:cNvGrpSpPr/>
+        <p:nvPr/>
+      </p:nvGrpSpPr>
+      <p:grpSpPr>
+        <a:xfrm>
+          <a:off x="0" y="0"/>
+          <a:ext cx="0" cy="0"/>
+          <a:chOff x="0" y="0"/>
+          <a:chExt cx="0" cy="0"/>
+        </a:xfrm>
+      </p:grpSpPr>
+      <p:pic>
+        <p:nvPicPr>
+          <p:cNvPr id="3" name="Picture 2">
+            <a:extLst>
+              <a:ext uri="{FF2B5EF4-FFF2-40B4-BE49-F238E27FC236}">
+                <a16:creationId xmlns:a16="http://schemas.microsoft.com/office/drawing/2014/main" id="{0E7C0F3D-C986-4BAE-91D1-31AB089EF454}"/>
+              </a:ext>
+            </a:extLst>
+          </p:cNvPr>
+          <p:cNvPicPr>
+            <a:picLocks noChangeAspect="1"/>
+          </p:cNvPicPr>
+          <p:nvPr/>
+        </p:nvPicPr>
+        <p:blipFill>
+          <a:blip r:embed="rId2">
+            <a:duotone>
+              <a:prstClr val="black"/>
+              <a:schemeClr val="accent4">
+                <a:tint val="45000"/>
+                <a:satMod val="400000"/>
+              </a:schemeClr>
+            </a:duotone>
+            <a:extLst>
+              <a:ext uri="{28A0092B-C50C-407E-A947-70E740481C1C}">
+                <a14:useLocalDpi xmlns:a14="http://schemas.microsoft.com/office/drawing/2010/main" val="0"/>
+              </a:ext>
+            </a:extLst>
+          </a:blip>
+          <a:stretch>
+            <a:fillRect/>
+          </a:stretch>
+        </p:blipFill>
+        <p:spPr>
+          <a:xfrm>
+            <a:off x="5126822" y="-101991"/>
+            <a:ext cx="6858000" cy="6858000"/>
+          </a:xfrm>
+          <a:prstGeom prst="rect">
+            <a:avLst/>
+          </a:prstGeom>
+        </p:spPr>
+      </p:pic>
+      <p:pic>
+        <p:nvPicPr>
+          <p:cNvPr id="16" name="Picture 15">
+            <a:extLst>
+              <a:ext uri="{FF2B5EF4-FFF2-40B4-BE49-F238E27FC236}">
+                <a16:creationId xmlns:a16="http://schemas.microsoft.com/office/drawing/2014/main" id="{5271E7B8-E45E-4766-A2E6-9CEF487A831F}"/>
+              </a:ext>
+            </a:extLst>
+          </p:cNvPr>
+          <p:cNvPicPr>
+            <a:picLocks noChangeAspect="1"/>
+          </p:cNvPicPr>
+          <p:nvPr/>
+        </p:nvPicPr>
+        <p:blipFill>
+          <a:blip r:embed="rId3">
+            <a:extLst>
+              <a:ext uri="{28A0092B-C50C-407E-A947-70E740481C1C}">
+                <a14:useLocalDpi xmlns:a14="http://schemas.microsoft.com/office/drawing/2010/main" val="0"/>
+              </a:ext>
+            </a:extLst>
+          </a:blip>
+          <a:stretch>
+            <a:fillRect/>
+          </a:stretch>
+        </p:blipFill>
+        <p:spPr>
+          <a:xfrm>
+            <a:off x="3657600" y="990600"/>
+            <a:ext cx="4876800" cy="4876800"/>
+          </a:xfrm>
+          <a:prstGeom prst="rect">
+            <a:avLst/>
+          </a:prstGeom>
+        </p:spPr>
+      </p:pic>
+      <p:pic>
+        <p:nvPicPr>
+          <p:cNvPr id="17" name="Picture 16">
+            <a:extLst>
+              <a:ext uri="{FF2B5EF4-FFF2-40B4-BE49-F238E27FC236}">
+                <a16:creationId xmlns:a16="http://schemas.microsoft.com/office/drawing/2014/main" id="{B1A8237C-0A08-447B-A092-2F24B95CFF2E}"/>
+              </a:ext>
+            </a:extLst>
+          </p:cNvPr>
+          <p:cNvPicPr>
+            <a:picLocks noChangeAspect="1"/>
+          </p:cNvPicPr>
+          <p:nvPr/>
+        </p:nvPicPr>
+        <p:blipFill>
+          <a:blip r:embed="rId4">
+            <a:extLst>
+              <a:ext uri="{BEBA8EAE-BF5A-486C-A8C5-ECC9F3942E4B}">
+                <a14:imgProps xmlns:a14="http://schemas.microsoft.com/office/drawing/2010/main">
+                  <a14:imgLayer r:embed="rId5">
+                    <a14:imgEffect>
+                      <a14:saturation sat="0"/>
+                    </a14:imgEffect>
+                  </a14:imgLayer>
+                </a14:imgProps>
+              </a:ext>
+              <a:ext uri="{28A0092B-C50C-407E-A947-70E740481C1C}">
+                <a14:useLocalDpi xmlns:a14="http://schemas.microsoft.com/office/drawing/2010/main" val="0"/>
+              </a:ext>
+            </a:extLst>
+          </a:blip>
+          <a:stretch>
+            <a:fillRect/>
+          </a:stretch>
+        </p:blipFill>
+        <p:spPr>
+          <a:xfrm>
+            <a:off x="809975" y="539200"/>
+            <a:ext cx="4876800" cy="4876800"/>
+          </a:xfrm>
+          <a:prstGeom prst="rect">
+            <a:avLst/>
+          </a:prstGeom>
+        </p:spPr>
+      </p:pic>
+    </p:spTree>
+    <p:extLst>
+      <p:ext uri="{BB962C8B-B14F-4D97-AF65-F5344CB8AC3E}">
+        <p14:creationId xmlns:p14="http://schemas.microsoft.com/office/powerpoint/2010/main" val="134704046"/>
+      </p:ext>
+    </p:extLst>
+  </p:cSld>
+  <p:clrMapOvr>
+    <a:masterClrMapping/>
+  </p:clrMapOvr>
+</p:sld>
+</file>
+
+<file path=ppt/slides/slide7.xml><?xml version="1.0" encoding="utf-8"?>
+<p:sld xmlns:a="http://schemas.openxmlformats.org/drawingml/2006/main" xmlns:r="http://schemas.openxmlformats.org/officeDocument/2006/relationships" xmlns:p="http://schemas.openxmlformats.org/presentationml/2006/main">
+  <p:cSld>
+    <p:spTree>
+      <p:nvGrpSpPr>
+        <p:cNvPr id="1" name=""/>
+        <p:cNvGrpSpPr/>
+        <p:nvPr/>
+      </p:nvGrpSpPr>
+      <p:grpSpPr>
+        <a:xfrm>
+          <a:off x="0" y="0"/>
+          <a:ext cx="0" cy="0"/>
+          <a:chOff x="0" y="0"/>
+          <a:chExt cx="0" cy="0"/>
+        </a:xfrm>
+      </p:grpSpPr>
+      <p:grpSp>
+        <p:nvGrpSpPr>
+          <p:cNvPr id="20" name="Group 19">
+            <a:extLst>
+              <a:ext uri="{FF2B5EF4-FFF2-40B4-BE49-F238E27FC236}">
+                <a16:creationId xmlns:a16="http://schemas.microsoft.com/office/drawing/2014/main" id="{FC9716D5-935C-4CA1-A413-85510E8D2A27}"/>
+              </a:ext>
+            </a:extLst>
+          </p:cNvPr>
+          <p:cNvGrpSpPr/>
+          <p:nvPr/>
+        </p:nvGrpSpPr>
+        <p:grpSpPr>
+          <a:xfrm>
+            <a:off x="7991391" y="916469"/>
+            <a:ext cx="3695114" cy="3695114"/>
+            <a:chOff x="188742" y="138328"/>
+            <a:chExt cx="3695114" cy="3695114"/>
+          </a:xfrm>
+        </p:grpSpPr>
+        <p:grpSp>
+          <p:nvGrpSpPr>
+            <p:cNvPr id="15" name="Group 14">
+              <a:extLst>
+                <a:ext uri="{FF2B5EF4-FFF2-40B4-BE49-F238E27FC236}">
+                  <a16:creationId xmlns:a16="http://schemas.microsoft.com/office/drawing/2014/main" id="{DDEA3FA2-E38C-4435-AE64-82F76F119141}"/>
+                </a:ext>
+              </a:extLst>
+            </p:cNvPr>
+            <p:cNvGrpSpPr/>
+            <p:nvPr/>
+          </p:nvGrpSpPr>
+          <p:grpSpPr>
+            <a:xfrm>
+              <a:off x="188742" y="138328"/>
+              <a:ext cx="3695114" cy="3695114"/>
+              <a:chOff x="1541585" y="0"/>
+              <a:chExt cx="6858000" cy="6858000"/>
+            </a:xfrm>
+          </p:grpSpPr>
+          <p:sp>
+            <p:nvSpPr>
+              <p:cNvPr id="16" name="Rectangle 15">
+                <a:extLst>
+                  <a:ext uri="{FF2B5EF4-FFF2-40B4-BE49-F238E27FC236}">
+                    <a16:creationId xmlns:a16="http://schemas.microsoft.com/office/drawing/2014/main" id="{EEFD7326-8F4C-4BFC-B533-1E7F9BAE9597}"/>
+                  </a:ext>
+                </a:extLst>
+              </p:cNvPr>
+              <p:cNvSpPr/>
+              <p:nvPr/>
+            </p:nvSpPr>
+            <p:spPr>
+              <a:xfrm>
+                <a:off x="2757268" y="2039815"/>
+                <a:ext cx="4135901" cy="3291840"/>
+              </a:xfrm>
+              <a:prstGeom prst="rect">
+                <a:avLst/>
+              </a:prstGeom>
+              <a:solidFill>
+                <a:schemeClr val="bg1"/>
+              </a:solidFill>
+            </p:spPr>
+            <p:style>
+              <a:lnRef idx="2">
+                <a:schemeClr val="accent1">
+                  <a:shade val="50000"/>
+                </a:schemeClr>
+              </a:lnRef>
+              <a:fillRef idx="1">
+                <a:schemeClr val="accent1"/>
+              </a:fillRef>
+              <a:effectRef idx="0">
+                <a:schemeClr val="accent1"/>
+              </a:effectRef>
+              <a:fontRef idx="minor">
+                <a:schemeClr val="lt1"/>
+              </a:fontRef>
+            </p:style>
+            <p:txBody>
+              <a:bodyPr rtlCol="0" anchor="ctr"/>
+              <a:lstStyle/>
+              <a:p>
+                <a:pPr algn="ctr"/>
+                <a:endParaRPr lang="en-US"/>
+              </a:p>
+            </p:txBody>
+          </p:sp>
+          <p:pic>
+            <p:nvPicPr>
+              <p:cNvPr id="17" name="Picture 16">
+                <a:extLst>
+                  <a:ext uri="{FF2B5EF4-FFF2-40B4-BE49-F238E27FC236}">
+                    <a16:creationId xmlns:a16="http://schemas.microsoft.com/office/drawing/2014/main" id="{54624986-491B-465E-9E28-A7ADBF73B77F}"/>
+                  </a:ext>
+                </a:extLst>
+              </p:cNvPr>
+              <p:cNvPicPr>
+                <a:picLocks noChangeAspect="1"/>
+              </p:cNvPicPr>
+              <p:nvPr/>
+            </p:nvPicPr>
+            <p:blipFill>
+              <a:blip r:embed="rId2">
+                <a:extLst>
+                  <a:ext uri="{BEBA8EAE-BF5A-486C-A8C5-ECC9F3942E4B}">
+                    <a14:imgProps xmlns:a14="http://schemas.microsoft.com/office/drawing/2010/main">
+                      <a14:imgLayer r:embed="rId3">
+                        <a14:imgEffect>
+                          <a14:backgroundRemoval t="5333" b="92889" l="5222" r="93000">
+                            <a14:foregroundMark x1="9333" y1="46778" x2="8889" y2="49889"/>
+                            <a14:foregroundMark x1="49556" y1="7556" x2="42333" y2="8000"/>
+                            <a14:foregroundMark x1="42333" y1="8000" x2="49778" y2="6556"/>
+                            <a14:foregroundMark x1="49778" y1="6556" x2="57333" y2="8556"/>
+                            <a14:foregroundMark x1="57333" y1="8556" x2="58333" y2="9444"/>
+                            <a14:foregroundMark x1="91111" y1="38778" x2="93222" y2="55000"/>
+                            <a14:foregroundMark x1="5778" y1="46333" x2="5444" y2="50444"/>
+                            <a14:foregroundMark x1="37222" y1="91333" x2="52333" y2="92889"/>
+                            <a14:foregroundMark x1="52333" y1="92889" x2="62000" y2="91111"/>
+                            <a14:foregroundMark x1="51556" y1="5333" x2="51000" y2="5333"/>
+                          </a14:backgroundRemoval>
+                        </a14:imgEffect>
+                      </a14:imgLayer>
+                    </a14:imgProps>
+                  </a:ext>
+                  <a:ext uri="{28A0092B-C50C-407E-A947-70E740481C1C}">
+                    <a14:useLocalDpi xmlns:a14="http://schemas.microsoft.com/office/drawing/2010/main" val="0"/>
+                  </a:ext>
+                </a:extLst>
+              </a:blip>
+              <a:stretch>
+                <a:fillRect/>
+              </a:stretch>
+            </p:blipFill>
+            <p:spPr>
+              <a:xfrm>
+                <a:off x="1541585" y="0"/>
+                <a:ext cx="6858000" cy="6858000"/>
+              </a:xfrm>
+              <a:prstGeom prst="rect">
+                <a:avLst/>
+              </a:prstGeom>
+            </p:spPr>
+          </p:pic>
+        </p:grpSp>
+        <p:sp>
+          <p:nvSpPr>
+            <p:cNvPr id="18" name="Rectangle 17">
+              <a:extLst>
+                <a:ext uri="{FF2B5EF4-FFF2-40B4-BE49-F238E27FC236}">
+                  <a16:creationId xmlns:a16="http://schemas.microsoft.com/office/drawing/2014/main" id="{5E90BAF9-F561-4E6D-B42F-7BAD55D55584}"/>
+                </a:ext>
+              </a:extLst>
+            </p:cNvPr>
+            <p:cNvSpPr/>
+            <p:nvPr/>
+          </p:nvSpPr>
+          <p:spPr>
+            <a:xfrm>
+              <a:off x="812798" y="1385720"/>
+              <a:ext cx="2447001" cy="1200329"/>
+            </a:xfrm>
+            <a:prstGeom prst="rect">
+              <a:avLst/>
+            </a:prstGeom>
+            <a:solidFill>
+              <a:srgbClr val="2BA6E1"/>
+            </a:solidFill>
+          </p:spPr>
+          <p:txBody>
+            <a:bodyPr wrap="square" lIns="91440" tIns="45720" rIns="91440" bIns="45720">
+              <a:spAutoFit/>
+            </a:bodyPr>
+            <a:lstStyle/>
+            <a:p>
+              <a:pPr algn="ctr"/>
+              <a:r>
+                <a:rPr lang="en-US" sz="7200" b="0" cap="none" spc="0" dirty="0">
+                  <a:ln w="0"/>
+                  <a:solidFill>
+                    <a:schemeClr val="bg1"/>
+                  </a:solidFill>
+                  <a:effectLst>
+                    <a:outerShdw blurRad="38100" dist="19050" dir="2700000" algn="tl" rotWithShape="0">
+                      <a:schemeClr val="dk1">
+                        <a:alpha val="40000"/>
+                      </a:schemeClr>
+                    </a:outerShdw>
+                  </a:effectLst>
+                  <a:latin typeface="Bahnschrift Light SemiCondensed" panose="020B0502040204020203" pitchFamily="34" charset="0"/>
+                </a:rPr>
+                <a:t>DAILY</a:t>
+              </a:r>
+            </a:p>
+          </p:txBody>
+        </p:sp>
+        <p:sp>
+          <p:nvSpPr>
+            <p:cNvPr id="19" name="Rectangle 18">
+              <a:extLst>
+                <a:ext uri="{FF2B5EF4-FFF2-40B4-BE49-F238E27FC236}">
+                  <a16:creationId xmlns:a16="http://schemas.microsoft.com/office/drawing/2014/main" id="{36E07975-816D-4DA3-847A-E109210D076B}"/>
+                </a:ext>
+              </a:extLst>
+            </p:cNvPr>
+            <p:cNvSpPr/>
+            <p:nvPr/>
+          </p:nvSpPr>
+          <p:spPr>
+            <a:xfrm>
+              <a:off x="1648265" y="2586049"/>
+              <a:ext cx="996461" cy="269693"/>
+            </a:xfrm>
+            <a:prstGeom prst="rect">
+              <a:avLst/>
+            </a:prstGeom>
+            <a:solidFill>
+              <a:srgbClr val="2BA6E1"/>
+            </a:solidFill>
+            <a:ln>
+              <a:noFill/>
+            </a:ln>
+          </p:spPr>
+          <p:style>
+            <a:lnRef idx="2">
+              <a:schemeClr val="accent1">
+                <a:shade val="50000"/>
+              </a:schemeClr>
+            </a:lnRef>
+            <a:fillRef idx="1">
+              <a:schemeClr val="accent1"/>
+            </a:fillRef>
+            <a:effectRef idx="0">
+              <a:schemeClr val="accent1"/>
+            </a:effectRef>
+            <a:fontRef idx="minor">
+              <a:schemeClr val="lt1"/>
+            </a:fontRef>
+          </p:style>
+          <p:txBody>
+            <a:bodyPr rtlCol="0" anchor="ctr"/>
+            <a:lstStyle/>
+            <a:p>
+              <a:pPr algn="ctr"/>
+              <a:endParaRPr lang="en-US"/>
+            </a:p>
+          </p:txBody>
+        </p:sp>
+      </p:grpSp>
+      <p:grpSp>
+        <p:nvGrpSpPr>
+          <p:cNvPr id="21" name="Group 20">
+            <a:extLst>
+              <a:ext uri="{FF2B5EF4-FFF2-40B4-BE49-F238E27FC236}">
+                <a16:creationId xmlns:a16="http://schemas.microsoft.com/office/drawing/2014/main" id="{AAA939F7-9D7D-480C-828D-55859B9C21CC}"/>
+              </a:ext>
+            </a:extLst>
+          </p:cNvPr>
+          <p:cNvGrpSpPr/>
+          <p:nvPr/>
+        </p:nvGrpSpPr>
+        <p:grpSpPr>
+          <a:xfrm>
+            <a:off x="-3896009" y="-466701"/>
+            <a:ext cx="3695114" cy="3695114"/>
+            <a:chOff x="188742" y="138328"/>
+            <a:chExt cx="3695114" cy="3695114"/>
+          </a:xfrm>
+        </p:grpSpPr>
+        <p:grpSp>
+          <p:nvGrpSpPr>
+            <p:cNvPr id="22" name="Group 21">
+              <a:extLst>
+                <a:ext uri="{FF2B5EF4-FFF2-40B4-BE49-F238E27FC236}">
+                  <a16:creationId xmlns:a16="http://schemas.microsoft.com/office/drawing/2014/main" id="{B2701886-4E16-4D73-AA47-F6F3A6C7D6F8}"/>
+                </a:ext>
+              </a:extLst>
+            </p:cNvPr>
+            <p:cNvGrpSpPr/>
+            <p:nvPr/>
+          </p:nvGrpSpPr>
+          <p:grpSpPr>
+            <a:xfrm>
+              <a:off x="188742" y="138328"/>
+              <a:ext cx="3695114" cy="3695114"/>
+              <a:chOff x="1541585" y="0"/>
+              <a:chExt cx="6858000" cy="6858000"/>
+            </a:xfrm>
+          </p:grpSpPr>
+          <p:sp>
+            <p:nvSpPr>
+              <p:cNvPr id="25" name="Rectangle 24">
+                <a:extLst>
+                  <a:ext uri="{FF2B5EF4-FFF2-40B4-BE49-F238E27FC236}">
+                    <a16:creationId xmlns:a16="http://schemas.microsoft.com/office/drawing/2014/main" id="{99D3339D-4FE6-49B0-A5FF-2FDB875CDE09}"/>
+                  </a:ext>
+                </a:extLst>
+              </p:cNvPr>
+              <p:cNvSpPr/>
+              <p:nvPr/>
+            </p:nvSpPr>
+            <p:spPr>
+              <a:xfrm>
+                <a:off x="2757268" y="2039815"/>
+                <a:ext cx="4135901" cy="3291840"/>
+              </a:xfrm>
+              <a:prstGeom prst="rect">
+                <a:avLst/>
+              </a:prstGeom>
+              <a:solidFill>
+                <a:schemeClr val="bg1"/>
+              </a:solidFill>
+            </p:spPr>
+            <p:style>
+              <a:lnRef idx="2">
+                <a:schemeClr val="accent1">
+                  <a:shade val="50000"/>
+                </a:schemeClr>
+              </a:lnRef>
+              <a:fillRef idx="1">
+                <a:schemeClr val="accent1"/>
+              </a:fillRef>
+              <a:effectRef idx="0">
+                <a:schemeClr val="accent1"/>
+              </a:effectRef>
+              <a:fontRef idx="minor">
+                <a:schemeClr val="lt1"/>
+              </a:fontRef>
+            </p:style>
+            <p:txBody>
+              <a:bodyPr rtlCol="0" anchor="ctr"/>
+              <a:lstStyle/>
+              <a:p>
+                <a:pPr algn="ctr"/>
+                <a:endParaRPr lang="en-US"/>
+              </a:p>
+            </p:txBody>
+          </p:sp>
+          <p:pic>
+            <p:nvPicPr>
+              <p:cNvPr id="26" name="Picture 25">
+                <a:extLst>
+                  <a:ext uri="{FF2B5EF4-FFF2-40B4-BE49-F238E27FC236}">
+                    <a16:creationId xmlns:a16="http://schemas.microsoft.com/office/drawing/2014/main" id="{D474B0ED-CC3B-4562-A50E-7389D558962C}"/>
+                  </a:ext>
+                </a:extLst>
+              </p:cNvPr>
+              <p:cNvPicPr>
+                <a:picLocks noChangeAspect="1"/>
+              </p:cNvPicPr>
+              <p:nvPr/>
+            </p:nvPicPr>
+            <p:blipFill>
+              <a:blip r:embed="rId4">
+                <a:extLst>
+                  <a:ext uri="{BEBA8EAE-BF5A-486C-A8C5-ECC9F3942E4B}">
+                    <a14:imgProps xmlns:a14="http://schemas.microsoft.com/office/drawing/2010/main">
+                      <a14:imgLayer r:embed="rId3">
+                        <a14:imgEffect>
+                          <a14:backgroundRemoval t="5333" b="92889" l="5222" r="93000">
+                            <a14:foregroundMark x1="9333" y1="46778" x2="8889" y2="49889"/>
+                            <a14:foregroundMark x1="49556" y1="7556" x2="42333" y2="8000"/>
+                            <a14:foregroundMark x1="42333" y1="8000" x2="49778" y2="6556"/>
+                            <a14:foregroundMark x1="49778" y1="6556" x2="57333" y2="8556"/>
+                            <a14:foregroundMark x1="57333" y1="8556" x2="58333" y2="9444"/>
+                            <a14:foregroundMark x1="91111" y1="38778" x2="93222" y2="55000"/>
+                            <a14:foregroundMark x1="5778" y1="46333" x2="5444" y2="50444"/>
+                            <a14:foregroundMark x1="37222" y1="91333" x2="52333" y2="92889"/>
+                            <a14:foregroundMark x1="52333" y1="92889" x2="62000" y2="91111"/>
+                            <a14:foregroundMark x1="51556" y1="5333" x2="51000" y2="5333"/>
+                          </a14:backgroundRemoval>
+                        </a14:imgEffect>
+                        <a14:imgEffect>
+                          <a14:saturation sat="0"/>
+                        </a14:imgEffect>
+                      </a14:imgLayer>
+                    </a14:imgProps>
+                  </a:ext>
+                  <a:ext uri="{28A0092B-C50C-407E-A947-70E740481C1C}">
+                    <a14:useLocalDpi xmlns:a14="http://schemas.microsoft.com/office/drawing/2010/main" val="0"/>
+                  </a:ext>
+                </a:extLst>
+              </a:blip>
+              <a:stretch>
+                <a:fillRect/>
+              </a:stretch>
+            </p:blipFill>
+            <p:spPr>
+              <a:xfrm>
+                <a:off x="1541585" y="0"/>
+                <a:ext cx="6858000" cy="6858000"/>
+              </a:xfrm>
+              <a:prstGeom prst="rect">
+                <a:avLst/>
+              </a:prstGeom>
+            </p:spPr>
+          </p:pic>
+        </p:grpSp>
+        <p:sp>
+          <p:nvSpPr>
+            <p:cNvPr id="23" name="Rectangle 22">
+              <a:extLst>
+                <a:ext uri="{FF2B5EF4-FFF2-40B4-BE49-F238E27FC236}">
+                  <a16:creationId xmlns:a16="http://schemas.microsoft.com/office/drawing/2014/main" id="{92D1740C-B029-4EBB-BC28-672F6FB8B5F5}"/>
+                </a:ext>
+              </a:extLst>
+            </p:cNvPr>
+            <p:cNvSpPr/>
+            <p:nvPr/>
+          </p:nvSpPr>
+          <p:spPr>
+            <a:xfrm>
+              <a:off x="812798" y="1385720"/>
+              <a:ext cx="2447001" cy="1200329"/>
+            </a:xfrm>
+            <a:prstGeom prst="rect">
+              <a:avLst/>
+            </a:prstGeom>
+            <a:solidFill>
+              <a:srgbClr val="868686"/>
+            </a:solidFill>
+          </p:spPr>
+          <p:txBody>
+            <a:bodyPr wrap="square" lIns="91440" tIns="45720" rIns="91440" bIns="45720">
+              <a:spAutoFit/>
+            </a:bodyPr>
+            <a:lstStyle/>
+            <a:p>
+              <a:pPr algn="ctr"/>
+              <a:r>
+                <a:rPr lang="en-US" sz="7200" b="0" cap="none" spc="0" dirty="0">
+                  <a:ln w="0"/>
+                  <a:solidFill>
+                    <a:schemeClr val="bg1"/>
+                  </a:solidFill>
+                  <a:effectLst>
+                    <a:outerShdw blurRad="38100" dist="19050" dir="2700000" algn="tl" rotWithShape="0">
+                      <a:schemeClr val="dk1">
+                        <a:alpha val="40000"/>
+                      </a:schemeClr>
+                    </a:outerShdw>
+                  </a:effectLst>
+                  <a:latin typeface="Bahnschrift Light SemiCondensed" panose="020B0502040204020203" pitchFamily="34" charset="0"/>
+                </a:rPr>
+                <a:t>DAILY</a:t>
+              </a:r>
+            </a:p>
+          </p:txBody>
+        </p:sp>
+        <p:sp>
+          <p:nvSpPr>
+            <p:cNvPr id="24" name="Rectangle 23">
+              <a:extLst>
+                <a:ext uri="{FF2B5EF4-FFF2-40B4-BE49-F238E27FC236}">
+                  <a16:creationId xmlns:a16="http://schemas.microsoft.com/office/drawing/2014/main" id="{5EF11F52-C43D-4B4B-BCB2-7E6EC692012A}"/>
+                </a:ext>
+              </a:extLst>
+            </p:cNvPr>
+            <p:cNvSpPr/>
+            <p:nvPr/>
+          </p:nvSpPr>
+          <p:spPr>
+            <a:xfrm>
+              <a:off x="1648265" y="2586049"/>
+              <a:ext cx="996461" cy="269693"/>
+            </a:xfrm>
+            <a:prstGeom prst="rect">
+              <a:avLst/>
+            </a:prstGeom>
+            <a:solidFill>
+              <a:srgbClr val="868686"/>
+            </a:solidFill>
+            <a:ln>
+              <a:noFill/>
+            </a:ln>
+          </p:spPr>
+          <p:style>
+            <a:lnRef idx="2">
+              <a:schemeClr val="accent1">
+                <a:shade val="50000"/>
+              </a:schemeClr>
+            </a:lnRef>
+            <a:fillRef idx="1">
+              <a:schemeClr val="accent1"/>
+            </a:fillRef>
+            <a:effectRef idx="0">
+              <a:schemeClr val="accent1"/>
+            </a:effectRef>
+            <a:fontRef idx="minor">
+              <a:schemeClr val="lt1"/>
+            </a:fontRef>
+          </p:style>
+          <p:txBody>
+            <a:bodyPr rtlCol="0" anchor="ctr"/>
+            <a:lstStyle/>
+            <a:p>
+              <a:pPr algn="ctr"/>
+              <a:endParaRPr lang="en-US"/>
+            </a:p>
+          </p:txBody>
+        </p:sp>
+      </p:grpSp>
+      <p:grpSp>
+        <p:nvGrpSpPr>
+          <p:cNvPr id="27" name="Group 26">
+            <a:extLst>
+              <a:ext uri="{FF2B5EF4-FFF2-40B4-BE49-F238E27FC236}">
+                <a16:creationId xmlns:a16="http://schemas.microsoft.com/office/drawing/2014/main" id="{2B20C7FF-91C5-4AE6-8CD2-ED68D8C182D7}"/>
+              </a:ext>
+            </a:extLst>
+          </p:cNvPr>
+          <p:cNvGrpSpPr/>
+          <p:nvPr/>
+        </p:nvGrpSpPr>
+        <p:grpSpPr>
+          <a:xfrm>
+            <a:off x="331512" y="3055034"/>
+            <a:ext cx="3695114" cy="3695114"/>
+            <a:chOff x="188742" y="138328"/>
+            <a:chExt cx="3695114" cy="3695114"/>
+          </a:xfrm>
+        </p:grpSpPr>
+        <p:grpSp>
+          <p:nvGrpSpPr>
+            <p:cNvPr id="28" name="Group 27">
+              <a:extLst>
+                <a:ext uri="{FF2B5EF4-FFF2-40B4-BE49-F238E27FC236}">
+                  <a16:creationId xmlns:a16="http://schemas.microsoft.com/office/drawing/2014/main" id="{5F8FCBF2-65C8-4643-BF25-B210B304260B}"/>
+                </a:ext>
+              </a:extLst>
+            </p:cNvPr>
+            <p:cNvGrpSpPr/>
+            <p:nvPr/>
+          </p:nvGrpSpPr>
+          <p:grpSpPr>
+            <a:xfrm>
+              <a:off x="188742" y="138328"/>
+              <a:ext cx="3695114" cy="3695114"/>
+              <a:chOff x="1541585" y="0"/>
+              <a:chExt cx="6858000" cy="6858000"/>
+            </a:xfrm>
+          </p:grpSpPr>
+          <p:sp>
+            <p:nvSpPr>
+              <p:cNvPr id="31" name="Rectangle 30">
+                <a:extLst>
+                  <a:ext uri="{FF2B5EF4-FFF2-40B4-BE49-F238E27FC236}">
+                    <a16:creationId xmlns:a16="http://schemas.microsoft.com/office/drawing/2014/main" id="{189263A2-CD81-459B-9B8C-4B218D7FC6FA}"/>
+                  </a:ext>
+                </a:extLst>
+              </p:cNvPr>
+              <p:cNvSpPr/>
+              <p:nvPr/>
+            </p:nvSpPr>
+            <p:spPr>
+              <a:xfrm>
+                <a:off x="2757268" y="2039815"/>
+                <a:ext cx="4135901" cy="3291840"/>
+              </a:xfrm>
+              <a:prstGeom prst="rect">
+                <a:avLst/>
+              </a:prstGeom>
+              <a:solidFill>
+                <a:schemeClr val="bg1"/>
+              </a:solidFill>
+            </p:spPr>
+            <p:style>
+              <a:lnRef idx="2">
+                <a:schemeClr val="accent1">
+                  <a:shade val="50000"/>
+                </a:schemeClr>
+              </a:lnRef>
+              <a:fillRef idx="1">
+                <a:schemeClr val="accent1"/>
+              </a:fillRef>
+              <a:effectRef idx="0">
+                <a:schemeClr val="accent1"/>
+              </a:effectRef>
+              <a:fontRef idx="minor">
+                <a:schemeClr val="lt1"/>
+              </a:fontRef>
+            </p:style>
+            <p:txBody>
+              <a:bodyPr rtlCol="0" anchor="ctr"/>
+              <a:lstStyle/>
+              <a:p>
+                <a:pPr algn="ctr"/>
+                <a:endParaRPr lang="en-US"/>
+              </a:p>
+            </p:txBody>
+          </p:sp>
+          <p:pic>
+            <p:nvPicPr>
+              <p:cNvPr id="32" name="Picture 31">
+                <a:extLst>
+                  <a:ext uri="{FF2B5EF4-FFF2-40B4-BE49-F238E27FC236}">
+                    <a16:creationId xmlns:a16="http://schemas.microsoft.com/office/drawing/2014/main" id="{061A652F-3C80-4D59-91F4-6B583053F2FC}"/>
+                  </a:ext>
+                </a:extLst>
+              </p:cNvPr>
+              <p:cNvPicPr>
+                <a:picLocks noChangeAspect="1"/>
+              </p:cNvPicPr>
+              <p:nvPr/>
+            </p:nvPicPr>
+            <p:blipFill>
+              <a:blip r:embed="rId2">
+                <a:extLst>
+                  <a:ext uri="{BEBA8EAE-BF5A-486C-A8C5-ECC9F3942E4B}">
+                    <a14:imgProps xmlns:a14="http://schemas.microsoft.com/office/drawing/2010/main">
+                      <a14:imgLayer r:embed="rId3">
+                        <a14:imgEffect>
+                          <a14:backgroundRemoval t="5333" b="92889" l="5222" r="93000">
+                            <a14:foregroundMark x1="9333" y1="46778" x2="8889" y2="49889"/>
+                            <a14:foregroundMark x1="49556" y1="7556" x2="42333" y2="8000"/>
+                            <a14:foregroundMark x1="42333" y1="8000" x2="49778" y2="6556"/>
+                            <a14:foregroundMark x1="49778" y1="6556" x2="57333" y2="8556"/>
+                            <a14:foregroundMark x1="57333" y1="8556" x2="58333" y2="9444"/>
+                            <a14:foregroundMark x1="91111" y1="38778" x2="93222" y2="55000"/>
+                            <a14:foregroundMark x1="5778" y1="46333" x2="5444" y2="50444"/>
+                            <a14:foregroundMark x1="37222" y1="91333" x2="52333" y2="92889"/>
+                            <a14:foregroundMark x1="52333" y1="92889" x2="62000" y2="91111"/>
+                            <a14:foregroundMark x1="51556" y1="5333" x2="51000" y2="5333"/>
+                          </a14:backgroundRemoval>
+                        </a14:imgEffect>
+                      </a14:imgLayer>
+                    </a14:imgProps>
+                  </a:ext>
+                  <a:ext uri="{28A0092B-C50C-407E-A947-70E740481C1C}">
+                    <a14:useLocalDpi xmlns:a14="http://schemas.microsoft.com/office/drawing/2010/main" val="0"/>
+                  </a:ext>
+                </a:extLst>
+              </a:blip>
+              <a:stretch>
+                <a:fillRect/>
+              </a:stretch>
+            </p:blipFill>
+            <p:spPr>
+              <a:xfrm>
+                <a:off x="1541585" y="0"/>
+                <a:ext cx="6858000" cy="6858000"/>
+              </a:xfrm>
+              <a:prstGeom prst="rect">
+                <a:avLst/>
+              </a:prstGeom>
+            </p:spPr>
+          </p:pic>
+        </p:grpSp>
+        <p:sp>
+          <p:nvSpPr>
+            <p:cNvPr id="29" name="Rectangle 28">
+              <a:extLst>
+                <a:ext uri="{FF2B5EF4-FFF2-40B4-BE49-F238E27FC236}">
+                  <a16:creationId xmlns:a16="http://schemas.microsoft.com/office/drawing/2014/main" id="{561467BB-C1A4-4AC4-8AD7-E8D96230B1A2}"/>
+                </a:ext>
+              </a:extLst>
+            </p:cNvPr>
+            <p:cNvSpPr/>
+            <p:nvPr/>
+          </p:nvSpPr>
+          <p:spPr>
+            <a:xfrm>
+              <a:off x="572155" y="1478053"/>
+              <a:ext cx="2928288" cy="1015663"/>
+            </a:xfrm>
+            <a:prstGeom prst="rect">
+              <a:avLst/>
+            </a:prstGeom>
+            <a:solidFill>
+              <a:srgbClr val="2BA6E1"/>
+            </a:solidFill>
+          </p:spPr>
+          <p:txBody>
+            <a:bodyPr wrap="square" lIns="91440" tIns="45720" rIns="91440" bIns="45720">
+              <a:spAutoFit/>
+            </a:bodyPr>
+            <a:lstStyle/>
+            <a:p>
+              <a:pPr algn="ctr"/>
+              <a:r>
+                <a:rPr lang="en-US" sz="6000" dirty="0">
+                  <a:ln w="0"/>
+                  <a:solidFill>
+                    <a:schemeClr val="bg1"/>
+                  </a:solidFill>
+                  <a:effectLst>
+                    <a:outerShdw blurRad="38100" dist="19050" dir="2700000" algn="tl" rotWithShape="0">
+                      <a:schemeClr val="dk1">
+                        <a:alpha val="40000"/>
+                      </a:schemeClr>
+                    </a:outerShdw>
+                  </a:effectLst>
+                  <a:latin typeface="Bahnschrift Light SemiCondensed" panose="020B0502040204020203" pitchFamily="34" charset="0"/>
+                </a:rPr>
+                <a:t>WEEKLY</a:t>
+              </a:r>
+              <a:endParaRPr lang="en-US" sz="6000" b="0" cap="none" spc="0" dirty="0">
+                <a:ln w="0"/>
+                <a:solidFill>
+                  <a:schemeClr val="bg1"/>
+                </a:solidFill>
+                <a:effectLst>
+                  <a:outerShdw blurRad="38100" dist="19050" dir="2700000" algn="tl" rotWithShape="0">
+                    <a:schemeClr val="dk1">
+                      <a:alpha val="40000"/>
+                    </a:schemeClr>
+                  </a:outerShdw>
+                </a:effectLst>
+                <a:latin typeface="Bahnschrift Light SemiCondensed" panose="020B0502040204020203" pitchFamily="34" charset="0"/>
+              </a:endParaRPr>
+            </a:p>
+          </p:txBody>
+        </p:sp>
+        <p:sp>
+          <p:nvSpPr>
+            <p:cNvPr id="30" name="Rectangle 29">
+              <a:extLst>
+                <a:ext uri="{FF2B5EF4-FFF2-40B4-BE49-F238E27FC236}">
+                  <a16:creationId xmlns:a16="http://schemas.microsoft.com/office/drawing/2014/main" id="{62C0DA32-03EE-4C74-ABA3-4C23FBA52B8E}"/>
+                </a:ext>
+              </a:extLst>
+            </p:cNvPr>
+            <p:cNvSpPr/>
+            <p:nvPr/>
+          </p:nvSpPr>
+          <p:spPr>
+            <a:xfrm>
+              <a:off x="1648265" y="2493717"/>
+              <a:ext cx="996461" cy="362026"/>
+            </a:xfrm>
+            <a:prstGeom prst="rect">
+              <a:avLst/>
+            </a:prstGeom>
+            <a:solidFill>
+              <a:srgbClr val="2BA6E1"/>
+            </a:solidFill>
+            <a:ln>
+              <a:noFill/>
+            </a:ln>
+          </p:spPr>
+          <p:style>
+            <a:lnRef idx="2">
+              <a:schemeClr val="accent1">
+                <a:shade val="50000"/>
+              </a:schemeClr>
+            </a:lnRef>
+            <a:fillRef idx="1">
+              <a:schemeClr val="accent1"/>
+            </a:fillRef>
+            <a:effectRef idx="0">
+              <a:schemeClr val="accent1"/>
+            </a:effectRef>
+            <a:fontRef idx="minor">
+              <a:schemeClr val="lt1"/>
+            </a:fontRef>
+          </p:style>
+          <p:txBody>
+            <a:bodyPr rtlCol="0" anchor="ctr"/>
+            <a:lstStyle/>
+            <a:p>
+              <a:pPr algn="ctr"/>
+              <a:endParaRPr lang="en-US"/>
+            </a:p>
+          </p:txBody>
+        </p:sp>
+        <p:sp>
+          <p:nvSpPr>
+            <p:cNvPr id="33" name="Rectangle 32">
+              <a:extLst>
+                <a:ext uri="{FF2B5EF4-FFF2-40B4-BE49-F238E27FC236}">
+                  <a16:creationId xmlns:a16="http://schemas.microsoft.com/office/drawing/2014/main" id="{3AA81D4A-29F2-4F9A-B0F1-92F6B82B13AC}"/>
+                </a:ext>
+              </a:extLst>
+            </p:cNvPr>
+            <p:cNvSpPr/>
+            <p:nvPr/>
+          </p:nvSpPr>
+          <p:spPr>
+            <a:xfrm>
+              <a:off x="2036299" y="1139479"/>
+              <a:ext cx="996461" cy="362026"/>
+            </a:xfrm>
+            <a:prstGeom prst="rect">
+              <a:avLst/>
+            </a:prstGeom>
+            <a:solidFill>
+              <a:srgbClr val="2BA6E1"/>
+            </a:solidFill>
+            <a:ln>
+              <a:noFill/>
+            </a:ln>
+          </p:spPr>
+          <p:style>
+            <a:lnRef idx="2">
+              <a:schemeClr val="accent1">
+                <a:shade val="50000"/>
+              </a:schemeClr>
+            </a:lnRef>
+            <a:fillRef idx="1">
+              <a:schemeClr val="accent1"/>
+            </a:fillRef>
+            <a:effectRef idx="0">
+              <a:schemeClr val="accent1"/>
+            </a:effectRef>
+            <a:fontRef idx="minor">
+              <a:schemeClr val="lt1"/>
+            </a:fontRef>
+          </p:style>
+          <p:txBody>
+            <a:bodyPr rtlCol="0" anchor="ctr"/>
+            <a:lstStyle/>
+            <a:p>
+              <a:pPr algn="ctr"/>
+              <a:endParaRPr lang="en-US"/>
+            </a:p>
+          </p:txBody>
+        </p:sp>
+      </p:grpSp>
+      <p:grpSp>
+        <p:nvGrpSpPr>
+          <p:cNvPr id="34" name="Group 33">
+            <a:extLst>
+              <a:ext uri="{FF2B5EF4-FFF2-40B4-BE49-F238E27FC236}">
+                <a16:creationId xmlns:a16="http://schemas.microsoft.com/office/drawing/2014/main" id="{17DD28AE-85E7-408C-9722-C5A607A633F4}"/>
+              </a:ext>
+            </a:extLst>
+          </p:cNvPr>
+          <p:cNvGrpSpPr/>
+          <p:nvPr/>
+        </p:nvGrpSpPr>
+        <p:grpSpPr>
+          <a:xfrm>
+            <a:off x="4126098" y="2105250"/>
+            <a:ext cx="3695114" cy="3695114"/>
+            <a:chOff x="188742" y="138328"/>
+            <a:chExt cx="3695114" cy="3695114"/>
+          </a:xfrm>
+        </p:grpSpPr>
+        <p:grpSp>
+          <p:nvGrpSpPr>
+            <p:cNvPr id="35" name="Group 34">
+              <a:extLst>
+                <a:ext uri="{FF2B5EF4-FFF2-40B4-BE49-F238E27FC236}">
+                  <a16:creationId xmlns:a16="http://schemas.microsoft.com/office/drawing/2014/main" id="{B6F09778-BA09-423E-9CE3-AFA9D7D1A01B}"/>
+                </a:ext>
+              </a:extLst>
+            </p:cNvPr>
+            <p:cNvGrpSpPr/>
+            <p:nvPr/>
+          </p:nvGrpSpPr>
+          <p:grpSpPr>
+            <a:xfrm>
+              <a:off x="188742" y="138328"/>
+              <a:ext cx="3695114" cy="3695114"/>
+              <a:chOff x="1541585" y="0"/>
+              <a:chExt cx="6858000" cy="6858000"/>
+            </a:xfrm>
+          </p:grpSpPr>
+          <p:sp>
+            <p:nvSpPr>
+              <p:cNvPr id="39" name="Rectangle 38">
+                <a:extLst>
+                  <a:ext uri="{FF2B5EF4-FFF2-40B4-BE49-F238E27FC236}">
+                    <a16:creationId xmlns:a16="http://schemas.microsoft.com/office/drawing/2014/main" id="{CF3A1673-C70D-48C9-9B0B-E3365CCD1CC1}"/>
+                  </a:ext>
+                </a:extLst>
+              </p:cNvPr>
+              <p:cNvSpPr/>
+              <p:nvPr/>
+            </p:nvSpPr>
+            <p:spPr>
+              <a:xfrm>
+                <a:off x="2757268" y="2039815"/>
+                <a:ext cx="4135901" cy="3291840"/>
+              </a:xfrm>
+              <a:prstGeom prst="rect">
+                <a:avLst/>
+              </a:prstGeom>
+              <a:solidFill>
+                <a:schemeClr val="bg1"/>
+              </a:solidFill>
+            </p:spPr>
+            <p:style>
+              <a:lnRef idx="2">
+                <a:schemeClr val="accent1">
+                  <a:shade val="50000"/>
+                </a:schemeClr>
+              </a:lnRef>
+              <a:fillRef idx="1">
+                <a:schemeClr val="accent1"/>
+              </a:fillRef>
+              <a:effectRef idx="0">
+                <a:schemeClr val="accent1"/>
+              </a:effectRef>
+              <a:fontRef idx="minor">
+                <a:schemeClr val="lt1"/>
+              </a:fontRef>
+            </p:style>
+            <p:txBody>
+              <a:bodyPr rtlCol="0" anchor="ctr"/>
+              <a:lstStyle/>
+              <a:p>
+                <a:pPr algn="ctr"/>
+                <a:endParaRPr lang="en-US"/>
+              </a:p>
+            </p:txBody>
+          </p:sp>
+          <p:pic>
+            <p:nvPicPr>
+              <p:cNvPr id="40" name="Picture 39">
+                <a:extLst>
+                  <a:ext uri="{FF2B5EF4-FFF2-40B4-BE49-F238E27FC236}">
+                    <a16:creationId xmlns:a16="http://schemas.microsoft.com/office/drawing/2014/main" id="{68429BA9-839E-43E7-A767-4AE45F2B8FAD}"/>
+                  </a:ext>
+                </a:extLst>
+              </p:cNvPr>
+              <p:cNvPicPr>
+                <a:picLocks noChangeAspect="1"/>
+              </p:cNvPicPr>
+              <p:nvPr/>
+            </p:nvPicPr>
+            <p:blipFill>
+              <a:blip r:embed="rId4">
+                <a:extLst>
+                  <a:ext uri="{BEBA8EAE-BF5A-486C-A8C5-ECC9F3942E4B}">
+                    <a14:imgProps xmlns:a14="http://schemas.microsoft.com/office/drawing/2010/main">
+                      <a14:imgLayer r:embed="rId3">
+                        <a14:imgEffect>
+                          <a14:backgroundRemoval t="5333" b="92889" l="5222" r="93000">
+                            <a14:foregroundMark x1="9333" y1="46778" x2="8889" y2="49889"/>
+                            <a14:foregroundMark x1="49556" y1="7556" x2="42333" y2="8000"/>
+                            <a14:foregroundMark x1="42333" y1="8000" x2="49778" y2="6556"/>
+                            <a14:foregroundMark x1="49778" y1="6556" x2="57333" y2="8556"/>
+                            <a14:foregroundMark x1="57333" y1="8556" x2="58333" y2="9444"/>
+                            <a14:foregroundMark x1="91111" y1="38778" x2="93222" y2="55000"/>
+                            <a14:foregroundMark x1="5778" y1="46333" x2="5444" y2="50444"/>
+                            <a14:foregroundMark x1="37222" y1="91333" x2="52333" y2="92889"/>
+                            <a14:foregroundMark x1="52333" y1="92889" x2="62000" y2="91111"/>
+                            <a14:foregroundMark x1="51556" y1="5333" x2="51000" y2="5333"/>
+                          </a14:backgroundRemoval>
+                        </a14:imgEffect>
+                        <a14:imgEffect>
+                          <a14:saturation sat="0"/>
+                        </a14:imgEffect>
+                      </a14:imgLayer>
+                    </a14:imgProps>
+                  </a:ext>
+                  <a:ext uri="{28A0092B-C50C-407E-A947-70E740481C1C}">
+                    <a14:useLocalDpi xmlns:a14="http://schemas.microsoft.com/office/drawing/2010/main" val="0"/>
+                  </a:ext>
+                </a:extLst>
+              </a:blip>
+              <a:stretch>
+                <a:fillRect/>
+              </a:stretch>
+            </p:blipFill>
+            <p:spPr>
+              <a:xfrm>
+                <a:off x="1541585" y="0"/>
+                <a:ext cx="6858000" cy="6858000"/>
+              </a:xfrm>
+              <a:prstGeom prst="rect">
+                <a:avLst/>
+              </a:prstGeom>
+            </p:spPr>
+          </p:pic>
+        </p:grpSp>
+        <p:sp>
+          <p:nvSpPr>
+            <p:cNvPr id="36" name="Rectangle 35">
+              <a:extLst>
+                <a:ext uri="{FF2B5EF4-FFF2-40B4-BE49-F238E27FC236}">
+                  <a16:creationId xmlns:a16="http://schemas.microsoft.com/office/drawing/2014/main" id="{125C00C0-D704-4686-BB09-350D177B1A1F}"/>
+                </a:ext>
+              </a:extLst>
+            </p:cNvPr>
+            <p:cNvSpPr/>
+            <p:nvPr/>
+          </p:nvSpPr>
+          <p:spPr>
+            <a:xfrm>
+              <a:off x="572155" y="1478053"/>
+              <a:ext cx="2928288" cy="1015663"/>
+            </a:xfrm>
+            <a:prstGeom prst="rect">
+              <a:avLst/>
+            </a:prstGeom>
+            <a:solidFill>
+              <a:srgbClr val="868686"/>
+            </a:solidFill>
+          </p:spPr>
+          <p:txBody>
+            <a:bodyPr wrap="square" lIns="91440" tIns="45720" rIns="91440" bIns="45720">
+              <a:spAutoFit/>
+            </a:bodyPr>
+            <a:lstStyle/>
+            <a:p>
+              <a:pPr algn="ctr"/>
+              <a:r>
+                <a:rPr lang="en-US" sz="6000" dirty="0">
+                  <a:ln w="0"/>
+                  <a:solidFill>
+                    <a:schemeClr val="bg1"/>
+                  </a:solidFill>
+                  <a:effectLst>
+                    <a:outerShdw blurRad="38100" dist="19050" dir="2700000" algn="tl" rotWithShape="0">
+                      <a:schemeClr val="dk1">
+                        <a:alpha val="40000"/>
+                      </a:schemeClr>
+                    </a:outerShdw>
+                  </a:effectLst>
+                  <a:latin typeface="Bahnschrift Light SemiCondensed" panose="020B0502040204020203" pitchFamily="34" charset="0"/>
+                </a:rPr>
+                <a:t>WEEKLY</a:t>
+              </a:r>
+              <a:endParaRPr lang="en-US" sz="6000" b="0" cap="none" spc="0" dirty="0">
+                <a:ln w="0"/>
+                <a:solidFill>
+                  <a:schemeClr val="bg1"/>
+                </a:solidFill>
+                <a:effectLst>
+                  <a:outerShdw blurRad="38100" dist="19050" dir="2700000" algn="tl" rotWithShape="0">
+                    <a:schemeClr val="dk1">
+                      <a:alpha val="40000"/>
+                    </a:schemeClr>
+                  </a:outerShdw>
+                </a:effectLst>
+                <a:latin typeface="Bahnschrift Light SemiCondensed" panose="020B0502040204020203" pitchFamily="34" charset="0"/>
+              </a:endParaRPr>
+            </a:p>
+          </p:txBody>
+        </p:sp>
+        <p:sp>
+          <p:nvSpPr>
+            <p:cNvPr id="37" name="Rectangle 36">
+              <a:extLst>
+                <a:ext uri="{FF2B5EF4-FFF2-40B4-BE49-F238E27FC236}">
+                  <a16:creationId xmlns:a16="http://schemas.microsoft.com/office/drawing/2014/main" id="{4CAB1C7C-9F08-461E-90AB-B1C0D6C21035}"/>
+                </a:ext>
+              </a:extLst>
+            </p:cNvPr>
+            <p:cNvSpPr/>
+            <p:nvPr/>
+          </p:nvSpPr>
+          <p:spPr>
+            <a:xfrm>
+              <a:off x="1648265" y="2493717"/>
+              <a:ext cx="996461" cy="362026"/>
+            </a:xfrm>
+            <a:prstGeom prst="rect">
+              <a:avLst/>
+            </a:prstGeom>
+            <a:solidFill>
+              <a:srgbClr val="868686"/>
+            </a:solidFill>
+            <a:ln>
+              <a:noFill/>
+            </a:ln>
+          </p:spPr>
+          <p:style>
+            <a:lnRef idx="2">
+              <a:schemeClr val="accent1">
+                <a:shade val="50000"/>
+              </a:schemeClr>
+            </a:lnRef>
+            <a:fillRef idx="1">
+              <a:schemeClr val="accent1"/>
+            </a:fillRef>
+            <a:effectRef idx="0">
+              <a:schemeClr val="accent1"/>
+            </a:effectRef>
+            <a:fontRef idx="minor">
+              <a:schemeClr val="lt1"/>
+            </a:fontRef>
+          </p:style>
+          <p:txBody>
+            <a:bodyPr rtlCol="0" anchor="ctr"/>
+            <a:lstStyle/>
+            <a:p>
+              <a:pPr algn="ctr"/>
+              <a:endParaRPr lang="en-US"/>
+            </a:p>
+          </p:txBody>
+        </p:sp>
+        <p:sp>
+          <p:nvSpPr>
+            <p:cNvPr id="38" name="Rectangle 37">
+              <a:extLst>
+                <a:ext uri="{FF2B5EF4-FFF2-40B4-BE49-F238E27FC236}">
+                  <a16:creationId xmlns:a16="http://schemas.microsoft.com/office/drawing/2014/main" id="{BA020127-D7A7-46B3-AF0A-5C7F5FB5C1C6}"/>
+                </a:ext>
+              </a:extLst>
+            </p:cNvPr>
+            <p:cNvSpPr/>
+            <p:nvPr/>
+          </p:nvSpPr>
+          <p:spPr>
+            <a:xfrm>
+              <a:off x="2036299" y="1139479"/>
+              <a:ext cx="996461" cy="362026"/>
+            </a:xfrm>
+            <a:prstGeom prst="rect">
+              <a:avLst/>
+            </a:prstGeom>
+            <a:solidFill>
+              <a:srgbClr val="868686"/>
+            </a:solidFill>
+            <a:ln>
+              <a:noFill/>
+            </a:ln>
+          </p:spPr>
+          <p:style>
+            <a:lnRef idx="2">
+              <a:schemeClr val="accent1">
+                <a:shade val="50000"/>
+              </a:schemeClr>
+            </a:lnRef>
+            <a:fillRef idx="1">
+              <a:schemeClr val="accent1"/>
+            </a:fillRef>
+            <a:effectRef idx="0">
+              <a:schemeClr val="accent1"/>
+            </a:effectRef>
+            <a:fontRef idx="minor">
+              <a:schemeClr val="lt1"/>
+            </a:fontRef>
+          </p:style>
+          <p:txBody>
+            <a:bodyPr rtlCol="0" anchor="ctr"/>
+            <a:lstStyle/>
+            <a:p>
+              <a:pPr algn="ctr"/>
+              <a:endParaRPr lang="en-US"/>
+            </a:p>
+          </p:txBody>
+        </p:sp>
+      </p:grpSp>
+      <p:grpSp>
+        <p:nvGrpSpPr>
+          <p:cNvPr id="41" name="Group 40">
+            <a:extLst>
+              <a:ext uri="{FF2B5EF4-FFF2-40B4-BE49-F238E27FC236}">
+                <a16:creationId xmlns:a16="http://schemas.microsoft.com/office/drawing/2014/main" id="{A169E352-C013-4703-971F-7F68361292E8}"/>
+              </a:ext>
+            </a:extLst>
+          </p:cNvPr>
+          <p:cNvGrpSpPr/>
+          <p:nvPr/>
+        </p:nvGrpSpPr>
+        <p:grpSpPr>
+          <a:xfrm>
+            <a:off x="1085998" y="-412170"/>
+            <a:ext cx="3695114" cy="3695114"/>
+            <a:chOff x="188742" y="138328"/>
+            <a:chExt cx="3695114" cy="3695114"/>
+          </a:xfrm>
+        </p:grpSpPr>
+        <p:grpSp>
+          <p:nvGrpSpPr>
+            <p:cNvPr id="42" name="Group 41">
+              <a:extLst>
+                <a:ext uri="{FF2B5EF4-FFF2-40B4-BE49-F238E27FC236}">
+                  <a16:creationId xmlns:a16="http://schemas.microsoft.com/office/drawing/2014/main" id="{ECDEFB18-41C3-4920-A820-58C61438D670}"/>
+                </a:ext>
+              </a:extLst>
+            </p:cNvPr>
+            <p:cNvGrpSpPr/>
+            <p:nvPr/>
+          </p:nvGrpSpPr>
+          <p:grpSpPr>
+            <a:xfrm>
+              <a:off x="188742" y="138328"/>
+              <a:ext cx="3695114" cy="3695114"/>
+              <a:chOff x="1541585" y="0"/>
+              <a:chExt cx="6858000" cy="6858000"/>
+            </a:xfrm>
+          </p:grpSpPr>
+          <p:sp>
+            <p:nvSpPr>
+              <p:cNvPr id="45" name="Rectangle 44">
+                <a:extLst>
+                  <a:ext uri="{FF2B5EF4-FFF2-40B4-BE49-F238E27FC236}">
+                    <a16:creationId xmlns:a16="http://schemas.microsoft.com/office/drawing/2014/main" id="{E8AA97C6-BA19-43F1-B8C7-80A4F2457E14}"/>
+                  </a:ext>
+                </a:extLst>
+              </p:cNvPr>
+              <p:cNvSpPr/>
+              <p:nvPr/>
+            </p:nvSpPr>
+            <p:spPr>
+              <a:xfrm>
+                <a:off x="2757268" y="2039815"/>
+                <a:ext cx="4135901" cy="3291840"/>
+              </a:xfrm>
+              <a:prstGeom prst="rect">
+                <a:avLst/>
+              </a:prstGeom>
+              <a:solidFill>
+                <a:schemeClr val="bg1"/>
+              </a:solidFill>
+            </p:spPr>
+            <p:style>
+              <a:lnRef idx="2">
+                <a:schemeClr val="accent1">
+                  <a:shade val="50000"/>
+                </a:schemeClr>
+              </a:lnRef>
+              <a:fillRef idx="1">
+                <a:schemeClr val="accent1"/>
+              </a:fillRef>
+              <a:effectRef idx="0">
+                <a:schemeClr val="accent1"/>
+              </a:effectRef>
+              <a:fontRef idx="minor">
+                <a:schemeClr val="lt1"/>
+              </a:fontRef>
+            </p:style>
+            <p:txBody>
+              <a:bodyPr rtlCol="0" anchor="ctr"/>
+              <a:lstStyle/>
+              <a:p>
+                <a:pPr algn="ctr"/>
+                <a:endParaRPr lang="en-US"/>
+              </a:p>
+            </p:txBody>
+          </p:sp>
+          <p:pic>
+            <p:nvPicPr>
+              <p:cNvPr id="46" name="Picture 45">
+                <a:extLst>
+                  <a:ext uri="{FF2B5EF4-FFF2-40B4-BE49-F238E27FC236}">
+                    <a16:creationId xmlns:a16="http://schemas.microsoft.com/office/drawing/2014/main" id="{280A8D32-30BA-47D8-AC1F-C7A03579E0DB}"/>
+                  </a:ext>
+                </a:extLst>
+              </p:cNvPr>
+              <p:cNvPicPr>
+                <a:picLocks noChangeAspect="1"/>
+              </p:cNvPicPr>
+              <p:nvPr/>
+            </p:nvPicPr>
+            <p:blipFill>
+              <a:blip r:embed="rId2">
+                <a:extLst>
+                  <a:ext uri="{BEBA8EAE-BF5A-486C-A8C5-ECC9F3942E4B}">
+                    <a14:imgProps xmlns:a14="http://schemas.microsoft.com/office/drawing/2010/main">
+                      <a14:imgLayer r:embed="rId3">
+                        <a14:imgEffect>
+                          <a14:backgroundRemoval t="5333" b="92889" l="5222" r="93000">
+                            <a14:foregroundMark x1="9333" y1="46778" x2="8889" y2="49889"/>
+                            <a14:foregroundMark x1="49556" y1="7556" x2="42333" y2="8000"/>
+                            <a14:foregroundMark x1="42333" y1="8000" x2="49778" y2="6556"/>
+                            <a14:foregroundMark x1="49778" y1="6556" x2="57333" y2="8556"/>
+                            <a14:foregroundMark x1="57333" y1="8556" x2="58333" y2="9444"/>
+                            <a14:foregroundMark x1="91111" y1="38778" x2="93222" y2="55000"/>
+                            <a14:foregroundMark x1="5778" y1="46333" x2="5444" y2="50444"/>
+                            <a14:foregroundMark x1="37222" y1="91333" x2="52333" y2="92889"/>
+                            <a14:foregroundMark x1="52333" y1="92889" x2="62000" y2="91111"/>
+                            <a14:foregroundMark x1="51556" y1="5333" x2="51000" y2="5333"/>
+                          </a14:backgroundRemoval>
+                        </a14:imgEffect>
+                      </a14:imgLayer>
+                    </a14:imgProps>
+                  </a:ext>
+                  <a:ext uri="{28A0092B-C50C-407E-A947-70E740481C1C}">
+                    <a14:useLocalDpi xmlns:a14="http://schemas.microsoft.com/office/drawing/2010/main" val="0"/>
+                  </a:ext>
+                </a:extLst>
+              </a:blip>
+              <a:stretch>
+                <a:fillRect/>
+              </a:stretch>
+            </p:blipFill>
+            <p:spPr>
+              <a:xfrm>
+                <a:off x="1541585" y="0"/>
+                <a:ext cx="6858000" cy="6858000"/>
+              </a:xfrm>
+              <a:prstGeom prst="rect">
+                <a:avLst/>
+              </a:prstGeom>
+            </p:spPr>
+          </p:pic>
+        </p:grpSp>
+        <p:sp>
+          <p:nvSpPr>
+            <p:cNvPr id="43" name="Rectangle 42">
+              <a:extLst>
+                <a:ext uri="{FF2B5EF4-FFF2-40B4-BE49-F238E27FC236}">
+                  <a16:creationId xmlns:a16="http://schemas.microsoft.com/office/drawing/2014/main" id="{47A8E1D4-189A-4D13-A5E5-DE4E74C4720A}"/>
+                </a:ext>
+              </a:extLst>
+            </p:cNvPr>
+            <p:cNvSpPr/>
+            <p:nvPr/>
+          </p:nvSpPr>
+          <p:spPr>
+            <a:xfrm>
+              <a:off x="636570" y="1568169"/>
+              <a:ext cx="2799457" cy="830997"/>
+            </a:xfrm>
+            <a:prstGeom prst="rect">
+              <a:avLst/>
+            </a:prstGeom>
+            <a:solidFill>
+              <a:srgbClr val="2BA6E1"/>
+            </a:solidFill>
+          </p:spPr>
+          <p:txBody>
+            <a:bodyPr wrap="square" lIns="91440" tIns="45720" rIns="91440" bIns="45720">
+              <a:spAutoFit/>
+            </a:bodyPr>
+            <a:lstStyle/>
+            <a:p>
+              <a:pPr algn="ctr"/>
+              <a:r>
+                <a:rPr lang="en-US" sz="4800" dirty="0">
+                  <a:solidFill>
+                    <a:schemeClr val="bg1"/>
+                  </a:solidFill>
+                  <a:latin typeface="Bahnschrift Light SemiCondensed" panose="020B0502040204020203" pitchFamily="34" charset="0"/>
+                </a:rPr>
+                <a:t>ONE-TIME</a:t>
+              </a:r>
+              <a:endParaRPr lang="en-US" sz="4800" b="0" cap="none" spc="0" dirty="0">
+                <a:ln w="0"/>
+                <a:solidFill>
+                  <a:schemeClr val="bg1"/>
+                </a:solidFill>
+                <a:effectLst>
+                  <a:outerShdw blurRad="38100" dist="19050" dir="2700000" algn="tl" rotWithShape="0">
+                    <a:schemeClr val="dk1">
+                      <a:alpha val="40000"/>
+                    </a:schemeClr>
+                  </a:outerShdw>
+                </a:effectLst>
+                <a:latin typeface="Bahnschrift Light SemiCondensed" panose="020B0502040204020203" pitchFamily="34" charset="0"/>
+              </a:endParaRPr>
+            </a:p>
+          </p:txBody>
+        </p:sp>
+        <p:sp>
+          <p:nvSpPr>
+            <p:cNvPr id="44" name="Rectangle 43">
+              <a:extLst>
+                <a:ext uri="{FF2B5EF4-FFF2-40B4-BE49-F238E27FC236}">
+                  <a16:creationId xmlns:a16="http://schemas.microsoft.com/office/drawing/2014/main" id="{8BFFA6E9-1229-46AA-AF05-C8885F2ED027}"/>
+                </a:ext>
+              </a:extLst>
+            </p:cNvPr>
+            <p:cNvSpPr/>
+            <p:nvPr/>
+          </p:nvSpPr>
+          <p:spPr>
+            <a:xfrm>
+              <a:off x="1648265" y="2399167"/>
+              <a:ext cx="996461" cy="456576"/>
+            </a:xfrm>
+            <a:prstGeom prst="rect">
+              <a:avLst/>
+            </a:prstGeom>
+            <a:solidFill>
+              <a:srgbClr val="2BA6E1"/>
+            </a:solidFill>
+            <a:ln>
+              <a:noFill/>
+            </a:ln>
+          </p:spPr>
+          <p:style>
+            <a:lnRef idx="2">
+              <a:schemeClr val="accent1">
+                <a:shade val="50000"/>
+              </a:schemeClr>
+            </a:lnRef>
+            <a:fillRef idx="1">
+              <a:schemeClr val="accent1"/>
+            </a:fillRef>
+            <a:effectRef idx="0">
+              <a:schemeClr val="accent1"/>
+            </a:effectRef>
+            <a:fontRef idx="minor">
+              <a:schemeClr val="lt1"/>
+            </a:fontRef>
+          </p:style>
+          <p:txBody>
+            <a:bodyPr rtlCol="0" anchor="ctr"/>
+            <a:lstStyle/>
+            <a:p>
+              <a:pPr algn="ctr"/>
+              <a:endParaRPr lang="en-US"/>
+            </a:p>
+          </p:txBody>
+        </p:sp>
+        <p:sp>
+          <p:nvSpPr>
+            <p:cNvPr id="47" name="Rectangle 46">
+              <a:extLst>
+                <a:ext uri="{FF2B5EF4-FFF2-40B4-BE49-F238E27FC236}">
+                  <a16:creationId xmlns:a16="http://schemas.microsoft.com/office/drawing/2014/main" id="{D174F01E-6788-47AE-A20A-143127299EC6}"/>
+                </a:ext>
+              </a:extLst>
+            </p:cNvPr>
+            <p:cNvSpPr/>
+            <p:nvPr/>
+          </p:nvSpPr>
+          <p:spPr>
+            <a:xfrm>
+              <a:off x="1957975" y="1111592"/>
+              <a:ext cx="996461" cy="456576"/>
+            </a:xfrm>
+            <a:prstGeom prst="rect">
+              <a:avLst/>
+            </a:prstGeom>
+            <a:solidFill>
+              <a:srgbClr val="2BA6E1"/>
+            </a:solidFill>
+            <a:ln>
+              <a:noFill/>
+            </a:ln>
+          </p:spPr>
+          <p:style>
+            <a:lnRef idx="2">
+              <a:schemeClr val="accent1">
+                <a:shade val="50000"/>
+              </a:schemeClr>
+            </a:lnRef>
+            <a:fillRef idx="1">
+              <a:schemeClr val="accent1"/>
+            </a:fillRef>
+            <a:effectRef idx="0">
+              <a:schemeClr val="accent1"/>
+            </a:effectRef>
+            <a:fontRef idx="minor">
+              <a:schemeClr val="lt1"/>
+            </a:fontRef>
+          </p:style>
+          <p:txBody>
+            <a:bodyPr rtlCol="0" anchor="ctr"/>
+            <a:lstStyle/>
+            <a:p>
+              <a:pPr algn="ctr"/>
+              <a:endParaRPr lang="en-US"/>
+            </a:p>
+          </p:txBody>
+        </p:sp>
+      </p:grpSp>
+      <p:grpSp>
+        <p:nvGrpSpPr>
+          <p:cNvPr id="48" name="Group 47">
+            <a:extLst>
+              <a:ext uri="{FF2B5EF4-FFF2-40B4-BE49-F238E27FC236}">
+                <a16:creationId xmlns:a16="http://schemas.microsoft.com/office/drawing/2014/main" id="{8FC0666A-C6AB-48C2-A8EA-5CF3279D7FE0}"/>
+              </a:ext>
+            </a:extLst>
+          </p:cNvPr>
+          <p:cNvGrpSpPr/>
+          <p:nvPr/>
+        </p:nvGrpSpPr>
+        <p:grpSpPr>
+          <a:xfrm>
+            <a:off x="7603357" y="4154093"/>
+            <a:ext cx="3695114" cy="3695114"/>
+            <a:chOff x="188742" y="138328"/>
+            <a:chExt cx="3695114" cy="3695114"/>
+          </a:xfrm>
+        </p:grpSpPr>
+        <p:grpSp>
+          <p:nvGrpSpPr>
+            <p:cNvPr id="49" name="Group 48">
+              <a:extLst>
+                <a:ext uri="{FF2B5EF4-FFF2-40B4-BE49-F238E27FC236}">
+                  <a16:creationId xmlns:a16="http://schemas.microsoft.com/office/drawing/2014/main" id="{8ADF3069-ED07-4158-B9BE-8FC2EDD06252}"/>
+                </a:ext>
+              </a:extLst>
+            </p:cNvPr>
+            <p:cNvGrpSpPr/>
+            <p:nvPr/>
+          </p:nvGrpSpPr>
+          <p:grpSpPr>
+            <a:xfrm>
+              <a:off x="188742" y="138328"/>
+              <a:ext cx="3695114" cy="3695114"/>
+              <a:chOff x="1541585" y="0"/>
+              <a:chExt cx="6858000" cy="6858000"/>
+            </a:xfrm>
+          </p:grpSpPr>
+          <p:sp>
+            <p:nvSpPr>
+              <p:cNvPr id="53" name="Rectangle 52">
+                <a:extLst>
+                  <a:ext uri="{FF2B5EF4-FFF2-40B4-BE49-F238E27FC236}">
+                    <a16:creationId xmlns:a16="http://schemas.microsoft.com/office/drawing/2014/main" id="{F5F148AE-67E7-472F-A910-7F67C058FCE4}"/>
+                  </a:ext>
+                </a:extLst>
+              </p:cNvPr>
+              <p:cNvSpPr/>
+              <p:nvPr/>
+            </p:nvSpPr>
+            <p:spPr>
+              <a:xfrm>
+                <a:off x="2757268" y="2039815"/>
+                <a:ext cx="4135901" cy="3291840"/>
+              </a:xfrm>
+              <a:prstGeom prst="rect">
+                <a:avLst/>
+              </a:prstGeom>
+              <a:solidFill>
+                <a:schemeClr val="bg1"/>
+              </a:solidFill>
+            </p:spPr>
+            <p:style>
+              <a:lnRef idx="2">
+                <a:schemeClr val="accent1">
+                  <a:shade val="50000"/>
+                </a:schemeClr>
+              </a:lnRef>
+              <a:fillRef idx="1">
+                <a:schemeClr val="accent1"/>
+              </a:fillRef>
+              <a:effectRef idx="0">
+                <a:schemeClr val="accent1"/>
+              </a:effectRef>
+              <a:fontRef idx="minor">
+                <a:schemeClr val="lt1"/>
+              </a:fontRef>
+            </p:style>
+            <p:txBody>
+              <a:bodyPr rtlCol="0" anchor="ctr"/>
+              <a:lstStyle/>
+              <a:p>
+                <a:pPr algn="ctr"/>
+                <a:endParaRPr lang="en-US"/>
+              </a:p>
+            </p:txBody>
+          </p:sp>
+          <p:pic>
+            <p:nvPicPr>
+              <p:cNvPr id="54" name="Picture 53">
+                <a:extLst>
+                  <a:ext uri="{FF2B5EF4-FFF2-40B4-BE49-F238E27FC236}">
+                    <a16:creationId xmlns:a16="http://schemas.microsoft.com/office/drawing/2014/main" id="{A81BA259-EE20-455A-ACC2-27FA357EDD8C}"/>
+                  </a:ext>
+                </a:extLst>
+              </p:cNvPr>
+              <p:cNvPicPr>
+                <a:picLocks noChangeAspect="1"/>
+              </p:cNvPicPr>
+              <p:nvPr/>
+            </p:nvPicPr>
+            <p:blipFill>
+              <a:blip r:embed="rId4">
+                <a:extLst>
+                  <a:ext uri="{BEBA8EAE-BF5A-486C-A8C5-ECC9F3942E4B}">
+                    <a14:imgProps xmlns:a14="http://schemas.microsoft.com/office/drawing/2010/main">
+                      <a14:imgLayer r:embed="rId3">
+                        <a14:imgEffect>
+                          <a14:backgroundRemoval t="5333" b="92889" l="5222" r="93000">
+                            <a14:foregroundMark x1="9333" y1="46778" x2="8889" y2="49889"/>
+                            <a14:foregroundMark x1="49556" y1="7556" x2="42333" y2="8000"/>
+                            <a14:foregroundMark x1="42333" y1="8000" x2="49778" y2="6556"/>
+                            <a14:foregroundMark x1="49778" y1="6556" x2="57333" y2="8556"/>
+                            <a14:foregroundMark x1="57333" y1="8556" x2="58333" y2="9444"/>
+                            <a14:foregroundMark x1="91111" y1="38778" x2="93222" y2="55000"/>
+                            <a14:foregroundMark x1="5778" y1="46333" x2="5444" y2="50444"/>
+                            <a14:foregroundMark x1="37222" y1="91333" x2="52333" y2="92889"/>
+                            <a14:foregroundMark x1="52333" y1="92889" x2="62000" y2="91111"/>
+                            <a14:foregroundMark x1="51556" y1="5333" x2="51000" y2="5333"/>
+                          </a14:backgroundRemoval>
+                        </a14:imgEffect>
+                        <a14:imgEffect>
+                          <a14:saturation sat="0"/>
+                        </a14:imgEffect>
+                      </a14:imgLayer>
+                    </a14:imgProps>
+                  </a:ext>
+                  <a:ext uri="{28A0092B-C50C-407E-A947-70E740481C1C}">
+                    <a14:useLocalDpi xmlns:a14="http://schemas.microsoft.com/office/drawing/2010/main" val="0"/>
+                  </a:ext>
+                </a:extLst>
+              </a:blip>
+              <a:stretch>
+                <a:fillRect/>
+              </a:stretch>
+            </p:blipFill>
+            <p:spPr>
+              <a:xfrm>
+                <a:off x="1541585" y="0"/>
+                <a:ext cx="6858000" cy="6858000"/>
+              </a:xfrm>
+              <a:prstGeom prst="rect">
+                <a:avLst/>
+              </a:prstGeom>
+            </p:spPr>
+          </p:pic>
+        </p:grpSp>
+        <p:sp>
+          <p:nvSpPr>
+            <p:cNvPr id="50" name="Rectangle 49">
+              <a:extLst>
+                <a:ext uri="{FF2B5EF4-FFF2-40B4-BE49-F238E27FC236}">
+                  <a16:creationId xmlns:a16="http://schemas.microsoft.com/office/drawing/2014/main" id="{8C8D4D9C-B8D3-464C-83A2-299C897C2AA1}"/>
+                </a:ext>
+              </a:extLst>
+            </p:cNvPr>
+            <p:cNvSpPr/>
+            <p:nvPr/>
+          </p:nvSpPr>
+          <p:spPr>
+            <a:xfrm>
+              <a:off x="636570" y="1568169"/>
+              <a:ext cx="2799457" cy="830997"/>
+            </a:xfrm>
+            <a:prstGeom prst="rect">
+              <a:avLst/>
+            </a:prstGeom>
+            <a:solidFill>
+              <a:srgbClr val="868686"/>
+            </a:solidFill>
+          </p:spPr>
+          <p:txBody>
+            <a:bodyPr wrap="square" lIns="91440" tIns="45720" rIns="91440" bIns="45720">
+              <a:spAutoFit/>
+            </a:bodyPr>
+            <a:lstStyle/>
+            <a:p>
+              <a:pPr algn="ctr"/>
+              <a:r>
+                <a:rPr lang="en-US" sz="4800" dirty="0">
+                  <a:solidFill>
+                    <a:schemeClr val="bg1"/>
+                  </a:solidFill>
+                  <a:latin typeface="Bahnschrift Light SemiCondensed" panose="020B0502040204020203" pitchFamily="34" charset="0"/>
+                </a:rPr>
+                <a:t>ONE-TIME</a:t>
+              </a:r>
+              <a:endParaRPr lang="en-US" sz="4800" b="0" cap="none" spc="0" dirty="0">
+                <a:ln w="0"/>
+                <a:solidFill>
+                  <a:schemeClr val="bg1"/>
+                </a:solidFill>
+                <a:effectLst>
+                  <a:outerShdw blurRad="38100" dist="19050" dir="2700000" algn="tl" rotWithShape="0">
+                    <a:schemeClr val="dk1">
+                      <a:alpha val="40000"/>
+                    </a:schemeClr>
+                  </a:outerShdw>
+                </a:effectLst>
+                <a:latin typeface="Bahnschrift Light SemiCondensed" panose="020B0502040204020203" pitchFamily="34" charset="0"/>
+              </a:endParaRPr>
+            </a:p>
+          </p:txBody>
+        </p:sp>
+        <p:sp>
+          <p:nvSpPr>
+            <p:cNvPr id="51" name="Rectangle 50">
+              <a:extLst>
+                <a:ext uri="{FF2B5EF4-FFF2-40B4-BE49-F238E27FC236}">
+                  <a16:creationId xmlns:a16="http://schemas.microsoft.com/office/drawing/2014/main" id="{47D5A92D-93D5-45B3-8137-E5B67A74222A}"/>
+                </a:ext>
+              </a:extLst>
+            </p:cNvPr>
+            <p:cNvSpPr/>
+            <p:nvPr/>
+          </p:nvSpPr>
+          <p:spPr>
+            <a:xfrm>
+              <a:off x="1648265" y="2399167"/>
+              <a:ext cx="996461" cy="456576"/>
+            </a:xfrm>
+            <a:prstGeom prst="rect">
+              <a:avLst/>
+            </a:prstGeom>
+            <a:solidFill>
+              <a:srgbClr val="868686"/>
+            </a:solidFill>
+            <a:ln>
+              <a:noFill/>
+            </a:ln>
+          </p:spPr>
+          <p:style>
+            <a:lnRef idx="2">
+              <a:schemeClr val="accent1">
+                <a:shade val="50000"/>
+              </a:schemeClr>
+            </a:lnRef>
+            <a:fillRef idx="1">
+              <a:schemeClr val="accent1"/>
+            </a:fillRef>
+            <a:effectRef idx="0">
+              <a:schemeClr val="accent1"/>
+            </a:effectRef>
+            <a:fontRef idx="minor">
+              <a:schemeClr val="lt1"/>
+            </a:fontRef>
+          </p:style>
+          <p:txBody>
+            <a:bodyPr rtlCol="0" anchor="ctr"/>
+            <a:lstStyle/>
+            <a:p>
+              <a:pPr algn="ctr"/>
+              <a:endParaRPr lang="en-US"/>
+            </a:p>
+          </p:txBody>
+        </p:sp>
+        <p:sp>
+          <p:nvSpPr>
+            <p:cNvPr id="52" name="Rectangle 51">
+              <a:extLst>
+                <a:ext uri="{FF2B5EF4-FFF2-40B4-BE49-F238E27FC236}">
+                  <a16:creationId xmlns:a16="http://schemas.microsoft.com/office/drawing/2014/main" id="{BCDA8714-5C5C-4214-BBF5-8288DEEBF816}"/>
+                </a:ext>
+              </a:extLst>
+            </p:cNvPr>
+            <p:cNvSpPr/>
+            <p:nvPr/>
+          </p:nvSpPr>
+          <p:spPr>
+            <a:xfrm>
+              <a:off x="1957975" y="1111592"/>
+              <a:ext cx="996461" cy="456576"/>
+            </a:xfrm>
+            <a:prstGeom prst="rect">
+              <a:avLst/>
+            </a:prstGeom>
+            <a:solidFill>
+              <a:srgbClr val="868686"/>
+            </a:solidFill>
+            <a:ln>
+              <a:noFill/>
+            </a:ln>
+          </p:spPr>
+          <p:style>
+            <a:lnRef idx="2">
+              <a:schemeClr val="accent1">
+                <a:shade val="50000"/>
+              </a:schemeClr>
+            </a:lnRef>
+            <a:fillRef idx="1">
+              <a:schemeClr val="accent1"/>
+            </a:fillRef>
+            <a:effectRef idx="0">
+              <a:schemeClr val="accent1"/>
+            </a:effectRef>
+            <a:fontRef idx="minor">
+              <a:schemeClr val="lt1"/>
+            </a:fontRef>
+          </p:style>
+          <p:txBody>
+            <a:bodyPr rtlCol="0" anchor="ctr"/>
+            <a:lstStyle/>
+            <a:p>
+              <a:pPr algn="ctr"/>
+              <a:endParaRPr lang="en-US" dirty="0"/>
+            </a:p>
+          </p:txBody>
+        </p:sp>
+      </p:grpSp>
+      <p:grpSp>
+        <p:nvGrpSpPr>
+          <p:cNvPr id="59" name="Group 58">
+            <a:extLst>
+              <a:ext uri="{FF2B5EF4-FFF2-40B4-BE49-F238E27FC236}">
+                <a16:creationId xmlns:a16="http://schemas.microsoft.com/office/drawing/2014/main" id="{743CB306-0710-46D1-9297-41BB833E51BB}"/>
+              </a:ext>
+            </a:extLst>
+          </p:cNvPr>
+          <p:cNvGrpSpPr/>
+          <p:nvPr/>
+        </p:nvGrpSpPr>
+        <p:grpSpPr>
+          <a:xfrm>
+            <a:off x="-4198351" y="5410422"/>
+            <a:ext cx="2623871" cy="2623871"/>
+            <a:chOff x="-4198351" y="5410422"/>
+            <a:chExt cx="2623871" cy="2623871"/>
+          </a:xfrm>
+        </p:grpSpPr>
+        <p:grpSp>
+          <p:nvGrpSpPr>
+            <p:cNvPr id="55" name="Group 54">
+              <a:extLst>
+                <a:ext uri="{FF2B5EF4-FFF2-40B4-BE49-F238E27FC236}">
+                  <a16:creationId xmlns:a16="http://schemas.microsoft.com/office/drawing/2014/main" id="{431D08A9-9620-4C18-AFD2-D73E1AC26B90}"/>
+                </a:ext>
+              </a:extLst>
+            </p:cNvPr>
+            <p:cNvGrpSpPr/>
+            <p:nvPr/>
+          </p:nvGrpSpPr>
+          <p:grpSpPr>
+            <a:xfrm>
+              <a:off x="-4198351" y="5410422"/>
+              <a:ext cx="2623871" cy="2623871"/>
+              <a:chOff x="1445017" y="206843"/>
+              <a:chExt cx="6858000" cy="6858000"/>
+            </a:xfrm>
+          </p:grpSpPr>
+          <p:sp>
+            <p:nvSpPr>
+              <p:cNvPr id="56" name="Rectangle 55">
+                <a:extLst>
+                  <a:ext uri="{FF2B5EF4-FFF2-40B4-BE49-F238E27FC236}">
+                    <a16:creationId xmlns:a16="http://schemas.microsoft.com/office/drawing/2014/main" id="{E3B36273-1EA1-4B10-A51D-368F20B3DC6E}"/>
+                  </a:ext>
+                </a:extLst>
+              </p:cNvPr>
+              <p:cNvSpPr/>
+              <p:nvPr/>
+            </p:nvSpPr>
+            <p:spPr>
+              <a:xfrm>
+                <a:off x="2757268" y="2039815"/>
+                <a:ext cx="4135901" cy="3291840"/>
+              </a:xfrm>
+              <a:prstGeom prst="rect">
+                <a:avLst/>
+              </a:prstGeom>
+              <a:solidFill>
+                <a:schemeClr val="bg1"/>
+              </a:solidFill>
+            </p:spPr>
+            <p:style>
+              <a:lnRef idx="2">
+                <a:schemeClr val="accent1">
+                  <a:shade val="50000"/>
+                </a:schemeClr>
+              </a:lnRef>
+              <a:fillRef idx="1">
+                <a:schemeClr val="accent1"/>
+              </a:fillRef>
+              <a:effectRef idx="0">
+                <a:schemeClr val="accent1"/>
+              </a:effectRef>
+              <a:fontRef idx="minor">
+                <a:schemeClr val="lt1"/>
+              </a:fontRef>
+            </p:style>
+            <p:txBody>
+              <a:bodyPr rtlCol="0" anchor="ctr"/>
+              <a:lstStyle/>
+              <a:p>
+                <a:pPr algn="ctr"/>
+                <a:endParaRPr lang="en-US"/>
+              </a:p>
+            </p:txBody>
+          </p:sp>
+          <p:pic>
+            <p:nvPicPr>
+              <p:cNvPr id="57" name="Picture 56">
+                <a:extLst>
+                  <a:ext uri="{FF2B5EF4-FFF2-40B4-BE49-F238E27FC236}">
+                    <a16:creationId xmlns:a16="http://schemas.microsoft.com/office/drawing/2014/main" id="{694F45FE-A6BD-47E7-A431-77F70A41EAC9}"/>
+                  </a:ext>
+                </a:extLst>
+              </p:cNvPr>
+              <p:cNvPicPr>
+                <a:picLocks noChangeAspect="1"/>
+              </p:cNvPicPr>
+              <p:nvPr/>
+            </p:nvPicPr>
+            <p:blipFill>
+              <a:blip r:embed="rId2">
+                <a:extLst>
+                  <a:ext uri="{BEBA8EAE-BF5A-486C-A8C5-ECC9F3942E4B}">
+                    <a14:imgProps xmlns:a14="http://schemas.microsoft.com/office/drawing/2010/main">
+                      <a14:imgLayer r:embed="rId3">
+                        <a14:imgEffect>
+                          <a14:backgroundRemoval t="5333" b="92889" l="5222" r="93000">
+                            <a14:foregroundMark x1="9333" y1="46778" x2="8889" y2="49889"/>
+                            <a14:foregroundMark x1="49556" y1="7556" x2="42333" y2="8000"/>
+                            <a14:foregroundMark x1="42333" y1="8000" x2="49778" y2="6556"/>
+                            <a14:foregroundMark x1="49778" y1="6556" x2="57333" y2="8556"/>
+                            <a14:foregroundMark x1="57333" y1="8556" x2="58333" y2="9444"/>
+                            <a14:foregroundMark x1="91111" y1="38778" x2="93222" y2="55000"/>
+                            <a14:foregroundMark x1="5778" y1="46333" x2="5444" y2="50444"/>
+                            <a14:foregroundMark x1="37222" y1="91333" x2="52333" y2="92889"/>
+                            <a14:foregroundMark x1="52333" y1="92889" x2="62000" y2="91111"/>
+                            <a14:foregroundMark x1="51556" y1="5333" x2="51000" y2="5333"/>
+                          </a14:backgroundRemoval>
+                        </a14:imgEffect>
+                      </a14:imgLayer>
+                    </a14:imgProps>
+                  </a:ext>
+                  <a:ext uri="{28A0092B-C50C-407E-A947-70E740481C1C}">
+                    <a14:useLocalDpi xmlns:a14="http://schemas.microsoft.com/office/drawing/2010/main" val="0"/>
+                  </a:ext>
+                </a:extLst>
+              </a:blip>
+              <a:stretch>
+                <a:fillRect/>
+              </a:stretch>
+            </p:blipFill>
+            <p:spPr>
+              <a:xfrm>
+                <a:off x="1445017" y="206843"/>
+                <a:ext cx="6858000" cy="6858000"/>
+              </a:xfrm>
+              <a:prstGeom prst="rect">
+                <a:avLst/>
+              </a:prstGeom>
+            </p:spPr>
+          </p:pic>
+        </p:grpSp>
+        <p:sp>
+          <p:nvSpPr>
+            <p:cNvPr id="58" name="Rectangle 57">
+              <a:extLst>
+                <a:ext uri="{FF2B5EF4-FFF2-40B4-BE49-F238E27FC236}">
+                  <a16:creationId xmlns:a16="http://schemas.microsoft.com/office/drawing/2014/main" id="{8A0BA9EF-751C-45B7-A7F0-1A3C874E610F}"/>
+                </a:ext>
+              </a:extLst>
+            </p:cNvPr>
+            <p:cNvSpPr/>
+            <p:nvPr/>
+          </p:nvSpPr>
+          <p:spPr>
+            <a:xfrm>
+              <a:off x="-3487923" y="5722626"/>
+              <a:ext cx="1167637" cy="1862048"/>
+            </a:xfrm>
+            <a:prstGeom prst="rect">
+              <a:avLst/>
+            </a:prstGeom>
+            <a:solidFill>
+              <a:srgbClr val="2BA6E1"/>
+            </a:solidFill>
+          </p:spPr>
+          <p:txBody>
+            <a:bodyPr wrap="square" lIns="91440" tIns="45720" rIns="91440" bIns="45720">
+              <a:spAutoFit/>
+            </a:bodyPr>
+            <a:lstStyle/>
+            <a:p>
+              <a:pPr algn="ctr"/>
+              <a:r>
+                <a:rPr lang="en-US" sz="11500" b="0" cap="none" spc="0" dirty="0">
+                  <a:ln w="0"/>
+                  <a:solidFill>
+                    <a:schemeClr val="bg1"/>
+                  </a:solidFill>
+                  <a:effectLst>
+                    <a:outerShdw blurRad="38100" dist="19050" dir="2700000" algn="tl" rotWithShape="0">
+                      <a:schemeClr val="dk1">
+                        <a:alpha val="40000"/>
+                      </a:schemeClr>
+                    </a:outerShdw>
+                  </a:effectLst>
+                  <a:latin typeface="Bahnschrift Light" panose="020B0502040204020203" pitchFamily="34" charset="0"/>
+                </a:rPr>
+                <a:t>X</a:t>
+              </a:r>
+            </a:p>
+          </p:txBody>
+        </p:sp>
+      </p:grpSp>
+      <p:grpSp>
+        <p:nvGrpSpPr>
+          <p:cNvPr id="60" name="Group 59">
+            <a:extLst>
+              <a:ext uri="{FF2B5EF4-FFF2-40B4-BE49-F238E27FC236}">
+                <a16:creationId xmlns:a16="http://schemas.microsoft.com/office/drawing/2014/main" id="{7052865B-DD51-4582-B57D-C5C5D71F7BE6}"/>
+              </a:ext>
+            </a:extLst>
+          </p:cNvPr>
+          <p:cNvGrpSpPr/>
+          <p:nvPr/>
+        </p:nvGrpSpPr>
+        <p:grpSpPr>
+          <a:xfrm>
+            <a:off x="-1637345" y="5873217"/>
+            <a:ext cx="2623871" cy="2623871"/>
+            <a:chOff x="-4161404" y="5331284"/>
+            <a:chExt cx="2623871" cy="2623871"/>
+          </a:xfrm>
+        </p:grpSpPr>
+        <p:grpSp>
+          <p:nvGrpSpPr>
+            <p:cNvPr id="61" name="Group 60">
+              <a:extLst>
+                <a:ext uri="{FF2B5EF4-FFF2-40B4-BE49-F238E27FC236}">
+                  <a16:creationId xmlns:a16="http://schemas.microsoft.com/office/drawing/2014/main" id="{2971D19A-B0BC-42A5-8507-27DC3260261D}"/>
+                </a:ext>
+              </a:extLst>
+            </p:cNvPr>
+            <p:cNvGrpSpPr/>
+            <p:nvPr/>
+          </p:nvGrpSpPr>
+          <p:grpSpPr>
+            <a:xfrm>
+              <a:off x="-4161404" y="5331284"/>
+              <a:ext cx="2623871" cy="2623871"/>
+              <a:chOff x="1541585" y="0"/>
+              <a:chExt cx="6858000" cy="6858000"/>
+            </a:xfrm>
+          </p:grpSpPr>
+          <p:sp>
+            <p:nvSpPr>
+              <p:cNvPr id="63" name="Rectangle 62">
+                <a:extLst>
+                  <a:ext uri="{FF2B5EF4-FFF2-40B4-BE49-F238E27FC236}">
+                    <a16:creationId xmlns:a16="http://schemas.microsoft.com/office/drawing/2014/main" id="{D862755F-CE21-4EB2-89E2-939940529C1A}"/>
+                  </a:ext>
+                </a:extLst>
+              </p:cNvPr>
+              <p:cNvSpPr/>
+              <p:nvPr/>
+            </p:nvSpPr>
+            <p:spPr>
+              <a:xfrm>
+                <a:off x="2757268" y="2039815"/>
+                <a:ext cx="4135901" cy="3291840"/>
+              </a:xfrm>
+              <a:prstGeom prst="rect">
+                <a:avLst/>
+              </a:prstGeom>
+              <a:solidFill>
+                <a:schemeClr val="bg1"/>
+              </a:solidFill>
+            </p:spPr>
+            <p:style>
+              <a:lnRef idx="2">
+                <a:schemeClr val="accent1">
+                  <a:shade val="50000"/>
+                </a:schemeClr>
+              </a:lnRef>
+              <a:fillRef idx="1">
+                <a:schemeClr val="accent1"/>
+              </a:fillRef>
+              <a:effectRef idx="0">
+                <a:schemeClr val="accent1"/>
+              </a:effectRef>
+              <a:fontRef idx="minor">
+                <a:schemeClr val="lt1"/>
+              </a:fontRef>
+            </p:style>
+            <p:txBody>
+              <a:bodyPr rtlCol="0" anchor="ctr"/>
+              <a:lstStyle/>
+              <a:p>
+                <a:pPr algn="ctr"/>
+                <a:endParaRPr lang="en-US"/>
+              </a:p>
+            </p:txBody>
+          </p:sp>
+          <p:pic>
+            <p:nvPicPr>
+              <p:cNvPr id="64" name="Picture 63">
+                <a:extLst>
+                  <a:ext uri="{FF2B5EF4-FFF2-40B4-BE49-F238E27FC236}">
+                    <a16:creationId xmlns:a16="http://schemas.microsoft.com/office/drawing/2014/main" id="{0435103F-B2F9-4679-9378-968B357BFCA6}"/>
+                  </a:ext>
+                </a:extLst>
+              </p:cNvPr>
+              <p:cNvPicPr>
+                <a:picLocks noChangeAspect="1"/>
+              </p:cNvPicPr>
+              <p:nvPr/>
+            </p:nvPicPr>
+            <p:blipFill>
+              <a:blip r:embed="rId4">
+                <a:extLst>
+                  <a:ext uri="{BEBA8EAE-BF5A-486C-A8C5-ECC9F3942E4B}">
+                    <a14:imgProps xmlns:a14="http://schemas.microsoft.com/office/drawing/2010/main">
+                      <a14:imgLayer r:embed="rId3">
+                        <a14:imgEffect>
+                          <a14:backgroundRemoval t="5333" b="92889" l="5222" r="93000">
+                            <a14:foregroundMark x1="9333" y1="46778" x2="8889" y2="49889"/>
+                            <a14:foregroundMark x1="49556" y1="7556" x2="42333" y2="8000"/>
+                            <a14:foregroundMark x1="42333" y1="8000" x2="49778" y2="6556"/>
+                            <a14:foregroundMark x1="49778" y1="6556" x2="57333" y2="8556"/>
+                            <a14:foregroundMark x1="57333" y1="8556" x2="58333" y2="9444"/>
+                            <a14:foregroundMark x1="91111" y1="38778" x2="93222" y2="55000"/>
+                            <a14:foregroundMark x1="5778" y1="46333" x2="5444" y2="50444"/>
+                            <a14:foregroundMark x1="37222" y1="91333" x2="52333" y2="92889"/>
+                            <a14:foregroundMark x1="52333" y1="92889" x2="62000" y2="91111"/>
+                            <a14:foregroundMark x1="51556" y1="5333" x2="51000" y2="5333"/>
+                          </a14:backgroundRemoval>
+                        </a14:imgEffect>
+                        <a14:imgEffect>
+                          <a14:saturation sat="0"/>
+                        </a14:imgEffect>
+                      </a14:imgLayer>
+                    </a14:imgProps>
+                  </a:ext>
+                  <a:ext uri="{28A0092B-C50C-407E-A947-70E740481C1C}">
+                    <a14:useLocalDpi xmlns:a14="http://schemas.microsoft.com/office/drawing/2010/main" val="0"/>
+                  </a:ext>
+                </a:extLst>
+              </a:blip>
+              <a:stretch>
+                <a:fillRect/>
+              </a:stretch>
+            </p:blipFill>
+            <p:spPr>
+              <a:xfrm>
+                <a:off x="1541585" y="0"/>
+                <a:ext cx="6858000" cy="6858000"/>
+              </a:xfrm>
+              <a:prstGeom prst="rect">
+                <a:avLst/>
+              </a:prstGeom>
+            </p:spPr>
+          </p:pic>
+        </p:grpSp>
+        <p:sp>
+          <p:nvSpPr>
+            <p:cNvPr id="62" name="Rectangle 61">
+              <a:extLst>
+                <a:ext uri="{FF2B5EF4-FFF2-40B4-BE49-F238E27FC236}">
+                  <a16:creationId xmlns:a16="http://schemas.microsoft.com/office/drawing/2014/main" id="{320CFB4C-0B0E-4011-8CAB-381F6138D60C}"/>
+                </a:ext>
+              </a:extLst>
+            </p:cNvPr>
+            <p:cNvSpPr/>
+            <p:nvPr/>
+          </p:nvSpPr>
+          <p:spPr>
+            <a:xfrm>
+              <a:off x="-3413373" y="5712195"/>
+              <a:ext cx="1117612" cy="1862048"/>
+            </a:xfrm>
+            <a:prstGeom prst="rect">
+              <a:avLst/>
+            </a:prstGeom>
+            <a:solidFill>
+              <a:srgbClr val="868686"/>
+            </a:solidFill>
+          </p:spPr>
+          <p:txBody>
+            <a:bodyPr wrap="square" lIns="91440" tIns="45720" rIns="91440" bIns="45720">
+              <a:spAutoFit/>
+            </a:bodyPr>
+            <a:lstStyle/>
+            <a:p>
+              <a:pPr algn="ctr"/>
+              <a:r>
+                <a:rPr lang="en-US" sz="11500" b="0" cap="none" spc="0" dirty="0">
+                  <a:ln w="0"/>
+                  <a:solidFill>
+                    <a:schemeClr val="bg1"/>
+                  </a:solidFill>
+                  <a:effectLst>
+                    <a:outerShdw blurRad="38100" dist="19050" dir="2700000" algn="tl" rotWithShape="0">
+                      <a:schemeClr val="dk1">
+                        <a:alpha val="40000"/>
+                      </a:schemeClr>
+                    </a:outerShdw>
+                  </a:effectLst>
+                  <a:latin typeface="Bahnschrift Light" panose="020B0502040204020203" pitchFamily="34" charset="0"/>
+                </a:rPr>
+                <a:t>X</a:t>
+              </a:r>
+            </a:p>
+          </p:txBody>
+        </p:sp>
+      </p:grpSp>
+    </p:spTree>
+    <p:extLst>
+      <p:ext uri="{BB962C8B-B14F-4D97-AF65-F5344CB8AC3E}">
+        <p14:creationId xmlns:p14="http://schemas.microsoft.com/office/powerpoint/2010/main" val="3590536284"/>
+      </p:ext>
+    </p:extLst>
+  </p:cSld>
+  <p:clrMapOvr>
+    <a:masterClrMapping/>
+  </p:clrMapOvr>
+</p:sld>
+</file>
+
+<file path=ppt/slides/slide8.xml><?xml version="1.0" encoding="utf-8"?>
+<p:sld xmlns:a="http://schemas.openxmlformats.org/drawingml/2006/main" xmlns:r="http://schemas.openxmlformats.org/officeDocument/2006/relationships" xmlns:p="http://schemas.openxmlformats.org/presentationml/2006/main">
+  <p:cSld>
+    <p:spTree>
+      <p:nvGrpSpPr>
+        <p:cNvPr id="1" name=""/>
+        <p:cNvGrpSpPr/>
+        <p:nvPr/>
+      </p:nvGrpSpPr>
+      <p:grpSpPr>
+        <a:xfrm>
+          <a:off x="0" y="0"/>
+          <a:ext cx="0" cy="0"/>
+          <a:chOff x="0" y="0"/>
+          <a:chExt cx="0" cy="0"/>
+        </a:xfrm>
+      </p:grpSpPr>
+      <p:grpSp>
+        <p:nvGrpSpPr>
+          <p:cNvPr id="2" name="Group 1">
+            <a:extLst>
+              <a:ext uri="{FF2B5EF4-FFF2-40B4-BE49-F238E27FC236}">
+                <a16:creationId xmlns:a16="http://schemas.microsoft.com/office/drawing/2014/main" id="{9FBA8060-1D65-4D81-95D3-EFE718C72579}"/>
+              </a:ext>
+            </a:extLst>
+          </p:cNvPr>
+          <p:cNvGrpSpPr/>
+          <p:nvPr/>
+        </p:nvGrpSpPr>
+        <p:grpSpPr>
+          <a:xfrm>
+            <a:off x="7990831" y="946538"/>
+            <a:ext cx="3695114" cy="3695114"/>
+            <a:chOff x="188742" y="138328"/>
+            <a:chExt cx="3695114" cy="3695114"/>
+          </a:xfrm>
+        </p:grpSpPr>
+        <p:grpSp>
+          <p:nvGrpSpPr>
+            <p:cNvPr id="3" name="Group 2">
+              <a:extLst>
+                <a:ext uri="{FF2B5EF4-FFF2-40B4-BE49-F238E27FC236}">
+                  <a16:creationId xmlns:a16="http://schemas.microsoft.com/office/drawing/2014/main" id="{74BEFB10-858B-4858-9FCD-BE228B7BF3F8}"/>
+                </a:ext>
+              </a:extLst>
+            </p:cNvPr>
+            <p:cNvGrpSpPr/>
+            <p:nvPr/>
+          </p:nvGrpSpPr>
+          <p:grpSpPr>
+            <a:xfrm>
+              <a:off x="188742" y="138328"/>
+              <a:ext cx="3695114" cy="3695114"/>
+              <a:chOff x="1541585" y="0"/>
+              <a:chExt cx="6858000" cy="6858000"/>
+            </a:xfrm>
+          </p:grpSpPr>
+          <p:sp>
+            <p:nvSpPr>
+              <p:cNvPr id="6" name="Rectangle 5">
+                <a:extLst>
+                  <a:ext uri="{FF2B5EF4-FFF2-40B4-BE49-F238E27FC236}">
+                    <a16:creationId xmlns:a16="http://schemas.microsoft.com/office/drawing/2014/main" id="{6B8CF4A1-07E0-4EAF-843B-A120E86076F3}"/>
+                  </a:ext>
+                </a:extLst>
+              </p:cNvPr>
+              <p:cNvSpPr/>
+              <p:nvPr/>
+            </p:nvSpPr>
+            <p:spPr>
+              <a:xfrm>
+                <a:off x="2757268" y="2039815"/>
+                <a:ext cx="4135901" cy="3291840"/>
+              </a:xfrm>
+              <a:prstGeom prst="rect">
+                <a:avLst/>
+              </a:prstGeom>
+              <a:solidFill>
+                <a:schemeClr val="bg1"/>
+              </a:solidFill>
+            </p:spPr>
+            <p:style>
+              <a:lnRef idx="2">
+                <a:schemeClr val="accent1">
+                  <a:shade val="50000"/>
+                </a:schemeClr>
+              </a:lnRef>
+              <a:fillRef idx="1">
+                <a:schemeClr val="accent1"/>
+              </a:fillRef>
+              <a:effectRef idx="0">
+                <a:schemeClr val="accent1"/>
+              </a:effectRef>
+              <a:fontRef idx="minor">
+                <a:schemeClr val="lt1"/>
+              </a:fontRef>
+            </p:style>
+            <p:txBody>
+              <a:bodyPr rtlCol="0" anchor="ctr"/>
+              <a:lstStyle/>
+              <a:p>
+                <a:pPr algn="ctr"/>
+                <a:endParaRPr lang="en-US"/>
+              </a:p>
+            </p:txBody>
+          </p:sp>
+          <p:pic>
+            <p:nvPicPr>
+              <p:cNvPr id="7" name="Picture 6">
+                <a:extLst>
+                  <a:ext uri="{FF2B5EF4-FFF2-40B4-BE49-F238E27FC236}">
+                    <a16:creationId xmlns:a16="http://schemas.microsoft.com/office/drawing/2014/main" id="{8FBDA525-7F29-49A8-A9B2-405C8C1DDC88}"/>
+                  </a:ext>
+                </a:extLst>
+              </p:cNvPr>
+              <p:cNvPicPr>
+                <a:picLocks noChangeAspect="1"/>
+              </p:cNvPicPr>
+              <p:nvPr/>
+            </p:nvPicPr>
+            <p:blipFill>
+              <a:blip r:embed="rId2">
+                <a:extLst>
+                  <a:ext uri="{BEBA8EAE-BF5A-486C-A8C5-ECC9F3942E4B}">
+                    <a14:imgProps xmlns:a14="http://schemas.microsoft.com/office/drawing/2010/main">
+                      <a14:imgLayer r:embed="rId3">
+                        <a14:imgEffect>
+                          <a14:backgroundRemoval t="5333" b="92889" l="5222" r="93000">
+                            <a14:foregroundMark x1="9333" y1="46778" x2="8889" y2="49889"/>
+                            <a14:foregroundMark x1="49556" y1="7556" x2="42333" y2="8000"/>
+                            <a14:foregroundMark x1="42333" y1="8000" x2="49778" y2="6556"/>
+                            <a14:foregroundMark x1="49778" y1="6556" x2="57333" y2="8556"/>
+                            <a14:foregroundMark x1="57333" y1="8556" x2="58333" y2="9444"/>
+                            <a14:foregroundMark x1="91111" y1="38778" x2="93222" y2="55000"/>
+                            <a14:foregroundMark x1="5778" y1="46333" x2="5444" y2="50444"/>
+                            <a14:foregroundMark x1="37222" y1="91333" x2="52333" y2="92889"/>
+                            <a14:foregroundMark x1="52333" y1="92889" x2="62000" y2="91111"/>
+                            <a14:foregroundMark x1="51556" y1="5333" x2="51000" y2="5333"/>
+                          </a14:backgroundRemoval>
+                        </a14:imgEffect>
+                      </a14:imgLayer>
+                    </a14:imgProps>
+                  </a:ext>
+                  <a:ext uri="{28A0092B-C50C-407E-A947-70E740481C1C}">
+                    <a14:useLocalDpi xmlns:a14="http://schemas.microsoft.com/office/drawing/2010/main" val="0"/>
+                  </a:ext>
+                </a:extLst>
+              </a:blip>
+              <a:stretch>
+                <a:fillRect/>
+              </a:stretch>
+            </p:blipFill>
+            <p:spPr>
+              <a:xfrm>
+                <a:off x="1541585" y="0"/>
+                <a:ext cx="6858000" cy="6858000"/>
+              </a:xfrm>
+              <a:prstGeom prst="rect">
+                <a:avLst/>
+              </a:prstGeom>
+            </p:spPr>
+          </p:pic>
+        </p:grpSp>
+        <p:sp>
+          <p:nvSpPr>
+            <p:cNvPr id="4" name="Rectangle 3">
+              <a:extLst>
+                <a:ext uri="{FF2B5EF4-FFF2-40B4-BE49-F238E27FC236}">
+                  <a16:creationId xmlns:a16="http://schemas.microsoft.com/office/drawing/2014/main" id="{614FF188-F74D-427A-AD98-42D91F25BF54}"/>
+                </a:ext>
+              </a:extLst>
+            </p:cNvPr>
+            <p:cNvSpPr/>
+            <p:nvPr/>
+          </p:nvSpPr>
+          <p:spPr>
+            <a:xfrm>
+              <a:off x="812798" y="1053159"/>
+              <a:ext cx="2447001" cy="1862048"/>
+            </a:xfrm>
+            <a:prstGeom prst="rect">
+              <a:avLst/>
+            </a:prstGeom>
+            <a:solidFill>
+              <a:srgbClr val="2BA6E1"/>
+            </a:solidFill>
+          </p:spPr>
+          <p:txBody>
+            <a:bodyPr wrap="square" lIns="91440" tIns="45720" rIns="91440" bIns="45720">
+              <a:spAutoFit/>
+            </a:bodyPr>
+            <a:lstStyle/>
+            <a:p>
+              <a:pPr algn="ctr"/>
+              <a:r>
+                <a:rPr lang="en-US" sz="11500" b="0" cap="none" spc="0" dirty="0">
+                  <a:ln w="0"/>
+                  <a:solidFill>
+                    <a:schemeClr val="bg1"/>
+                  </a:solidFill>
+                  <a:effectLst>
+                    <a:outerShdw blurRad="38100" dist="19050" dir="2700000" algn="tl" rotWithShape="0">
+                      <a:schemeClr val="dk1">
+                        <a:alpha val="40000"/>
+                      </a:schemeClr>
+                    </a:outerShdw>
+                  </a:effectLst>
+                  <a:latin typeface="Bahnschrift Light SemiCondensed" panose="020B0502040204020203" pitchFamily="34" charset="0"/>
+                </a:rPr>
+                <a:t>ALL</a:t>
+              </a:r>
+              <a:endParaRPr lang="en-US" sz="9600" b="0" cap="none" spc="0" dirty="0">
+                <a:ln w="0"/>
+                <a:solidFill>
+                  <a:schemeClr val="bg1"/>
+                </a:solidFill>
+                <a:effectLst>
+                  <a:outerShdw blurRad="38100" dist="19050" dir="2700000" algn="tl" rotWithShape="0">
+                    <a:schemeClr val="dk1">
+                      <a:alpha val="40000"/>
+                    </a:schemeClr>
+                  </a:outerShdw>
+                </a:effectLst>
+                <a:latin typeface="Bahnschrift Light SemiCondensed" panose="020B0502040204020203" pitchFamily="34" charset="0"/>
+              </a:endParaRPr>
+            </a:p>
+          </p:txBody>
+        </p:sp>
+      </p:grpSp>
+      <p:grpSp>
+        <p:nvGrpSpPr>
+          <p:cNvPr id="8" name="Group 7">
+            <a:extLst>
+              <a:ext uri="{FF2B5EF4-FFF2-40B4-BE49-F238E27FC236}">
+                <a16:creationId xmlns:a16="http://schemas.microsoft.com/office/drawing/2014/main" id="{F7514615-ED14-40E7-BC90-EFA8848F7711}"/>
+              </a:ext>
+            </a:extLst>
+          </p:cNvPr>
+          <p:cNvGrpSpPr/>
+          <p:nvPr/>
+        </p:nvGrpSpPr>
+        <p:grpSpPr>
+          <a:xfrm>
+            <a:off x="-3896009" y="-466701"/>
+            <a:ext cx="3695114" cy="3695114"/>
+            <a:chOff x="188742" y="138328"/>
+            <a:chExt cx="3695114" cy="3695114"/>
+          </a:xfrm>
+        </p:grpSpPr>
+        <p:grpSp>
+          <p:nvGrpSpPr>
+            <p:cNvPr id="9" name="Group 8">
+              <a:extLst>
+                <a:ext uri="{FF2B5EF4-FFF2-40B4-BE49-F238E27FC236}">
+                  <a16:creationId xmlns:a16="http://schemas.microsoft.com/office/drawing/2014/main" id="{5ECCB45F-904D-4584-A524-F0D97E3AA540}"/>
+                </a:ext>
+              </a:extLst>
+            </p:cNvPr>
+            <p:cNvGrpSpPr/>
+            <p:nvPr/>
+          </p:nvGrpSpPr>
+          <p:grpSpPr>
+            <a:xfrm>
+              <a:off x="188742" y="138328"/>
+              <a:ext cx="3695114" cy="3695114"/>
+              <a:chOff x="1541585" y="0"/>
+              <a:chExt cx="6858000" cy="6858000"/>
+            </a:xfrm>
+          </p:grpSpPr>
+          <p:sp>
+            <p:nvSpPr>
+              <p:cNvPr id="12" name="Rectangle 11">
+                <a:extLst>
+                  <a:ext uri="{FF2B5EF4-FFF2-40B4-BE49-F238E27FC236}">
+                    <a16:creationId xmlns:a16="http://schemas.microsoft.com/office/drawing/2014/main" id="{4FFF0467-980D-4AC4-B3A9-8A59098624BD}"/>
+                  </a:ext>
+                </a:extLst>
+              </p:cNvPr>
+              <p:cNvSpPr/>
+              <p:nvPr/>
+            </p:nvSpPr>
+            <p:spPr>
+              <a:xfrm>
+                <a:off x="2757268" y="2039815"/>
+                <a:ext cx="4135901" cy="3291840"/>
+              </a:xfrm>
+              <a:prstGeom prst="rect">
+                <a:avLst/>
+              </a:prstGeom>
+              <a:solidFill>
+                <a:schemeClr val="bg1"/>
+              </a:solidFill>
+            </p:spPr>
+            <p:style>
+              <a:lnRef idx="2">
+                <a:schemeClr val="accent1">
+                  <a:shade val="50000"/>
+                </a:schemeClr>
+              </a:lnRef>
+              <a:fillRef idx="1">
+                <a:schemeClr val="accent1"/>
+              </a:fillRef>
+              <a:effectRef idx="0">
+                <a:schemeClr val="accent1"/>
+              </a:effectRef>
+              <a:fontRef idx="minor">
+                <a:schemeClr val="lt1"/>
+              </a:fontRef>
+            </p:style>
+            <p:txBody>
+              <a:bodyPr rtlCol="0" anchor="ctr"/>
+              <a:lstStyle/>
+              <a:p>
+                <a:pPr algn="ctr"/>
+                <a:endParaRPr lang="en-US"/>
+              </a:p>
+            </p:txBody>
+          </p:sp>
+          <p:pic>
+            <p:nvPicPr>
+              <p:cNvPr id="13" name="Picture 12">
+                <a:extLst>
+                  <a:ext uri="{FF2B5EF4-FFF2-40B4-BE49-F238E27FC236}">
+                    <a16:creationId xmlns:a16="http://schemas.microsoft.com/office/drawing/2014/main" id="{953222FC-BD88-46DF-B413-733984FF3CA3}"/>
+                  </a:ext>
+                </a:extLst>
+              </p:cNvPr>
+              <p:cNvPicPr>
+                <a:picLocks noChangeAspect="1"/>
+              </p:cNvPicPr>
+              <p:nvPr/>
+            </p:nvPicPr>
+            <p:blipFill>
+              <a:blip r:embed="rId4">
+                <a:extLst>
+                  <a:ext uri="{BEBA8EAE-BF5A-486C-A8C5-ECC9F3942E4B}">
+                    <a14:imgProps xmlns:a14="http://schemas.microsoft.com/office/drawing/2010/main">
+                      <a14:imgLayer r:embed="rId3">
+                        <a14:imgEffect>
+                          <a14:backgroundRemoval t="5333" b="92889" l="5222" r="93000">
+                            <a14:foregroundMark x1="9333" y1="46778" x2="8889" y2="49889"/>
+                            <a14:foregroundMark x1="49556" y1="7556" x2="42333" y2="8000"/>
+                            <a14:foregroundMark x1="42333" y1="8000" x2="49778" y2="6556"/>
+                            <a14:foregroundMark x1="49778" y1="6556" x2="57333" y2="8556"/>
+                            <a14:foregroundMark x1="57333" y1="8556" x2="58333" y2="9444"/>
+                            <a14:foregroundMark x1="91111" y1="38778" x2="93222" y2="55000"/>
+                            <a14:foregroundMark x1="5778" y1="46333" x2="5444" y2="50444"/>
+                            <a14:foregroundMark x1="37222" y1="91333" x2="52333" y2="92889"/>
+                            <a14:foregroundMark x1="52333" y1="92889" x2="62000" y2="91111"/>
+                            <a14:foregroundMark x1="51556" y1="5333" x2="51000" y2="5333"/>
+                          </a14:backgroundRemoval>
+                        </a14:imgEffect>
+                        <a14:imgEffect>
+                          <a14:saturation sat="0"/>
+                        </a14:imgEffect>
+                      </a14:imgLayer>
+                    </a14:imgProps>
+                  </a:ext>
+                  <a:ext uri="{28A0092B-C50C-407E-A947-70E740481C1C}">
+                    <a14:useLocalDpi xmlns:a14="http://schemas.microsoft.com/office/drawing/2010/main" val="0"/>
+                  </a:ext>
+                </a:extLst>
+              </a:blip>
+              <a:stretch>
+                <a:fillRect/>
+              </a:stretch>
+            </p:blipFill>
+            <p:spPr>
+              <a:xfrm>
+                <a:off x="1541585" y="0"/>
+                <a:ext cx="6858000" cy="6858000"/>
+              </a:xfrm>
+              <a:prstGeom prst="rect">
+                <a:avLst/>
+              </a:prstGeom>
+            </p:spPr>
+          </p:pic>
+        </p:grpSp>
+        <p:sp>
+          <p:nvSpPr>
+            <p:cNvPr id="10" name="Rectangle 9">
+              <a:extLst>
+                <a:ext uri="{FF2B5EF4-FFF2-40B4-BE49-F238E27FC236}">
+                  <a16:creationId xmlns:a16="http://schemas.microsoft.com/office/drawing/2014/main" id="{9A37BD7A-5042-4AC6-8BC3-D80E2934B004}"/>
+                </a:ext>
+              </a:extLst>
+            </p:cNvPr>
+            <p:cNvSpPr/>
+            <p:nvPr/>
+          </p:nvSpPr>
+          <p:spPr>
+            <a:xfrm>
+              <a:off x="812798" y="1054861"/>
+              <a:ext cx="2447001" cy="1862048"/>
+            </a:xfrm>
+            <a:prstGeom prst="rect">
+              <a:avLst/>
+            </a:prstGeom>
+            <a:solidFill>
+              <a:srgbClr val="868686"/>
+            </a:solidFill>
+          </p:spPr>
+          <p:txBody>
+            <a:bodyPr wrap="square" lIns="91440" tIns="45720" rIns="91440" bIns="45720">
+              <a:spAutoFit/>
+            </a:bodyPr>
+            <a:lstStyle/>
+            <a:p>
+              <a:pPr algn="ctr"/>
+              <a:r>
+                <a:rPr lang="en-US" sz="11500" dirty="0">
+                  <a:ln w="0"/>
+                  <a:solidFill>
+                    <a:schemeClr val="bg1"/>
+                  </a:solidFill>
+                  <a:effectLst>
+                    <a:outerShdw blurRad="38100" dist="19050" dir="2700000" algn="tl" rotWithShape="0">
+                      <a:schemeClr val="dk1">
+                        <a:alpha val="40000"/>
+                      </a:schemeClr>
+                    </a:outerShdw>
+                  </a:effectLst>
+                  <a:latin typeface="Bahnschrift Light SemiCondensed" panose="020B0502040204020203" pitchFamily="34" charset="0"/>
+                </a:rPr>
+                <a:t>ALL</a:t>
+              </a:r>
+              <a:endParaRPr lang="en-US" sz="11500" b="0" cap="none" spc="0" dirty="0">
+                <a:ln w="0"/>
+                <a:solidFill>
+                  <a:schemeClr val="bg1"/>
+                </a:solidFill>
+                <a:effectLst>
+                  <a:outerShdw blurRad="38100" dist="19050" dir="2700000" algn="tl" rotWithShape="0">
+                    <a:schemeClr val="dk1">
+                      <a:alpha val="40000"/>
+                    </a:schemeClr>
+                  </a:outerShdw>
+                </a:effectLst>
+                <a:latin typeface="Bahnschrift Light SemiCondensed" panose="020B0502040204020203" pitchFamily="34" charset="0"/>
+              </a:endParaRPr>
+            </a:p>
+          </p:txBody>
+        </p:sp>
+        <p:sp>
+          <p:nvSpPr>
+            <p:cNvPr id="11" name="Rectangle 10">
+              <a:extLst>
+                <a:ext uri="{FF2B5EF4-FFF2-40B4-BE49-F238E27FC236}">
+                  <a16:creationId xmlns:a16="http://schemas.microsoft.com/office/drawing/2014/main" id="{D8E8EAA2-5FE5-4BA0-AB16-580CF93AB4DB}"/>
+                </a:ext>
+              </a:extLst>
+            </p:cNvPr>
+            <p:cNvSpPr/>
+            <p:nvPr/>
+          </p:nvSpPr>
+          <p:spPr>
+            <a:xfrm>
+              <a:off x="1648265" y="2586049"/>
+              <a:ext cx="996461" cy="269693"/>
+            </a:xfrm>
+            <a:prstGeom prst="rect">
+              <a:avLst/>
+            </a:prstGeom>
+            <a:solidFill>
+              <a:srgbClr val="868686"/>
+            </a:solidFill>
+            <a:ln>
+              <a:noFill/>
+            </a:ln>
+          </p:spPr>
+          <p:style>
+            <a:lnRef idx="2">
+              <a:schemeClr val="accent1">
+                <a:shade val="50000"/>
+              </a:schemeClr>
+            </a:lnRef>
+            <a:fillRef idx="1">
+              <a:schemeClr val="accent1"/>
+            </a:fillRef>
+            <a:effectRef idx="0">
+              <a:schemeClr val="accent1"/>
+            </a:effectRef>
+            <a:fontRef idx="minor">
+              <a:schemeClr val="lt1"/>
+            </a:fontRef>
+          </p:style>
+          <p:txBody>
+            <a:bodyPr rtlCol="0" anchor="ctr"/>
+            <a:lstStyle/>
+            <a:p>
+              <a:pPr algn="ctr"/>
+              <a:endParaRPr lang="en-US"/>
+            </a:p>
+          </p:txBody>
+        </p:sp>
+      </p:grpSp>
+      <p:grpSp>
+        <p:nvGrpSpPr>
+          <p:cNvPr id="14" name="Group 13">
+            <a:extLst>
+              <a:ext uri="{FF2B5EF4-FFF2-40B4-BE49-F238E27FC236}">
+                <a16:creationId xmlns:a16="http://schemas.microsoft.com/office/drawing/2014/main" id="{9C2C90F0-730D-4D80-B0D9-F8F84C3D464F}"/>
+              </a:ext>
+            </a:extLst>
+          </p:cNvPr>
+          <p:cNvGrpSpPr/>
+          <p:nvPr/>
+        </p:nvGrpSpPr>
+        <p:grpSpPr>
+          <a:xfrm>
+            <a:off x="331512" y="3055034"/>
+            <a:ext cx="3695114" cy="3695114"/>
+            <a:chOff x="188742" y="138328"/>
+            <a:chExt cx="3695114" cy="3695114"/>
+          </a:xfrm>
+        </p:grpSpPr>
+        <p:grpSp>
+          <p:nvGrpSpPr>
+            <p:cNvPr id="15" name="Group 14">
+              <a:extLst>
+                <a:ext uri="{FF2B5EF4-FFF2-40B4-BE49-F238E27FC236}">
+                  <a16:creationId xmlns:a16="http://schemas.microsoft.com/office/drawing/2014/main" id="{EEFF533F-7BEB-47E7-B5F9-F019822B0337}"/>
+                </a:ext>
+              </a:extLst>
+            </p:cNvPr>
+            <p:cNvGrpSpPr/>
+            <p:nvPr/>
+          </p:nvGrpSpPr>
+          <p:grpSpPr>
+            <a:xfrm>
+              <a:off x="188742" y="138328"/>
+              <a:ext cx="3695114" cy="3695114"/>
+              <a:chOff x="1541585" y="0"/>
+              <a:chExt cx="6858000" cy="6858000"/>
+            </a:xfrm>
+          </p:grpSpPr>
+          <p:sp>
+            <p:nvSpPr>
+              <p:cNvPr id="19" name="Rectangle 18">
+                <a:extLst>
+                  <a:ext uri="{FF2B5EF4-FFF2-40B4-BE49-F238E27FC236}">
+                    <a16:creationId xmlns:a16="http://schemas.microsoft.com/office/drawing/2014/main" id="{649798B0-882D-4262-82D0-2C4F43B2C4B7}"/>
+                  </a:ext>
+                </a:extLst>
+              </p:cNvPr>
+              <p:cNvSpPr/>
+              <p:nvPr/>
+            </p:nvSpPr>
+            <p:spPr>
+              <a:xfrm>
+                <a:off x="2757268" y="2039815"/>
+                <a:ext cx="4135901" cy="3291840"/>
+              </a:xfrm>
+              <a:prstGeom prst="rect">
+                <a:avLst/>
+              </a:prstGeom>
+              <a:solidFill>
+                <a:schemeClr val="bg1"/>
+              </a:solidFill>
+            </p:spPr>
+            <p:style>
+              <a:lnRef idx="2">
+                <a:schemeClr val="accent1">
+                  <a:shade val="50000"/>
+                </a:schemeClr>
+              </a:lnRef>
+              <a:fillRef idx="1">
+                <a:schemeClr val="accent1"/>
+              </a:fillRef>
+              <a:effectRef idx="0">
+                <a:schemeClr val="accent1"/>
+              </a:effectRef>
+              <a:fontRef idx="minor">
+                <a:schemeClr val="lt1"/>
+              </a:fontRef>
+            </p:style>
+            <p:txBody>
+              <a:bodyPr rtlCol="0" anchor="ctr"/>
+              <a:lstStyle/>
+              <a:p>
+                <a:pPr algn="ctr"/>
+                <a:endParaRPr lang="en-US"/>
+              </a:p>
+            </p:txBody>
+          </p:sp>
+          <p:pic>
+            <p:nvPicPr>
+              <p:cNvPr id="20" name="Picture 19">
+                <a:extLst>
+                  <a:ext uri="{FF2B5EF4-FFF2-40B4-BE49-F238E27FC236}">
+                    <a16:creationId xmlns:a16="http://schemas.microsoft.com/office/drawing/2014/main" id="{5B1BB759-320D-438F-947E-EAD590560B8B}"/>
+                  </a:ext>
+                </a:extLst>
+              </p:cNvPr>
+              <p:cNvPicPr>
+                <a:picLocks noChangeAspect="1"/>
+              </p:cNvPicPr>
+              <p:nvPr/>
+            </p:nvPicPr>
+            <p:blipFill>
+              <a:blip r:embed="rId2">
+                <a:extLst>
+                  <a:ext uri="{BEBA8EAE-BF5A-486C-A8C5-ECC9F3942E4B}">
+                    <a14:imgProps xmlns:a14="http://schemas.microsoft.com/office/drawing/2010/main">
+                      <a14:imgLayer r:embed="rId3">
+                        <a14:imgEffect>
+                          <a14:backgroundRemoval t="5333" b="92889" l="5222" r="93000">
+                            <a14:foregroundMark x1="9333" y1="46778" x2="8889" y2="49889"/>
+                            <a14:foregroundMark x1="49556" y1="7556" x2="42333" y2="8000"/>
+                            <a14:foregroundMark x1="42333" y1="8000" x2="49778" y2="6556"/>
+                            <a14:foregroundMark x1="49778" y1="6556" x2="57333" y2="8556"/>
+                            <a14:foregroundMark x1="57333" y1="8556" x2="58333" y2="9444"/>
+                            <a14:foregroundMark x1="91111" y1="38778" x2="93222" y2="55000"/>
+                            <a14:foregroundMark x1="5778" y1="46333" x2="5444" y2="50444"/>
+                            <a14:foregroundMark x1="37222" y1="91333" x2="52333" y2="92889"/>
+                            <a14:foregroundMark x1="52333" y1="92889" x2="62000" y2="91111"/>
+                            <a14:foregroundMark x1="51556" y1="5333" x2="51000" y2="5333"/>
+                          </a14:backgroundRemoval>
+                        </a14:imgEffect>
+                      </a14:imgLayer>
+                    </a14:imgProps>
+                  </a:ext>
+                  <a:ext uri="{28A0092B-C50C-407E-A947-70E740481C1C}">
+                    <a14:useLocalDpi xmlns:a14="http://schemas.microsoft.com/office/drawing/2010/main" val="0"/>
+                  </a:ext>
+                </a:extLst>
+              </a:blip>
+              <a:stretch>
+                <a:fillRect/>
+              </a:stretch>
+            </p:blipFill>
+            <p:spPr>
+              <a:xfrm>
+                <a:off x="1541585" y="0"/>
+                <a:ext cx="6858000" cy="6858000"/>
+              </a:xfrm>
+              <a:prstGeom prst="rect">
+                <a:avLst/>
+              </a:prstGeom>
+            </p:spPr>
+          </p:pic>
+        </p:grpSp>
+        <p:sp>
+          <p:nvSpPr>
+            <p:cNvPr id="16" name="Rectangle 15">
+              <a:extLst>
+                <a:ext uri="{FF2B5EF4-FFF2-40B4-BE49-F238E27FC236}">
+                  <a16:creationId xmlns:a16="http://schemas.microsoft.com/office/drawing/2014/main" id="{B3C465DA-04EB-47E8-9537-38FE62478C86}"/>
+                </a:ext>
+              </a:extLst>
+            </p:cNvPr>
+            <p:cNvSpPr/>
+            <p:nvPr/>
+          </p:nvSpPr>
+          <p:spPr>
+            <a:xfrm>
+              <a:off x="622770" y="1201055"/>
+              <a:ext cx="2827057" cy="1569660"/>
+            </a:xfrm>
+            <a:prstGeom prst="rect">
+              <a:avLst/>
+            </a:prstGeom>
+            <a:solidFill>
+              <a:srgbClr val="2BA6E1"/>
+            </a:solidFill>
+          </p:spPr>
+          <p:txBody>
+            <a:bodyPr wrap="square" lIns="91440" tIns="45720" rIns="91440" bIns="45720">
+              <a:spAutoFit/>
+            </a:bodyPr>
+            <a:lstStyle/>
+            <a:p>
+              <a:pPr algn="ctr"/>
+              <a:r>
+                <a:rPr lang="en-US" sz="9600" dirty="0">
+                  <a:ln w="0"/>
+                  <a:solidFill>
+                    <a:schemeClr val="bg1"/>
+                  </a:solidFill>
+                  <a:effectLst>
+                    <a:outerShdw blurRad="38100" dist="19050" dir="2700000" algn="tl" rotWithShape="0">
+                      <a:schemeClr val="dk1">
+                        <a:alpha val="40000"/>
+                      </a:schemeClr>
+                    </a:outerShdw>
+                  </a:effectLst>
+                  <a:latin typeface="Bahnschrift Light SemiCondensed" panose="020B0502040204020203" pitchFamily="34" charset="0"/>
+                </a:rPr>
+                <a:t>PAST</a:t>
+              </a:r>
+              <a:endParaRPr lang="en-US" sz="9600" b="0" cap="none" spc="0" dirty="0">
+                <a:ln w="0"/>
+                <a:solidFill>
+                  <a:schemeClr val="bg1"/>
+                </a:solidFill>
+                <a:effectLst>
+                  <a:outerShdw blurRad="38100" dist="19050" dir="2700000" algn="tl" rotWithShape="0">
+                    <a:schemeClr val="dk1">
+                      <a:alpha val="40000"/>
+                    </a:schemeClr>
+                  </a:outerShdw>
+                </a:effectLst>
+                <a:latin typeface="Bahnschrift Light SemiCondensed" panose="020B0502040204020203" pitchFamily="34" charset="0"/>
+              </a:endParaRPr>
+            </a:p>
+          </p:txBody>
+        </p:sp>
+        <p:sp>
+          <p:nvSpPr>
+            <p:cNvPr id="17" name="Rectangle 16">
+              <a:extLst>
+                <a:ext uri="{FF2B5EF4-FFF2-40B4-BE49-F238E27FC236}">
+                  <a16:creationId xmlns:a16="http://schemas.microsoft.com/office/drawing/2014/main" id="{376F9E02-8E7E-421D-97B6-6D4AE790DEEB}"/>
+                </a:ext>
+              </a:extLst>
+            </p:cNvPr>
+            <p:cNvSpPr/>
+            <p:nvPr/>
+          </p:nvSpPr>
+          <p:spPr>
+            <a:xfrm>
+              <a:off x="1648265" y="2493717"/>
+              <a:ext cx="996461" cy="362026"/>
+            </a:xfrm>
+            <a:prstGeom prst="rect">
+              <a:avLst/>
+            </a:prstGeom>
+            <a:solidFill>
+              <a:srgbClr val="2BA6E1"/>
+            </a:solidFill>
+            <a:ln>
+              <a:noFill/>
+            </a:ln>
+          </p:spPr>
+          <p:style>
+            <a:lnRef idx="2">
+              <a:schemeClr val="accent1">
+                <a:shade val="50000"/>
+              </a:schemeClr>
+            </a:lnRef>
+            <a:fillRef idx="1">
+              <a:schemeClr val="accent1"/>
+            </a:fillRef>
+            <a:effectRef idx="0">
+              <a:schemeClr val="accent1"/>
+            </a:effectRef>
+            <a:fontRef idx="minor">
+              <a:schemeClr val="lt1"/>
+            </a:fontRef>
+          </p:style>
+          <p:txBody>
+            <a:bodyPr rtlCol="0" anchor="ctr"/>
+            <a:lstStyle/>
+            <a:p>
+              <a:pPr algn="ctr"/>
+              <a:endParaRPr lang="en-US"/>
+            </a:p>
+          </p:txBody>
+        </p:sp>
+        <p:sp>
+          <p:nvSpPr>
+            <p:cNvPr id="18" name="Rectangle 17">
+              <a:extLst>
+                <a:ext uri="{FF2B5EF4-FFF2-40B4-BE49-F238E27FC236}">
+                  <a16:creationId xmlns:a16="http://schemas.microsoft.com/office/drawing/2014/main" id="{C6ED9884-8485-4421-A2C2-EEB64BA17B74}"/>
+                </a:ext>
+              </a:extLst>
+            </p:cNvPr>
+            <p:cNvSpPr/>
+            <p:nvPr/>
+          </p:nvSpPr>
+          <p:spPr>
+            <a:xfrm>
+              <a:off x="2036299" y="1139479"/>
+              <a:ext cx="996461" cy="362026"/>
+            </a:xfrm>
+            <a:prstGeom prst="rect">
+              <a:avLst/>
+            </a:prstGeom>
+            <a:solidFill>
+              <a:srgbClr val="2BA6E1"/>
+            </a:solidFill>
+            <a:ln>
+              <a:noFill/>
+            </a:ln>
+          </p:spPr>
+          <p:style>
+            <a:lnRef idx="2">
+              <a:schemeClr val="accent1">
+                <a:shade val="50000"/>
+              </a:schemeClr>
+            </a:lnRef>
+            <a:fillRef idx="1">
+              <a:schemeClr val="accent1"/>
+            </a:fillRef>
+            <a:effectRef idx="0">
+              <a:schemeClr val="accent1"/>
+            </a:effectRef>
+            <a:fontRef idx="minor">
+              <a:schemeClr val="lt1"/>
+            </a:fontRef>
+          </p:style>
+          <p:txBody>
+            <a:bodyPr rtlCol="0" anchor="ctr"/>
+            <a:lstStyle/>
+            <a:p>
+              <a:pPr algn="ctr"/>
+              <a:endParaRPr lang="en-US"/>
+            </a:p>
+          </p:txBody>
+        </p:sp>
+      </p:grpSp>
+      <p:grpSp>
+        <p:nvGrpSpPr>
+          <p:cNvPr id="21" name="Group 20">
+            <a:extLst>
+              <a:ext uri="{FF2B5EF4-FFF2-40B4-BE49-F238E27FC236}">
+                <a16:creationId xmlns:a16="http://schemas.microsoft.com/office/drawing/2014/main" id="{24E01D85-8981-41B8-8B07-F0D891738E2E}"/>
+              </a:ext>
+            </a:extLst>
+          </p:cNvPr>
+          <p:cNvGrpSpPr/>
+          <p:nvPr/>
+        </p:nvGrpSpPr>
+        <p:grpSpPr>
+          <a:xfrm>
+            <a:off x="4126098" y="1788941"/>
+            <a:ext cx="3695114" cy="3695114"/>
+            <a:chOff x="188742" y="138328"/>
+            <a:chExt cx="3695114" cy="3695114"/>
+          </a:xfrm>
+        </p:grpSpPr>
+        <p:grpSp>
+          <p:nvGrpSpPr>
+            <p:cNvPr id="22" name="Group 21">
+              <a:extLst>
+                <a:ext uri="{FF2B5EF4-FFF2-40B4-BE49-F238E27FC236}">
+                  <a16:creationId xmlns:a16="http://schemas.microsoft.com/office/drawing/2014/main" id="{12435561-4D20-4209-B6CF-D6776388B09A}"/>
+                </a:ext>
+              </a:extLst>
+            </p:cNvPr>
+            <p:cNvGrpSpPr/>
+            <p:nvPr/>
+          </p:nvGrpSpPr>
+          <p:grpSpPr>
+            <a:xfrm>
+              <a:off x="188742" y="138328"/>
+              <a:ext cx="3695114" cy="3695114"/>
+              <a:chOff x="1541585" y="0"/>
+              <a:chExt cx="6858000" cy="6858000"/>
+            </a:xfrm>
+          </p:grpSpPr>
+          <p:sp>
+            <p:nvSpPr>
+              <p:cNvPr id="26" name="Rectangle 25">
+                <a:extLst>
+                  <a:ext uri="{FF2B5EF4-FFF2-40B4-BE49-F238E27FC236}">
+                    <a16:creationId xmlns:a16="http://schemas.microsoft.com/office/drawing/2014/main" id="{6775EC16-DCE5-4C86-B92F-B4812DD667D8}"/>
+                  </a:ext>
+                </a:extLst>
+              </p:cNvPr>
+              <p:cNvSpPr/>
+              <p:nvPr/>
+            </p:nvSpPr>
+            <p:spPr>
+              <a:xfrm>
+                <a:off x="2757268" y="2039815"/>
+                <a:ext cx="4135901" cy="3291840"/>
+              </a:xfrm>
+              <a:prstGeom prst="rect">
+                <a:avLst/>
+              </a:prstGeom>
+              <a:solidFill>
+                <a:schemeClr val="bg1"/>
+              </a:solidFill>
+            </p:spPr>
+            <p:style>
+              <a:lnRef idx="2">
+                <a:schemeClr val="accent1">
+                  <a:shade val="50000"/>
+                </a:schemeClr>
+              </a:lnRef>
+              <a:fillRef idx="1">
+                <a:schemeClr val="accent1"/>
+              </a:fillRef>
+              <a:effectRef idx="0">
+                <a:schemeClr val="accent1"/>
+              </a:effectRef>
+              <a:fontRef idx="minor">
+                <a:schemeClr val="lt1"/>
+              </a:fontRef>
+            </p:style>
+            <p:txBody>
+              <a:bodyPr rtlCol="0" anchor="ctr"/>
+              <a:lstStyle/>
+              <a:p>
+                <a:pPr algn="ctr"/>
+                <a:endParaRPr lang="en-US"/>
+              </a:p>
+            </p:txBody>
+          </p:sp>
+          <p:pic>
+            <p:nvPicPr>
+              <p:cNvPr id="27" name="Picture 26">
+                <a:extLst>
+                  <a:ext uri="{FF2B5EF4-FFF2-40B4-BE49-F238E27FC236}">
+                    <a16:creationId xmlns:a16="http://schemas.microsoft.com/office/drawing/2014/main" id="{9CE07FFE-9469-4A79-8140-01299B7D8994}"/>
+                  </a:ext>
+                </a:extLst>
+              </p:cNvPr>
+              <p:cNvPicPr>
+                <a:picLocks noChangeAspect="1"/>
+              </p:cNvPicPr>
+              <p:nvPr/>
+            </p:nvPicPr>
+            <p:blipFill>
+              <a:blip r:embed="rId4">
+                <a:extLst>
+                  <a:ext uri="{BEBA8EAE-BF5A-486C-A8C5-ECC9F3942E4B}">
+                    <a14:imgProps xmlns:a14="http://schemas.microsoft.com/office/drawing/2010/main">
+                      <a14:imgLayer r:embed="rId3">
+                        <a14:imgEffect>
+                          <a14:backgroundRemoval t="5333" b="92889" l="5222" r="93000">
+                            <a14:foregroundMark x1="9333" y1="46778" x2="8889" y2="49889"/>
+                            <a14:foregroundMark x1="49556" y1="7556" x2="42333" y2="8000"/>
+                            <a14:foregroundMark x1="42333" y1="8000" x2="49778" y2="6556"/>
+                            <a14:foregroundMark x1="49778" y1="6556" x2="57333" y2="8556"/>
+                            <a14:foregroundMark x1="57333" y1="8556" x2="58333" y2="9444"/>
+                            <a14:foregroundMark x1="91111" y1="38778" x2="93222" y2="55000"/>
+                            <a14:foregroundMark x1="5778" y1="46333" x2="5444" y2="50444"/>
+                            <a14:foregroundMark x1="37222" y1="91333" x2="52333" y2="92889"/>
+                            <a14:foregroundMark x1="52333" y1="92889" x2="62000" y2="91111"/>
+                            <a14:foregroundMark x1="51556" y1="5333" x2="51000" y2="5333"/>
+                          </a14:backgroundRemoval>
+                        </a14:imgEffect>
+                        <a14:imgEffect>
+                          <a14:saturation sat="0"/>
+                        </a14:imgEffect>
+                      </a14:imgLayer>
+                    </a14:imgProps>
+                  </a:ext>
+                  <a:ext uri="{28A0092B-C50C-407E-A947-70E740481C1C}">
+                    <a14:useLocalDpi xmlns:a14="http://schemas.microsoft.com/office/drawing/2010/main" val="0"/>
+                  </a:ext>
+                </a:extLst>
+              </a:blip>
+              <a:stretch>
+                <a:fillRect/>
+              </a:stretch>
+            </p:blipFill>
+            <p:spPr>
+              <a:xfrm>
+                <a:off x="1541585" y="0"/>
+                <a:ext cx="6858000" cy="6858000"/>
+              </a:xfrm>
+              <a:prstGeom prst="rect">
+                <a:avLst/>
+              </a:prstGeom>
+            </p:spPr>
+          </p:pic>
+        </p:grpSp>
+        <p:sp>
+          <p:nvSpPr>
+            <p:cNvPr id="23" name="Rectangle 22">
+              <a:extLst>
+                <a:ext uri="{FF2B5EF4-FFF2-40B4-BE49-F238E27FC236}">
+                  <a16:creationId xmlns:a16="http://schemas.microsoft.com/office/drawing/2014/main" id="{D9D6D310-0426-4C4B-A553-4D0D0E25999C}"/>
+                </a:ext>
+              </a:extLst>
+            </p:cNvPr>
+            <p:cNvSpPr/>
+            <p:nvPr/>
+          </p:nvSpPr>
+          <p:spPr>
+            <a:xfrm>
+              <a:off x="650138" y="1201055"/>
+              <a:ext cx="2772322" cy="1569660"/>
+            </a:xfrm>
+            <a:prstGeom prst="rect">
+              <a:avLst/>
+            </a:prstGeom>
+            <a:solidFill>
+              <a:srgbClr val="868686"/>
+            </a:solidFill>
+          </p:spPr>
+          <p:txBody>
+            <a:bodyPr wrap="square" lIns="91440" tIns="45720" rIns="91440" bIns="45720">
+              <a:spAutoFit/>
+            </a:bodyPr>
+            <a:lstStyle/>
+            <a:p>
+              <a:pPr algn="ctr"/>
+              <a:r>
+                <a:rPr lang="en-US" sz="9600" dirty="0">
+                  <a:ln w="0"/>
+                  <a:solidFill>
+                    <a:schemeClr val="bg1"/>
+                  </a:solidFill>
+                  <a:effectLst>
+                    <a:outerShdw blurRad="38100" dist="19050" dir="2700000" algn="tl" rotWithShape="0">
+                      <a:schemeClr val="dk1">
+                        <a:alpha val="40000"/>
+                      </a:schemeClr>
+                    </a:outerShdw>
+                  </a:effectLst>
+                  <a:latin typeface="Bahnschrift Light SemiCondensed" panose="020B0502040204020203" pitchFamily="34" charset="0"/>
+                </a:rPr>
+                <a:t>PAST</a:t>
+              </a:r>
+              <a:endParaRPr lang="en-US" sz="9600" b="0" cap="none" spc="0" dirty="0">
+                <a:ln w="0"/>
+                <a:solidFill>
+                  <a:schemeClr val="bg1"/>
+                </a:solidFill>
+                <a:effectLst>
+                  <a:outerShdw blurRad="38100" dist="19050" dir="2700000" algn="tl" rotWithShape="0">
+                    <a:schemeClr val="dk1">
+                      <a:alpha val="40000"/>
+                    </a:schemeClr>
+                  </a:outerShdw>
+                </a:effectLst>
+                <a:latin typeface="Bahnschrift Light SemiCondensed" panose="020B0502040204020203" pitchFamily="34" charset="0"/>
+              </a:endParaRPr>
+            </a:p>
+          </p:txBody>
+        </p:sp>
+        <p:sp>
+          <p:nvSpPr>
+            <p:cNvPr id="25" name="Rectangle 24">
+              <a:extLst>
+                <a:ext uri="{FF2B5EF4-FFF2-40B4-BE49-F238E27FC236}">
+                  <a16:creationId xmlns:a16="http://schemas.microsoft.com/office/drawing/2014/main" id="{E2DF7F2F-CA42-4399-8340-F0BD5F3729F0}"/>
+                </a:ext>
+              </a:extLst>
+            </p:cNvPr>
+            <p:cNvSpPr/>
+            <p:nvPr/>
+          </p:nvSpPr>
+          <p:spPr>
+            <a:xfrm>
+              <a:off x="2036299" y="1139479"/>
+              <a:ext cx="996461" cy="362026"/>
+            </a:xfrm>
+            <a:prstGeom prst="rect">
+              <a:avLst/>
+            </a:prstGeom>
+            <a:solidFill>
+              <a:srgbClr val="868686"/>
+            </a:solidFill>
+            <a:ln>
+              <a:noFill/>
+            </a:ln>
+          </p:spPr>
+          <p:style>
+            <a:lnRef idx="2">
+              <a:schemeClr val="accent1">
+                <a:shade val="50000"/>
+              </a:schemeClr>
+            </a:lnRef>
+            <a:fillRef idx="1">
+              <a:schemeClr val="accent1"/>
+            </a:fillRef>
+            <a:effectRef idx="0">
+              <a:schemeClr val="accent1"/>
+            </a:effectRef>
+            <a:fontRef idx="minor">
+              <a:schemeClr val="lt1"/>
+            </a:fontRef>
+          </p:style>
+          <p:txBody>
+            <a:bodyPr rtlCol="0" anchor="ctr"/>
+            <a:lstStyle/>
+            <a:p>
+              <a:pPr algn="ctr"/>
+              <a:endParaRPr lang="en-US"/>
+            </a:p>
+          </p:txBody>
+        </p:sp>
+        <p:sp>
+          <p:nvSpPr>
+            <p:cNvPr id="42" name="Rectangle 41">
+              <a:extLst>
+                <a:ext uri="{FF2B5EF4-FFF2-40B4-BE49-F238E27FC236}">
+                  <a16:creationId xmlns:a16="http://schemas.microsoft.com/office/drawing/2014/main" id="{37D44DD3-CC6B-494F-9D4A-D2193A5B5E29}"/>
+                </a:ext>
+              </a:extLst>
+            </p:cNvPr>
+            <p:cNvSpPr/>
+            <p:nvPr/>
+          </p:nvSpPr>
+          <p:spPr>
+            <a:xfrm>
+              <a:off x="1749496" y="2649016"/>
+              <a:ext cx="996461" cy="362026"/>
+            </a:xfrm>
+            <a:prstGeom prst="rect">
+              <a:avLst/>
+            </a:prstGeom>
+            <a:solidFill>
+              <a:srgbClr val="868686"/>
+            </a:solidFill>
+            <a:ln>
+              <a:noFill/>
+            </a:ln>
+          </p:spPr>
+          <p:style>
+            <a:lnRef idx="2">
+              <a:schemeClr val="accent1">
+                <a:shade val="50000"/>
+              </a:schemeClr>
+            </a:lnRef>
+            <a:fillRef idx="1">
+              <a:schemeClr val="accent1"/>
+            </a:fillRef>
+            <a:effectRef idx="0">
+              <a:schemeClr val="accent1"/>
+            </a:effectRef>
+            <a:fontRef idx="minor">
+              <a:schemeClr val="lt1"/>
+            </a:fontRef>
+          </p:style>
+          <p:txBody>
+            <a:bodyPr rtlCol="0" anchor="ctr"/>
+            <a:lstStyle/>
+            <a:p>
+              <a:pPr algn="ctr"/>
+              <a:endParaRPr lang="en-US"/>
+            </a:p>
+          </p:txBody>
+        </p:sp>
+      </p:grpSp>
+      <p:grpSp>
+        <p:nvGrpSpPr>
+          <p:cNvPr id="28" name="Group 27">
+            <a:extLst>
+              <a:ext uri="{FF2B5EF4-FFF2-40B4-BE49-F238E27FC236}">
+                <a16:creationId xmlns:a16="http://schemas.microsoft.com/office/drawing/2014/main" id="{64B84A2C-919D-4A81-9729-7BCEAE8A38C9}"/>
+              </a:ext>
+            </a:extLst>
+          </p:cNvPr>
+          <p:cNvGrpSpPr/>
+          <p:nvPr/>
+        </p:nvGrpSpPr>
+        <p:grpSpPr>
+          <a:xfrm>
+            <a:off x="1085998" y="-412170"/>
+            <a:ext cx="3695114" cy="3695114"/>
+            <a:chOff x="188742" y="138328"/>
+            <a:chExt cx="3695114" cy="3695114"/>
+          </a:xfrm>
+        </p:grpSpPr>
+        <p:grpSp>
+          <p:nvGrpSpPr>
+            <p:cNvPr id="29" name="Group 28">
+              <a:extLst>
+                <a:ext uri="{FF2B5EF4-FFF2-40B4-BE49-F238E27FC236}">
+                  <a16:creationId xmlns:a16="http://schemas.microsoft.com/office/drawing/2014/main" id="{91759A49-4DF4-4E40-A660-B4AC619DE57F}"/>
+                </a:ext>
+              </a:extLst>
+            </p:cNvPr>
+            <p:cNvGrpSpPr/>
+            <p:nvPr/>
+          </p:nvGrpSpPr>
+          <p:grpSpPr>
+            <a:xfrm>
+              <a:off x="188742" y="138328"/>
+              <a:ext cx="3695114" cy="3695114"/>
+              <a:chOff x="1541585" y="0"/>
+              <a:chExt cx="6858000" cy="6858000"/>
+            </a:xfrm>
+          </p:grpSpPr>
+          <p:sp>
+            <p:nvSpPr>
+              <p:cNvPr id="33" name="Rectangle 32">
+                <a:extLst>
+                  <a:ext uri="{FF2B5EF4-FFF2-40B4-BE49-F238E27FC236}">
+                    <a16:creationId xmlns:a16="http://schemas.microsoft.com/office/drawing/2014/main" id="{6D111DA7-20D0-4D6B-9789-34F069C11C8E}"/>
+                  </a:ext>
+                </a:extLst>
+              </p:cNvPr>
+              <p:cNvSpPr/>
+              <p:nvPr/>
+            </p:nvSpPr>
+            <p:spPr>
+              <a:xfrm>
+                <a:off x="2757268" y="2039815"/>
+                <a:ext cx="4135901" cy="3291840"/>
+              </a:xfrm>
+              <a:prstGeom prst="rect">
+                <a:avLst/>
+              </a:prstGeom>
+              <a:solidFill>
+                <a:schemeClr val="bg1"/>
+              </a:solidFill>
+            </p:spPr>
+            <p:style>
+              <a:lnRef idx="2">
+                <a:schemeClr val="accent1">
+                  <a:shade val="50000"/>
+                </a:schemeClr>
+              </a:lnRef>
+              <a:fillRef idx="1">
+                <a:schemeClr val="accent1"/>
+              </a:fillRef>
+              <a:effectRef idx="0">
+                <a:schemeClr val="accent1"/>
+              </a:effectRef>
+              <a:fontRef idx="minor">
+                <a:schemeClr val="lt1"/>
+              </a:fontRef>
+            </p:style>
+            <p:txBody>
+              <a:bodyPr rtlCol="0" anchor="ctr"/>
+              <a:lstStyle/>
+              <a:p>
+                <a:pPr algn="ctr"/>
+                <a:endParaRPr lang="en-US"/>
+              </a:p>
+            </p:txBody>
+          </p:sp>
+          <p:pic>
+            <p:nvPicPr>
+              <p:cNvPr id="34" name="Picture 33">
+                <a:extLst>
+                  <a:ext uri="{FF2B5EF4-FFF2-40B4-BE49-F238E27FC236}">
+                    <a16:creationId xmlns:a16="http://schemas.microsoft.com/office/drawing/2014/main" id="{388ED46D-08CD-4FBB-B62F-7B3856327C89}"/>
+                  </a:ext>
+                </a:extLst>
+              </p:cNvPr>
+              <p:cNvPicPr>
+                <a:picLocks noChangeAspect="1"/>
+              </p:cNvPicPr>
+              <p:nvPr/>
+            </p:nvPicPr>
+            <p:blipFill>
+              <a:blip r:embed="rId2">
+                <a:extLst>
+                  <a:ext uri="{BEBA8EAE-BF5A-486C-A8C5-ECC9F3942E4B}">
+                    <a14:imgProps xmlns:a14="http://schemas.microsoft.com/office/drawing/2010/main">
+                      <a14:imgLayer r:embed="rId3">
+                        <a14:imgEffect>
+                          <a14:backgroundRemoval t="5333" b="92889" l="5222" r="93000">
+                            <a14:foregroundMark x1="9333" y1="46778" x2="8889" y2="49889"/>
+                            <a14:foregroundMark x1="49556" y1="7556" x2="42333" y2="8000"/>
+                            <a14:foregroundMark x1="42333" y1="8000" x2="49778" y2="6556"/>
+                            <a14:foregroundMark x1="49778" y1="6556" x2="57333" y2="8556"/>
+                            <a14:foregroundMark x1="57333" y1="8556" x2="58333" y2="9444"/>
+                            <a14:foregroundMark x1="91111" y1="38778" x2="93222" y2="55000"/>
+                            <a14:foregroundMark x1="5778" y1="46333" x2="5444" y2="50444"/>
+                            <a14:foregroundMark x1="37222" y1="91333" x2="52333" y2="92889"/>
+                            <a14:foregroundMark x1="52333" y1="92889" x2="62000" y2="91111"/>
+                            <a14:foregroundMark x1="51556" y1="5333" x2="51000" y2="5333"/>
+                          </a14:backgroundRemoval>
+                        </a14:imgEffect>
+                      </a14:imgLayer>
+                    </a14:imgProps>
+                  </a:ext>
+                  <a:ext uri="{28A0092B-C50C-407E-A947-70E740481C1C}">
+                    <a14:useLocalDpi xmlns:a14="http://schemas.microsoft.com/office/drawing/2010/main" val="0"/>
+                  </a:ext>
+                </a:extLst>
+              </a:blip>
+              <a:stretch>
+                <a:fillRect/>
+              </a:stretch>
+            </p:blipFill>
+            <p:spPr>
+              <a:xfrm>
+                <a:off x="1541585" y="0"/>
+                <a:ext cx="6858000" cy="6858000"/>
+              </a:xfrm>
+              <a:prstGeom prst="rect">
+                <a:avLst/>
+              </a:prstGeom>
+            </p:spPr>
+          </p:pic>
+        </p:grpSp>
+        <p:sp>
+          <p:nvSpPr>
+            <p:cNvPr id="30" name="Rectangle 29">
+              <a:extLst>
+                <a:ext uri="{FF2B5EF4-FFF2-40B4-BE49-F238E27FC236}">
+                  <a16:creationId xmlns:a16="http://schemas.microsoft.com/office/drawing/2014/main" id="{8A323F13-9B28-4B62-9A41-D67EEB5074AB}"/>
+                </a:ext>
+              </a:extLst>
+            </p:cNvPr>
+            <p:cNvSpPr/>
+            <p:nvPr/>
+          </p:nvSpPr>
+          <p:spPr>
+            <a:xfrm>
+              <a:off x="509465" y="1524220"/>
+              <a:ext cx="3053668" cy="923330"/>
+            </a:xfrm>
+            <a:prstGeom prst="rect">
+              <a:avLst/>
+            </a:prstGeom>
+            <a:solidFill>
+              <a:srgbClr val="2BA6E1"/>
+            </a:solidFill>
+          </p:spPr>
+          <p:txBody>
+            <a:bodyPr wrap="square" lIns="91440" tIns="45720" rIns="91440" bIns="45720">
+              <a:spAutoFit/>
+            </a:bodyPr>
+            <a:lstStyle/>
+            <a:p>
+              <a:pPr algn="ctr"/>
+              <a:r>
+                <a:rPr lang="en-US" sz="5400" dirty="0">
+                  <a:solidFill>
+                    <a:schemeClr val="bg1"/>
+                  </a:solidFill>
+                  <a:latin typeface="Bahnschrift Light SemiCondensed" panose="020B0502040204020203" pitchFamily="34" charset="0"/>
+                </a:rPr>
+                <a:t>UPCOMING</a:t>
+              </a:r>
+              <a:endParaRPr lang="en-US" sz="5400" b="0" cap="none" spc="0" dirty="0">
+                <a:ln w="0"/>
+                <a:solidFill>
+                  <a:schemeClr val="bg1"/>
+                </a:solidFill>
+                <a:effectLst>
+                  <a:outerShdw blurRad="38100" dist="19050" dir="2700000" algn="tl" rotWithShape="0">
+                    <a:schemeClr val="dk1">
+                      <a:alpha val="40000"/>
+                    </a:schemeClr>
+                  </a:outerShdw>
+                </a:effectLst>
+                <a:latin typeface="Bahnschrift Light SemiCondensed" panose="020B0502040204020203" pitchFamily="34" charset="0"/>
+              </a:endParaRPr>
+            </a:p>
+          </p:txBody>
+        </p:sp>
+        <p:sp>
+          <p:nvSpPr>
+            <p:cNvPr id="31" name="Rectangle 30">
+              <a:extLst>
+                <a:ext uri="{FF2B5EF4-FFF2-40B4-BE49-F238E27FC236}">
+                  <a16:creationId xmlns:a16="http://schemas.microsoft.com/office/drawing/2014/main" id="{4607D91B-4AD5-4FF8-9E90-B422D2C2F9AA}"/>
+                </a:ext>
+              </a:extLst>
+            </p:cNvPr>
+            <p:cNvSpPr/>
+            <p:nvPr/>
+          </p:nvSpPr>
+          <p:spPr>
+            <a:xfrm>
+              <a:off x="1648265" y="2399167"/>
+              <a:ext cx="996461" cy="456576"/>
+            </a:xfrm>
+            <a:prstGeom prst="rect">
+              <a:avLst/>
+            </a:prstGeom>
+            <a:solidFill>
+              <a:srgbClr val="2BA6E1"/>
+            </a:solidFill>
+            <a:ln>
+              <a:noFill/>
+            </a:ln>
+          </p:spPr>
+          <p:style>
+            <a:lnRef idx="2">
+              <a:schemeClr val="accent1">
+                <a:shade val="50000"/>
+              </a:schemeClr>
+            </a:lnRef>
+            <a:fillRef idx="1">
+              <a:schemeClr val="accent1"/>
+            </a:fillRef>
+            <a:effectRef idx="0">
+              <a:schemeClr val="accent1"/>
+            </a:effectRef>
+            <a:fontRef idx="minor">
+              <a:schemeClr val="lt1"/>
+            </a:fontRef>
+          </p:style>
+          <p:txBody>
+            <a:bodyPr rtlCol="0" anchor="ctr"/>
+            <a:lstStyle/>
+            <a:p>
+              <a:pPr algn="ctr"/>
+              <a:endParaRPr lang="en-US"/>
+            </a:p>
+          </p:txBody>
+        </p:sp>
+        <p:sp>
+          <p:nvSpPr>
+            <p:cNvPr id="32" name="Rectangle 31">
+              <a:extLst>
+                <a:ext uri="{FF2B5EF4-FFF2-40B4-BE49-F238E27FC236}">
+                  <a16:creationId xmlns:a16="http://schemas.microsoft.com/office/drawing/2014/main" id="{725BC54E-C7D0-4800-943B-4C1C65359991}"/>
+                </a:ext>
+              </a:extLst>
+            </p:cNvPr>
+            <p:cNvSpPr/>
+            <p:nvPr/>
+          </p:nvSpPr>
+          <p:spPr>
+            <a:xfrm>
+              <a:off x="1957975" y="1111592"/>
+              <a:ext cx="996461" cy="456576"/>
+            </a:xfrm>
+            <a:prstGeom prst="rect">
+              <a:avLst/>
+            </a:prstGeom>
+            <a:solidFill>
+              <a:srgbClr val="2BA6E1"/>
+            </a:solidFill>
+            <a:ln>
+              <a:noFill/>
+            </a:ln>
+          </p:spPr>
+          <p:style>
+            <a:lnRef idx="2">
+              <a:schemeClr val="accent1">
+                <a:shade val="50000"/>
+              </a:schemeClr>
+            </a:lnRef>
+            <a:fillRef idx="1">
+              <a:schemeClr val="accent1"/>
+            </a:fillRef>
+            <a:effectRef idx="0">
+              <a:schemeClr val="accent1"/>
+            </a:effectRef>
+            <a:fontRef idx="minor">
+              <a:schemeClr val="lt1"/>
+            </a:fontRef>
+          </p:style>
+          <p:txBody>
+            <a:bodyPr rtlCol="0" anchor="ctr"/>
+            <a:lstStyle/>
+            <a:p>
+              <a:pPr algn="ctr"/>
+              <a:endParaRPr lang="en-US"/>
+            </a:p>
+          </p:txBody>
+        </p:sp>
+      </p:grpSp>
+      <p:grpSp>
+        <p:nvGrpSpPr>
+          <p:cNvPr id="35" name="Group 34">
+            <a:extLst>
+              <a:ext uri="{FF2B5EF4-FFF2-40B4-BE49-F238E27FC236}">
+                <a16:creationId xmlns:a16="http://schemas.microsoft.com/office/drawing/2014/main" id="{0AABB083-345D-4E30-8ECB-7EFDE3549556}"/>
+              </a:ext>
+            </a:extLst>
+          </p:cNvPr>
+          <p:cNvGrpSpPr/>
+          <p:nvPr/>
+        </p:nvGrpSpPr>
+        <p:grpSpPr>
+          <a:xfrm>
+            <a:off x="5122559" y="5441466"/>
+            <a:ext cx="3695114" cy="3695114"/>
+            <a:chOff x="188742" y="138328"/>
+            <a:chExt cx="3695114" cy="3695114"/>
+          </a:xfrm>
+        </p:grpSpPr>
+        <p:grpSp>
+          <p:nvGrpSpPr>
+            <p:cNvPr id="36" name="Group 35">
+              <a:extLst>
+                <a:ext uri="{FF2B5EF4-FFF2-40B4-BE49-F238E27FC236}">
+                  <a16:creationId xmlns:a16="http://schemas.microsoft.com/office/drawing/2014/main" id="{52360634-C2E9-4CC0-8432-3CF080B8FB99}"/>
+                </a:ext>
+              </a:extLst>
+            </p:cNvPr>
+            <p:cNvGrpSpPr/>
+            <p:nvPr/>
+          </p:nvGrpSpPr>
+          <p:grpSpPr>
+            <a:xfrm>
+              <a:off x="188742" y="138328"/>
+              <a:ext cx="3695114" cy="3695114"/>
+              <a:chOff x="1541585" y="0"/>
+              <a:chExt cx="6858000" cy="6858000"/>
+            </a:xfrm>
+          </p:grpSpPr>
+          <p:sp>
+            <p:nvSpPr>
+              <p:cNvPr id="40" name="Rectangle 39">
+                <a:extLst>
+                  <a:ext uri="{FF2B5EF4-FFF2-40B4-BE49-F238E27FC236}">
+                    <a16:creationId xmlns:a16="http://schemas.microsoft.com/office/drawing/2014/main" id="{200E19F3-469A-401E-8D39-82F609CFDFFD}"/>
+                  </a:ext>
+                </a:extLst>
+              </p:cNvPr>
+              <p:cNvSpPr/>
+              <p:nvPr/>
+            </p:nvSpPr>
+            <p:spPr>
+              <a:xfrm>
+                <a:off x="2757268" y="2039815"/>
+                <a:ext cx="4135901" cy="3291840"/>
+              </a:xfrm>
+              <a:prstGeom prst="rect">
+                <a:avLst/>
+              </a:prstGeom>
+              <a:solidFill>
+                <a:schemeClr val="bg1"/>
+              </a:solidFill>
+            </p:spPr>
+            <p:style>
+              <a:lnRef idx="2">
+                <a:schemeClr val="accent1">
+                  <a:shade val="50000"/>
+                </a:schemeClr>
+              </a:lnRef>
+              <a:fillRef idx="1">
+                <a:schemeClr val="accent1"/>
+              </a:fillRef>
+              <a:effectRef idx="0">
+                <a:schemeClr val="accent1"/>
+              </a:effectRef>
+              <a:fontRef idx="minor">
+                <a:schemeClr val="lt1"/>
+              </a:fontRef>
+            </p:style>
+            <p:txBody>
+              <a:bodyPr rtlCol="0" anchor="ctr"/>
+              <a:lstStyle/>
+              <a:p>
+                <a:pPr algn="ctr"/>
+                <a:endParaRPr lang="en-US"/>
+              </a:p>
+            </p:txBody>
+          </p:sp>
+          <p:pic>
+            <p:nvPicPr>
+              <p:cNvPr id="41" name="Picture 40">
+                <a:extLst>
+                  <a:ext uri="{FF2B5EF4-FFF2-40B4-BE49-F238E27FC236}">
+                    <a16:creationId xmlns:a16="http://schemas.microsoft.com/office/drawing/2014/main" id="{3D24A09B-9432-48DB-9F81-4E5CED9A8B28}"/>
+                  </a:ext>
+                </a:extLst>
+              </p:cNvPr>
+              <p:cNvPicPr>
+                <a:picLocks noChangeAspect="1"/>
+              </p:cNvPicPr>
+              <p:nvPr/>
+            </p:nvPicPr>
+            <p:blipFill>
+              <a:blip r:embed="rId4">
+                <a:extLst>
+                  <a:ext uri="{BEBA8EAE-BF5A-486C-A8C5-ECC9F3942E4B}">
+                    <a14:imgProps xmlns:a14="http://schemas.microsoft.com/office/drawing/2010/main">
+                      <a14:imgLayer r:embed="rId3">
+                        <a14:imgEffect>
+                          <a14:backgroundRemoval t="5333" b="92889" l="5222" r="93000">
+                            <a14:foregroundMark x1="9333" y1="46778" x2="8889" y2="49889"/>
+                            <a14:foregroundMark x1="49556" y1="7556" x2="42333" y2="8000"/>
+                            <a14:foregroundMark x1="42333" y1="8000" x2="49778" y2="6556"/>
+                            <a14:foregroundMark x1="49778" y1="6556" x2="57333" y2="8556"/>
+                            <a14:foregroundMark x1="57333" y1="8556" x2="58333" y2="9444"/>
+                            <a14:foregroundMark x1="91111" y1="38778" x2="93222" y2="55000"/>
+                            <a14:foregroundMark x1="5778" y1="46333" x2="5444" y2="50444"/>
+                            <a14:foregroundMark x1="37222" y1="91333" x2="52333" y2="92889"/>
+                            <a14:foregroundMark x1="52333" y1="92889" x2="62000" y2="91111"/>
+                            <a14:foregroundMark x1="51556" y1="5333" x2="51000" y2="5333"/>
+                          </a14:backgroundRemoval>
+                        </a14:imgEffect>
+                        <a14:imgEffect>
+                          <a14:saturation sat="0"/>
+                        </a14:imgEffect>
+                      </a14:imgLayer>
+                    </a14:imgProps>
+                  </a:ext>
+                  <a:ext uri="{28A0092B-C50C-407E-A947-70E740481C1C}">
+                    <a14:useLocalDpi xmlns:a14="http://schemas.microsoft.com/office/drawing/2010/main" val="0"/>
+                  </a:ext>
+                </a:extLst>
+              </a:blip>
+              <a:stretch>
+                <a:fillRect/>
+              </a:stretch>
+            </p:blipFill>
+            <p:spPr>
+              <a:xfrm>
+                <a:off x="1541585" y="0"/>
+                <a:ext cx="6858000" cy="6858000"/>
+              </a:xfrm>
+              <a:prstGeom prst="rect">
+                <a:avLst/>
+              </a:prstGeom>
+            </p:spPr>
+          </p:pic>
+        </p:grpSp>
+        <p:sp>
+          <p:nvSpPr>
+            <p:cNvPr id="37" name="Rectangle 36">
+              <a:extLst>
+                <a:ext uri="{FF2B5EF4-FFF2-40B4-BE49-F238E27FC236}">
+                  <a16:creationId xmlns:a16="http://schemas.microsoft.com/office/drawing/2014/main" id="{F6E47E89-9763-4878-A982-898AD88E97D9}"/>
+                </a:ext>
+              </a:extLst>
+            </p:cNvPr>
+            <p:cNvSpPr/>
+            <p:nvPr/>
+          </p:nvSpPr>
+          <p:spPr>
+            <a:xfrm>
+              <a:off x="514049" y="1524220"/>
+              <a:ext cx="3044500" cy="923330"/>
+            </a:xfrm>
+            <a:prstGeom prst="rect">
+              <a:avLst/>
+            </a:prstGeom>
+            <a:solidFill>
+              <a:srgbClr val="868686"/>
+            </a:solidFill>
+          </p:spPr>
+          <p:txBody>
+            <a:bodyPr wrap="square" lIns="91440" tIns="45720" rIns="91440" bIns="45720">
+              <a:spAutoFit/>
+            </a:bodyPr>
+            <a:lstStyle/>
+            <a:p>
+              <a:pPr algn="ctr"/>
+              <a:r>
+                <a:rPr lang="en-US" sz="5400" dirty="0">
+                  <a:solidFill>
+                    <a:schemeClr val="bg1"/>
+                  </a:solidFill>
+                  <a:latin typeface="Bahnschrift Light SemiCondensed" panose="020B0502040204020203" pitchFamily="34" charset="0"/>
+                </a:rPr>
+                <a:t>UPCOMING</a:t>
+              </a:r>
+              <a:endParaRPr lang="en-US" sz="5400" b="0" cap="none" spc="0" dirty="0">
+                <a:ln w="0"/>
+                <a:solidFill>
+                  <a:schemeClr val="bg1"/>
+                </a:solidFill>
+                <a:effectLst>
+                  <a:outerShdw blurRad="38100" dist="19050" dir="2700000" algn="tl" rotWithShape="0">
+                    <a:schemeClr val="dk1">
+                      <a:alpha val="40000"/>
+                    </a:schemeClr>
+                  </a:outerShdw>
+                </a:effectLst>
+                <a:latin typeface="Bahnschrift Light SemiCondensed" panose="020B0502040204020203" pitchFamily="34" charset="0"/>
+              </a:endParaRPr>
+            </a:p>
+          </p:txBody>
+        </p:sp>
+        <p:sp>
+          <p:nvSpPr>
+            <p:cNvPr id="38" name="Rectangle 37">
+              <a:extLst>
+                <a:ext uri="{FF2B5EF4-FFF2-40B4-BE49-F238E27FC236}">
+                  <a16:creationId xmlns:a16="http://schemas.microsoft.com/office/drawing/2014/main" id="{8D8FB93B-C873-43FF-8CA1-97981EF55F65}"/>
+                </a:ext>
+              </a:extLst>
+            </p:cNvPr>
+            <p:cNvSpPr/>
+            <p:nvPr/>
+          </p:nvSpPr>
+          <p:spPr>
+            <a:xfrm>
+              <a:off x="1648265" y="2399167"/>
+              <a:ext cx="996461" cy="456576"/>
+            </a:xfrm>
+            <a:prstGeom prst="rect">
+              <a:avLst/>
+            </a:prstGeom>
+            <a:solidFill>
+              <a:srgbClr val="868686"/>
+            </a:solidFill>
+            <a:ln>
+              <a:noFill/>
+            </a:ln>
+          </p:spPr>
+          <p:style>
+            <a:lnRef idx="2">
+              <a:schemeClr val="accent1">
+                <a:shade val="50000"/>
+              </a:schemeClr>
+            </a:lnRef>
+            <a:fillRef idx="1">
+              <a:schemeClr val="accent1"/>
+            </a:fillRef>
+            <a:effectRef idx="0">
+              <a:schemeClr val="accent1"/>
+            </a:effectRef>
+            <a:fontRef idx="minor">
+              <a:schemeClr val="lt1"/>
+            </a:fontRef>
+          </p:style>
+          <p:txBody>
+            <a:bodyPr rtlCol="0" anchor="ctr"/>
+            <a:lstStyle/>
+            <a:p>
+              <a:pPr algn="ctr"/>
+              <a:endParaRPr lang="en-US"/>
+            </a:p>
+          </p:txBody>
+        </p:sp>
+        <p:sp>
+          <p:nvSpPr>
+            <p:cNvPr id="39" name="Rectangle 38">
+              <a:extLst>
+                <a:ext uri="{FF2B5EF4-FFF2-40B4-BE49-F238E27FC236}">
+                  <a16:creationId xmlns:a16="http://schemas.microsoft.com/office/drawing/2014/main" id="{51557D52-201A-49EB-8A79-D774D07F6554}"/>
+                </a:ext>
+              </a:extLst>
+            </p:cNvPr>
+            <p:cNvSpPr/>
+            <p:nvPr/>
+          </p:nvSpPr>
+          <p:spPr>
+            <a:xfrm>
+              <a:off x="1957975" y="1111592"/>
+              <a:ext cx="996461" cy="456576"/>
+            </a:xfrm>
+            <a:prstGeom prst="rect">
+              <a:avLst/>
+            </a:prstGeom>
+            <a:solidFill>
+              <a:srgbClr val="868686"/>
+            </a:solidFill>
+            <a:ln>
+              <a:noFill/>
+            </a:ln>
+          </p:spPr>
+          <p:style>
+            <a:lnRef idx="2">
+              <a:schemeClr val="accent1">
+                <a:shade val="50000"/>
+              </a:schemeClr>
+            </a:lnRef>
+            <a:fillRef idx="1">
+              <a:schemeClr val="accent1"/>
+            </a:fillRef>
+            <a:effectRef idx="0">
+              <a:schemeClr val="accent1"/>
+            </a:effectRef>
+            <a:fontRef idx="minor">
+              <a:schemeClr val="lt1"/>
+            </a:fontRef>
+          </p:style>
+          <p:txBody>
+            <a:bodyPr rtlCol="0" anchor="ctr"/>
+            <a:lstStyle/>
+            <a:p>
+              <a:pPr algn="ctr"/>
+              <a:endParaRPr lang="en-US" dirty="0"/>
+            </a:p>
+          </p:txBody>
+        </p:sp>
+      </p:grpSp>
+    </p:spTree>
+    <p:extLst>
+      <p:ext uri="{BB962C8B-B14F-4D97-AF65-F5344CB8AC3E}">
+        <p14:creationId xmlns:p14="http://schemas.microsoft.com/office/powerpoint/2010/main" val="1841931553"/>
+      </p:ext>
+    </p:extLst>
+  </p:cSld>
+  <p:clrMapOvr>
+    <a:masterClrMapping/>
+  </p:clrMapOvr>
+</p:sld>
+</file>
+
 <file path=ppt/theme/theme1.xml><?xml version="1.0" encoding="utf-8"?>
 <a:theme xmlns:a="http://schemas.openxmlformats.org/drawingml/2006/main" name="Office Theme">
   <a:themeElements>

--- a/resources/generator.pptx
+++ b/resources/generator.pptx
@@ -13,6 +13,7 @@
     <p:sldId id="262" r:id="rId7"/>
     <p:sldId id="263" r:id="rId8"/>
     <p:sldId id="264" r:id="rId9"/>
+    <p:sldId id="265" r:id="rId10"/>
   </p:sldIdLst>
   <p:sldSz cx="12192000" cy="6858000"/>
   <p:notesSz cx="6858000" cy="9144000"/>
@@ -266,7 +267,7 @@
           <a:p>
             <a:fld id="{DBF708C3-C24C-40C3-BC91-14E0A7E7E073}" type="datetimeFigureOut">
               <a:rPr lang="en-US" smtClean="0"/>
-              <a:t>2/3/2021</a:t>
+              <a:t>2/5/2021</a:t>
             </a:fld>
             <a:endParaRPr lang="en-US"/>
           </a:p>
@@ -464,7 +465,7 @@
           <a:p>
             <a:fld id="{DBF708C3-C24C-40C3-BC91-14E0A7E7E073}" type="datetimeFigureOut">
               <a:rPr lang="en-US" smtClean="0"/>
-              <a:t>2/3/2021</a:t>
+              <a:t>2/5/2021</a:t>
             </a:fld>
             <a:endParaRPr lang="en-US"/>
           </a:p>
@@ -672,7 +673,7 @@
           <a:p>
             <a:fld id="{DBF708C3-C24C-40C3-BC91-14E0A7E7E073}" type="datetimeFigureOut">
               <a:rPr lang="en-US" smtClean="0"/>
-              <a:t>2/3/2021</a:t>
+              <a:t>2/5/2021</a:t>
             </a:fld>
             <a:endParaRPr lang="en-US"/>
           </a:p>
@@ -870,7 +871,7 @@
           <a:p>
             <a:fld id="{DBF708C3-C24C-40C3-BC91-14E0A7E7E073}" type="datetimeFigureOut">
               <a:rPr lang="en-US" smtClean="0"/>
-              <a:t>2/3/2021</a:t>
+              <a:t>2/5/2021</a:t>
             </a:fld>
             <a:endParaRPr lang="en-US"/>
           </a:p>
@@ -1145,7 +1146,7 @@
           <a:p>
             <a:fld id="{DBF708C3-C24C-40C3-BC91-14E0A7E7E073}" type="datetimeFigureOut">
               <a:rPr lang="en-US" smtClean="0"/>
-              <a:t>2/3/2021</a:t>
+              <a:t>2/5/2021</a:t>
             </a:fld>
             <a:endParaRPr lang="en-US"/>
           </a:p>
@@ -1410,7 +1411,7 @@
           <a:p>
             <a:fld id="{DBF708C3-C24C-40C3-BC91-14E0A7E7E073}" type="datetimeFigureOut">
               <a:rPr lang="en-US" smtClean="0"/>
-              <a:t>2/3/2021</a:t>
+              <a:t>2/5/2021</a:t>
             </a:fld>
             <a:endParaRPr lang="en-US"/>
           </a:p>
@@ -1822,7 +1823,7 @@
           <a:p>
             <a:fld id="{DBF708C3-C24C-40C3-BC91-14E0A7E7E073}" type="datetimeFigureOut">
               <a:rPr lang="en-US" smtClean="0"/>
-              <a:t>2/3/2021</a:t>
+              <a:t>2/5/2021</a:t>
             </a:fld>
             <a:endParaRPr lang="en-US"/>
           </a:p>
@@ -1963,7 +1964,7 @@
           <a:p>
             <a:fld id="{DBF708C3-C24C-40C3-BC91-14E0A7E7E073}" type="datetimeFigureOut">
               <a:rPr lang="en-US" smtClean="0"/>
-              <a:t>2/3/2021</a:t>
+              <a:t>2/5/2021</a:t>
             </a:fld>
             <a:endParaRPr lang="en-US"/>
           </a:p>
@@ -2076,7 +2077,7 @@
           <a:p>
             <a:fld id="{DBF708C3-C24C-40C3-BC91-14E0A7E7E073}" type="datetimeFigureOut">
               <a:rPr lang="en-US" smtClean="0"/>
-              <a:t>2/3/2021</a:t>
+              <a:t>2/5/2021</a:t>
             </a:fld>
             <a:endParaRPr lang="en-US"/>
           </a:p>
@@ -2387,7 +2388,7 @@
           <a:p>
             <a:fld id="{DBF708C3-C24C-40C3-BC91-14E0A7E7E073}" type="datetimeFigureOut">
               <a:rPr lang="en-US" smtClean="0"/>
-              <a:t>2/3/2021</a:t>
+              <a:t>2/5/2021</a:t>
             </a:fld>
             <a:endParaRPr lang="en-US"/>
           </a:p>
@@ -2675,7 +2676,7 @@
           <a:p>
             <a:fld id="{DBF708C3-C24C-40C3-BC91-14E0A7E7E073}" type="datetimeFigureOut">
               <a:rPr lang="en-US" smtClean="0"/>
-              <a:t>2/3/2021</a:t>
+              <a:t>2/5/2021</a:t>
             </a:fld>
             <a:endParaRPr lang="en-US"/>
           </a:p>
@@ -2921,7 +2922,7 @@
           <a:p>
             <a:fld id="{DBF708C3-C24C-40C3-BC91-14E0A7E7E073}" type="datetimeFigureOut">
               <a:rPr lang="en-US" smtClean="0"/>
-              <a:t>2/3/2021</a:t>
+              <a:t>2/5/2021</a:t>
             </a:fld>
             <a:endParaRPr lang="en-US"/>
           </a:p>
@@ -9631,6 +9632,5670 @@
 </p:sld>
 </file>
 
+<file path=ppt/slides/slide9.xml><?xml version="1.0" encoding="utf-8"?>
+<p:sld xmlns:a="http://schemas.openxmlformats.org/drawingml/2006/main" xmlns:r="http://schemas.openxmlformats.org/officeDocument/2006/relationships" xmlns:p="http://schemas.openxmlformats.org/presentationml/2006/main">
+  <p:cSld>
+    <p:spTree>
+      <p:nvGrpSpPr>
+        <p:cNvPr id="1" name=""/>
+        <p:cNvGrpSpPr/>
+        <p:nvPr/>
+      </p:nvGrpSpPr>
+      <p:grpSpPr>
+        <a:xfrm>
+          <a:off x="0" y="0"/>
+          <a:ext cx="0" cy="0"/>
+          <a:chOff x="0" y="0"/>
+          <a:chExt cx="0" cy="0"/>
+        </a:xfrm>
+      </p:grpSpPr>
+      <p:grpSp>
+        <p:nvGrpSpPr>
+          <p:cNvPr id="2" name="Group 1">
+            <a:extLst>
+              <a:ext uri="{FF2B5EF4-FFF2-40B4-BE49-F238E27FC236}">
+                <a16:creationId xmlns:a16="http://schemas.microsoft.com/office/drawing/2014/main" id="{845834DE-A7A0-44D0-B3EF-46CA5EE3FE7B}"/>
+              </a:ext>
+            </a:extLst>
+          </p:cNvPr>
+          <p:cNvGrpSpPr/>
+          <p:nvPr/>
+        </p:nvGrpSpPr>
+        <p:grpSpPr>
+          <a:xfrm>
+            <a:off x="0" y="0"/>
+            <a:ext cx="3695114" cy="3695114"/>
+            <a:chOff x="188742" y="138328"/>
+            <a:chExt cx="3695114" cy="3695114"/>
+          </a:xfrm>
+        </p:grpSpPr>
+        <p:grpSp>
+          <p:nvGrpSpPr>
+            <p:cNvPr id="3" name="Group 2">
+              <a:extLst>
+                <a:ext uri="{FF2B5EF4-FFF2-40B4-BE49-F238E27FC236}">
+                  <a16:creationId xmlns:a16="http://schemas.microsoft.com/office/drawing/2014/main" id="{3EA89A10-8D19-4DB2-A88A-2B74C429205E}"/>
+                </a:ext>
+              </a:extLst>
+            </p:cNvPr>
+            <p:cNvGrpSpPr/>
+            <p:nvPr/>
+          </p:nvGrpSpPr>
+          <p:grpSpPr>
+            <a:xfrm>
+              <a:off x="188742" y="138328"/>
+              <a:ext cx="3695114" cy="3695114"/>
+              <a:chOff x="1541585" y="0"/>
+              <a:chExt cx="6858000" cy="6858000"/>
+            </a:xfrm>
+          </p:grpSpPr>
+          <p:sp>
+            <p:nvSpPr>
+              <p:cNvPr id="6" name="Rectangle 5">
+                <a:extLst>
+                  <a:ext uri="{FF2B5EF4-FFF2-40B4-BE49-F238E27FC236}">
+                    <a16:creationId xmlns:a16="http://schemas.microsoft.com/office/drawing/2014/main" id="{551A246D-66D6-4503-B37F-BAFAADEAF85B}"/>
+                  </a:ext>
+                </a:extLst>
+              </p:cNvPr>
+              <p:cNvSpPr/>
+              <p:nvPr/>
+            </p:nvSpPr>
+            <p:spPr>
+              <a:xfrm>
+                <a:off x="2757268" y="2039815"/>
+                <a:ext cx="4135901" cy="3291840"/>
+              </a:xfrm>
+              <a:prstGeom prst="rect">
+                <a:avLst/>
+              </a:prstGeom>
+              <a:solidFill>
+                <a:schemeClr val="bg1"/>
+              </a:solidFill>
+            </p:spPr>
+            <p:style>
+              <a:lnRef idx="2">
+                <a:schemeClr val="accent1">
+                  <a:shade val="50000"/>
+                </a:schemeClr>
+              </a:lnRef>
+              <a:fillRef idx="1">
+                <a:schemeClr val="accent1"/>
+              </a:fillRef>
+              <a:effectRef idx="0">
+                <a:schemeClr val="accent1"/>
+              </a:effectRef>
+              <a:fontRef idx="minor">
+                <a:schemeClr val="lt1"/>
+              </a:fontRef>
+            </p:style>
+            <p:txBody>
+              <a:bodyPr rtlCol="0" anchor="ctr"/>
+              <a:lstStyle/>
+              <a:p>
+                <a:pPr algn="ctr"/>
+                <a:endParaRPr lang="en-US"/>
+              </a:p>
+            </p:txBody>
+          </p:sp>
+          <p:pic>
+            <p:nvPicPr>
+              <p:cNvPr id="7" name="Picture 6">
+                <a:extLst>
+                  <a:ext uri="{FF2B5EF4-FFF2-40B4-BE49-F238E27FC236}">
+                    <a16:creationId xmlns:a16="http://schemas.microsoft.com/office/drawing/2014/main" id="{7CCD6E96-6AD9-4CE7-9600-3B818D653EE0}"/>
+                  </a:ext>
+                </a:extLst>
+              </p:cNvPr>
+              <p:cNvPicPr>
+                <a:picLocks noChangeAspect="1"/>
+              </p:cNvPicPr>
+              <p:nvPr/>
+            </p:nvPicPr>
+            <p:blipFill>
+              <a:blip r:embed="rId2">
+                <a:extLst>
+                  <a:ext uri="{BEBA8EAE-BF5A-486C-A8C5-ECC9F3942E4B}">
+                    <a14:imgProps xmlns:a14="http://schemas.microsoft.com/office/drawing/2010/main">
+                      <a14:imgLayer r:embed="rId3">
+                        <a14:imgEffect>
+                          <a14:backgroundRemoval t="5333" b="92889" l="5222" r="93000">
+                            <a14:foregroundMark x1="9333" y1="46778" x2="8889" y2="49889"/>
+                            <a14:foregroundMark x1="49556" y1="7556" x2="42333" y2="8000"/>
+                            <a14:foregroundMark x1="42333" y1="8000" x2="49778" y2="6556"/>
+                            <a14:foregroundMark x1="49778" y1="6556" x2="57333" y2="8556"/>
+                            <a14:foregroundMark x1="57333" y1="8556" x2="58333" y2="9444"/>
+                            <a14:foregroundMark x1="91111" y1="38778" x2="93222" y2="55000"/>
+                            <a14:foregroundMark x1="5778" y1="46333" x2="5444" y2="50444"/>
+                            <a14:foregroundMark x1="37222" y1="91333" x2="52333" y2="92889"/>
+                            <a14:foregroundMark x1="52333" y1="92889" x2="62000" y2="91111"/>
+                            <a14:foregroundMark x1="51556" y1="5333" x2="51000" y2="5333"/>
+                          </a14:backgroundRemoval>
+                        </a14:imgEffect>
+                        <a14:imgEffect>
+                          <a14:saturation sat="0"/>
+                        </a14:imgEffect>
+                      </a14:imgLayer>
+                    </a14:imgProps>
+                  </a:ext>
+                  <a:ext uri="{28A0092B-C50C-407E-A947-70E740481C1C}">
+                    <a14:useLocalDpi xmlns:a14="http://schemas.microsoft.com/office/drawing/2010/main" val="0"/>
+                  </a:ext>
+                </a:extLst>
+              </a:blip>
+              <a:stretch>
+                <a:fillRect/>
+              </a:stretch>
+            </p:blipFill>
+            <p:spPr>
+              <a:xfrm>
+                <a:off x="1541585" y="0"/>
+                <a:ext cx="6858000" cy="6858000"/>
+              </a:xfrm>
+              <a:prstGeom prst="rect">
+                <a:avLst/>
+              </a:prstGeom>
+            </p:spPr>
+          </p:pic>
+        </p:grpSp>
+        <p:sp>
+          <p:nvSpPr>
+            <p:cNvPr id="4" name="Rectangle 3">
+              <a:extLst>
+                <a:ext uri="{FF2B5EF4-FFF2-40B4-BE49-F238E27FC236}">
+                  <a16:creationId xmlns:a16="http://schemas.microsoft.com/office/drawing/2014/main" id="{D284B418-CD37-4B9D-A83A-4572908B39C9}"/>
+                </a:ext>
+              </a:extLst>
+            </p:cNvPr>
+            <p:cNvSpPr/>
+            <p:nvPr/>
+          </p:nvSpPr>
+          <p:spPr>
+            <a:xfrm>
+              <a:off x="650155" y="1374800"/>
+              <a:ext cx="2772287" cy="1323439"/>
+            </a:xfrm>
+            <a:prstGeom prst="rect">
+              <a:avLst/>
+            </a:prstGeom>
+            <a:solidFill>
+              <a:srgbClr val="868686"/>
+            </a:solidFill>
+          </p:spPr>
+          <p:txBody>
+            <a:bodyPr wrap="square" lIns="91440" tIns="45720" rIns="91440" bIns="45720">
+              <a:spAutoFit/>
+            </a:bodyPr>
+            <a:lstStyle/>
+            <a:p>
+              <a:pPr algn="ctr"/>
+              <a:r>
+                <a:rPr lang="en-US" sz="8000" b="0" cap="none" spc="0" dirty="0">
+                  <a:ln w="0"/>
+                  <a:solidFill>
+                    <a:schemeClr val="bg1"/>
+                  </a:solidFill>
+                  <a:effectLst>
+                    <a:outerShdw blurRad="38100" dist="19050" dir="2700000" algn="tl" rotWithShape="0">
+                      <a:schemeClr val="dk1">
+                        <a:alpha val="40000"/>
+                      </a:schemeClr>
+                    </a:outerShdw>
+                  </a:effectLst>
+                  <a:latin typeface="Bahnschrift Light SemiCondensed" panose="020B0502040204020203" pitchFamily="34" charset="0"/>
+                </a:rPr>
+                <a:t>TODAY</a:t>
+              </a:r>
+            </a:p>
+          </p:txBody>
+        </p:sp>
+        <p:sp>
+          <p:nvSpPr>
+            <p:cNvPr id="5" name="Rectangle 4">
+              <a:extLst>
+                <a:ext uri="{FF2B5EF4-FFF2-40B4-BE49-F238E27FC236}">
+                  <a16:creationId xmlns:a16="http://schemas.microsoft.com/office/drawing/2014/main" id="{D864038B-3E67-447A-8221-806924171A25}"/>
+                </a:ext>
+              </a:extLst>
+            </p:cNvPr>
+            <p:cNvSpPr/>
+            <p:nvPr/>
+          </p:nvSpPr>
+          <p:spPr>
+            <a:xfrm>
+              <a:off x="1648265" y="2586049"/>
+              <a:ext cx="996461" cy="269693"/>
+            </a:xfrm>
+            <a:prstGeom prst="rect">
+              <a:avLst/>
+            </a:prstGeom>
+            <a:solidFill>
+              <a:srgbClr val="868686"/>
+            </a:solidFill>
+            <a:ln>
+              <a:noFill/>
+            </a:ln>
+          </p:spPr>
+          <p:style>
+            <a:lnRef idx="2">
+              <a:schemeClr val="accent1">
+                <a:shade val="50000"/>
+              </a:schemeClr>
+            </a:lnRef>
+            <a:fillRef idx="1">
+              <a:schemeClr val="accent1"/>
+            </a:fillRef>
+            <a:effectRef idx="0">
+              <a:schemeClr val="accent1"/>
+            </a:effectRef>
+            <a:fontRef idx="minor">
+              <a:schemeClr val="lt1"/>
+            </a:fontRef>
+          </p:style>
+          <p:txBody>
+            <a:bodyPr rtlCol="0" anchor="ctr"/>
+            <a:lstStyle/>
+            <a:p>
+              <a:pPr algn="ctr"/>
+              <a:endParaRPr lang="en-US"/>
+            </a:p>
+          </p:txBody>
+        </p:sp>
+      </p:grpSp>
+      <p:grpSp>
+        <p:nvGrpSpPr>
+          <p:cNvPr id="8" name="Group 7">
+            <a:extLst>
+              <a:ext uri="{FF2B5EF4-FFF2-40B4-BE49-F238E27FC236}">
+                <a16:creationId xmlns:a16="http://schemas.microsoft.com/office/drawing/2014/main" id="{FC7B1DB8-1F6E-475F-8BBC-9D9795C83183}"/>
+              </a:ext>
+            </a:extLst>
+          </p:cNvPr>
+          <p:cNvGrpSpPr/>
+          <p:nvPr/>
+        </p:nvGrpSpPr>
+        <p:grpSpPr>
+          <a:xfrm>
+            <a:off x="4903683" y="-675652"/>
+            <a:ext cx="3695114" cy="3695114"/>
+            <a:chOff x="188742" y="138328"/>
+            <a:chExt cx="3695114" cy="3695114"/>
+          </a:xfrm>
+        </p:grpSpPr>
+        <p:grpSp>
+          <p:nvGrpSpPr>
+            <p:cNvPr id="9" name="Group 8">
+              <a:extLst>
+                <a:ext uri="{FF2B5EF4-FFF2-40B4-BE49-F238E27FC236}">
+                  <a16:creationId xmlns:a16="http://schemas.microsoft.com/office/drawing/2014/main" id="{A150A6D1-5FCE-46E6-A24A-C4E5F2E7F4D5}"/>
+                </a:ext>
+              </a:extLst>
+            </p:cNvPr>
+            <p:cNvGrpSpPr/>
+            <p:nvPr/>
+          </p:nvGrpSpPr>
+          <p:grpSpPr>
+            <a:xfrm>
+              <a:off x="188742" y="138328"/>
+              <a:ext cx="3695114" cy="3695114"/>
+              <a:chOff x="1541585" y="0"/>
+              <a:chExt cx="6858000" cy="6858000"/>
+            </a:xfrm>
+          </p:grpSpPr>
+          <p:sp>
+            <p:nvSpPr>
+              <p:cNvPr id="13" name="Rectangle 12">
+                <a:extLst>
+                  <a:ext uri="{FF2B5EF4-FFF2-40B4-BE49-F238E27FC236}">
+                    <a16:creationId xmlns:a16="http://schemas.microsoft.com/office/drawing/2014/main" id="{1B3781EB-D9C5-4F2E-916F-5D5B5B614E6A}"/>
+                  </a:ext>
+                </a:extLst>
+              </p:cNvPr>
+              <p:cNvSpPr/>
+              <p:nvPr/>
+            </p:nvSpPr>
+            <p:spPr>
+              <a:xfrm>
+                <a:off x="2757268" y="2039815"/>
+                <a:ext cx="4135901" cy="3291840"/>
+              </a:xfrm>
+              <a:prstGeom prst="rect">
+                <a:avLst/>
+              </a:prstGeom>
+              <a:solidFill>
+                <a:schemeClr val="bg1"/>
+              </a:solidFill>
+            </p:spPr>
+            <p:style>
+              <a:lnRef idx="2">
+                <a:schemeClr val="accent1">
+                  <a:shade val="50000"/>
+                </a:schemeClr>
+              </a:lnRef>
+              <a:fillRef idx="1">
+                <a:schemeClr val="accent1"/>
+              </a:fillRef>
+              <a:effectRef idx="0">
+                <a:schemeClr val="accent1"/>
+              </a:effectRef>
+              <a:fontRef idx="minor">
+                <a:schemeClr val="lt1"/>
+              </a:fontRef>
+            </p:style>
+            <p:txBody>
+              <a:bodyPr rtlCol="0" anchor="ctr"/>
+              <a:lstStyle/>
+              <a:p>
+                <a:pPr algn="ctr"/>
+                <a:endParaRPr lang="en-US"/>
+              </a:p>
+            </p:txBody>
+          </p:sp>
+          <p:pic>
+            <p:nvPicPr>
+              <p:cNvPr id="14" name="Picture 13">
+                <a:extLst>
+                  <a:ext uri="{FF2B5EF4-FFF2-40B4-BE49-F238E27FC236}">
+                    <a16:creationId xmlns:a16="http://schemas.microsoft.com/office/drawing/2014/main" id="{F4553B1D-2664-4A20-8128-971DB741DF60}"/>
+                  </a:ext>
+                </a:extLst>
+              </p:cNvPr>
+              <p:cNvPicPr>
+                <a:picLocks noChangeAspect="1"/>
+              </p:cNvPicPr>
+              <p:nvPr/>
+            </p:nvPicPr>
+            <p:blipFill>
+              <a:blip r:embed="rId4">
+                <a:extLst>
+                  <a:ext uri="{BEBA8EAE-BF5A-486C-A8C5-ECC9F3942E4B}">
+                    <a14:imgProps xmlns:a14="http://schemas.microsoft.com/office/drawing/2010/main">
+                      <a14:imgLayer r:embed="rId3">
+                        <a14:imgEffect>
+                          <a14:backgroundRemoval t="5333" b="92889" l="5222" r="93000">
+                            <a14:foregroundMark x1="9333" y1="46778" x2="8889" y2="49889"/>
+                            <a14:foregroundMark x1="49556" y1="7556" x2="42333" y2="8000"/>
+                            <a14:foregroundMark x1="42333" y1="8000" x2="49778" y2="6556"/>
+                            <a14:foregroundMark x1="49778" y1="6556" x2="57333" y2="8556"/>
+                            <a14:foregroundMark x1="57333" y1="8556" x2="58333" y2="9444"/>
+                            <a14:foregroundMark x1="91111" y1="38778" x2="93222" y2="55000"/>
+                            <a14:foregroundMark x1="5778" y1="46333" x2="5444" y2="50444"/>
+                            <a14:foregroundMark x1="37222" y1="91333" x2="52333" y2="92889"/>
+                            <a14:foregroundMark x1="52333" y1="92889" x2="62000" y2="91111"/>
+                            <a14:foregroundMark x1="51556" y1="5333" x2="51000" y2="5333"/>
+                          </a14:backgroundRemoval>
+                        </a14:imgEffect>
+                      </a14:imgLayer>
+                    </a14:imgProps>
+                  </a:ext>
+                  <a:ext uri="{28A0092B-C50C-407E-A947-70E740481C1C}">
+                    <a14:useLocalDpi xmlns:a14="http://schemas.microsoft.com/office/drawing/2010/main" val="0"/>
+                  </a:ext>
+                </a:extLst>
+              </a:blip>
+              <a:stretch>
+                <a:fillRect/>
+              </a:stretch>
+            </p:blipFill>
+            <p:spPr>
+              <a:xfrm>
+                <a:off x="1541585" y="0"/>
+                <a:ext cx="6858000" cy="6858000"/>
+              </a:xfrm>
+              <a:prstGeom prst="rect">
+                <a:avLst/>
+              </a:prstGeom>
+            </p:spPr>
+          </p:pic>
+        </p:grpSp>
+        <p:sp>
+          <p:nvSpPr>
+            <p:cNvPr id="10" name="Rectangle 9">
+              <a:extLst>
+                <a:ext uri="{FF2B5EF4-FFF2-40B4-BE49-F238E27FC236}">
+                  <a16:creationId xmlns:a16="http://schemas.microsoft.com/office/drawing/2014/main" id="{D239BE94-7A9F-4E16-9864-2B84D2100118}"/>
+                </a:ext>
+              </a:extLst>
+            </p:cNvPr>
+            <p:cNvSpPr/>
+            <p:nvPr/>
+          </p:nvSpPr>
+          <p:spPr>
+            <a:xfrm>
+              <a:off x="636570" y="1406509"/>
+              <a:ext cx="2799457" cy="1323439"/>
+            </a:xfrm>
+            <a:prstGeom prst="rect">
+              <a:avLst/>
+            </a:prstGeom>
+            <a:solidFill>
+              <a:srgbClr val="2BA6E1"/>
+            </a:solidFill>
+          </p:spPr>
+          <p:txBody>
+            <a:bodyPr wrap="square" lIns="91440" tIns="45720" rIns="91440" bIns="45720">
+              <a:spAutoFit/>
+            </a:bodyPr>
+            <a:lstStyle/>
+            <a:p>
+              <a:pPr algn="ctr"/>
+              <a:r>
+                <a:rPr lang="en-US" sz="8000" b="0" cap="none" spc="0" dirty="0">
+                  <a:ln w="0"/>
+                  <a:solidFill>
+                    <a:schemeClr val="bg1"/>
+                  </a:solidFill>
+                  <a:effectLst>
+                    <a:outerShdw blurRad="38100" dist="19050" dir="2700000" algn="tl" rotWithShape="0">
+                      <a:schemeClr val="dk1">
+                        <a:alpha val="40000"/>
+                      </a:schemeClr>
+                    </a:outerShdw>
+                  </a:effectLst>
+                  <a:latin typeface="Bahnschrift Light SemiCondensed" panose="020B0502040204020203" pitchFamily="34" charset="0"/>
+                </a:rPr>
+                <a:t>TODAY</a:t>
+              </a:r>
+            </a:p>
+          </p:txBody>
+        </p:sp>
+        <p:sp>
+          <p:nvSpPr>
+            <p:cNvPr id="11" name="Rectangle 10">
+              <a:extLst>
+                <a:ext uri="{FF2B5EF4-FFF2-40B4-BE49-F238E27FC236}">
+                  <a16:creationId xmlns:a16="http://schemas.microsoft.com/office/drawing/2014/main" id="{CAD25C34-5A40-4F9F-98C1-C3AE0C8A6944}"/>
+                </a:ext>
+              </a:extLst>
+            </p:cNvPr>
+            <p:cNvSpPr/>
+            <p:nvPr/>
+          </p:nvSpPr>
+          <p:spPr>
+            <a:xfrm>
+              <a:off x="1648265" y="2642207"/>
+              <a:ext cx="996461" cy="456576"/>
+            </a:xfrm>
+            <a:prstGeom prst="rect">
+              <a:avLst/>
+            </a:prstGeom>
+            <a:solidFill>
+              <a:srgbClr val="2BA6E1"/>
+            </a:solidFill>
+            <a:ln>
+              <a:noFill/>
+            </a:ln>
+          </p:spPr>
+          <p:style>
+            <a:lnRef idx="2">
+              <a:schemeClr val="accent1">
+                <a:shade val="50000"/>
+              </a:schemeClr>
+            </a:lnRef>
+            <a:fillRef idx="1">
+              <a:schemeClr val="accent1"/>
+            </a:fillRef>
+            <a:effectRef idx="0">
+              <a:schemeClr val="accent1"/>
+            </a:effectRef>
+            <a:fontRef idx="minor">
+              <a:schemeClr val="lt1"/>
+            </a:fontRef>
+          </p:style>
+          <p:txBody>
+            <a:bodyPr rtlCol="0" anchor="ctr"/>
+            <a:lstStyle/>
+            <a:p>
+              <a:pPr algn="ctr"/>
+              <a:endParaRPr lang="en-US"/>
+            </a:p>
+          </p:txBody>
+        </p:sp>
+        <p:sp>
+          <p:nvSpPr>
+            <p:cNvPr id="12" name="Rectangle 11">
+              <a:extLst>
+                <a:ext uri="{FF2B5EF4-FFF2-40B4-BE49-F238E27FC236}">
+                  <a16:creationId xmlns:a16="http://schemas.microsoft.com/office/drawing/2014/main" id="{478316F4-3698-4F90-BF67-05A7CC1132A5}"/>
+                </a:ext>
+              </a:extLst>
+            </p:cNvPr>
+            <p:cNvSpPr/>
+            <p:nvPr/>
+          </p:nvSpPr>
+          <p:spPr>
+            <a:xfrm>
+              <a:off x="1957975" y="1111592"/>
+              <a:ext cx="996461" cy="456576"/>
+            </a:xfrm>
+            <a:prstGeom prst="rect">
+              <a:avLst/>
+            </a:prstGeom>
+            <a:solidFill>
+              <a:srgbClr val="2BA6E1"/>
+            </a:solidFill>
+            <a:ln>
+              <a:noFill/>
+            </a:ln>
+          </p:spPr>
+          <p:style>
+            <a:lnRef idx="2">
+              <a:schemeClr val="accent1">
+                <a:shade val="50000"/>
+              </a:schemeClr>
+            </a:lnRef>
+            <a:fillRef idx="1">
+              <a:schemeClr val="accent1"/>
+            </a:fillRef>
+            <a:effectRef idx="0">
+              <a:schemeClr val="accent1"/>
+            </a:effectRef>
+            <a:fontRef idx="minor">
+              <a:schemeClr val="lt1"/>
+            </a:fontRef>
+          </p:style>
+          <p:txBody>
+            <a:bodyPr rtlCol="0" anchor="ctr"/>
+            <a:lstStyle/>
+            <a:p>
+              <a:pPr algn="ctr"/>
+              <a:endParaRPr lang="en-US"/>
+            </a:p>
+          </p:txBody>
+        </p:sp>
+      </p:grpSp>
+      <p:grpSp>
+        <p:nvGrpSpPr>
+          <p:cNvPr id="28" name="Group 27">
+            <a:extLst>
+              <a:ext uri="{FF2B5EF4-FFF2-40B4-BE49-F238E27FC236}">
+                <a16:creationId xmlns:a16="http://schemas.microsoft.com/office/drawing/2014/main" id="{EF5C733E-99B2-45EA-963A-11F6D6A91B1D}"/>
+              </a:ext>
+            </a:extLst>
+          </p:cNvPr>
+          <p:cNvGrpSpPr/>
+          <p:nvPr/>
+        </p:nvGrpSpPr>
+        <p:grpSpPr>
+          <a:xfrm>
+            <a:off x="5036135" y="2880970"/>
+            <a:ext cx="3695114" cy="3695114"/>
+            <a:chOff x="188742" y="138328"/>
+            <a:chExt cx="3695114" cy="3695114"/>
+          </a:xfrm>
+        </p:grpSpPr>
+        <p:grpSp>
+          <p:nvGrpSpPr>
+            <p:cNvPr id="29" name="Group 28">
+              <a:extLst>
+                <a:ext uri="{FF2B5EF4-FFF2-40B4-BE49-F238E27FC236}">
+                  <a16:creationId xmlns:a16="http://schemas.microsoft.com/office/drawing/2014/main" id="{F404C5BA-59C3-45DE-8165-7A5392EA59B1}"/>
+                </a:ext>
+              </a:extLst>
+            </p:cNvPr>
+            <p:cNvGrpSpPr/>
+            <p:nvPr/>
+          </p:nvGrpSpPr>
+          <p:grpSpPr>
+            <a:xfrm>
+              <a:off x="188742" y="138328"/>
+              <a:ext cx="3695114" cy="3695114"/>
+              <a:chOff x="1541585" y="0"/>
+              <a:chExt cx="6858000" cy="6858000"/>
+            </a:xfrm>
+          </p:grpSpPr>
+          <p:sp>
+            <p:nvSpPr>
+              <p:cNvPr id="33" name="Rectangle 32">
+                <a:extLst>
+                  <a:ext uri="{FF2B5EF4-FFF2-40B4-BE49-F238E27FC236}">
+                    <a16:creationId xmlns:a16="http://schemas.microsoft.com/office/drawing/2014/main" id="{93D74FE0-51C9-4280-8676-5141854F7DDC}"/>
+                  </a:ext>
+                </a:extLst>
+              </p:cNvPr>
+              <p:cNvSpPr/>
+              <p:nvPr/>
+            </p:nvSpPr>
+            <p:spPr>
+              <a:xfrm>
+                <a:off x="2757268" y="2039815"/>
+                <a:ext cx="4135901" cy="3291840"/>
+              </a:xfrm>
+              <a:prstGeom prst="rect">
+                <a:avLst/>
+              </a:prstGeom>
+              <a:solidFill>
+                <a:schemeClr val="bg1"/>
+              </a:solidFill>
+            </p:spPr>
+            <p:style>
+              <a:lnRef idx="2">
+                <a:schemeClr val="accent1">
+                  <a:shade val="50000"/>
+                </a:schemeClr>
+              </a:lnRef>
+              <a:fillRef idx="1">
+                <a:schemeClr val="accent1"/>
+              </a:fillRef>
+              <a:effectRef idx="0">
+                <a:schemeClr val="accent1"/>
+              </a:effectRef>
+              <a:fontRef idx="minor">
+                <a:schemeClr val="lt1"/>
+              </a:fontRef>
+            </p:style>
+            <p:txBody>
+              <a:bodyPr rtlCol="0" anchor="ctr"/>
+              <a:lstStyle/>
+              <a:p>
+                <a:pPr algn="ctr"/>
+                <a:endParaRPr lang="en-US"/>
+              </a:p>
+            </p:txBody>
+          </p:sp>
+          <p:pic>
+            <p:nvPicPr>
+              <p:cNvPr id="34" name="Picture 33">
+                <a:extLst>
+                  <a:ext uri="{FF2B5EF4-FFF2-40B4-BE49-F238E27FC236}">
+                    <a16:creationId xmlns:a16="http://schemas.microsoft.com/office/drawing/2014/main" id="{3CAA7B45-83ED-4489-9546-3FFA872EB611}"/>
+                  </a:ext>
+                </a:extLst>
+              </p:cNvPr>
+              <p:cNvPicPr>
+                <a:picLocks noChangeAspect="1"/>
+              </p:cNvPicPr>
+              <p:nvPr/>
+            </p:nvPicPr>
+            <p:blipFill>
+              <a:blip r:embed="rId4">
+                <a:extLst>
+                  <a:ext uri="{BEBA8EAE-BF5A-486C-A8C5-ECC9F3942E4B}">
+                    <a14:imgProps xmlns:a14="http://schemas.microsoft.com/office/drawing/2010/main">
+                      <a14:imgLayer r:embed="rId3">
+                        <a14:imgEffect>
+                          <a14:backgroundRemoval t="5333" b="92889" l="5222" r="93000">
+                            <a14:foregroundMark x1="9333" y1="46778" x2="8889" y2="49889"/>
+                            <a14:foregroundMark x1="49556" y1="7556" x2="42333" y2="8000"/>
+                            <a14:foregroundMark x1="42333" y1="8000" x2="49778" y2="6556"/>
+                            <a14:foregroundMark x1="49778" y1="6556" x2="57333" y2="8556"/>
+                            <a14:foregroundMark x1="57333" y1="8556" x2="58333" y2="9444"/>
+                            <a14:foregroundMark x1="91111" y1="38778" x2="93222" y2="55000"/>
+                            <a14:foregroundMark x1="5778" y1="46333" x2="5444" y2="50444"/>
+                            <a14:foregroundMark x1="37222" y1="91333" x2="52333" y2="92889"/>
+                            <a14:foregroundMark x1="52333" y1="92889" x2="62000" y2="91111"/>
+                            <a14:foregroundMark x1="51556" y1="5333" x2="51000" y2="5333"/>
+                          </a14:backgroundRemoval>
+                        </a14:imgEffect>
+                      </a14:imgLayer>
+                    </a14:imgProps>
+                  </a:ext>
+                  <a:ext uri="{28A0092B-C50C-407E-A947-70E740481C1C}">
+                    <a14:useLocalDpi xmlns:a14="http://schemas.microsoft.com/office/drawing/2010/main" val="0"/>
+                  </a:ext>
+                </a:extLst>
+              </a:blip>
+              <a:stretch>
+                <a:fillRect/>
+              </a:stretch>
+            </p:blipFill>
+            <p:spPr>
+              <a:xfrm>
+                <a:off x="1541585" y="0"/>
+                <a:ext cx="6858000" cy="6858000"/>
+              </a:xfrm>
+              <a:prstGeom prst="rect">
+                <a:avLst/>
+              </a:prstGeom>
+            </p:spPr>
+          </p:pic>
+        </p:grpSp>
+        <p:sp>
+          <p:nvSpPr>
+            <p:cNvPr id="30" name="Rectangle 29">
+              <a:extLst>
+                <a:ext uri="{FF2B5EF4-FFF2-40B4-BE49-F238E27FC236}">
+                  <a16:creationId xmlns:a16="http://schemas.microsoft.com/office/drawing/2014/main" id="{4627B79D-D4AF-443F-9EB5-A2B1F7D8FAF8}"/>
+                </a:ext>
+              </a:extLst>
+            </p:cNvPr>
+            <p:cNvSpPr/>
+            <p:nvPr/>
+          </p:nvSpPr>
+          <p:spPr>
+            <a:xfrm>
+              <a:off x="496085" y="1608280"/>
+              <a:ext cx="3080428" cy="830997"/>
+            </a:xfrm>
+            <a:prstGeom prst="rect">
+              <a:avLst/>
+            </a:prstGeom>
+            <a:solidFill>
+              <a:srgbClr val="2BA6E1"/>
+            </a:solidFill>
+          </p:spPr>
+          <p:txBody>
+            <a:bodyPr wrap="square" lIns="91440" tIns="45720" rIns="91440" bIns="45720">
+              <a:spAutoFit/>
+            </a:bodyPr>
+            <a:lstStyle/>
+            <a:p>
+              <a:pPr algn="ctr"/>
+              <a:r>
+                <a:rPr lang="en-US" sz="4800" b="0" cap="none" spc="0" dirty="0">
+                  <a:ln w="0"/>
+                  <a:solidFill>
+                    <a:schemeClr val="bg1"/>
+                  </a:solidFill>
+                  <a:effectLst>
+                    <a:outerShdw blurRad="38100" dist="19050" dir="2700000" algn="tl" rotWithShape="0">
+                      <a:schemeClr val="dk1">
+                        <a:alpha val="40000"/>
+                      </a:schemeClr>
+                    </a:outerShdw>
+                  </a:effectLst>
+                  <a:latin typeface="Bahnschrift Light SemiCondensed" panose="020B0502040204020203" pitchFamily="34" charset="0"/>
+                </a:rPr>
+                <a:t>TOMORROW</a:t>
+              </a:r>
+            </a:p>
+          </p:txBody>
+        </p:sp>
+        <p:sp>
+          <p:nvSpPr>
+            <p:cNvPr id="31" name="Rectangle 30">
+              <a:extLst>
+                <a:ext uri="{FF2B5EF4-FFF2-40B4-BE49-F238E27FC236}">
+                  <a16:creationId xmlns:a16="http://schemas.microsoft.com/office/drawing/2014/main" id="{E589D967-38AC-4308-B39A-D9F0E3BEB084}"/>
+                </a:ext>
+              </a:extLst>
+            </p:cNvPr>
+            <p:cNvSpPr/>
+            <p:nvPr/>
+          </p:nvSpPr>
+          <p:spPr>
+            <a:xfrm>
+              <a:off x="1648265" y="2439277"/>
+              <a:ext cx="996461" cy="659506"/>
+            </a:xfrm>
+            <a:prstGeom prst="rect">
+              <a:avLst/>
+            </a:prstGeom>
+            <a:solidFill>
+              <a:srgbClr val="2BA6E1"/>
+            </a:solidFill>
+            <a:ln>
+              <a:noFill/>
+            </a:ln>
+          </p:spPr>
+          <p:style>
+            <a:lnRef idx="2">
+              <a:schemeClr val="accent1">
+                <a:shade val="50000"/>
+              </a:schemeClr>
+            </a:lnRef>
+            <a:fillRef idx="1">
+              <a:schemeClr val="accent1"/>
+            </a:fillRef>
+            <a:effectRef idx="0">
+              <a:schemeClr val="accent1"/>
+            </a:effectRef>
+            <a:fontRef idx="minor">
+              <a:schemeClr val="lt1"/>
+            </a:fontRef>
+          </p:style>
+          <p:txBody>
+            <a:bodyPr rtlCol="0" anchor="ctr"/>
+            <a:lstStyle/>
+            <a:p>
+              <a:pPr algn="ctr"/>
+              <a:endParaRPr lang="en-US"/>
+            </a:p>
+          </p:txBody>
+        </p:sp>
+        <p:sp>
+          <p:nvSpPr>
+            <p:cNvPr id="32" name="Rectangle 31">
+              <a:extLst>
+                <a:ext uri="{FF2B5EF4-FFF2-40B4-BE49-F238E27FC236}">
+                  <a16:creationId xmlns:a16="http://schemas.microsoft.com/office/drawing/2014/main" id="{C3876AD2-B6C1-4EF0-A100-366E5E591638}"/>
+                </a:ext>
+              </a:extLst>
+            </p:cNvPr>
+            <p:cNvSpPr/>
+            <p:nvPr/>
+          </p:nvSpPr>
+          <p:spPr>
+            <a:xfrm>
+              <a:off x="1904809" y="1111592"/>
+              <a:ext cx="1049627" cy="593026"/>
+            </a:xfrm>
+            <a:prstGeom prst="rect">
+              <a:avLst/>
+            </a:prstGeom>
+            <a:solidFill>
+              <a:srgbClr val="2BA6E1"/>
+            </a:solidFill>
+            <a:ln>
+              <a:noFill/>
+            </a:ln>
+          </p:spPr>
+          <p:style>
+            <a:lnRef idx="2">
+              <a:schemeClr val="accent1">
+                <a:shade val="50000"/>
+              </a:schemeClr>
+            </a:lnRef>
+            <a:fillRef idx="1">
+              <a:schemeClr val="accent1"/>
+            </a:fillRef>
+            <a:effectRef idx="0">
+              <a:schemeClr val="accent1"/>
+            </a:effectRef>
+            <a:fontRef idx="minor">
+              <a:schemeClr val="lt1"/>
+            </a:fontRef>
+          </p:style>
+          <p:txBody>
+            <a:bodyPr rtlCol="0" anchor="ctr"/>
+            <a:lstStyle/>
+            <a:p>
+              <a:pPr algn="ctr"/>
+              <a:endParaRPr lang="en-US"/>
+            </a:p>
+          </p:txBody>
+        </p:sp>
+      </p:grpSp>
+      <p:grpSp>
+        <p:nvGrpSpPr>
+          <p:cNvPr id="35" name="Group 34">
+            <a:extLst>
+              <a:ext uri="{FF2B5EF4-FFF2-40B4-BE49-F238E27FC236}">
+                <a16:creationId xmlns:a16="http://schemas.microsoft.com/office/drawing/2014/main" id="{52CF3E0A-F794-4209-9FDC-15B8A84C66DC}"/>
+              </a:ext>
+            </a:extLst>
+          </p:cNvPr>
+          <p:cNvGrpSpPr/>
+          <p:nvPr/>
+        </p:nvGrpSpPr>
+        <p:grpSpPr>
+          <a:xfrm>
+            <a:off x="8267258" y="2491576"/>
+            <a:ext cx="3695114" cy="3695114"/>
+            <a:chOff x="188742" y="138328"/>
+            <a:chExt cx="3695114" cy="3695114"/>
+          </a:xfrm>
+        </p:grpSpPr>
+        <p:grpSp>
+          <p:nvGrpSpPr>
+            <p:cNvPr id="36" name="Group 35">
+              <a:extLst>
+                <a:ext uri="{FF2B5EF4-FFF2-40B4-BE49-F238E27FC236}">
+                  <a16:creationId xmlns:a16="http://schemas.microsoft.com/office/drawing/2014/main" id="{C854B5D6-FD4B-4ADA-8D9D-1D11B07F0A7D}"/>
+                </a:ext>
+              </a:extLst>
+            </p:cNvPr>
+            <p:cNvGrpSpPr/>
+            <p:nvPr/>
+          </p:nvGrpSpPr>
+          <p:grpSpPr>
+            <a:xfrm>
+              <a:off x="188742" y="138328"/>
+              <a:ext cx="3695114" cy="3695114"/>
+              <a:chOff x="1541585" y="0"/>
+              <a:chExt cx="6858000" cy="6858000"/>
+            </a:xfrm>
+          </p:grpSpPr>
+          <p:sp>
+            <p:nvSpPr>
+              <p:cNvPr id="40" name="Rectangle 39">
+                <a:extLst>
+                  <a:ext uri="{FF2B5EF4-FFF2-40B4-BE49-F238E27FC236}">
+                    <a16:creationId xmlns:a16="http://schemas.microsoft.com/office/drawing/2014/main" id="{A456925A-54A8-4DB0-9826-CAB7027C894A}"/>
+                  </a:ext>
+                </a:extLst>
+              </p:cNvPr>
+              <p:cNvSpPr/>
+              <p:nvPr/>
+            </p:nvSpPr>
+            <p:spPr>
+              <a:xfrm>
+                <a:off x="2757268" y="2039815"/>
+                <a:ext cx="4135901" cy="3291840"/>
+              </a:xfrm>
+              <a:prstGeom prst="rect">
+                <a:avLst/>
+              </a:prstGeom>
+              <a:solidFill>
+                <a:schemeClr val="bg1"/>
+              </a:solidFill>
+            </p:spPr>
+            <p:style>
+              <a:lnRef idx="2">
+                <a:schemeClr val="accent1">
+                  <a:shade val="50000"/>
+                </a:schemeClr>
+              </a:lnRef>
+              <a:fillRef idx="1">
+                <a:schemeClr val="accent1"/>
+              </a:fillRef>
+              <a:effectRef idx="0">
+                <a:schemeClr val="accent1"/>
+              </a:effectRef>
+              <a:fontRef idx="minor">
+                <a:schemeClr val="lt1"/>
+              </a:fontRef>
+            </p:style>
+            <p:txBody>
+              <a:bodyPr rtlCol="0" anchor="ctr"/>
+              <a:lstStyle/>
+              <a:p>
+                <a:pPr algn="ctr"/>
+                <a:endParaRPr lang="en-US"/>
+              </a:p>
+            </p:txBody>
+          </p:sp>
+          <p:pic>
+            <p:nvPicPr>
+              <p:cNvPr id="41" name="Picture 40">
+                <a:extLst>
+                  <a:ext uri="{FF2B5EF4-FFF2-40B4-BE49-F238E27FC236}">
+                    <a16:creationId xmlns:a16="http://schemas.microsoft.com/office/drawing/2014/main" id="{B2EAEBB6-8090-4DAD-A92E-C0292CB75CE9}"/>
+                  </a:ext>
+                </a:extLst>
+              </p:cNvPr>
+              <p:cNvPicPr>
+                <a:picLocks noChangeAspect="1"/>
+              </p:cNvPicPr>
+              <p:nvPr/>
+            </p:nvPicPr>
+            <p:blipFill>
+              <a:blip r:embed="rId2">
+                <a:extLst>
+                  <a:ext uri="{BEBA8EAE-BF5A-486C-A8C5-ECC9F3942E4B}">
+                    <a14:imgProps xmlns:a14="http://schemas.microsoft.com/office/drawing/2010/main">
+                      <a14:imgLayer r:embed="rId3">
+                        <a14:imgEffect>
+                          <a14:backgroundRemoval t="5333" b="92889" l="5222" r="93000">
+                            <a14:foregroundMark x1="9333" y1="46778" x2="8889" y2="49889"/>
+                            <a14:foregroundMark x1="49556" y1="7556" x2="42333" y2="8000"/>
+                            <a14:foregroundMark x1="42333" y1="8000" x2="49778" y2="6556"/>
+                            <a14:foregroundMark x1="49778" y1="6556" x2="57333" y2="8556"/>
+                            <a14:foregroundMark x1="57333" y1="8556" x2="58333" y2="9444"/>
+                            <a14:foregroundMark x1="91111" y1="38778" x2="93222" y2="55000"/>
+                            <a14:foregroundMark x1="5778" y1="46333" x2="5444" y2="50444"/>
+                            <a14:foregroundMark x1="37222" y1="91333" x2="52333" y2="92889"/>
+                            <a14:foregroundMark x1="52333" y1="92889" x2="62000" y2="91111"/>
+                            <a14:foregroundMark x1="51556" y1="5333" x2="51000" y2="5333"/>
+                          </a14:backgroundRemoval>
+                        </a14:imgEffect>
+                        <a14:imgEffect>
+                          <a14:saturation sat="0"/>
+                        </a14:imgEffect>
+                      </a14:imgLayer>
+                    </a14:imgProps>
+                  </a:ext>
+                  <a:ext uri="{28A0092B-C50C-407E-A947-70E740481C1C}">
+                    <a14:useLocalDpi xmlns:a14="http://schemas.microsoft.com/office/drawing/2010/main" val="0"/>
+                  </a:ext>
+                </a:extLst>
+              </a:blip>
+              <a:stretch>
+                <a:fillRect/>
+              </a:stretch>
+            </p:blipFill>
+            <p:spPr>
+              <a:xfrm>
+                <a:off x="1541585" y="0"/>
+                <a:ext cx="6858000" cy="6858000"/>
+              </a:xfrm>
+              <a:prstGeom prst="rect">
+                <a:avLst/>
+              </a:prstGeom>
+            </p:spPr>
+          </p:pic>
+        </p:grpSp>
+        <p:sp>
+          <p:nvSpPr>
+            <p:cNvPr id="37" name="Rectangle 36">
+              <a:extLst>
+                <a:ext uri="{FF2B5EF4-FFF2-40B4-BE49-F238E27FC236}">
+                  <a16:creationId xmlns:a16="http://schemas.microsoft.com/office/drawing/2014/main" id="{CBD07DC9-DFDE-4C6B-80E6-1ED1FCB46E9F}"/>
+                </a:ext>
+              </a:extLst>
+            </p:cNvPr>
+            <p:cNvSpPr/>
+            <p:nvPr/>
+          </p:nvSpPr>
+          <p:spPr>
+            <a:xfrm>
+              <a:off x="496085" y="1608280"/>
+              <a:ext cx="3080428" cy="830997"/>
+            </a:xfrm>
+            <a:prstGeom prst="rect">
+              <a:avLst/>
+            </a:prstGeom>
+            <a:solidFill>
+              <a:srgbClr val="868686"/>
+            </a:solidFill>
+          </p:spPr>
+          <p:txBody>
+            <a:bodyPr wrap="square" lIns="91440" tIns="45720" rIns="91440" bIns="45720">
+              <a:spAutoFit/>
+            </a:bodyPr>
+            <a:lstStyle/>
+            <a:p>
+              <a:pPr algn="ctr"/>
+              <a:r>
+                <a:rPr lang="en-US" sz="4800" b="0" cap="none" spc="0" dirty="0">
+                  <a:ln w="0"/>
+                  <a:solidFill>
+                    <a:schemeClr val="bg1"/>
+                  </a:solidFill>
+                  <a:effectLst>
+                    <a:outerShdw blurRad="38100" dist="19050" dir="2700000" algn="tl" rotWithShape="0">
+                      <a:schemeClr val="dk1">
+                        <a:alpha val="40000"/>
+                      </a:schemeClr>
+                    </a:outerShdw>
+                  </a:effectLst>
+                  <a:latin typeface="Bahnschrift Light SemiCondensed" panose="020B0502040204020203" pitchFamily="34" charset="0"/>
+                </a:rPr>
+                <a:t>TOMORROW</a:t>
+              </a:r>
+            </a:p>
+          </p:txBody>
+        </p:sp>
+        <p:sp>
+          <p:nvSpPr>
+            <p:cNvPr id="38" name="Rectangle 37">
+              <a:extLst>
+                <a:ext uri="{FF2B5EF4-FFF2-40B4-BE49-F238E27FC236}">
+                  <a16:creationId xmlns:a16="http://schemas.microsoft.com/office/drawing/2014/main" id="{20338143-38AC-4CC0-9B67-EF71E55E731E}"/>
+                </a:ext>
+              </a:extLst>
+            </p:cNvPr>
+            <p:cNvSpPr/>
+            <p:nvPr/>
+          </p:nvSpPr>
+          <p:spPr>
+            <a:xfrm>
+              <a:off x="1648265" y="2439277"/>
+              <a:ext cx="996461" cy="659506"/>
+            </a:xfrm>
+            <a:prstGeom prst="rect">
+              <a:avLst/>
+            </a:prstGeom>
+            <a:solidFill>
+              <a:srgbClr val="868686"/>
+            </a:solidFill>
+            <a:ln>
+              <a:noFill/>
+            </a:ln>
+          </p:spPr>
+          <p:style>
+            <a:lnRef idx="2">
+              <a:schemeClr val="accent1">
+                <a:shade val="50000"/>
+              </a:schemeClr>
+            </a:lnRef>
+            <a:fillRef idx="1">
+              <a:schemeClr val="accent1"/>
+            </a:fillRef>
+            <a:effectRef idx="0">
+              <a:schemeClr val="accent1"/>
+            </a:effectRef>
+            <a:fontRef idx="minor">
+              <a:schemeClr val="lt1"/>
+            </a:fontRef>
+          </p:style>
+          <p:txBody>
+            <a:bodyPr rtlCol="0" anchor="ctr"/>
+            <a:lstStyle/>
+            <a:p>
+              <a:pPr algn="ctr"/>
+              <a:endParaRPr lang="en-US"/>
+            </a:p>
+          </p:txBody>
+        </p:sp>
+        <p:sp>
+          <p:nvSpPr>
+            <p:cNvPr id="39" name="Rectangle 38">
+              <a:extLst>
+                <a:ext uri="{FF2B5EF4-FFF2-40B4-BE49-F238E27FC236}">
+                  <a16:creationId xmlns:a16="http://schemas.microsoft.com/office/drawing/2014/main" id="{8B4BC3F8-F652-40C3-B2DA-862C6BFB5B7B}"/>
+                </a:ext>
+              </a:extLst>
+            </p:cNvPr>
+            <p:cNvSpPr/>
+            <p:nvPr/>
+          </p:nvSpPr>
+          <p:spPr>
+            <a:xfrm>
+              <a:off x="1904809" y="1111592"/>
+              <a:ext cx="1049627" cy="593026"/>
+            </a:xfrm>
+            <a:prstGeom prst="rect">
+              <a:avLst/>
+            </a:prstGeom>
+            <a:solidFill>
+              <a:srgbClr val="868686"/>
+            </a:solidFill>
+            <a:ln>
+              <a:noFill/>
+            </a:ln>
+          </p:spPr>
+          <p:style>
+            <a:lnRef idx="2">
+              <a:schemeClr val="accent1">
+                <a:shade val="50000"/>
+              </a:schemeClr>
+            </a:lnRef>
+            <a:fillRef idx="1">
+              <a:schemeClr val="accent1"/>
+            </a:fillRef>
+            <a:effectRef idx="0">
+              <a:schemeClr val="accent1"/>
+            </a:effectRef>
+            <a:fontRef idx="minor">
+              <a:schemeClr val="lt1"/>
+            </a:fontRef>
+          </p:style>
+          <p:txBody>
+            <a:bodyPr rtlCol="0" anchor="ctr"/>
+            <a:lstStyle/>
+            <a:p>
+              <a:pPr algn="ctr"/>
+              <a:endParaRPr lang="en-US"/>
+            </a:p>
+          </p:txBody>
+        </p:sp>
+      </p:grpSp>
+      <p:grpSp>
+        <p:nvGrpSpPr>
+          <p:cNvPr id="77" name="Group 76">
+            <a:extLst>
+              <a:ext uri="{FF2B5EF4-FFF2-40B4-BE49-F238E27FC236}">
+                <a16:creationId xmlns:a16="http://schemas.microsoft.com/office/drawing/2014/main" id="{9952FE7F-DC0C-4703-A0AB-C7834C801FB0}"/>
+              </a:ext>
+            </a:extLst>
+          </p:cNvPr>
+          <p:cNvGrpSpPr/>
+          <p:nvPr/>
+        </p:nvGrpSpPr>
+        <p:grpSpPr>
+          <a:xfrm>
+            <a:off x="8884920" y="2008405"/>
+            <a:ext cx="3695114" cy="3695114"/>
+            <a:chOff x="188742" y="138328"/>
+            <a:chExt cx="3695114" cy="3695114"/>
+          </a:xfrm>
+        </p:grpSpPr>
+        <p:grpSp>
+          <p:nvGrpSpPr>
+            <p:cNvPr id="78" name="Group 77">
+              <a:extLst>
+                <a:ext uri="{FF2B5EF4-FFF2-40B4-BE49-F238E27FC236}">
+                  <a16:creationId xmlns:a16="http://schemas.microsoft.com/office/drawing/2014/main" id="{76DD2E37-3A36-4E77-9F87-A1F0EED1E82B}"/>
+                </a:ext>
+              </a:extLst>
+            </p:cNvPr>
+            <p:cNvGrpSpPr/>
+            <p:nvPr/>
+          </p:nvGrpSpPr>
+          <p:grpSpPr>
+            <a:xfrm>
+              <a:off x="188742" y="138328"/>
+              <a:ext cx="3695114" cy="3695114"/>
+              <a:chOff x="1541585" y="0"/>
+              <a:chExt cx="6858000" cy="6858000"/>
+            </a:xfrm>
+          </p:grpSpPr>
+          <p:sp>
+            <p:nvSpPr>
+              <p:cNvPr id="82" name="Rectangle 81">
+                <a:extLst>
+                  <a:ext uri="{FF2B5EF4-FFF2-40B4-BE49-F238E27FC236}">
+                    <a16:creationId xmlns:a16="http://schemas.microsoft.com/office/drawing/2014/main" id="{C69F6982-20FD-4539-AA14-9FF8449BDE77}"/>
+                  </a:ext>
+                </a:extLst>
+              </p:cNvPr>
+              <p:cNvSpPr/>
+              <p:nvPr/>
+            </p:nvSpPr>
+            <p:spPr>
+              <a:xfrm>
+                <a:off x="2757268" y="2039815"/>
+                <a:ext cx="4135901" cy="3291840"/>
+              </a:xfrm>
+              <a:prstGeom prst="rect">
+                <a:avLst/>
+              </a:prstGeom>
+              <a:solidFill>
+                <a:schemeClr val="bg1"/>
+              </a:solidFill>
+            </p:spPr>
+            <p:style>
+              <a:lnRef idx="2">
+                <a:schemeClr val="accent1">
+                  <a:shade val="50000"/>
+                </a:schemeClr>
+              </a:lnRef>
+              <a:fillRef idx="1">
+                <a:schemeClr val="accent1"/>
+              </a:fillRef>
+              <a:effectRef idx="0">
+                <a:schemeClr val="accent1"/>
+              </a:effectRef>
+              <a:fontRef idx="minor">
+                <a:schemeClr val="lt1"/>
+              </a:fontRef>
+            </p:style>
+            <p:txBody>
+              <a:bodyPr rtlCol="0" anchor="ctr"/>
+              <a:lstStyle/>
+              <a:p>
+                <a:pPr algn="ctr"/>
+                <a:endParaRPr lang="en-US"/>
+              </a:p>
+            </p:txBody>
+          </p:sp>
+          <p:pic>
+            <p:nvPicPr>
+              <p:cNvPr id="83" name="Picture 82">
+                <a:extLst>
+                  <a:ext uri="{FF2B5EF4-FFF2-40B4-BE49-F238E27FC236}">
+                    <a16:creationId xmlns:a16="http://schemas.microsoft.com/office/drawing/2014/main" id="{14E53DB8-7C9D-4BA2-90C4-A885D732841E}"/>
+                  </a:ext>
+                </a:extLst>
+              </p:cNvPr>
+              <p:cNvPicPr>
+                <a:picLocks noChangeAspect="1"/>
+              </p:cNvPicPr>
+              <p:nvPr/>
+            </p:nvPicPr>
+            <p:blipFill>
+              <a:blip r:embed="rId4">
+                <a:extLst>
+                  <a:ext uri="{BEBA8EAE-BF5A-486C-A8C5-ECC9F3942E4B}">
+                    <a14:imgProps xmlns:a14="http://schemas.microsoft.com/office/drawing/2010/main">
+                      <a14:imgLayer r:embed="rId3">
+                        <a14:imgEffect>
+                          <a14:backgroundRemoval t="5333" b="92889" l="5222" r="93000">
+                            <a14:foregroundMark x1="9333" y1="46778" x2="8889" y2="49889"/>
+                            <a14:foregroundMark x1="49556" y1="7556" x2="42333" y2="8000"/>
+                            <a14:foregroundMark x1="42333" y1="8000" x2="49778" y2="6556"/>
+                            <a14:foregroundMark x1="49778" y1="6556" x2="57333" y2="8556"/>
+                            <a14:foregroundMark x1="57333" y1="8556" x2="58333" y2="9444"/>
+                            <a14:foregroundMark x1="91111" y1="38778" x2="93222" y2="55000"/>
+                            <a14:foregroundMark x1="5778" y1="46333" x2="5444" y2="50444"/>
+                            <a14:foregroundMark x1="37222" y1="91333" x2="52333" y2="92889"/>
+                            <a14:foregroundMark x1="52333" y1="92889" x2="62000" y2="91111"/>
+                            <a14:foregroundMark x1="51556" y1="5333" x2="51000" y2="5333"/>
+                          </a14:backgroundRemoval>
+                        </a14:imgEffect>
+                      </a14:imgLayer>
+                    </a14:imgProps>
+                  </a:ext>
+                  <a:ext uri="{28A0092B-C50C-407E-A947-70E740481C1C}">
+                    <a14:useLocalDpi xmlns:a14="http://schemas.microsoft.com/office/drawing/2010/main" val="0"/>
+                  </a:ext>
+                </a:extLst>
+              </a:blip>
+              <a:stretch>
+                <a:fillRect/>
+              </a:stretch>
+            </p:blipFill>
+            <p:spPr>
+              <a:xfrm>
+                <a:off x="1541585" y="0"/>
+                <a:ext cx="6858000" cy="6858000"/>
+              </a:xfrm>
+              <a:prstGeom prst="rect">
+                <a:avLst/>
+              </a:prstGeom>
+            </p:spPr>
+          </p:pic>
+        </p:grpSp>
+        <p:sp>
+          <p:nvSpPr>
+            <p:cNvPr id="79" name="Rectangle 78">
+              <a:extLst>
+                <a:ext uri="{FF2B5EF4-FFF2-40B4-BE49-F238E27FC236}">
+                  <a16:creationId xmlns:a16="http://schemas.microsoft.com/office/drawing/2014/main" id="{8E82BB9A-0161-41A9-B481-93D35A03C247}"/>
+                </a:ext>
+              </a:extLst>
+            </p:cNvPr>
+            <p:cNvSpPr/>
+            <p:nvPr/>
+          </p:nvSpPr>
+          <p:spPr>
+            <a:xfrm>
+              <a:off x="496085" y="1662549"/>
+              <a:ext cx="3080428" cy="923330"/>
+            </a:xfrm>
+            <a:prstGeom prst="rect">
+              <a:avLst/>
+            </a:prstGeom>
+            <a:solidFill>
+              <a:srgbClr val="2BA6E1"/>
+            </a:solidFill>
+          </p:spPr>
+          <p:txBody>
+            <a:bodyPr wrap="square" lIns="91440" tIns="45720" rIns="91440" bIns="45720">
+              <a:spAutoFit/>
+            </a:bodyPr>
+            <a:lstStyle/>
+            <a:p>
+              <a:pPr algn="ctr"/>
+              <a:r>
+                <a:rPr lang="en-US" sz="5400" b="0" cap="none" spc="0" dirty="0">
+                  <a:ln w="0"/>
+                  <a:solidFill>
+                    <a:schemeClr val="bg1"/>
+                  </a:solidFill>
+                  <a:effectLst>
+                    <a:outerShdw blurRad="38100" dist="19050" dir="2700000" algn="tl" rotWithShape="0">
+                      <a:schemeClr val="dk1">
+                        <a:alpha val="40000"/>
+                      </a:schemeClr>
+                    </a:outerShdw>
+                  </a:effectLst>
+                  <a:latin typeface="Bahnschrift Light SemiCondensed" panose="020B0502040204020203" pitchFamily="34" charset="0"/>
+                </a:rPr>
+                <a:t>THIS WEEK</a:t>
+              </a:r>
+            </a:p>
+          </p:txBody>
+        </p:sp>
+        <p:sp>
+          <p:nvSpPr>
+            <p:cNvPr id="80" name="Rectangle 79">
+              <a:extLst>
+                <a:ext uri="{FF2B5EF4-FFF2-40B4-BE49-F238E27FC236}">
+                  <a16:creationId xmlns:a16="http://schemas.microsoft.com/office/drawing/2014/main" id="{EE8F184F-1475-4B8A-95BC-E384B9BA145D}"/>
+                </a:ext>
+              </a:extLst>
+            </p:cNvPr>
+            <p:cNvSpPr/>
+            <p:nvPr/>
+          </p:nvSpPr>
+          <p:spPr>
+            <a:xfrm>
+              <a:off x="1648265" y="2439277"/>
+              <a:ext cx="996461" cy="659506"/>
+            </a:xfrm>
+            <a:prstGeom prst="rect">
+              <a:avLst/>
+            </a:prstGeom>
+            <a:solidFill>
+              <a:srgbClr val="2BA6E1"/>
+            </a:solidFill>
+            <a:ln>
+              <a:noFill/>
+            </a:ln>
+          </p:spPr>
+          <p:style>
+            <a:lnRef idx="2">
+              <a:schemeClr val="accent1">
+                <a:shade val="50000"/>
+              </a:schemeClr>
+            </a:lnRef>
+            <a:fillRef idx="1">
+              <a:schemeClr val="accent1"/>
+            </a:fillRef>
+            <a:effectRef idx="0">
+              <a:schemeClr val="accent1"/>
+            </a:effectRef>
+            <a:fontRef idx="minor">
+              <a:schemeClr val="lt1"/>
+            </a:fontRef>
+          </p:style>
+          <p:txBody>
+            <a:bodyPr rtlCol="0" anchor="ctr"/>
+            <a:lstStyle/>
+            <a:p>
+              <a:pPr algn="ctr"/>
+              <a:endParaRPr lang="en-US"/>
+            </a:p>
+          </p:txBody>
+        </p:sp>
+        <p:sp>
+          <p:nvSpPr>
+            <p:cNvPr id="81" name="Rectangle 80">
+              <a:extLst>
+                <a:ext uri="{FF2B5EF4-FFF2-40B4-BE49-F238E27FC236}">
+                  <a16:creationId xmlns:a16="http://schemas.microsoft.com/office/drawing/2014/main" id="{2BCF4D8F-29B6-40C8-A718-C43C48D8DF69}"/>
+                </a:ext>
+              </a:extLst>
+            </p:cNvPr>
+            <p:cNvSpPr/>
+            <p:nvPr/>
+          </p:nvSpPr>
+          <p:spPr>
+            <a:xfrm>
+              <a:off x="1904809" y="1111592"/>
+              <a:ext cx="1049627" cy="593026"/>
+            </a:xfrm>
+            <a:prstGeom prst="rect">
+              <a:avLst/>
+            </a:prstGeom>
+            <a:solidFill>
+              <a:srgbClr val="2BA6E1"/>
+            </a:solidFill>
+            <a:ln>
+              <a:noFill/>
+            </a:ln>
+          </p:spPr>
+          <p:style>
+            <a:lnRef idx="2">
+              <a:schemeClr val="accent1">
+                <a:shade val="50000"/>
+              </a:schemeClr>
+            </a:lnRef>
+            <a:fillRef idx="1">
+              <a:schemeClr val="accent1"/>
+            </a:fillRef>
+            <a:effectRef idx="0">
+              <a:schemeClr val="accent1"/>
+            </a:effectRef>
+            <a:fontRef idx="minor">
+              <a:schemeClr val="lt1"/>
+            </a:fontRef>
+          </p:style>
+          <p:txBody>
+            <a:bodyPr rtlCol="0" anchor="ctr"/>
+            <a:lstStyle/>
+            <a:p>
+              <a:pPr algn="ctr"/>
+              <a:endParaRPr lang="en-US"/>
+            </a:p>
+          </p:txBody>
+        </p:sp>
+      </p:grpSp>
+      <p:grpSp>
+        <p:nvGrpSpPr>
+          <p:cNvPr id="84" name="Group 83">
+            <a:extLst>
+              <a:ext uri="{FF2B5EF4-FFF2-40B4-BE49-F238E27FC236}">
+                <a16:creationId xmlns:a16="http://schemas.microsoft.com/office/drawing/2014/main" id="{9861B0B9-DA13-4F38-A1C4-5CA454F7B4C1}"/>
+              </a:ext>
+            </a:extLst>
+          </p:cNvPr>
+          <p:cNvGrpSpPr/>
+          <p:nvPr/>
+        </p:nvGrpSpPr>
+        <p:grpSpPr>
+          <a:xfrm>
+            <a:off x="15328240" y="-3483680"/>
+            <a:ext cx="3695114" cy="3695114"/>
+            <a:chOff x="188742" y="138328"/>
+            <a:chExt cx="3695114" cy="3695114"/>
+          </a:xfrm>
+        </p:grpSpPr>
+        <p:grpSp>
+          <p:nvGrpSpPr>
+            <p:cNvPr id="85" name="Group 84">
+              <a:extLst>
+                <a:ext uri="{FF2B5EF4-FFF2-40B4-BE49-F238E27FC236}">
+                  <a16:creationId xmlns:a16="http://schemas.microsoft.com/office/drawing/2014/main" id="{63ABE54B-F778-4FEA-A123-BF8F83A01E10}"/>
+                </a:ext>
+              </a:extLst>
+            </p:cNvPr>
+            <p:cNvGrpSpPr/>
+            <p:nvPr/>
+          </p:nvGrpSpPr>
+          <p:grpSpPr>
+            <a:xfrm>
+              <a:off x="188742" y="138328"/>
+              <a:ext cx="3695114" cy="3695114"/>
+              <a:chOff x="1541585" y="0"/>
+              <a:chExt cx="6858000" cy="6858000"/>
+            </a:xfrm>
+          </p:grpSpPr>
+          <p:sp>
+            <p:nvSpPr>
+              <p:cNvPr id="89" name="Rectangle 88">
+                <a:extLst>
+                  <a:ext uri="{FF2B5EF4-FFF2-40B4-BE49-F238E27FC236}">
+                    <a16:creationId xmlns:a16="http://schemas.microsoft.com/office/drawing/2014/main" id="{B4601781-5947-4C5B-929D-5F85F91B0616}"/>
+                  </a:ext>
+                </a:extLst>
+              </p:cNvPr>
+              <p:cNvSpPr/>
+              <p:nvPr/>
+            </p:nvSpPr>
+            <p:spPr>
+              <a:xfrm>
+                <a:off x="2757268" y="2039815"/>
+                <a:ext cx="4135901" cy="3291840"/>
+              </a:xfrm>
+              <a:prstGeom prst="rect">
+                <a:avLst/>
+              </a:prstGeom>
+              <a:solidFill>
+                <a:schemeClr val="bg1"/>
+              </a:solidFill>
+            </p:spPr>
+            <p:style>
+              <a:lnRef idx="2">
+                <a:schemeClr val="accent1">
+                  <a:shade val="50000"/>
+                </a:schemeClr>
+              </a:lnRef>
+              <a:fillRef idx="1">
+                <a:schemeClr val="accent1"/>
+              </a:fillRef>
+              <a:effectRef idx="0">
+                <a:schemeClr val="accent1"/>
+              </a:effectRef>
+              <a:fontRef idx="minor">
+                <a:schemeClr val="lt1"/>
+              </a:fontRef>
+            </p:style>
+            <p:txBody>
+              <a:bodyPr rtlCol="0" anchor="ctr"/>
+              <a:lstStyle/>
+              <a:p>
+                <a:pPr algn="ctr"/>
+                <a:endParaRPr lang="en-US"/>
+              </a:p>
+            </p:txBody>
+          </p:sp>
+          <p:pic>
+            <p:nvPicPr>
+              <p:cNvPr id="90" name="Picture 89">
+                <a:extLst>
+                  <a:ext uri="{FF2B5EF4-FFF2-40B4-BE49-F238E27FC236}">
+                    <a16:creationId xmlns:a16="http://schemas.microsoft.com/office/drawing/2014/main" id="{C36D9E07-AFD2-4E8C-A62A-CDB99C550837}"/>
+                  </a:ext>
+                </a:extLst>
+              </p:cNvPr>
+              <p:cNvPicPr>
+                <a:picLocks noChangeAspect="1"/>
+              </p:cNvPicPr>
+              <p:nvPr/>
+            </p:nvPicPr>
+            <p:blipFill>
+              <a:blip r:embed="rId5">
+                <a:extLst>
+                  <a:ext uri="{BEBA8EAE-BF5A-486C-A8C5-ECC9F3942E4B}">
+                    <a14:imgProps xmlns:a14="http://schemas.microsoft.com/office/drawing/2010/main">
+                      <a14:imgLayer r:embed="rId3">
+                        <a14:imgEffect>
+                          <a14:backgroundRemoval t="5333" b="92889" l="5222" r="93000">
+                            <a14:foregroundMark x1="9333" y1="46778" x2="8889" y2="49889"/>
+                            <a14:foregroundMark x1="49556" y1="7556" x2="42333" y2="8000"/>
+                            <a14:foregroundMark x1="42333" y1="8000" x2="49778" y2="6556"/>
+                            <a14:foregroundMark x1="49778" y1="6556" x2="57333" y2="8556"/>
+                            <a14:foregroundMark x1="57333" y1="8556" x2="58333" y2="9444"/>
+                            <a14:foregroundMark x1="91111" y1="38778" x2="93222" y2="55000"/>
+                            <a14:foregroundMark x1="5778" y1="46333" x2="5444" y2="50444"/>
+                            <a14:foregroundMark x1="37222" y1="91333" x2="52333" y2="92889"/>
+                            <a14:foregroundMark x1="52333" y1="92889" x2="62000" y2="91111"/>
+                            <a14:foregroundMark x1="51556" y1="5333" x2="51000" y2="5333"/>
+                          </a14:backgroundRemoval>
+                        </a14:imgEffect>
+                      </a14:imgLayer>
+                    </a14:imgProps>
+                  </a:ext>
+                  <a:ext uri="{28A0092B-C50C-407E-A947-70E740481C1C}">
+                    <a14:useLocalDpi xmlns:a14="http://schemas.microsoft.com/office/drawing/2010/main" val="0"/>
+                  </a:ext>
+                </a:extLst>
+              </a:blip>
+              <a:stretch>
+                <a:fillRect/>
+              </a:stretch>
+            </p:blipFill>
+            <p:spPr>
+              <a:xfrm>
+                <a:off x="1541585" y="0"/>
+                <a:ext cx="6858000" cy="6858000"/>
+              </a:xfrm>
+              <a:prstGeom prst="rect">
+                <a:avLst/>
+              </a:prstGeom>
+            </p:spPr>
+          </p:pic>
+        </p:grpSp>
+        <p:sp>
+          <p:nvSpPr>
+            <p:cNvPr id="86" name="Rectangle 85">
+              <a:extLst>
+                <a:ext uri="{FF2B5EF4-FFF2-40B4-BE49-F238E27FC236}">
+                  <a16:creationId xmlns:a16="http://schemas.microsoft.com/office/drawing/2014/main" id="{42A889EF-8ACB-4F04-88DA-537571E904BF}"/>
+                </a:ext>
+              </a:extLst>
+            </p:cNvPr>
+            <p:cNvSpPr/>
+            <p:nvPr/>
+          </p:nvSpPr>
+          <p:spPr>
+            <a:xfrm>
+              <a:off x="483662" y="1547322"/>
+              <a:ext cx="3080428" cy="923330"/>
+            </a:xfrm>
+            <a:prstGeom prst="rect">
+              <a:avLst/>
+            </a:prstGeom>
+            <a:solidFill>
+              <a:srgbClr val="2BA6E1"/>
+            </a:solidFill>
+          </p:spPr>
+          <p:txBody>
+            <a:bodyPr wrap="square" lIns="91440" tIns="45720" rIns="91440" bIns="45720">
+              <a:spAutoFit/>
+            </a:bodyPr>
+            <a:lstStyle/>
+            <a:p>
+              <a:pPr algn="ctr"/>
+              <a:r>
+                <a:rPr lang="en-US" sz="5400" dirty="0">
+                  <a:ln w="0"/>
+                  <a:solidFill>
+                    <a:schemeClr val="bg1"/>
+                  </a:solidFill>
+                  <a:effectLst>
+                    <a:outerShdw blurRad="38100" dist="19050" dir="2700000" algn="tl" rotWithShape="0">
+                      <a:schemeClr val="dk1">
+                        <a:alpha val="40000"/>
+                      </a:schemeClr>
+                    </a:outerShdw>
+                  </a:effectLst>
+                  <a:latin typeface="Bahnschrift Light SemiCondensed" panose="020B0502040204020203" pitchFamily="34" charset="0"/>
+                </a:rPr>
+                <a:t>THIS WEEK</a:t>
+              </a:r>
+              <a:endParaRPr lang="en-US" sz="5400" b="0" cap="none" spc="0" dirty="0">
+                <a:ln w="0"/>
+                <a:solidFill>
+                  <a:schemeClr val="bg1"/>
+                </a:solidFill>
+                <a:effectLst>
+                  <a:outerShdw blurRad="38100" dist="19050" dir="2700000" algn="tl" rotWithShape="0">
+                    <a:schemeClr val="dk1">
+                      <a:alpha val="40000"/>
+                    </a:schemeClr>
+                  </a:outerShdw>
+                </a:effectLst>
+                <a:latin typeface="Bahnschrift Light SemiCondensed" panose="020B0502040204020203" pitchFamily="34" charset="0"/>
+              </a:endParaRPr>
+            </a:p>
+          </p:txBody>
+        </p:sp>
+        <p:sp>
+          <p:nvSpPr>
+            <p:cNvPr id="87" name="Rectangle 86">
+              <a:extLst>
+                <a:ext uri="{FF2B5EF4-FFF2-40B4-BE49-F238E27FC236}">
+                  <a16:creationId xmlns:a16="http://schemas.microsoft.com/office/drawing/2014/main" id="{FB86EE0E-F62E-4D63-AB16-0ECA20C90793}"/>
+                </a:ext>
+              </a:extLst>
+            </p:cNvPr>
+            <p:cNvSpPr/>
+            <p:nvPr/>
+          </p:nvSpPr>
+          <p:spPr>
+            <a:xfrm>
+              <a:off x="1648265" y="2439277"/>
+              <a:ext cx="996461" cy="659506"/>
+            </a:xfrm>
+            <a:prstGeom prst="rect">
+              <a:avLst/>
+            </a:prstGeom>
+            <a:solidFill>
+              <a:srgbClr val="2BA6E1"/>
+            </a:solidFill>
+            <a:ln>
+              <a:noFill/>
+            </a:ln>
+          </p:spPr>
+          <p:style>
+            <a:lnRef idx="2">
+              <a:schemeClr val="accent1">
+                <a:shade val="50000"/>
+              </a:schemeClr>
+            </a:lnRef>
+            <a:fillRef idx="1">
+              <a:schemeClr val="accent1"/>
+            </a:fillRef>
+            <a:effectRef idx="0">
+              <a:schemeClr val="accent1"/>
+            </a:effectRef>
+            <a:fontRef idx="minor">
+              <a:schemeClr val="lt1"/>
+            </a:fontRef>
+          </p:style>
+          <p:txBody>
+            <a:bodyPr rtlCol="0" anchor="ctr"/>
+            <a:lstStyle/>
+            <a:p>
+              <a:pPr algn="ctr"/>
+              <a:endParaRPr lang="en-US"/>
+            </a:p>
+          </p:txBody>
+        </p:sp>
+        <p:sp>
+          <p:nvSpPr>
+            <p:cNvPr id="88" name="Rectangle 87">
+              <a:extLst>
+                <a:ext uri="{FF2B5EF4-FFF2-40B4-BE49-F238E27FC236}">
+                  <a16:creationId xmlns:a16="http://schemas.microsoft.com/office/drawing/2014/main" id="{4EF68336-B7BD-4F24-ADBA-61939FCEF405}"/>
+                </a:ext>
+              </a:extLst>
+            </p:cNvPr>
+            <p:cNvSpPr/>
+            <p:nvPr/>
+          </p:nvSpPr>
+          <p:spPr>
+            <a:xfrm>
+              <a:off x="1904809" y="1111592"/>
+              <a:ext cx="1049627" cy="593026"/>
+            </a:xfrm>
+            <a:prstGeom prst="rect">
+              <a:avLst/>
+            </a:prstGeom>
+            <a:solidFill>
+              <a:srgbClr val="2BA6E1"/>
+            </a:solidFill>
+            <a:ln>
+              <a:noFill/>
+            </a:ln>
+          </p:spPr>
+          <p:style>
+            <a:lnRef idx="2">
+              <a:schemeClr val="accent1">
+                <a:shade val="50000"/>
+              </a:schemeClr>
+            </a:lnRef>
+            <a:fillRef idx="1">
+              <a:schemeClr val="accent1"/>
+            </a:fillRef>
+            <a:effectRef idx="0">
+              <a:schemeClr val="accent1"/>
+            </a:effectRef>
+            <a:fontRef idx="minor">
+              <a:schemeClr val="lt1"/>
+            </a:fontRef>
+          </p:style>
+          <p:txBody>
+            <a:bodyPr rtlCol="0" anchor="ctr"/>
+            <a:lstStyle/>
+            <a:p>
+              <a:pPr algn="ctr"/>
+              <a:endParaRPr lang="en-US"/>
+            </a:p>
+          </p:txBody>
+        </p:sp>
+      </p:grpSp>
+      <p:grpSp>
+        <p:nvGrpSpPr>
+          <p:cNvPr id="97" name="Group 96">
+            <a:extLst>
+              <a:ext uri="{FF2B5EF4-FFF2-40B4-BE49-F238E27FC236}">
+                <a16:creationId xmlns:a16="http://schemas.microsoft.com/office/drawing/2014/main" id="{D9446548-561F-435D-AF6C-6991F465038C}"/>
+              </a:ext>
+            </a:extLst>
+          </p:cNvPr>
+          <p:cNvGrpSpPr/>
+          <p:nvPr/>
+        </p:nvGrpSpPr>
+        <p:grpSpPr>
+          <a:xfrm>
+            <a:off x="9406268" y="1865796"/>
+            <a:ext cx="3695114" cy="3695114"/>
+            <a:chOff x="188742" y="138328"/>
+            <a:chExt cx="3695114" cy="3695114"/>
+          </a:xfrm>
+        </p:grpSpPr>
+        <p:grpSp>
+          <p:nvGrpSpPr>
+            <p:cNvPr id="98" name="Group 97">
+              <a:extLst>
+                <a:ext uri="{FF2B5EF4-FFF2-40B4-BE49-F238E27FC236}">
+                  <a16:creationId xmlns:a16="http://schemas.microsoft.com/office/drawing/2014/main" id="{FEA5DEAD-7087-4303-9A16-52217028FA18}"/>
+                </a:ext>
+              </a:extLst>
+            </p:cNvPr>
+            <p:cNvGrpSpPr/>
+            <p:nvPr/>
+          </p:nvGrpSpPr>
+          <p:grpSpPr>
+            <a:xfrm>
+              <a:off x="188742" y="138328"/>
+              <a:ext cx="3695114" cy="3695114"/>
+              <a:chOff x="1541585" y="0"/>
+              <a:chExt cx="6858000" cy="6858000"/>
+            </a:xfrm>
+          </p:grpSpPr>
+          <p:sp>
+            <p:nvSpPr>
+              <p:cNvPr id="102" name="Rectangle 101">
+                <a:extLst>
+                  <a:ext uri="{FF2B5EF4-FFF2-40B4-BE49-F238E27FC236}">
+                    <a16:creationId xmlns:a16="http://schemas.microsoft.com/office/drawing/2014/main" id="{B675E497-5D09-4DB3-A842-13F8A4372062}"/>
+                  </a:ext>
+                </a:extLst>
+              </p:cNvPr>
+              <p:cNvSpPr/>
+              <p:nvPr/>
+            </p:nvSpPr>
+            <p:spPr>
+              <a:xfrm>
+                <a:off x="2757268" y="2039815"/>
+                <a:ext cx="4135901" cy="3291840"/>
+              </a:xfrm>
+              <a:prstGeom prst="rect">
+                <a:avLst/>
+              </a:prstGeom>
+              <a:solidFill>
+                <a:schemeClr val="bg1"/>
+              </a:solidFill>
+            </p:spPr>
+            <p:style>
+              <a:lnRef idx="2">
+                <a:schemeClr val="accent1">
+                  <a:shade val="50000"/>
+                </a:schemeClr>
+              </a:lnRef>
+              <a:fillRef idx="1">
+                <a:schemeClr val="accent1"/>
+              </a:fillRef>
+              <a:effectRef idx="0">
+                <a:schemeClr val="accent1"/>
+              </a:effectRef>
+              <a:fontRef idx="minor">
+                <a:schemeClr val="lt1"/>
+              </a:fontRef>
+            </p:style>
+            <p:txBody>
+              <a:bodyPr rtlCol="0" anchor="ctr"/>
+              <a:lstStyle/>
+              <a:p>
+                <a:pPr algn="ctr"/>
+                <a:endParaRPr lang="en-US"/>
+              </a:p>
+            </p:txBody>
+          </p:sp>
+          <p:pic>
+            <p:nvPicPr>
+              <p:cNvPr id="103" name="Picture 102">
+                <a:extLst>
+                  <a:ext uri="{FF2B5EF4-FFF2-40B4-BE49-F238E27FC236}">
+                    <a16:creationId xmlns:a16="http://schemas.microsoft.com/office/drawing/2014/main" id="{10F24822-7622-43C0-8611-17891944B88D}"/>
+                  </a:ext>
+                </a:extLst>
+              </p:cNvPr>
+              <p:cNvPicPr>
+                <a:picLocks noChangeAspect="1"/>
+              </p:cNvPicPr>
+              <p:nvPr/>
+            </p:nvPicPr>
+            <p:blipFill>
+              <a:blip r:embed="rId4">
+                <a:extLst>
+                  <a:ext uri="{BEBA8EAE-BF5A-486C-A8C5-ECC9F3942E4B}">
+                    <a14:imgProps xmlns:a14="http://schemas.microsoft.com/office/drawing/2010/main">
+                      <a14:imgLayer r:embed="rId3">
+                        <a14:imgEffect>
+                          <a14:backgroundRemoval t="5333" b="92889" l="5222" r="93000">
+                            <a14:foregroundMark x1="9333" y1="46778" x2="8889" y2="49889"/>
+                            <a14:foregroundMark x1="49556" y1="7556" x2="42333" y2="8000"/>
+                            <a14:foregroundMark x1="42333" y1="8000" x2="49778" y2="6556"/>
+                            <a14:foregroundMark x1="49778" y1="6556" x2="57333" y2="8556"/>
+                            <a14:foregroundMark x1="57333" y1="8556" x2="58333" y2="9444"/>
+                            <a14:foregroundMark x1="91111" y1="38778" x2="93222" y2="55000"/>
+                            <a14:foregroundMark x1="5778" y1="46333" x2="5444" y2="50444"/>
+                            <a14:foregroundMark x1="37222" y1="91333" x2="52333" y2="92889"/>
+                            <a14:foregroundMark x1="52333" y1="92889" x2="62000" y2="91111"/>
+                            <a14:foregroundMark x1="51556" y1="5333" x2="51000" y2="5333"/>
+                          </a14:backgroundRemoval>
+                        </a14:imgEffect>
+                      </a14:imgLayer>
+                    </a14:imgProps>
+                  </a:ext>
+                  <a:ext uri="{28A0092B-C50C-407E-A947-70E740481C1C}">
+                    <a14:useLocalDpi xmlns:a14="http://schemas.microsoft.com/office/drawing/2010/main" val="0"/>
+                  </a:ext>
+                </a:extLst>
+              </a:blip>
+              <a:stretch>
+                <a:fillRect/>
+              </a:stretch>
+            </p:blipFill>
+            <p:spPr>
+              <a:xfrm>
+                <a:off x="1541585" y="0"/>
+                <a:ext cx="6858000" cy="6858000"/>
+              </a:xfrm>
+              <a:prstGeom prst="rect">
+                <a:avLst/>
+              </a:prstGeom>
+            </p:spPr>
+          </p:pic>
+        </p:grpSp>
+        <p:sp>
+          <p:nvSpPr>
+            <p:cNvPr id="99" name="Rectangle 98">
+              <a:extLst>
+                <a:ext uri="{FF2B5EF4-FFF2-40B4-BE49-F238E27FC236}">
+                  <a16:creationId xmlns:a16="http://schemas.microsoft.com/office/drawing/2014/main" id="{6B98EF1B-02B9-49EC-8EEA-6F7FD7B60B87}"/>
+                </a:ext>
+              </a:extLst>
+            </p:cNvPr>
+            <p:cNvSpPr/>
+            <p:nvPr/>
+          </p:nvSpPr>
+          <p:spPr>
+            <a:xfrm>
+              <a:off x="496085" y="1561293"/>
+              <a:ext cx="3080428" cy="830997"/>
+            </a:xfrm>
+            <a:prstGeom prst="rect">
+              <a:avLst/>
+            </a:prstGeom>
+            <a:solidFill>
+              <a:srgbClr val="2BA6E1"/>
+            </a:solidFill>
+          </p:spPr>
+          <p:txBody>
+            <a:bodyPr wrap="square" lIns="91440" tIns="45720" rIns="91440" bIns="45720">
+              <a:spAutoFit/>
+            </a:bodyPr>
+            <a:lstStyle/>
+            <a:p>
+              <a:pPr algn="ctr"/>
+              <a:r>
+                <a:rPr lang="en-US" sz="4800" b="0" cap="none" spc="0" dirty="0">
+                  <a:ln w="0"/>
+                  <a:solidFill>
+                    <a:schemeClr val="bg1"/>
+                  </a:solidFill>
+                  <a:effectLst>
+                    <a:outerShdw blurRad="38100" dist="19050" dir="2700000" algn="tl" rotWithShape="0">
+                      <a:schemeClr val="dk1">
+                        <a:alpha val="40000"/>
+                      </a:schemeClr>
+                    </a:outerShdw>
+                  </a:effectLst>
+                  <a:latin typeface="Bahnschrift Light SemiCondensed" panose="020B0502040204020203" pitchFamily="34" charset="0"/>
+                </a:rPr>
+                <a:t>30 MINUTES</a:t>
+              </a:r>
+            </a:p>
+          </p:txBody>
+        </p:sp>
+        <p:sp>
+          <p:nvSpPr>
+            <p:cNvPr id="100" name="Rectangle 99">
+              <a:extLst>
+                <a:ext uri="{FF2B5EF4-FFF2-40B4-BE49-F238E27FC236}">
+                  <a16:creationId xmlns:a16="http://schemas.microsoft.com/office/drawing/2014/main" id="{F55BAFCE-398E-44C2-8B0D-99AA5D42D6F3}"/>
+                </a:ext>
+              </a:extLst>
+            </p:cNvPr>
+            <p:cNvSpPr/>
+            <p:nvPr/>
+          </p:nvSpPr>
+          <p:spPr>
+            <a:xfrm>
+              <a:off x="1648265" y="2372590"/>
+              <a:ext cx="996461" cy="726193"/>
+            </a:xfrm>
+            <a:prstGeom prst="rect">
+              <a:avLst/>
+            </a:prstGeom>
+            <a:solidFill>
+              <a:srgbClr val="2BA6E1"/>
+            </a:solidFill>
+            <a:ln>
+              <a:noFill/>
+            </a:ln>
+          </p:spPr>
+          <p:style>
+            <a:lnRef idx="2">
+              <a:schemeClr val="accent1">
+                <a:shade val="50000"/>
+              </a:schemeClr>
+            </a:lnRef>
+            <a:fillRef idx="1">
+              <a:schemeClr val="accent1"/>
+            </a:fillRef>
+            <a:effectRef idx="0">
+              <a:schemeClr val="accent1"/>
+            </a:effectRef>
+            <a:fontRef idx="minor">
+              <a:schemeClr val="lt1"/>
+            </a:fontRef>
+          </p:style>
+          <p:txBody>
+            <a:bodyPr rtlCol="0" anchor="ctr"/>
+            <a:lstStyle/>
+            <a:p>
+              <a:pPr algn="ctr"/>
+              <a:endParaRPr lang="en-US" dirty="0"/>
+            </a:p>
+          </p:txBody>
+        </p:sp>
+        <p:sp>
+          <p:nvSpPr>
+            <p:cNvPr id="101" name="Rectangle 100">
+              <a:extLst>
+                <a:ext uri="{FF2B5EF4-FFF2-40B4-BE49-F238E27FC236}">
+                  <a16:creationId xmlns:a16="http://schemas.microsoft.com/office/drawing/2014/main" id="{6D56D495-5331-4B22-AF88-7FEE8E2C3640}"/>
+                </a:ext>
+              </a:extLst>
+            </p:cNvPr>
+            <p:cNvSpPr/>
+            <p:nvPr/>
+          </p:nvSpPr>
+          <p:spPr>
+            <a:xfrm>
+              <a:off x="1962919" y="1111591"/>
+              <a:ext cx="1037749" cy="517239"/>
+            </a:xfrm>
+            <a:prstGeom prst="rect">
+              <a:avLst/>
+            </a:prstGeom>
+            <a:solidFill>
+              <a:srgbClr val="2BA6E1"/>
+            </a:solidFill>
+            <a:ln>
+              <a:noFill/>
+            </a:ln>
+          </p:spPr>
+          <p:style>
+            <a:lnRef idx="2">
+              <a:schemeClr val="accent1">
+                <a:shade val="50000"/>
+              </a:schemeClr>
+            </a:lnRef>
+            <a:fillRef idx="1">
+              <a:schemeClr val="accent1"/>
+            </a:fillRef>
+            <a:effectRef idx="0">
+              <a:schemeClr val="accent1"/>
+            </a:effectRef>
+            <a:fontRef idx="minor">
+              <a:schemeClr val="lt1"/>
+            </a:fontRef>
+          </p:style>
+          <p:txBody>
+            <a:bodyPr rtlCol="0" anchor="ctr"/>
+            <a:lstStyle/>
+            <a:p>
+              <a:pPr algn="ctr"/>
+              <a:endParaRPr lang="en-US"/>
+            </a:p>
+          </p:txBody>
+        </p:sp>
+      </p:grpSp>
+      <p:grpSp>
+        <p:nvGrpSpPr>
+          <p:cNvPr id="118" name="Group 117">
+            <a:extLst>
+              <a:ext uri="{FF2B5EF4-FFF2-40B4-BE49-F238E27FC236}">
+                <a16:creationId xmlns:a16="http://schemas.microsoft.com/office/drawing/2014/main" id="{57E4780E-9023-4A35-86B4-8B52F98A64AB}"/>
+              </a:ext>
+            </a:extLst>
+          </p:cNvPr>
+          <p:cNvGrpSpPr/>
+          <p:nvPr/>
+        </p:nvGrpSpPr>
+        <p:grpSpPr>
+          <a:xfrm>
+            <a:off x="8404273" y="3271374"/>
+            <a:ext cx="3695114" cy="3695114"/>
+            <a:chOff x="188742" y="138328"/>
+            <a:chExt cx="3695114" cy="3695114"/>
+          </a:xfrm>
+        </p:grpSpPr>
+        <p:grpSp>
+          <p:nvGrpSpPr>
+            <p:cNvPr id="119" name="Group 118">
+              <a:extLst>
+                <a:ext uri="{FF2B5EF4-FFF2-40B4-BE49-F238E27FC236}">
+                  <a16:creationId xmlns:a16="http://schemas.microsoft.com/office/drawing/2014/main" id="{63826EE9-5EDC-4E9F-A655-02A5ABFFC5BB}"/>
+                </a:ext>
+              </a:extLst>
+            </p:cNvPr>
+            <p:cNvGrpSpPr/>
+            <p:nvPr/>
+          </p:nvGrpSpPr>
+          <p:grpSpPr>
+            <a:xfrm>
+              <a:off x="188742" y="138328"/>
+              <a:ext cx="3695114" cy="3695114"/>
+              <a:chOff x="1541585" y="0"/>
+              <a:chExt cx="6858000" cy="6858000"/>
+            </a:xfrm>
+          </p:grpSpPr>
+          <p:sp>
+            <p:nvSpPr>
+              <p:cNvPr id="123" name="Rectangle 122">
+                <a:extLst>
+                  <a:ext uri="{FF2B5EF4-FFF2-40B4-BE49-F238E27FC236}">
+                    <a16:creationId xmlns:a16="http://schemas.microsoft.com/office/drawing/2014/main" id="{AC36CD43-1989-4836-A6A1-53ED27002362}"/>
+                  </a:ext>
+                </a:extLst>
+              </p:cNvPr>
+              <p:cNvSpPr/>
+              <p:nvPr/>
+            </p:nvSpPr>
+            <p:spPr>
+              <a:xfrm>
+                <a:off x="2757268" y="2039815"/>
+                <a:ext cx="4135901" cy="3291840"/>
+              </a:xfrm>
+              <a:prstGeom prst="rect">
+                <a:avLst/>
+              </a:prstGeom>
+              <a:solidFill>
+                <a:schemeClr val="bg1"/>
+              </a:solidFill>
+            </p:spPr>
+            <p:style>
+              <a:lnRef idx="2">
+                <a:schemeClr val="accent1">
+                  <a:shade val="50000"/>
+                </a:schemeClr>
+              </a:lnRef>
+              <a:fillRef idx="1">
+                <a:schemeClr val="accent1"/>
+              </a:fillRef>
+              <a:effectRef idx="0">
+                <a:schemeClr val="accent1"/>
+              </a:effectRef>
+              <a:fontRef idx="minor">
+                <a:schemeClr val="lt1"/>
+              </a:fontRef>
+            </p:style>
+            <p:txBody>
+              <a:bodyPr rtlCol="0" anchor="ctr"/>
+              <a:lstStyle/>
+              <a:p>
+                <a:pPr algn="ctr"/>
+                <a:endParaRPr lang="en-US"/>
+              </a:p>
+            </p:txBody>
+          </p:sp>
+          <p:pic>
+            <p:nvPicPr>
+              <p:cNvPr id="124" name="Picture 123">
+                <a:extLst>
+                  <a:ext uri="{FF2B5EF4-FFF2-40B4-BE49-F238E27FC236}">
+                    <a16:creationId xmlns:a16="http://schemas.microsoft.com/office/drawing/2014/main" id="{8F10E1C4-2759-4131-8DA0-E86E5B23CB55}"/>
+                  </a:ext>
+                </a:extLst>
+              </p:cNvPr>
+              <p:cNvPicPr>
+                <a:picLocks noChangeAspect="1"/>
+              </p:cNvPicPr>
+              <p:nvPr/>
+            </p:nvPicPr>
+            <p:blipFill>
+              <a:blip r:embed="rId2">
+                <a:extLst>
+                  <a:ext uri="{BEBA8EAE-BF5A-486C-A8C5-ECC9F3942E4B}">
+                    <a14:imgProps xmlns:a14="http://schemas.microsoft.com/office/drawing/2010/main">
+                      <a14:imgLayer r:embed="rId3">
+                        <a14:imgEffect>
+                          <a14:backgroundRemoval t="5333" b="92889" l="5222" r="93000">
+                            <a14:foregroundMark x1="9333" y1="46778" x2="8889" y2="49889"/>
+                            <a14:foregroundMark x1="49556" y1="7556" x2="42333" y2="8000"/>
+                            <a14:foregroundMark x1="42333" y1="8000" x2="49778" y2="6556"/>
+                            <a14:foregroundMark x1="49778" y1="6556" x2="57333" y2="8556"/>
+                            <a14:foregroundMark x1="57333" y1="8556" x2="58333" y2="9444"/>
+                            <a14:foregroundMark x1="91111" y1="38778" x2="93222" y2="55000"/>
+                            <a14:foregroundMark x1="5778" y1="46333" x2="5444" y2="50444"/>
+                            <a14:foregroundMark x1="37222" y1="91333" x2="52333" y2="92889"/>
+                            <a14:foregroundMark x1="52333" y1="92889" x2="62000" y2="91111"/>
+                            <a14:foregroundMark x1="51556" y1="5333" x2="51000" y2="5333"/>
+                          </a14:backgroundRemoval>
+                        </a14:imgEffect>
+                        <a14:imgEffect>
+                          <a14:saturation sat="0"/>
+                        </a14:imgEffect>
+                      </a14:imgLayer>
+                    </a14:imgProps>
+                  </a:ext>
+                  <a:ext uri="{28A0092B-C50C-407E-A947-70E740481C1C}">
+                    <a14:useLocalDpi xmlns:a14="http://schemas.microsoft.com/office/drawing/2010/main" val="0"/>
+                  </a:ext>
+                </a:extLst>
+              </a:blip>
+              <a:stretch>
+                <a:fillRect/>
+              </a:stretch>
+            </p:blipFill>
+            <p:spPr>
+              <a:xfrm>
+                <a:off x="1541585" y="0"/>
+                <a:ext cx="6858000" cy="6858000"/>
+              </a:xfrm>
+              <a:prstGeom prst="rect">
+                <a:avLst/>
+              </a:prstGeom>
+            </p:spPr>
+          </p:pic>
+        </p:grpSp>
+        <p:sp>
+          <p:nvSpPr>
+            <p:cNvPr id="120" name="Rectangle 119">
+              <a:extLst>
+                <a:ext uri="{FF2B5EF4-FFF2-40B4-BE49-F238E27FC236}">
+                  <a16:creationId xmlns:a16="http://schemas.microsoft.com/office/drawing/2014/main" id="{C2B4267B-6AD7-4A30-996B-3AE249A4C0D6}"/>
+                </a:ext>
+              </a:extLst>
+            </p:cNvPr>
+            <p:cNvSpPr/>
+            <p:nvPr/>
+          </p:nvSpPr>
+          <p:spPr>
+            <a:xfrm>
+              <a:off x="496085" y="1561293"/>
+              <a:ext cx="3080428" cy="830997"/>
+            </a:xfrm>
+            <a:prstGeom prst="rect">
+              <a:avLst/>
+            </a:prstGeom>
+            <a:solidFill>
+              <a:srgbClr val="868686"/>
+            </a:solidFill>
+          </p:spPr>
+          <p:txBody>
+            <a:bodyPr wrap="square" lIns="91440" tIns="45720" rIns="91440" bIns="45720">
+              <a:spAutoFit/>
+            </a:bodyPr>
+            <a:lstStyle/>
+            <a:p>
+              <a:pPr algn="ctr"/>
+              <a:r>
+                <a:rPr lang="en-US" sz="4800" b="0" cap="none" spc="0" dirty="0">
+                  <a:ln w="0"/>
+                  <a:solidFill>
+                    <a:schemeClr val="bg1"/>
+                  </a:solidFill>
+                  <a:effectLst>
+                    <a:outerShdw blurRad="38100" dist="19050" dir="2700000" algn="tl" rotWithShape="0">
+                      <a:schemeClr val="dk1">
+                        <a:alpha val="40000"/>
+                      </a:schemeClr>
+                    </a:outerShdw>
+                  </a:effectLst>
+                  <a:latin typeface="Bahnschrift Light SemiCondensed" panose="020B0502040204020203" pitchFamily="34" charset="0"/>
+                </a:rPr>
+                <a:t>30 MINUTES</a:t>
+              </a:r>
+            </a:p>
+          </p:txBody>
+        </p:sp>
+        <p:sp>
+          <p:nvSpPr>
+            <p:cNvPr id="121" name="Rectangle 120">
+              <a:extLst>
+                <a:ext uri="{FF2B5EF4-FFF2-40B4-BE49-F238E27FC236}">
+                  <a16:creationId xmlns:a16="http://schemas.microsoft.com/office/drawing/2014/main" id="{F7CF5777-1789-4D91-B345-0952D8BCBA9F}"/>
+                </a:ext>
+              </a:extLst>
+            </p:cNvPr>
+            <p:cNvSpPr/>
+            <p:nvPr/>
+          </p:nvSpPr>
+          <p:spPr>
+            <a:xfrm>
+              <a:off x="1648265" y="2372590"/>
+              <a:ext cx="996461" cy="726193"/>
+            </a:xfrm>
+            <a:prstGeom prst="rect">
+              <a:avLst/>
+            </a:prstGeom>
+            <a:solidFill>
+              <a:srgbClr val="868686"/>
+            </a:solidFill>
+            <a:ln>
+              <a:noFill/>
+            </a:ln>
+          </p:spPr>
+          <p:style>
+            <a:lnRef idx="2">
+              <a:schemeClr val="accent1">
+                <a:shade val="50000"/>
+              </a:schemeClr>
+            </a:lnRef>
+            <a:fillRef idx="1">
+              <a:schemeClr val="accent1"/>
+            </a:fillRef>
+            <a:effectRef idx="0">
+              <a:schemeClr val="accent1"/>
+            </a:effectRef>
+            <a:fontRef idx="minor">
+              <a:schemeClr val="lt1"/>
+            </a:fontRef>
+          </p:style>
+          <p:txBody>
+            <a:bodyPr rtlCol="0" anchor="ctr"/>
+            <a:lstStyle/>
+            <a:p>
+              <a:pPr algn="ctr"/>
+              <a:endParaRPr lang="en-US" dirty="0"/>
+            </a:p>
+          </p:txBody>
+        </p:sp>
+        <p:sp>
+          <p:nvSpPr>
+            <p:cNvPr id="122" name="Rectangle 121">
+              <a:extLst>
+                <a:ext uri="{FF2B5EF4-FFF2-40B4-BE49-F238E27FC236}">
+                  <a16:creationId xmlns:a16="http://schemas.microsoft.com/office/drawing/2014/main" id="{391A5206-B877-471E-8141-A65FAB489E1F}"/>
+                </a:ext>
+              </a:extLst>
+            </p:cNvPr>
+            <p:cNvSpPr/>
+            <p:nvPr/>
+          </p:nvSpPr>
+          <p:spPr>
+            <a:xfrm>
+              <a:off x="1962919" y="1111591"/>
+              <a:ext cx="1037749" cy="517239"/>
+            </a:xfrm>
+            <a:prstGeom prst="rect">
+              <a:avLst/>
+            </a:prstGeom>
+            <a:solidFill>
+              <a:srgbClr val="868686"/>
+            </a:solidFill>
+            <a:ln>
+              <a:noFill/>
+            </a:ln>
+          </p:spPr>
+          <p:style>
+            <a:lnRef idx="2">
+              <a:schemeClr val="accent1">
+                <a:shade val="50000"/>
+              </a:schemeClr>
+            </a:lnRef>
+            <a:fillRef idx="1">
+              <a:schemeClr val="accent1"/>
+            </a:fillRef>
+            <a:effectRef idx="0">
+              <a:schemeClr val="accent1"/>
+            </a:effectRef>
+            <a:fontRef idx="minor">
+              <a:schemeClr val="lt1"/>
+            </a:fontRef>
+          </p:style>
+          <p:txBody>
+            <a:bodyPr rtlCol="0" anchor="ctr"/>
+            <a:lstStyle/>
+            <a:p>
+              <a:pPr algn="ctr"/>
+              <a:endParaRPr lang="en-US"/>
+            </a:p>
+          </p:txBody>
+        </p:sp>
+      </p:grpSp>
+      <p:grpSp>
+        <p:nvGrpSpPr>
+          <p:cNvPr id="126" name="Group 125">
+            <a:extLst>
+              <a:ext uri="{FF2B5EF4-FFF2-40B4-BE49-F238E27FC236}">
+                <a16:creationId xmlns:a16="http://schemas.microsoft.com/office/drawing/2014/main" id="{B6DB3370-2E69-4407-8238-3967773F4A1E}"/>
+              </a:ext>
+            </a:extLst>
+          </p:cNvPr>
+          <p:cNvGrpSpPr/>
+          <p:nvPr/>
+        </p:nvGrpSpPr>
+        <p:grpSpPr>
+          <a:xfrm>
+            <a:off x="6703767" y="1073449"/>
+            <a:ext cx="3695114" cy="3695114"/>
+            <a:chOff x="188742" y="138464"/>
+            <a:chExt cx="3695114" cy="3695114"/>
+          </a:xfrm>
+        </p:grpSpPr>
+        <p:grpSp>
+          <p:nvGrpSpPr>
+            <p:cNvPr id="127" name="Group 126">
+              <a:extLst>
+                <a:ext uri="{FF2B5EF4-FFF2-40B4-BE49-F238E27FC236}">
+                  <a16:creationId xmlns:a16="http://schemas.microsoft.com/office/drawing/2014/main" id="{101F0EE2-4E21-43D5-B24D-70485C25E237}"/>
+                </a:ext>
+              </a:extLst>
+            </p:cNvPr>
+            <p:cNvGrpSpPr/>
+            <p:nvPr/>
+          </p:nvGrpSpPr>
+          <p:grpSpPr>
+            <a:xfrm>
+              <a:off x="188742" y="138464"/>
+              <a:ext cx="3695114" cy="3695114"/>
+              <a:chOff x="1541585" y="252"/>
+              <a:chExt cx="6858000" cy="6858000"/>
+            </a:xfrm>
+          </p:grpSpPr>
+          <p:sp>
+            <p:nvSpPr>
+              <p:cNvPr id="130" name="Rectangle 129">
+                <a:extLst>
+                  <a:ext uri="{FF2B5EF4-FFF2-40B4-BE49-F238E27FC236}">
+                    <a16:creationId xmlns:a16="http://schemas.microsoft.com/office/drawing/2014/main" id="{8BA85DEB-4BDF-4C0C-8ED3-AA5B3F382F9A}"/>
+                  </a:ext>
+                </a:extLst>
+              </p:cNvPr>
+              <p:cNvSpPr/>
+              <p:nvPr/>
+            </p:nvSpPr>
+            <p:spPr>
+              <a:xfrm>
+                <a:off x="2757268" y="2039815"/>
+                <a:ext cx="4135901" cy="3291840"/>
+              </a:xfrm>
+              <a:prstGeom prst="rect">
+                <a:avLst/>
+              </a:prstGeom>
+              <a:solidFill>
+                <a:schemeClr val="bg1"/>
+              </a:solidFill>
+            </p:spPr>
+            <p:style>
+              <a:lnRef idx="2">
+                <a:schemeClr val="accent1">
+                  <a:shade val="50000"/>
+                </a:schemeClr>
+              </a:lnRef>
+              <a:fillRef idx="1">
+                <a:schemeClr val="accent1"/>
+              </a:fillRef>
+              <a:effectRef idx="0">
+                <a:schemeClr val="accent1"/>
+              </a:effectRef>
+              <a:fontRef idx="minor">
+                <a:schemeClr val="lt1"/>
+              </a:fontRef>
+            </p:style>
+            <p:txBody>
+              <a:bodyPr rtlCol="0" anchor="ctr"/>
+              <a:lstStyle/>
+              <a:p>
+                <a:pPr algn="ctr"/>
+                <a:endParaRPr lang="en-US"/>
+              </a:p>
+            </p:txBody>
+          </p:sp>
+          <p:pic>
+            <p:nvPicPr>
+              <p:cNvPr id="131" name="Picture 130">
+                <a:extLst>
+                  <a:ext uri="{FF2B5EF4-FFF2-40B4-BE49-F238E27FC236}">
+                    <a16:creationId xmlns:a16="http://schemas.microsoft.com/office/drawing/2014/main" id="{96C0DDF3-A82B-41B5-B883-7EDF9C3C82A0}"/>
+                  </a:ext>
+                </a:extLst>
+              </p:cNvPr>
+              <p:cNvPicPr>
+                <a:picLocks noChangeAspect="1"/>
+              </p:cNvPicPr>
+              <p:nvPr/>
+            </p:nvPicPr>
+            <p:blipFill>
+              <a:blip r:embed="rId2">
+                <a:extLst>
+                  <a:ext uri="{BEBA8EAE-BF5A-486C-A8C5-ECC9F3942E4B}">
+                    <a14:imgProps xmlns:a14="http://schemas.microsoft.com/office/drawing/2010/main">
+                      <a14:imgLayer r:embed="rId3">
+                        <a14:imgEffect>
+                          <a14:backgroundRemoval t="5333" b="92889" l="5222" r="93000">
+                            <a14:foregroundMark x1="9333" y1="46778" x2="8889" y2="49889"/>
+                            <a14:foregroundMark x1="49556" y1="7556" x2="42333" y2="8000"/>
+                            <a14:foregroundMark x1="42333" y1="8000" x2="49778" y2="6556"/>
+                            <a14:foregroundMark x1="49778" y1="6556" x2="57333" y2="8556"/>
+                            <a14:foregroundMark x1="57333" y1="8556" x2="58333" y2="9444"/>
+                            <a14:foregroundMark x1="91111" y1="38778" x2="93222" y2="55000"/>
+                            <a14:foregroundMark x1="5778" y1="46333" x2="5444" y2="50444"/>
+                            <a14:foregroundMark x1="37222" y1="91333" x2="52333" y2="92889"/>
+                            <a14:foregroundMark x1="52333" y1="92889" x2="62000" y2="91111"/>
+                            <a14:foregroundMark x1="51556" y1="5333" x2="51000" y2="5333"/>
+                          </a14:backgroundRemoval>
+                        </a14:imgEffect>
+                        <a14:imgEffect>
+                          <a14:saturation sat="0"/>
+                        </a14:imgEffect>
+                      </a14:imgLayer>
+                    </a14:imgProps>
+                  </a:ext>
+                  <a:ext uri="{28A0092B-C50C-407E-A947-70E740481C1C}">
+                    <a14:useLocalDpi xmlns:a14="http://schemas.microsoft.com/office/drawing/2010/main" val="0"/>
+                  </a:ext>
+                </a:extLst>
+              </a:blip>
+              <a:stretch>
+                <a:fillRect/>
+              </a:stretch>
+            </p:blipFill>
+            <p:spPr>
+              <a:xfrm>
+                <a:off x="1541585" y="252"/>
+                <a:ext cx="6858000" cy="6858000"/>
+              </a:xfrm>
+              <a:prstGeom prst="rect">
+                <a:avLst/>
+              </a:prstGeom>
+            </p:spPr>
+          </p:pic>
+        </p:grpSp>
+        <p:sp>
+          <p:nvSpPr>
+            <p:cNvPr id="128" name="Rectangle 127">
+              <a:extLst>
+                <a:ext uri="{FF2B5EF4-FFF2-40B4-BE49-F238E27FC236}">
+                  <a16:creationId xmlns:a16="http://schemas.microsoft.com/office/drawing/2014/main" id="{57D61B9E-BD67-4BC7-AD4A-6A80F462F05C}"/>
+                </a:ext>
+              </a:extLst>
+            </p:cNvPr>
+            <p:cNvSpPr/>
+            <p:nvPr/>
+          </p:nvSpPr>
+          <p:spPr>
+            <a:xfrm>
+              <a:off x="636233" y="1531582"/>
+              <a:ext cx="2800132" cy="1015663"/>
+            </a:xfrm>
+            <a:prstGeom prst="rect">
+              <a:avLst/>
+            </a:prstGeom>
+            <a:solidFill>
+              <a:srgbClr val="868686"/>
+            </a:solidFill>
+          </p:spPr>
+          <p:txBody>
+            <a:bodyPr wrap="square" lIns="91440" tIns="45720" rIns="91440" bIns="45720">
+              <a:spAutoFit/>
+            </a:bodyPr>
+            <a:lstStyle/>
+            <a:p>
+              <a:pPr algn="ctr"/>
+              <a:r>
+                <a:rPr lang="en-US" sz="6000" b="0" cap="none" spc="0" dirty="0">
+                  <a:ln w="0"/>
+                  <a:solidFill>
+                    <a:schemeClr val="bg1"/>
+                  </a:solidFill>
+                  <a:effectLst>
+                    <a:outerShdw blurRad="38100" dist="19050" dir="2700000" algn="tl" rotWithShape="0">
+                      <a:schemeClr val="dk1">
+                        <a:alpha val="40000"/>
+                      </a:schemeClr>
+                    </a:outerShdw>
+                  </a:effectLst>
+                  <a:latin typeface="Bahnschrift Light SemiCondensed" panose="020B0502040204020203" pitchFamily="34" charset="0"/>
+                </a:rPr>
+                <a:t>2 HOURS</a:t>
+              </a:r>
+            </a:p>
+          </p:txBody>
+        </p:sp>
+        <p:sp>
+          <p:nvSpPr>
+            <p:cNvPr id="129" name="Rectangle 128">
+              <a:extLst>
+                <a:ext uri="{FF2B5EF4-FFF2-40B4-BE49-F238E27FC236}">
+                  <a16:creationId xmlns:a16="http://schemas.microsoft.com/office/drawing/2014/main" id="{97132450-83B6-44E7-9CA0-0B9A3AD65576}"/>
+                </a:ext>
+              </a:extLst>
+            </p:cNvPr>
+            <p:cNvSpPr/>
+            <p:nvPr/>
+          </p:nvSpPr>
+          <p:spPr>
+            <a:xfrm>
+              <a:off x="1648265" y="2499043"/>
+              <a:ext cx="996461" cy="356699"/>
+            </a:xfrm>
+            <a:prstGeom prst="rect">
+              <a:avLst/>
+            </a:prstGeom>
+            <a:solidFill>
+              <a:srgbClr val="868686"/>
+            </a:solidFill>
+            <a:ln>
+              <a:noFill/>
+            </a:ln>
+          </p:spPr>
+          <p:style>
+            <a:lnRef idx="2">
+              <a:schemeClr val="accent1">
+                <a:shade val="50000"/>
+              </a:schemeClr>
+            </a:lnRef>
+            <a:fillRef idx="1">
+              <a:schemeClr val="accent1"/>
+            </a:fillRef>
+            <a:effectRef idx="0">
+              <a:schemeClr val="accent1"/>
+            </a:effectRef>
+            <a:fontRef idx="minor">
+              <a:schemeClr val="lt1"/>
+            </a:fontRef>
+          </p:style>
+          <p:txBody>
+            <a:bodyPr rtlCol="0" anchor="ctr"/>
+            <a:lstStyle/>
+            <a:p>
+              <a:pPr algn="ctr"/>
+              <a:endParaRPr lang="en-US"/>
+            </a:p>
+          </p:txBody>
+        </p:sp>
+        <p:sp>
+          <p:nvSpPr>
+            <p:cNvPr id="139" name="Rectangle 138">
+              <a:extLst>
+                <a:ext uri="{FF2B5EF4-FFF2-40B4-BE49-F238E27FC236}">
+                  <a16:creationId xmlns:a16="http://schemas.microsoft.com/office/drawing/2014/main" id="{6E806022-4182-4902-91E6-30CAEC5FC324}"/>
+                </a:ext>
+              </a:extLst>
+            </p:cNvPr>
+            <p:cNvSpPr/>
+            <p:nvPr/>
+          </p:nvSpPr>
+          <p:spPr>
+            <a:xfrm>
+              <a:off x="1982010" y="1246688"/>
+              <a:ext cx="996461" cy="356699"/>
+            </a:xfrm>
+            <a:prstGeom prst="rect">
+              <a:avLst/>
+            </a:prstGeom>
+            <a:solidFill>
+              <a:srgbClr val="868686"/>
+            </a:solidFill>
+            <a:ln>
+              <a:noFill/>
+            </a:ln>
+          </p:spPr>
+          <p:style>
+            <a:lnRef idx="2">
+              <a:schemeClr val="accent1">
+                <a:shade val="50000"/>
+              </a:schemeClr>
+            </a:lnRef>
+            <a:fillRef idx="1">
+              <a:schemeClr val="accent1"/>
+            </a:fillRef>
+            <a:effectRef idx="0">
+              <a:schemeClr val="accent1"/>
+            </a:effectRef>
+            <a:fontRef idx="minor">
+              <a:schemeClr val="lt1"/>
+            </a:fontRef>
+          </p:style>
+          <p:txBody>
+            <a:bodyPr rtlCol="0" anchor="ctr"/>
+            <a:lstStyle/>
+            <a:p>
+              <a:pPr algn="ctr"/>
+              <a:endParaRPr lang="en-US"/>
+            </a:p>
+          </p:txBody>
+        </p:sp>
+      </p:grpSp>
+      <p:grpSp>
+        <p:nvGrpSpPr>
+          <p:cNvPr id="132" name="Group 131">
+            <a:extLst>
+              <a:ext uri="{FF2B5EF4-FFF2-40B4-BE49-F238E27FC236}">
+                <a16:creationId xmlns:a16="http://schemas.microsoft.com/office/drawing/2014/main" id="{E541B52C-40F6-48CC-8A73-B5E254541970}"/>
+              </a:ext>
+            </a:extLst>
+          </p:cNvPr>
+          <p:cNvGrpSpPr/>
+          <p:nvPr/>
+        </p:nvGrpSpPr>
+        <p:grpSpPr>
+          <a:xfrm>
+            <a:off x="4525590" y="925161"/>
+            <a:ext cx="3695114" cy="3695114"/>
+            <a:chOff x="188742" y="138328"/>
+            <a:chExt cx="3695114" cy="3695114"/>
+          </a:xfrm>
+        </p:grpSpPr>
+        <p:grpSp>
+          <p:nvGrpSpPr>
+            <p:cNvPr id="133" name="Group 132">
+              <a:extLst>
+                <a:ext uri="{FF2B5EF4-FFF2-40B4-BE49-F238E27FC236}">
+                  <a16:creationId xmlns:a16="http://schemas.microsoft.com/office/drawing/2014/main" id="{E7D854D9-4E45-47D5-BED4-6EDF610BC8AB}"/>
+                </a:ext>
+              </a:extLst>
+            </p:cNvPr>
+            <p:cNvGrpSpPr/>
+            <p:nvPr/>
+          </p:nvGrpSpPr>
+          <p:grpSpPr>
+            <a:xfrm>
+              <a:off x="188742" y="138328"/>
+              <a:ext cx="3695114" cy="3695114"/>
+              <a:chOff x="1541585" y="0"/>
+              <a:chExt cx="6858000" cy="6858000"/>
+            </a:xfrm>
+          </p:grpSpPr>
+          <p:sp>
+            <p:nvSpPr>
+              <p:cNvPr id="137" name="Rectangle 136">
+                <a:extLst>
+                  <a:ext uri="{FF2B5EF4-FFF2-40B4-BE49-F238E27FC236}">
+                    <a16:creationId xmlns:a16="http://schemas.microsoft.com/office/drawing/2014/main" id="{8C649D03-C05F-424C-8C32-76281E8A8BAC}"/>
+                  </a:ext>
+                </a:extLst>
+              </p:cNvPr>
+              <p:cNvSpPr/>
+              <p:nvPr/>
+            </p:nvSpPr>
+            <p:spPr>
+              <a:xfrm>
+                <a:off x="2757268" y="2039815"/>
+                <a:ext cx="4135901" cy="3291840"/>
+              </a:xfrm>
+              <a:prstGeom prst="rect">
+                <a:avLst/>
+              </a:prstGeom>
+              <a:solidFill>
+                <a:schemeClr val="bg1"/>
+              </a:solidFill>
+            </p:spPr>
+            <p:style>
+              <a:lnRef idx="2">
+                <a:schemeClr val="accent1">
+                  <a:shade val="50000"/>
+                </a:schemeClr>
+              </a:lnRef>
+              <a:fillRef idx="1">
+                <a:schemeClr val="accent1"/>
+              </a:fillRef>
+              <a:effectRef idx="0">
+                <a:schemeClr val="accent1"/>
+              </a:effectRef>
+              <a:fontRef idx="minor">
+                <a:schemeClr val="lt1"/>
+              </a:fontRef>
+            </p:style>
+            <p:txBody>
+              <a:bodyPr rtlCol="0" anchor="ctr"/>
+              <a:lstStyle/>
+              <a:p>
+                <a:pPr algn="ctr"/>
+                <a:endParaRPr lang="en-US"/>
+              </a:p>
+            </p:txBody>
+          </p:sp>
+          <p:pic>
+            <p:nvPicPr>
+              <p:cNvPr id="138" name="Picture 137">
+                <a:extLst>
+                  <a:ext uri="{FF2B5EF4-FFF2-40B4-BE49-F238E27FC236}">
+                    <a16:creationId xmlns:a16="http://schemas.microsoft.com/office/drawing/2014/main" id="{D78B9A9E-BD82-4F5D-898A-38B466BE51C8}"/>
+                  </a:ext>
+                </a:extLst>
+              </p:cNvPr>
+              <p:cNvPicPr>
+                <a:picLocks noChangeAspect="1"/>
+              </p:cNvPicPr>
+              <p:nvPr/>
+            </p:nvPicPr>
+            <p:blipFill>
+              <a:blip r:embed="rId4">
+                <a:extLst>
+                  <a:ext uri="{BEBA8EAE-BF5A-486C-A8C5-ECC9F3942E4B}">
+                    <a14:imgProps xmlns:a14="http://schemas.microsoft.com/office/drawing/2010/main">
+                      <a14:imgLayer r:embed="rId3">
+                        <a14:imgEffect>
+                          <a14:backgroundRemoval t="5333" b="92889" l="5222" r="93000">
+                            <a14:foregroundMark x1="9333" y1="46778" x2="8889" y2="49889"/>
+                            <a14:foregroundMark x1="49556" y1="7556" x2="42333" y2="8000"/>
+                            <a14:foregroundMark x1="42333" y1="8000" x2="49778" y2="6556"/>
+                            <a14:foregroundMark x1="49778" y1="6556" x2="57333" y2="8556"/>
+                            <a14:foregroundMark x1="57333" y1="8556" x2="58333" y2="9444"/>
+                            <a14:foregroundMark x1="91111" y1="38778" x2="93222" y2="55000"/>
+                            <a14:foregroundMark x1="5778" y1="46333" x2="5444" y2="50444"/>
+                            <a14:foregroundMark x1="37222" y1="91333" x2="52333" y2="92889"/>
+                            <a14:foregroundMark x1="52333" y1="92889" x2="62000" y2="91111"/>
+                            <a14:foregroundMark x1="51556" y1="5333" x2="51000" y2="5333"/>
+                          </a14:backgroundRemoval>
+                        </a14:imgEffect>
+                      </a14:imgLayer>
+                    </a14:imgProps>
+                  </a:ext>
+                  <a:ext uri="{28A0092B-C50C-407E-A947-70E740481C1C}">
+                    <a14:useLocalDpi xmlns:a14="http://schemas.microsoft.com/office/drawing/2010/main" val="0"/>
+                  </a:ext>
+                </a:extLst>
+              </a:blip>
+              <a:stretch>
+                <a:fillRect/>
+              </a:stretch>
+            </p:blipFill>
+            <p:spPr>
+              <a:xfrm>
+                <a:off x="1541585" y="0"/>
+                <a:ext cx="6858000" cy="6858000"/>
+              </a:xfrm>
+              <a:prstGeom prst="rect">
+                <a:avLst/>
+              </a:prstGeom>
+            </p:spPr>
+          </p:pic>
+        </p:grpSp>
+        <p:sp>
+          <p:nvSpPr>
+            <p:cNvPr id="134" name="Rectangle 133">
+              <a:extLst>
+                <a:ext uri="{FF2B5EF4-FFF2-40B4-BE49-F238E27FC236}">
+                  <a16:creationId xmlns:a16="http://schemas.microsoft.com/office/drawing/2014/main" id="{6F2818C3-0F72-49D1-AB8E-FCE136C6934F}"/>
+                </a:ext>
+              </a:extLst>
+            </p:cNvPr>
+            <p:cNvSpPr/>
+            <p:nvPr/>
+          </p:nvSpPr>
+          <p:spPr>
+            <a:xfrm>
+              <a:off x="636570" y="1406509"/>
+              <a:ext cx="2799457" cy="1323439"/>
+            </a:xfrm>
+            <a:prstGeom prst="rect">
+              <a:avLst/>
+            </a:prstGeom>
+            <a:solidFill>
+              <a:srgbClr val="2BA6E1"/>
+            </a:solidFill>
+          </p:spPr>
+          <p:txBody>
+            <a:bodyPr wrap="square" lIns="91440" tIns="45720" rIns="91440" bIns="45720">
+              <a:spAutoFit/>
+            </a:bodyPr>
+            <a:lstStyle/>
+            <a:p>
+              <a:pPr algn="ctr"/>
+              <a:r>
+                <a:rPr lang="en-US" sz="8000" b="0" cap="none" spc="0" dirty="0">
+                  <a:ln w="0"/>
+                  <a:solidFill>
+                    <a:schemeClr val="bg1"/>
+                  </a:solidFill>
+                  <a:effectLst>
+                    <a:outerShdw blurRad="38100" dist="19050" dir="2700000" algn="tl" rotWithShape="0">
+                      <a:schemeClr val="dk1">
+                        <a:alpha val="40000"/>
+                      </a:schemeClr>
+                    </a:outerShdw>
+                  </a:effectLst>
+                  <a:latin typeface="Bahnschrift Light SemiCondensed" panose="020B0502040204020203" pitchFamily="34" charset="0"/>
+                </a:rPr>
+                <a:t>TODAY</a:t>
+              </a:r>
+            </a:p>
+          </p:txBody>
+        </p:sp>
+        <p:sp>
+          <p:nvSpPr>
+            <p:cNvPr id="135" name="Rectangle 134">
+              <a:extLst>
+                <a:ext uri="{FF2B5EF4-FFF2-40B4-BE49-F238E27FC236}">
+                  <a16:creationId xmlns:a16="http://schemas.microsoft.com/office/drawing/2014/main" id="{5CC12B4F-024D-4D88-912B-B87B09C5057B}"/>
+                </a:ext>
+              </a:extLst>
+            </p:cNvPr>
+            <p:cNvSpPr/>
+            <p:nvPr/>
+          </p:nvSpPr>
+          <p:spPr>
+            <a:xfrm>
+              <a:off x="1648265" y="2642207"/>
+              <a:ext cx="996461" cy="456576"/>
+            </a:xfrm>
+            <a:prstGeom prst="rect">
+              <a:avLst/>
+            </a:prstGeom>
+            <a:solidFill>
+              <a:srgbClr val="2BA6E1"/>
+            </a:solidFill>
+            <a:ln>
+              <a:noFill/>
+            </a:ln>
+          </p:spPr>
+          <p:style>
+            <a:lnRef idx="2">
+              <a:schemeClr val="accent1">
+                <a:shade val="50000"/>
+              </a:schemeClr>
+            </a:lnRef>
+            <a:fillRef idx="1">
+              <a:schemeClr val="accent1"/>
+            </a:fillRef>
+            <a:effectRef idx="0">
+              <a:schemeClr val="accent1"/>
+            </a:effectRef>
+            <a:fontRef idx="minor">
+              <a:schemeClr val="lt1"/>
+            </a:fontRef>
+          </p:style>
+          <p:txBody>
+            <a:bodyPr rtlCol="0" anchor="ctr"/>
+            <a:lstStyle/>
+            <a:p>
+              <a:pPr algn="ctr"/>
+              <a:endParaRPr lang="en-US"/>
+            </a:p>
+          </p:txBody>
+        </p:sp>
+        <p:sp>
+          <p:nvSpPr>
+            <p:cNvPr id="136" name="Rectangle 135">
+              <a:extLst>
+                <a:ext uri="{FF2B5EF4-FFF2-40B4-BE49-F238E27FC236}">
+                  <a16:creationId xmlns:a16="http://schemas.microsoft.com/office/drawing/2014/main" id="{443CACB4-3ACE-4404-AC30-88236915B958}"/>
+                </a:ext>
+              </a:extLst>
+            </p:cNvPr>
+            <p:cNvSpPr/>
+            <p:nvPr/>
+          </p:nvSpPr>
+          <p:spPr>
+            <a:xfrm>
+              <a:off x="1957975" y="1111592"/>
+              <a:ext cx="996461" cy="456576"/>
+            </a:xfrm>
+            <a:prstGeom prst="rect">
+              <a:avLst/>
+            </a:prstGeom>
+            <a:solidFill>
+              <a:srgbClr val="2BA6E1"/>
+            </a:solidFill>
+            <a:ln>
+              <a:noFill/>
+            </a:ln>
+          </p:spPr>
+          <p:style>
+            <a:lnRef idx="2">
+              <a:schemeClr val="accent1">
+                <a:shade val="50000"/>
+              </a:schemeClr>
+            </a:lnRef>
+            <a:fillRef idx="1">
+              <a:schemeClr val="accent1"/>
+            </a:fillRef>
+            <a:effectRef idx="0">
+              <a:schemeClr val="accent1"/>
+            </a:effectRef>
+            <a:fontRef idx="minor">
+              <a:schemeClr val="lt1"/>
+            </a:fontRef>
+          </p:style>
+          <p:txBody>
+            <a:bodyPr rtlCol="0" anchor="ctr"/>
+            <a:lstStyle/>
+            <a:p>
+              <a:pPr algn="ctr"/>
+              <a:endParaRPr lang="en-US"/>
+            </a:p>
+          </p:txBody>
+        </p:sp>
+      </p:grpSp>
+      <p:grpSp>
+        <p:nvGrpSpPr>
+          <p:cNvPr id="140" name="Group 139">
+            <a:extLst>
+              <a:ext uri="{FF2B5EF4-FFF2-40B4-BE49-F238E27FC236}">
+                <a16:creationId xmlns:a16="http://schemas.microsoft.com/office/drawing/2014/main" id="{EC24CA54-CE2B-4AC2-8189-6FDF5F6155EE}"/>
+              </a:ext>
+            </a:extLst>
+          </p:cNvPr>
+          <p:cNvGrpSpPr/>
+          <p:nvPr/>
+        </p:nvGrpSpPr>
+        <p:grpSpPr>
+          <a:xfrm>
+            <a:off x="3671683" y="2044731"/>
+            <a:ext cx="3695114" cy="3695114"/>
+            <a:chOff x="188742" y="138464"/>
+            <a:chExt cx="3695114" cy="3695114"/>
+          </a:xfrm>
+        </p:grpSpPr>
+        <p:grpSp>
+          <p:nvGrpSpPr>
+            <p:cNvPr id="141" name="Group 140">
+              <a:extLst>
+                <a:ext uri="{FF2B5EF4-FFF2-40B4-BE49-F238E27FC236}">
+                  <a16:creationId xmlns:a16="http://schemas.microsoft.com/office/drawing/2014/main" id="{BD9C9A8A-D262-41B8-B7E9-5E52F9B998EA}"/>
+                </a:ext>
+              </a:extLst>
+            </p:cNvPr>
+            <p:cNvGrpSpPr/>
+            <p:nvPr/>
+          </p:nvGrpSpPr>
+          <p:grpSpPr>
+            <a:xfrm>
+              <a:off x="188742" y="138464"/>
+              <a:ext cx="3695114" cy="3695114"/>
+              <a:chOff x="1541585" y="252"/>
+              <a:chExt cx="6858000" cy="6858000"/>
+            </a:xfrm>
+          </p:grpSpPr>
+          <p:sp>
+            <p:nvSpPr>
+              <p:cNvPr id="145" name="Rectangle 144">
+                <a:extLst>
+                  <a:ext uri="{FF2B5EF4-FFF2-40B4-BE49-F238E27FC236}">
+                    <a16:creationId xmlns:a16="http://schemas.microsoft.com/office/drawing/2014/main" id="{26FA1ADD-9240-40C0-A24F-771CDADA1403}"/>
+                  </a:ext>
+                </a:extLst>
+              </p:cNvPr>
+              <p:cNvSpPr/>
+              <p:nvPr/>
+            </p:nvSpPr>
+            <p:spPr>
+              <a:xfrm>
+                <a:off x="2757268" y="2039815"/>
+                <a:ext cx="4135901" cy="3291840"/>
+              </a:xfrm>
+              <a:prstGeom prst="rect">
+                <a:avLst/>
+              </a:prstGeom>
+              <a:solidFill>
+                <a:schemeClr val="bg1"/>
+              </a:solidFill>
+            </p:spPr>
+            <p:style>
+              <a:lnRef idx="2">
+                <a:schemeClr val="accent1">
+                  <a:shade val="50000"/>
+                </a:schemeClr>
+              </a:lnRef>
+              <a:fillRef idx="1">
+                <a:schemeClr val="accent1"/>
+              </a:fillRef>
+              <a:effectRef idx="0">
+                <a:schemeClr val="accent1"/>
+              </a:effectRef>
+              <a:fontRef idx="minor">
+                <a:schemeClr val="lt1"/>
+              </a:fontRef>
+            </p:style>
+            <p:txBody>
+              <a:bodyPr rtlCol="0" anchor="ctr"/>
+              <a:lstStyle/>
+              <a:p>
+                <a:pPr algn="ctr"/>
+                <a:endParaRPr lang="en-US"/>
+              </a:p>
+            </p:txBody>
+          </p:sp>
+          <p:pic>
+            <p:nvPicPr>
+              <p:cNvPr id="146" name="Picture 145">
+                <a:extLst>
+                  <a:ext uri="{FF2B5EF4-FFF2-40B4-BE49-F238E27FC236}">
+                    <a16:creationId xmlns:a16="http://schemas.microsoft.com/office/drawing/2014/main" id="{CC0BE597-9E50-4126-8C4B-F3066D6D54FB}"/>
+                  </a:ext>
+                </a:extLst>
+              </p:cNvPr>
+              <p:cNvPicPr>
+                <a:picLocks noChangeAspect="1"/>
+              </p:cNvPicPr>
+              <p:nvPr/>
+            </p:nvPicPr>
+            <p:blipFill>
+              <a:blip r:embed="rId5">
+                <a:extLst>
+                  <a:ext uri="{BEBA8EAE-BF5A-486C-A8C5-ECC9F3942E4B}">
+                    <a14:imgProps xmlns:a14="http://schemas.microsoft.com/office/drawing/2010/main">
+                      <a14:imgLayer r:embed="rId3">
+                        <a14:imgEffect>
+                          <a14:backgroundRemoval t="5333" b="92889" l="5222" r="93000">
+                            <a14:foregroundMark x1="9333" y1="46778" x2="8889" y2="49889"/>
+                            <a14:foregroundMark x1="49556" y1="7556" x2="42333" y2="8000"/>
+                            <a14:foregroundMark x1="42333" y1="8000" x2="49778" y2="6556"/>
+                            <a14:foregroundMark x1="49778" y1="6556" x2="57333" y2="8556"/>
+                            <a14:foregroundMark x1="57333" y1="8556" x2="58333" y2="9444"/>
+                            <a14:foregroundMark x1="91111" y1="38778" x2="93222" y2="55000"/>
+                            <a14:foregroundMark x1="5778" y1="46333" x2="5444" y2="50444"/>
+                            <a14:foregroundMark x1="37222" y1="91333" x2="52333" y2="92889"/>
+                            <a14:foregroundMark x1="52333" y1="92889" x2="62000" y2="91111"/>
+                            <a14:foregroundMark x1="51556" y1="5333" x2="51000" y2="5333"/>
+                          </a14:backgroundRemoval>
+                        </a14:imgEffect>
+                      </a14:imgLayer>
+                    </a14:imgProps>
+                  </a:ext>
+                  <a:ext uri="{28A0092B-C50C-407E-A947-70E740481C1C}">
+                    <a14:useLocalDpi xmlns:a14="http://schemas.microsoft.com/office/drawing/2010/main" val="0"/>
+                  </a:ext>
+                </a:extLst>
+              </a:blip>
+              <a:stretch>
+                <a:fillRect/>
+              </a:stretch>
+            </p:blipFill>
+            <p:spPr>
+              <a:xfrm>
+                <a:off x="1541585" y="252"/>
+                <a:ext cx="6858000" cy="6858000"/>
+              </a:xfrm>
+              <a:prstGeom prst="rect">
+                <a:avLst/>
+              </a:prstGeom>
+            </p:spPr>
+          </p:pic>
+        </p:grpSp>
+        <p:sp>
+          <p:nvSpPr>
+            <p:cNvPr id="142" name="Rectangle 141">
+              <a:extLst>
+                <a:ext uri="{FF2B5EF4-FFF2-40B4-BE49-F238E27FC236}">
+                  <a16:creationId xmlns:a16="http://schemas.microsoft.com/office/drawing/2014/main" id="{7DA4600F-A1D4-4AAE-BE20-333CAEFB0A45}"/>
+                </a:ext>
+              </a:extLst>
+            </p:cNvPr>
+            <p:cNvSpPr/>
+            <p:nvPr/>
+          </p:nvSpPr>
+          <p:spPr>
+            <a:xfrm>
+              <a:off x="636233" y="1531582"/>
+              <a:ext cx="2800132" cy="1015663"/>
+            </a:xfrm>
+            <a:prstGeom prst="rect">
+              <a:avLst/>
+            </a:prstGeom>
+            <a:solidFill>
+              <a:srgbClr val="2BA6E1"/>
+            </a:solidFill>
+          </p:spPr>
+          <p:txBody>
+            <a:bodyPr wrap="square" lIns="91440" tIns="45720" rIns="91440" bIns="45720">
+              <a:spAutoFit/>
+            </a:bodyPr>
+            <a:lstStyle/>
+            <a:p>
+              <a:pPr algn="ctr"/>
+              <a:r>
+                <a:rPr lang="en-US" sz="6000" b="0" cap="none" spc="0" dirty="0">
+                  <a:ln w="0"/>
+                  <a:solidFill>
+                    <a:schemeClr val="bg1"/>
+                  </a:solidFill>
+                  <a:effectLst>
+                    <a:outerShdw blurRad="38100" dist="19050" dir="2700000" algn="tl" rotWithShape="0">
+                      <a:schemeClr val="dk1">
+                        <a:alpha val="40000"/>
+                      </a:schemeClr>
+                    </a:outerShdw>
+                  </a:effectLst>
+                  <a:latin typeface="Bahnschrift Light SemiCondensed" panose="020B0502040204020203" pitchFamily="34" charset="0"/>
+                </a:rPr>
+                <a:t>2 HOURS</a:t>
+              </a:r>
+            </a:p>
+          </p:txBody>
+        </p:sp>
+        <p:sp>
+          <p:nvSpPr>
+            <p:cNvPr id="143" name="Rectangle 142">
+              <a:extLst>
+                <a:ext uri="{FF2B5EF4-FFF2-40B4-BE49-F238E27FC236}">
+                  <a16:creationId xmlns:a16="http://schemas.microsoft.com/office/drawing/2014/main" id="{2A3C8520-9B01-4EA8-8CF5-F1580258AAA0}"/>
+                </a:ext>
+              </a:extLst>
+            </p:cNvPr>
+            <p:cNvSpPr/>
+            <p:nvPr/>
+          </p:nvSpPr>
+          <p:spPr>
+            <a:xfrm>
+              <a:off x="1648265" y="2499043"/>
+              <a:ext cx="996461" cy="356699"/>
+            </a:xfrm>
+            <a:prstGeom prst="rect">
+              <a:avLst/>
+            </a:prstGeom>
+            <a:solidFill>
+              <a:srgbClr val="2BA6E1"/>
+            </a:solidFill>
+            <a:ln>
+              <a:noFill/>
+            </a:ln>
+          </p:spPr>
+          <p:style>
+            <a:lnRef idx="2">
+              <a:schemeClr val="accent1">
+                <a:shade val="50000"/>
+              </a:schemeClr>
+            </a:lnRef>
+            <a:fillRef idx="1">
+              <a:schemeClr val="accent1"/>
+            </a:fillRef>
+            <a:effectRef idx="0">
+              <a:schemeClr val="accent1"/>
+            </a:effectRef>
+            <a:fontRef idx="minor">
+              <a:schemeClr val="lt1"/>
+            </a:fontRef>
+          </p:style>
+          <p:txBody>
+            <a:bodyPr rtlCol="0" anchor="ctr"/>
+            <a:lstStyle/>
+            <a:p>
+              <a:pPr algn="ctr"/>
+              <a:endParaRPr lang="en-US"/>
+            </a:p>
+          </p:txBody>
+        </p:sp>
+        <p:sp>
+          <p:nvSpPr>
+            <p:cNvPr id="144" name="Rectangle 143">
+              <a:extLst>
+                <a:ext uri="{FF2B5EF4-FFF2-40B4-BE49-F238E27FC236}">
+                  <a16:creationId xmlns:a16="http://schemas.microsoft.com/office/drawing/2014/main" id="{86726CC8-37EE-494D-A0F6-BB369018E08D}"/>
+                </a:ext>
+              </a:extLst>
+            </p:cNvPr>
+            <p:cNvSpPr/>
+            <p:nvPr/>
+          </p:nvSpPr>
+          <p:spPr>
+            <a:xfrm>
+              <a:off x="1980836" y="1243940"/>
+              <a:ext cx="996461" cy="356699"/>
+            </a:xfrm>
+            <a:prstGeom prst="rect">
+              <a:avLst/>
+            </a:prstGeom>
+            <a:solidFill>
+              <a:srgbClr val="2BA6E1"/>
+            </a:solidFill>
+            <a:ln>
+              <a:noFill/>
+            </a:ln>
+          </p:spPr>
+          <p:style>
+            <a:lnRef idx="2">
+              <a:schemeClr val="accent1">
+                <a:shade val="50000"/>
+              </a:schemeClr>
+            </a:lnRef>
+            <a:fillRef idx="1">
+              <a:schemeClr val="accent1"/>
+            </a:fillRef>
+            <a:effectRef idx="0">
+              <a:schemeClr val="accent1"/>
+            </a:effectRef>
+            <a:fontRef idx="minor">
+              <a:schemeClr val="lt1"/>
+            </a:fontRef>
+          </p:style>
+          <p:txBody>
+            <a:bodyPr rtlCol="0" anchor="ctr"/>
+            <a:lstStyle/>
+            <a:p>
+              <a:pPr algn="ctr"/>
+              <a:endParaRPr lang="en-US"/>
+            </a:p>
+          </p:txBody>
+        </p:sp>
+      </p:grpSp>
+      <p:grpSp>
+        <p:nvGrpSpPr>
+          <p:cNvPr id="147" name="Group 146">
+            <a:extLst>
+              <a:ext uri="{FF2B5EF4-FFF2-40B4-BE49-F238E27FC236}">
+                <a16:creationId xmlns:a16="http://schemas.microsoft.com/office/drawing/2014/main" id="{14709BF9-3F9F-44B2-BB3D-A06BFF7FC190}"/>
+              </a:ext>
+            </a:extLst>
+          </p:cNvPr>
+          <p:cNvGrpSpPr/>
+          <p:nvPr/>
+        </p:nvGrpSpPr>
+        <p:grpSpPr>
+          <a:xfrm>
+            <a:off x="1277491" y="1746132"/>
+            <a:ext cx="3695114" cy="3695114"/>
+            <a:chOff x="188742" y="138464"/>
+            <a:chExt cx="3695114" cy="3695114"/>
+          </a:xfrm>
+        </p:grpSpPr>
+        <p:grpSp>
+          <p:nvGrpSpPr>
+            <p:cNvPr id="148" name="Group 147">
+              <a:extLst>
+                <a:ext uri="{FF2B5EF4-FFF2-40B4-BE49-F238E27FC236}">
+                  <a16:creationId xmlns:a16="http://schemas.microsoft.com/office/drawing/2014/main" id="{966EE64A-0A47-4ECD-8E6F-6DA594201EAB}"/>
+                </a:ext>
+              </a:extLst>
+            </p:cNvPr>
+            <p:cNvGrpSpPr/>
+            <p:nvPr/>
+          </p:nvGrpSpPr>
+          <p:grpSpPr>
+            <a:xfrm>
+              <a:off x="188742" y="138464"/>
+              <a:ext cx="3695114" cy="3695114"/>
+              <a:chOff x="1541585" y="252"/>
+              <a:chExt cx="6858000" cy="6858000"/>
+            </a:xfrm>
+          </p:grpSpPr>
+          <p:sp>
+            <p:nvSpPr>
+              <p:cNvPr id="152" name="Rectangle 151">
+                <a:extLst>
+                  <a:ext uri="{FF2B5EF4-FFF2-40B4-BE49-F238E27FC236}">
+                    <a16:creationId xmlns:a16="http://schemas.microsoft.com/office/drawing/2014/main" id="{7B64201B-82BA-4F62-8798-AEC694235B25}"/>
+                  </a:ext>
+                </a:extLst>
+              </p:cNvPr>
+              <p:cNvSpPr/>
+              <p:nvPr/>
+            </p:nvSpPr>
+            <p:spPr>
+              <a:xfrm>
+                <a:off x="2757268" y="2039815"/>
+                <a:ext cx="4135901" cy="3291840"/>
+              </a:xfrm>
+              <a:prstGeom prst="rect">
+                <a:avLst/>
+              </a:prstGeom>
+              <a:solidFill>
+                <a:schemeClr val="bg1"/>
+              </a:solidFill>
+            </p:spPr>
+            <p:style>
+              <a:lnRef idx="2">
+                <a:schemeClr val="accent1">
+                  <a:shade val="50000"/>
+                </a:schemeClr>
+              </a:lnRef>
+              <a:fillRef idx="1">
+                <a:schemeClr val="accent1"/>
+              </a:fillRef>
+              <a:effectRef idx="0">
+                <a:schemeClr val="accent1"/>
+              </a:effectRef>
+              <a:fontRef idx="minor">
+                <a:schemeClr val="lt1"/>
+              </a:fontRef>
+            </p:style>
+            <p:txBody>
+              <a:bodyPr rtlCol="0" anchor="ctr"/>
+              <a:lstStyle/>
+              <a:p>
+                <a:pPr algn="ctr"/>
+                <a:endParaRPr lang="en-US"/>
+              </a:p>
+            </p:txBody>
+          </p:sp>
+          <p:pic>
+            <p:nvPicPr>
+              <p:cNvPr id="153" name="Picture 152">
+                <a:extLst>
+                  <a:ext uri="{FF2B5EF4-FFF2-40B4-BE49-F238E27FC236}">
+                    <a16:creationId xmlns:a16="http://schemas.microsoft.com/office/drawing/2014/main" id="{F3918B16-D85E-4FF2-A5BC-762F243FC69D}"/>
+                  </a:ext>
+                </a:extLst>
+              </p:cNvPr>
+              <p:cNvPicPr>
+                <a:picLocks noChangeAspect="1"/>
+              </p:cNvPicPr>
+              <p:nvPr/>
+            </p:nvPicPr>
+            <p:blipFill>
+              <a:blip r:embed="rId2">
+                <a:extLst>
+                  <a:ext uri="{BEBA8EAE-BF5A-486C-A8C5-ECC9F3942E4B}">
+                    <a14:imgProps xmlns:a14="http://schemas.microsoft.com/office/drawing/2010/main">
+                      <a14:imgLayer r:embed="rId3">
+                        <a14:imgEffect>
+                          <a14:backgroundRemoval t="5333" b="92889" l="5222" r="93000">
+                            <a14:foregroundMark x1="9333" y1="46778" x2="8889" y2="49889"/>
+                            <a14:foregroundMark x1="49556" y1="7556" x2="42333" y2="8000"/>
+                            <a14:foregroundMark x1="42333" y1="8000" x2="49778" y2="6556"/>
+                            <a14:foregroundMark x1="49778" y1="6556" x2="57333" y2="8556"/>
+                            <a14:foregroundMark x1="57333" y1="8556" x2="58333" y2="9444"/>
+                            <a14:foregroundMark x1="91111" y1="38778" x2="93222" y2="55000"/>
+                            <a14:foregroundMark x1="5778" y1="46333" x2="5444" y2="50444"/>
+                            <a14:foregroundMark x1="37222" y1="91333" x2="52333" y2="92889"/>
+                            <a14:foregroundMark x1="52333" y1="92889" x2="62000" y2="91111"/>
+                            <a14:foregroundMark x1="51556" y1="5333" x2="51000" y2="5333"/>
+                          </a14:backgroundRemoval>
+                        </a14:imgEffect>
+                        <a14:imgEffect>
+                          <a14:saturation sat="0"/>
+                        </a14:imgEffect>
+                      </a14:imgLayer>
+                    </a14:imgProps>
+                  </a:ext>
+                  <a:ext uri="{28A0092B-C50C-407E-A947-70E740481C1C}">
+                    <a14:useLocalDpi xmlns:a14="http://schemas.microsoft.com/office/drawing/2010/main" val="0"/>
+                  </a:ext>
+                </a:extLst>
+              </a:blip>
+              <a:stretch>
+                <a:fillRect/>
+              </a:stretch>
+            </p:blipFill>
+            <p:spPr>
+              <a:xfrm>
+                <a:off x="1541585" y="252"/>
+                <a:ext cx="6858000" cy="6858000"/>
+              </a:xfrm>
+              <a:prstGeom prst="rect">
+                <a:avLst/>
+              </a:prstGeom>
+            </p:spPr>
+          </p:pic>
+        </p:grpSp>
+        <p:sp>
+          <p:nvSpPr>
+            <p:cNvPr id="149" name="Rectangle 148">
+              <a:extLst>
+                <a:ext uri="{FF2B5EF4-FFF2-40B4-BE49-F238E27FC236}">
+                  <a16:creationId xmlns:a16="http://schemas.microsoft.com/office/drawing/2014/main" id="{9A27F9BC-3EDB-489D-8D22-58D71494E886}"/>
+                </a:ext>
+              </a:extLst>
+            </p:cNvPr>
+            <p:cNvSpPr/>
+            <p:nvPr/>
+          </p:nvSpPr>
+          <p:spPr>
+            <a:xfrm>
+              <a:off x="636233" y="1531582"/>
+              <a:ext cx="2800132" cy="1015663"/>
+            </a:xfrm>
+            <a:prstGeom prst="rect">
+              <a:avLst/>
+            </a:prstGeom>
+            <a:solidFill>
+              <a:srgbClr val="868686"/>
+            </a:solidFill>
+          </p:spPr>
+          <p:txBody>
+            <a:bodyPr wrap="square" lIns="91440" tIns="45720" rIns="91440" bIns="45720">
+              <a:spAutoFit/>
+            </a:bodyPr>
+            <a:lstStyle/>
+            <a:p>
+              <a:pPr algn="ctr"/>
+              <a:r>
+                <a:rPr lang="en-US" sz="6000" b="0" cap="none" spc="0" dirty="0">
+                  <a:ln w="0"/>
+                  <a:solidFill>
+                    <a:schemeClr val="bg1"/>
+                  </a:solidFill>
+                  <a:effectLst>
+                    <a:outerShdw blurRad="38100" dist="19050" dir="2700000" algn="tl" rotWithShape="0">
+                      <a:schemeClr val="dk1">
+                        <a:alpha val="40000"/>
+                      </a:schemeClr>
+                    </a:outerShdw>
+                  </a:effectLst>
+                  <a:latin typeface="Bahnschrift Light SemiCondensed" panose="020B0502040204020203" pitchFamily="34" charset="0"/>
+                </a:rPr>
+                <a:t>15 DAYS</a:t>
+              </a:r>
+            </a:p>
+          </p:txBody>
+        </p:sp>
+        <p:sp>
+          <p:nvSpPr>
+            <p:cNvPr id="150" name="Rectangle 149">
+              <a:extLst>
+                <a:ext uri="{FF2B5EF4-FFF2-40B4-BE49-F238E27FC236}">
+                  <a16:creationId xmlns:a16="http://schemas.microsoft.com/office/drawing/2014/main" id="{F26E1927-2640-4551-BADF-F8C64012F1A1}"/>
+                </a:ext>
+              </a:extLst>
+            </p:cNvPr>
+            <p:cNvSpPr/>
+            <p:nvPr/>
+          </p:nvSpPr>
+          <p:spPr>
+            <a:xfrm>
+              <a:off x="1648265" y="2499043"/>
+              <a:ext cx="996461" cy="356699"/>
+            </a:xfrm>
+            <a:prstGeom prst="rect">
+              <a:avLst/>
+            </a:prstGeom>
+            <a:solidFill>
+              <a:srgbClr val="868686"/>
+            </a:solidFill>
+            <a:ln>
+              <a:noFill/>
+            </a:ln>
+          </p:spPr>
+          <p:style>
+            <a:lnRef idx="2">
+              <a:schemeClr val="accent1">
+                <a:shade val="50000"/>
+              </a:schemeClr>
+            </a:lnRef>
+            <a:fillRef idx="1">
+              <a:schemeClr val="accent1"/>
+            </a:fillRef>
+            <a:effectRef idx="0">
+              <a:schemeClr val="accent1"/>
+            </a:effectRef>
+            <a:fontRef idx="minor">
+              <a:schemeClr val="lt1"/>
+            </a:fontRef>
+          </p:style>
+          <p:txBody>
+            <a:bodyPr rtlCol="0" anchor="ctr"/>
+            <a:lstStyle/>
+            <a:p>
+              <a:pPr algn="ctr"/>
+              <a:endParaRPr lang="en-US"/>
+            </a:p>
+          </p:txBody>
+        </p:sp>
+        <p:sp>
+          <p:nvSpPr>
+            <p:cNvPr id="151" name="Rectangle 150">
+              <a:extLst>
+                <a:ext uri="{FF2B5EF4-FFF2-40B4-BE49-F238E27FC236}">
+                  <a16:creationId xmlns:a16="http://schemas.microsoft.com/office/drawing/2014/main" id="{EE9F45C2-FB79-473B-B94B-64631E0CB65A}"/>
+                </a:ext>
+              </a:extLst>
+            </p:cNvPr>
+            <p:cNvSpPr/>
+            <p:nvPr/>
+          </p:nvSpPr>
+          <p:spPr>
+            <a:xfrm>
+              <a:off x="1982010" y="1246688"/>
+              <a:ext cx="996461" cy="356699"/>
+            </a:xfrm>
+            <a:prstGeom prst="rect">
+              <a:avLst/>
+            </a:prstGeom>
+            <a:solidFill>
+              <a:srgbClr val="868686"/>
+            </a:solidFill>
+            <a:ln>
+              <a:noFill/>
+            </a:ln>
+          </p:spPr>
+          <p:style>
+            <a:lnRef idx="2">
+              <a:schemeClr val="accent1">
+                <a:shade val="50000"/>
+              </a:schemeClr>
+            </a:lnRef>
+            <a:fillRef idx="1">
+              <a:schemeClr val="accent1"/>
+            </a:fillRef>
+            <a:effectRef idx="0">
+              <a:schemeClr val="accent1"/>
+            </a:effectRef>
+            <a:fontRef idx="minor">
+              <a:schemeClr val="lt1"/>
+            </a:fontRef>
+          </p:style>
+          <p:txBody>
+            <a:bodyPr rtlCol="0" anchor="ctr"/>
+            <a:lstStyle/>
+            <a:p>
+              <a:pPr algn="ctr"/>
+              <a:endParaRPr lang="en-US"/>
+            </a:p>
+          </p:txBody>
+        </p:sp>
+      </p:grpSp>
+      <p:grpSp>
+        <p:nvGrpSpPr>
+          <p:cNvPr id="154" name="Group 153">
+            <a:extLst>
+              <a:ext uri="{FF2B5EF4-FFF2-40B4-BE49-F238E27FC236}">
+                <a16:creationId xmlns:a16="http://schemas.microsoft.com/office/drawing/2014/main" id="{FDAB47DE-40B1-4433-8DD9-4D16F52172F2}"/>
+              </a:ext>
+            </a:extLst>
+          </p:cNvPr>
+          <p:cNvGrpSpPr/>
+          <p:nvPr/>
+        </p:nvGrpSpPr>
+        <p:grpSpPr>
+          <a:xfrm>
+            <a:off x="-2037300" y="3435840"/>
+            <a:ext cx="3695114" cy="3695114"/>
+            <a:chOff x="188742" y="138464"/>
+            <a:chExt cx="3695114" cy="3695114"/>
+          </a:xfrm>
+        </p:grpSpPr>
+        <p:grpSp>
+          <p:nvGrpSpPr>
+            <p:cNvPr id="155" name="Group 154">
+              <a:extLst>
+                <a:ext uri="{FF2B5EF4-FFF2-40B4-BE49-F238E27FC236}">
+                  <a16:creationId xmlns:a16="http://schemas.microsoft.com/office/drawing/2014/main" id="{7809EEC8-AEB4-49B6-8DDD-E839658B93D9}"/>
+                </a:ext>
+              </a:extLst>
+            </p:cNvPr>
+            <p:cNvGrpSpPr/>
+            <p:nvPr/>
+          </p:nvGrpSpPr>
+          <p:grpSpPr>
+            <a:xfrm>
+              <a:off x="188742" y="138464"/>
+              <a:ext cx="3695114" cy="3695114"/>
+              <a:chOff x="1541585" y="252"/>
+              <a:chExt cx="6858000" cy="6858000"/>
+            </a:xfrm>
+          </p:grpSpPr>
+          <p:sp>
+            <p:nvSpPr>
+              <p:cNvPr id="159" name="Rectangle 158">
+                <a:extLst>
+                  <a:ext uri="{FF2B5EF4-FFF2-40B4-BE49-F238E27FC236}">
+                    <a16:creationId xmlns:a16="http://schemas.microsoft.com/office/drawing/2014/main" id="{A8A139E3-ADF3-42A2-AB7D-BBA7F5A7BA4E}"/>
+                  </a:ext>
+                </a:extLst>
+              </p:cNvPr>
+              <p:cNvSpPr/>
+              <p:nvPr/>
+            </p:nvSpPr>
+            <p:spPr>
+              <a:xfrm>
+                <a:off x="2757268" y="2039815"/>
+                <a:ext cx="4135901" cy="3291840"/>
+              </a:xfrm>
+              <a:prstGeom prst="rect">
+                <a:avLst/>
+              </a:prstGeom>
+              <a:solidFill>
+                <a:schemeClr val="bg1"/>
+              </a:solidFill>
+            </p:spPr>
+            <p:style>
+              <a:lnRef idx="2">
+                <a:schemeClr val="accent1">
+                  <a:shade val="50000"/>
+                </a:schemeClr>
+              </a:lnRef>
+              <a:fillRef idx="1">
+                <a:schemeClr val="accent1"/>
+              </a:fillRef>
+              <a:effectRef idx="0">
+                <a:schemeClr val="accent1"/>
+              </a:effectRef>
+              <a:fontRef idx="minor">
+                <a:schemeClr val="lt1"/>
+              </a:fontRef>
+            </p:style>
+            <p:txBody>
+              <a:bodyPr rtlCol="0" anchor="ctr"/>
+              <a:lstStyle/>
+              <a:p>
+                <a:pPr algn="ctr"/>
+                <a:endParaRPr lang="en-US"/>
+              </a:p>
+            </p:txBody>
+          </p:sp>
+          <p:pic>
+            <p:nvPicPr>
+              <p:cNvPr id="160" name="Picture 159">
+                <a:extLst>
+                  <a:ext uri="{FF2B5EF4-FFF2-40B4-BE49-F238E27FC236}">
+                    <a16:creationId xmlns:a16="http://schemas.microsoft.com/office/drawing/2014/main" id="{6874AC18-75A1-4E88-98A0-16A142EAD19E}"/>
+                  </a:ext>
+                </a:extLst>
+              </p:cNvPr>
+              <p:cNvPicPr>
+                <a:picLocks noChangeAspect="1"/>
+              </p:cNvPicPr>
+              <p:nvPr/>
+            </p:nvPicPr>
+            <p:blipFill>
+              <a:blip r:embed="rId5">
+                <a:extLst>
+                  <a:ext uri="{BEBA8EAE-BF5A-486C-A8C5-ECC9F3942E4B}">
+                    <a14:imgProps xmlns:a14="http://schemas.microsoft.com/office/drawing/2010/main">
+                      <a14:imgLayer r:embed="rId3">
+                        <a14:imgEffect>
+                          <a14:backgroundRemoval t="5333" b="92889" l="5222" r="93000">
+                            <a14:foregroundMark x1="9333" y1="46778" x2="8889" y2="49889"/>
+                            <a14:foregroundMark x1="49556" y1="7556" x2="42333" y2="8000"/>
+                            <a14:foregroundMark x1="42333" y1="8000" x2="49778" y2="6556"/>
+                            <a14:foregroundMark x1="49778" y1="6556" x2="57333" y2="8556"/>
+                            <a14:foregroundMark x1="57333" y1="8556" x2="58333" y2="9444"/>
+                            <a14:foregroundMark x1="91111" y1="38778" x2="93222" y2="55000"/>
+                            <a14:foregroundMark x1="5778" y1="46333" x2="5444" y2="50444"/>
+                            <a14:foregroundMark x1="37222" y1="91333" x2="52333" y2="92889"/>
+                            <a14:foregroundMark x1="52333" y1="92889" x2="62000" y2="91111"/>
+                            <a14:foregroundMark x1="51556" y1="5333" x2="51000" y2="5333"/>
+                          </a14:backgroundRemoval>
+                        </a14:imgEffect>
+                      </a14:imgLayer>
+                    </a14:imgProps>
+                  </a:ext>
+                  <a:ext uri="{28A0092B-C50C-407E-A947-70E740481C1C}">
+                    <a14:useLocalDpi xmlns:a14="http://schemas.microsoft.com/office/drawing/2010/main" val="0"/>
+                  </a:ext>
+                </a:extLst>
+              </a:blip>
+              <a:stretch>
+                <a:fillRect/>
+              </a:stretch>
+            </p:blipFill>
+            <p:spPr>
+              <a:xfrm>
+                <a:off x="1541585" y="252"/>
+                <a:ext cx="6858000" cy="6858000"/>
+              </a:xfrm>
+              <a:prstGeom prst="rect">
+                <a:avLst/>
+              </a:prstGeom>
+            </p:spPr>
+          </p:pic>
+        </p:grpSp>
+        <p:sp>
+          <p:nvSpPr>
+            <p:cNvPr id="156" name="Rectangle 155">
+              <a:extLst>
+                <a:ext uri="{FF2B5EF4-FFF2-40B4-BE49-F238E27FC236}">
+                  <a16:creationId xmlns:a16="http://schemas.microsoft.com/office/drawing/2014/main" id="{7B0DCAF1-AB2E-4E7A-9F52-A43CC7B8E2AF}"/>
+                </a:ext>
+              </a:extLst>
+            </p:cNvPr>
+            <p:cNvSpPr/>
+            <p:nvPr/>
+          </p:nvSpPr>
+          <p:spPr>
+            <a:xfrm>
+              <a:off x="636233" y="1531582"/>
+              <a:ext cx="2800132" cy="1015663"/>
+            </a:xfrm>
+            <a:prstGeom prst="rect">
+              <a:avLst/>
+            </a:prstGeom>
+            <a:solidFill>
+              <a:srgbClr val="2BA6E1"/>
+            </a:solidFill>
+          </p:spPr>
+          <p:txBody>
+            <a:bodyPr wrap="square" lIns="91440" tIns="45720" rIns="91440" bIns="45720">
+              <a:spAutoFit/>
+            </a:bodyPr>
+            <a:lstStyle/>
+            <a:p>
+              <a:pPr algn="ctr"/>
+              <a:r>
+                <a:rPr lang="en-US" sz="6000" b="0" cap="none" spc="0" dirty="0">
+                  <a:ln w="0"/>
+                  <a:solidFill>
+                    <a:schemeClr val="bg1"/>
+                  </a:solidFill>
+                  <a:effectLst>
+                    <a:outerShdw blurRad="38100" dist="19050" dir="2700000" algn="tl" rotWithShape="0">
+                      <a:schemeClr val="dk1">
+                        <a:alpha val="40000"/>
+                      </a:schemeClr>
+                    </a:outerShdw>
+                  </a:effectLst>
+                  <a:latin typeface="Bahnschrift Light SemiCondensed" panose="020B0502040204020203" pitchFamily="34" charset="0"/>
+                </a:rPr>
+                <a:t>15 DAYS</a:t>
+              </a:r>
+            </a:p>
+          </p:txBody>
+        </p:sp>
+        <p:sp>
+          <p:nvSpPr>
+            <p:cNvPr id="157" name="Rectangle 156">
+              <a:extLst>
+                <a:ext uri="{FF2B5EF4-FFF2-40B4-BE49-F238E27FC236}">
+                  <a16:creationId xmlns:a16="http://schemas.microsoft.com/office/drawing/2014/main" id="{235DA6CD-A975-4317-B1CF-936BB2DE2315}"/>
+                </a:ext>
+              </a:extLst>
+            </p:cNvPr>
+            <p:cNvSpPr/>
+            <p:nvPr/>
+          </p:nvSpPr>
+          <p:spPr>
+            <a:xfrm>
+              <a:off x="1648265" y="2499043"/>
+              <a:ext cx="996461" cy="356699"/>
+            </a:xfrm>
+            <a:prstGeom prst="rect">
+              <a:avLst/>
+            </a:prstGeom>
+            <a:solidFill>
+              <a:srgbClr val="2BA6E1"/>
+            </a:solidFill>
+            <a:ln>
+              <a:noFill/>
+            </a:ln>
+          </p:spPr>
+          <p:style>
+            <a:lnRef idx="2">
+              <a:schemeClr val="accent1">
+                <a:shade val="50000"/>
+              </a:schemeClr>
+            </a:lnRef>
+            <a:fillRef idx="1">
+              <a:schemeClr val="accent1"/>
+            </a:fillRef>
+            <a:effectRef idx="0">
+              <a:schemeClr val="accent1"/>
+            </a:effectRef>
+            <a:fontRef idx="minor">
+              <a:schemeClr val="lt1"/>
+            </a:fontRef>
+          </p:style>
+          <p:txBody>
+            <a:bodyPr rtlCol="0" anchor="ctr"/>
+            <a:lstStyle/>
+            <a:p>
+              <a:pPr algn="ctr"/>
+              <a:endParaRPr lang="en-US"/>
+            </a:p>
+          </p:txBody>
+        </p:sp>
+        <p:sp>
+          <p:nvSpPr>
+            <p:cNvPr id="158" name="Rectangle 157">
+              <a:extLst>
+                <a:ext uri="{FF2B5EF4-FFF2-40B4-BE49-F238E27FC236}">
+                  <a16:creationId xmlns:a16="http://schemas.microsoft.com/office/drawing/2014/main" id="{7815707B-AE1D-466D-8A52-7E4C4A1EB797}"/>
+                </a:ext>
+              </a:extLst>
+            </p:cNvPr>
+            <p:cNvSpPr/>
+            <p:nvPr/>
+          </p:nvSpPr>
+          <p:spPr>
+            <a:xfrm>
+              <a:off x="1980836" y="1243940"/>
+              <a:ext cx="996461" cy="356699"/>
+            </a:xfrm>
+            <a:prstGeom prst="rect">
+              <a:avLst/>
+            </a:prstGeom>
+            <a:solidFill>
+              <a:srgbClr val="2BA6E1"/>
+            </a:solidFill>
+            <a:ln>
+              <a:noFill/>
+            </a:ln>
+          </p:spPr>
+          <p:style>
+            <a:lnRef idx="2">
+              <a:schemeClr val="accent1">
+                <a:shade val="50000"/>
+              </a:schemeClr>
+            </a:lnRef>
+            <a:fillRef idx="1">
+              <a:schemeClr val="accent1"/>
+            </a:fillRef>
+            <a:effectRef idx="0">
+              <a:schemeClr val="accent1"/>
+            </a:effectRef>
+            <a:fontRef idx="minor">
+              <a:schemeClr val="lt1"/>
+            </a:fontRef>
+          </p:style>
+          <p:txBody>
+            <a:bodyPr rtlCol="0" anchor="ctr"/>
+            <a:lstStyle/>
+            <a:p>
+              <a:pPr algn="ctr"/>
+              <a:endParaRPr lang="en-US"/>
+            </a:p>
+          </p:txBody>
+        </p:sp>
+      </p:grpSp>
+      <p:grpSp>
+        <p:nvGrpSpPr>
+          <p:cNvPr id="161" name="Group 160">
+            <a:extLst>
+              <a:ext uri="{FF2B5EF4-FFF2-40B4-BE49-F238E27FC236}">
+                <a16:creationId xmlns:a16="http://schemas.microsoft.com/office/drawing/2014/main" id="{6C884B46-50E7-4EBB-8AC4-7F4C16297118}"/>
+              </a:ext>
+            </a:extLst>
+          </p:cNvPr>
+          <p:cNvGrpSpPr/>
+          <p:nvPr/>
+        </p:nvGrpSpPr>
+        <p:grpSpPr>
+          <a:xfrm>
+            <a:off x="1059777" y="1746132"/>
+            <a:ext cx="3695114" cy="3695114"/>
+            <a:chOff x="188742" y="138464"/>
+            <a:chExt cx="3695114" cy="3695114"/>
+          </a:xfrm>
+        </p:grpSpPr>
+        <p:grpSp>
+          <p:nvGrpSpPr>
+            <p:cNvPr id="162" name="Group 161">
+              <a:extLst>
+                <a:ext uri="{FF2B5EF4-FFF2-40B4-BE49-F238E27FC236}">
+                  <a16:creationId xmlns:a16="http://schemas.microsoft.com/office/drawing/2014/main" id="{7229D419-BB30-4BE8-9580-A7CA408173A6}"/>
+                </a:ext>
+              </a:extLst>
+            </p:cNvPr>
+            <p:cNvGrpSpPr/>
+            <p:nvPr/>
+          </p:nvGrpSpPr>
+          <p:grpSpPr>
+            <a:xfrm>
+              <a:off x="188742" y="138464"/>
+              <a:ext cx="3695114" cy="3695114"/>
+              <a:chOff x="1541585" y="252"/>
+              <a:chExt cx="6858000" cy="6858000"/>
+            </a:xfrm>
+          </p:grpSpPr>
+          <p:sp>
+            <p:nvSpPr>
+              <p:cNvPr id="166" name="Rectangle 165">
+                <a:extLst>
+                  <a:ext uri="{FF2B5EF4-FFF2-40B4-BE49-F238E27FC236}">
+                    <a16:creationId xmlns:a16="http://schemas.microsoft.com/office/drawing/2014/main" id="{A50D0A15-5F48-4D60-BDFA-52AF3865A152}"/>
+                  </a:ext>
+                </a:extLst>
+              </p:cNvPr>
+              <p:cNvSpPr/>
+              <p:nvPr/>
+            </p:nvSpPr>
+            <p:spPr>
+              <a:xfrm>
+                <a:off x="2757268" y="2039815"/>
+                <a:ext cx="4135901" cy="3291840"/>
+              </a:xfrm>
+              <a:prstGeom prst="rect">
+                <a:avLst/>
+              </a:prstGeom>
+              <a:solidFill>
+                <a:schemeClr val="bg1"/>
+              </a:solidFill>
+            </p:spPr>
+            <p:style>
+              <a:lnRef idx="2">
+                <a:schemeClr val="accent1">
+                  <a:shade val="50000"/>
+                </a:schemeClr>
+              </a:lnRef>
+              <a:fillRef idx="1">
+                <a:schemeClr val="accent1"/>
+              </a:fillRef>
+              <a:effectRef idx="0">
+                <a:schemeClr val="accent1"/>
+              </a:effectRef>
+              <a:fontRef idx="minor">
+                <a:schemeClr val="lt1"/>
+              </a:fontRef>
+            </p:style>
+            <p:txBody>
+              <a:bodyPr rtlCol="0" anchor="ctr"/>
+              <a:lstStyle/>
+              <a:p>
+                <a:pPr algn="ctr"/>
+                <a:endParaRPr lang="en-US"/>
+              </a:p>
+            </p:txBody>
+          </p:sp>
+          <p:pic>
+            <p:nvPicPr>
+              <p:cNvPr id="167" name="Picture 166">
+                <a:extLst>
+                  <a:ext uri="{FF2B5EF4-FFF2-40B4-BE49-F238E27FC236}">
+                    <a16:creationId xmlns:a16="http://schemas.microsoft.com/office/drawing/2014/main" id="{6F0164BE-5973-4A9A-A46F-365010A77112}"/>
+                  </a:ext>
+                </a:extLst>
+              </p:cNvPr>
+              <p:cNvPicPr>
+                <a:picLocks noChangeAspect="1"/>
+              </p:cNvPicPr>
+              <p:nvPr/>
+            </p:nvPicPr>
+            <p:blipFill>
+              <a:blip r:embed="rId2">
+                <a:extLst>
+                  <a:ext uri="{BEBA8EAE-BF5A-486C-A8C5-ECC9F3942E4B}">
+                    <a14:imgProps xmlns:a14="http://schemas.microsoft.com/office/drawing/2010/main">
+                      <a14:imgLayer r:embed="rId3">
+                        <a14:imgEffect>
+                          <a14:backgroundRemoval t="5333" b="92889" l="5222" r="93000">
+                            <a14:foregroundMark x1="9333" y1="46778" x2="8889" y2="49889"/>
+                            <a14:foregroundMark x1="49556" y1="7556" x2="42333" y2="8000"/>
+                            <a14:foregroundMark x1="42333" y1="8000" x2="49778" y2="6556"/>
+                            <a14:foregroundMark x1="49778" y1="6556" x2="57333" y2="8556"/>
+                            <a14:foregroundMark x1="57333" y1="8556" x2="58333" y2="9444"/>
+                            <a14:foregroundMark x1="91111" y1="38778" x2="93222" y2="55000"/>
+                            <a14:foregroundMark x1="5778" y1="46333" x2="5444" y2="50444"/>
+                            <a14:foregroundMark x1="37222" y1="91333" x2="52333" y2="92889"/>
+                            <a14:foregroundMark x1="52333" y1="92889" x2="62000" y2="91111"/>
+                            <a14:foregroundMark x1="51556" y1="5333" x2="51000" y2="5333"/>
+                          </a14:backgroundRemoval>
+                        </a14:imgEffect>
+                        <a14:imgEffect>
+                          <a14:saturation sat="0"/>
+                        </a14:imgEffect>
+                      </a14:imgLayer>
+                    </a14:imgProps>
+                  </a:ext>
+                  <a:ext uri="{28A0092B-C50C-407E-A947-70E740481C1C}">
+                    <a14:useLocalDpi xmlns:a14="http://schemas.microsoft.com/office/drawing/2010/main" val="0"/>
+                  </a:ext>
+                </a:extLst>
+              </a:blip>
+              <a:stretch>
+                <a:fillRect/>
+              </a:stretch>
+            </p:blipFill>
+            <p:spPr>
+              <a:xfrm>
+                <a:off x="1541585" y="252"/>
+                <a:ext cx="6858000" cy="6858000"/>
+              </a:xfrm>
+              <a:prstGeom prst="rect">
+                <a:avLst/>
+              </a:prstGeom>
+            </p:spPr>
+          </p:pic>
+        </p:grpSp>
+        <p:sp>
+          <p:nvSpPr>
+            <p:cNvPr id="163" name="Rectangle 162">
+              <a:extLst>
+                <a:ext uri="{FF2B5EF4-FFF2-40B4-BE49-F238E27FC236}">
+                  <a16:creationId xmlns:a16="http://schemas.microsoft.com/office/drawing/2014/main" id="{560A3D79-B8D1-40A4-A168-D64D54431161}"/>
+                </a:ext>
+              </a:extLst>
+            </p:cNvPr>
+            <p:cNvSpPr/>
+            <p:nvPr/>
+          </p:nvSpPr>
+          <p:spPr>
+            <a:xfrm>
+              <a:off x="636233" y="1531582"/>
+              <a:ext cx="2800132" cy="1015663"/>
+            </a:xfrm>
+            <a:prstGeom prst="rect">
+              <a:avLst/>
+            </a:prstGeom>
+            <a:solidFill>
+              <a:srgbClr val="868686"/>
+            </a:solidFill>
+          </p:spPr>
+          <p:txBody>
+            <a:bodyPr wrap="square" lIns="91440" tIns="45720" rIns="91440" bIns="45720">
+              <a:spAutoFit/>
+            </a:bodyPr>
+            <a:lstStyle/>
+            <a:p>
+              <a:pPr algn="ctr"/>
+              <a:r>
+                <a:rPr lang="en-US" sz="6000" b="0" cap="none" spc="0" dirty="0">
+                  <a:ln w="0"/>
+                  <a:solidFill>
+                    <a:schemeClr val="bg1"/>
+                  </a:solidFill>
+                  <a:effectLst>
+                    <a:outerShdw blurRad="38100" dist="19050" dir="2700000" algn="tl" rotWithShape="0">
+                      <a:schemeClr val="dk1">
+                        <a:alpha val="40000"/>
+                      </a:schemeClr>
+                    </a:outerShdw>
+                  </a:effectLst>
+                  <a:latin typeface="Bahnschrift Light SemiCondensed" panose="020B0502040204020203" pitchFamily="34" charset="0"/>
+                </a:rPr>
+                <a:t>15 DAYS</a:t>
+              </a:r>
+            </a:p>
+          </p:txBody>
+        </p:sp>
+        <p:sp>
+          <p:nvSpPr>
+            <p:cNvPr id="164" name="Rectangle 163">
+              <a:extLst>
+                <a:ext uri="{FF2B5EF4-FFF2-40B4-BE49-F238E27FC236}">
+                  <a16:creationId xmlns:a16="http://schemas.microsoft.com/office/drawing/2014/main" id="{550236A0-280B-4F94-808E-7103796ED5C3}"/>
+                </a:ext>
+              </a:extLst>
+            </p:cNvPr>
+            <p:cNvSpPr/>
+            <p:nvPr/>
+          </p:nvSpPr>
+          <p:spPr>
+            <a:xfrm>
+              <a:off x="1648265" y="2499043"/>
+              <a:ext cx="996461" cy="356699"/>
+            </a:xfrm>
+            <a:prstGeom prst="rect">
+              <a:avLst/>
+            </a:prstGeom>
+            <a:solidFill>
+              <a:srgbClr val="868686"/>
+            </a:solidFill>
+            <a:ln>
+              <a:noFill/>
+            </a:ln>
+          </p:spPr>
+          <p:style>
+            <a:lnRef idx="2">
+              <a:schemeClr val="accent1">
+                <a:shade val="50000"/>
+              </a:schemeClr>
+            </a:lnRef>
+            <a:fillRef idx="1">
+              <a:schemeClr val="accent1"/>
+            </a:fillRef>
+            <a:effectRef idx="0">
+              <a:schemeClr val="accent1"/>
+            </a:effectRef>
+            <a:fontRef idx="minor">
+              <a:schemeClr val="lt1"/>
+            </a:fontRef>
+          </p:style>
+          <p:txBody>
+            <a:bodyPr rtlCol="0" anchor="ctr"/>
+            <a:lstStyle/>
+            <a:p>
+              <a:pPr algn="ctr"/>
+              <a:endParaRPr lang="en-US"/>
+            </a:p>
+          </p:txBody>
+        </p:sp>
+        <p:sp>
+          <p:nvSpPr>
+            <p:cNvPr id="165" name="Rectangle 164">
+              <a:extLst>
+                <a:ext uri="{FF2B5EF4-FFF2-40B4-BE49-F238E27FC236}">
+                  <a16:creationId xmlns:a16="http://schemas.microsoft.com/office/drawing/2014/main" id="{6840807B-84DB-4448-B819-EDFDC925EA37}"/>
+                </a:ext>
+              </a:extLst>
+            </p:cNvPr>
+            <p:cNvSpPr/>
+            <p:nvPr/>
+          </p:nvSpPr>
+          <p:spPr>
+            <a:xfrm>
+              <a:off x="1982010" y="1246688"/>
+              <a:ext cx="996461" cy="356699"/>
+            </a:xfrm>
+            <a:prstGeom prst="rect">
+              <a:avLst/>
+            </a:prstGeom>
+            <a:solidFill>
+              <a:srgbClr val="868686"/>
+            </a:solidFill>
+            <a:ln>
+              <a:noFill/>
+            </a:ln>
+          </p:spPr>
+          <p:style>
+            <a:lnRef idx="2">
+              <a:schemeClr val="accent1">
+                <a:shade val="50000"/>
+              </a:schemeClr>
+            </a:lnRef>
+            <a:fillRef idx="1">
+              <a:schemeClr val="accent1"/>
+            </a:fillRef>
+            <a:effectRef idx="0">
+              <a:schemeClr val="accent1"/>
+            </a:effectRef>
+            <a:fontRef idx="minor">
+              <a:schemeClr val="lt1"/>
+            </a:fontRef>
+          </p:style>
+          <p:txBody>
+            <a:bodyPr rtlCol="0" anchor="ctr"/>
+            <a:lstStyle/>
+            <a:p>
+              <a:pPr algn="ctr"/>
+              <a:endParaRPr lang="en-US"/>
+            </a:p>
+          </p:txBody>
+        </p:sp>
+      </p:grpSp>
+      <p:grpSp>
+        <p:nvGrpSpPr>
+          <p:cNvPr id="168" name="Group 167">
+            <a:extLst>
+              <a:ext uri="{FF2B5EF4-FFF2-40B4-BE49-F238E27FC236}">
+                <a16:creationId xmlns:a16="http://schemas.microsoft.com/office/drawing/2014/main" id="{BB253719-9D96-417F-A576-88A94F4CA347}"/>
+              </a:ext>
+            </a:extLst>
+          </p:cNvPr>
+          <p:cNvGrpSpPr/>
+          <p:nvPr/>
+        </p:nvGrpSpPr>
+        <p:grpSpPr>
+          <a:xfrm>
+            <a:off x="-130093" y="3059200"/>
+            <a:ext cx="3695114" cy="3695114"/>
+            <a:chOff x="188742" y="138464"/>
+            <a:chExt cx="3695114" cy="3695114"/>
+          </a:xfrm>
+        </p:grpSpPr>
+        <p:grpSp>
+          <p:nvGrpSpPr>
+            <p:cNvPr id="169" name="Group 168">
+              <a:extLst>
+                <a:ext uri="{FF2B5EF4-FFF2-40B4-BE49-F238E27FC236}">
+                  <a16:creationId xmlns:a16="http://schemas.microsoft.com/office/drawing/2014/main" id="{2CBE762F-2F81-4BCD-8ECB-37D9FB8B853A}"/>
+                </a:ext>
+              </a:extLst>
+            </p:cNvPr>
+            <p:cNvGrpSpPr/>
+            <p:nvPr/>
+          </p:nvGrpSpPr>
+          <p:grpSpPr>
+            <a:xfrm>
+              <a:off x="188742" y="138464"/>
+              <a:ext cx="3695114" cy="3695114"/>
+              <a:chOff x="1541585" y="252"/>
+              <a:chExt cx="6858000" cy="6858000"/>
+            </a:xfrm>
+          </p:grpSpPr>
+          <p:sp>
+            <p:nvSpPr>
+              <p:cNvPr id="173" name="Rectangle 172">
+                <a:extLst>
+                  <a:ext uri="{FF2B5EF4-FFF2-40B4-BE49-F238E27FC236}">
+                    <a16:creationId xmlns:a16="http://schemas.microsoft.com/office/drawing/2014/main" id="{8CD19472-9261-4025-BD22-CE4C4EA338A8}"/>
+                  </a:ext>
+                </a:extLst>
+              </p:cNvPr>
+              <p:cNvSpPr/>
+              <p:nvPr/>
+            </p:nvSpPr>
+            <p:spPr>
+              <a:xfrm>
+                <a:off x="2757268" y="2039815"/>
+                <a:ext cx="4135901" cy="3291840"/>
+              </a:xfrm>
+              <a:prstGeom prst="rect">
+                <a:avLst/>
+              </a:prstGeom>
+              <a:solidFill>
+                <a:schemeClr val="bg1"/>
+              </a:solidFill>
+            </p:spPr>
+            <p:style>
+              <a:lnRef idx="2">
+                <a:schemeClr val="accent1">
+                  <a:shade val="50000"/>
+                </a:schemeClr>
+              </a:lnRef>
+              <a:fillRef idx="1">
+                <a:schemeClr val="accent1"/>
+              </a:fillRef>
+              <a:effectRef idx="0">
+                <a:schemeClr val="accent1"/>
+              </a:effectRef>
+              <a:fontRef idx="minor">
+                <a:schemeClr val="lt1"/>
+              </a:fontRef>
+            </p:style>
+            <p:txBody>
+              <a:bodyPr rtlCol="0" anchor="ctr"/>
+              <a:lstStyle/>
+              <a:p>
+                <a:pPr algn="ctr"/>
+                <a:endParaRPr lang="en-US"/>
+              </a:p>
+            </p:txBody>
+          </p:sp>
+          <p:pic>
+            <p:nvPicPr>
+              <p:cNvPr id="174" name="Picture 173">
+                <a:extLst>
+                  <a:ext uri="{FF2B5EF4-FFF2-40B4-BE49-F238E27FC236}">
+                    <a16:creationId xmlns:a16="http://schemas.microsoft.com/office/drawing/2014/main" id="{6E78E1E8-5455-4DE1-BB94-6A6E20963BEE}"/>
+                  </a:ext>
+                </a:extLst>
+              </p:cNvPr>
+              <p:cNvPicPr>
+                <a:picLocks noChangeAspect="1"/>
+              </p:cNvPicPr>
+              <p:nvPr/>
+            </p:nvPicPr>
+            <p:blipFill>
+              <a:blip r:embed="rId5">
+                <a:extLst>
+                  <a:ext uri="{BEBA8EAE-BF5A-486C-A8C5-ECC9F3942E4B}">
+                    <a14:imgProps xmlns:a14="http://schemas.microsoft.com/office/drawing/2010/main">
+                      <a14:imgLayer r:embed="rId3">
+                        <a14:imgEffect>
+                          <a14:backgroundRemoval t="5333" b="92889" l="5222" r="93000">
+                            <a14:foregroundMark x1="9333" y1="46778" x2="8889" y2="49889"/>
+                            <a14:foregroundMark x1="49556" y1="7556" x2="42333" y2="8000"/>
+                            <a14:foregroundMark x1="42333" y1="8000" x2="49778" y2="6556"/>
+                            <a14:foregroundMark x1="49778" y1="6556" x2="57333" y2="8556"/>
+                            <a14:foregroundMark x1="57333" y1="8556" x2="58333" y2="9444"/>
+                            <a14:foregroundMark x1="91111" y1="38778" x2="93222" y2="55000"/>
+                            <a14:foregroundMark x1="5778" y1="46333" x2="5444" y2="50444"/>
+                            <a14:foregroundMark x1="37222" y1="91333" x2="52333" y2="92889"/>
+                            <a14:foregroundMark x1="52333" y1="92889" x2="62000" y2="91111"/>
+                            <a14:foregroundMark x1="51556" y1="5333" x2="51000" y2="5333"/>
+                          </a14:backgroundRemoval>
+                        </a14:imgEffect>
+                      </a14:imgLayer>
+                    </a14:imgProps>
+                  </a:ext>
+                  <a:ext uri="{28A0092B-C50C-407E-A947-70E740481C1C}">
+                    <a14:useLocalDpi xmlns:a14="http://schemas.microsoft.com/office/drawing/2010/main" val="0"/>
+                  </a:ext>
+                </a:extLst>
+              </a:blip>
+              <a:stretch>
+                <a:fillRect/>
+              </a:stretch>
+            </p:blipFill>
+            <p:spPr>
+              <a:xfrm>
+                <a:off x="1541585" y="252"/>
+                <a:ext cx="6858000" cy="6858000"/>
+              </a:xfrm>
+              <a:prstGeom prst="rect">
+                <a:avLst/>
+              </a:prstGeom>
+            </p:spPr>
+          </p:pic>
+        </p:grpSp>
+        <p:sp>
+          <p:nvSpPr>
+            <p:cNvPr id="170" name="Rectangle 169">
+              <a:extLst>
+                <a:ext uri="{FF2B5EF4-FFF2-40B4-BE49-F238E27FC236}">
+                  <a16:creationId xmlns:a16="http://schemas.microsoft.com/office/drawing/2014/main" id="{671A662C-250D-48E4-970D-87F58E1CC5C4}"/>
+                </a:ext>
+              </a:extLst>
+            </p:cNvPr>
+            <p:cNvSpPr/>
+            <p:nvPr/>
+          </p:nvSpPr>
+          <p:spPr>
+            <a:xfrm>
+              <a:off x="636233" y="1531582"/>
+              <a:ext cx="2800132" cy="1015663"/>
+            </a:xfrm>
+            <a:prstGeom prst="rect">
+              <a:avLst/>
+            </a:prstGeom>
+            <a:solidFill>
+              <a:srgbClr val="2BA6E1"/>
+            </a:solidFill>
+          </p:spPr>
+          <p:txBody>
+            <a:bodyPr wrap="square" lIns="91440" tIns="45720" rIns="91440" bIns="45720">
+              <a:spAutoFit/>
+            </a:bodyPr>
+            <a:lstStyle/>
+            <a:p>
+              <a:pPr algn="ctr"/>
+              <a:r>
+                <a:rPr lang="en-US" sz="6000" b="0" cap="none" spc="0" dirty="0">
+                  <a:ln w="0"/>
+                  <a:solidFill>
+                    <a:schemeClr val="bg1"/>
+                  </a:solidFill>
+                  <a:effectLst>
+                    <a:outerShdw blurRad="38100" dist="19050" dir="2700000" algn="tl" rotWithShape="0">
+                      <a:schemeClr val="dk1">
+                        <a:alpha val="40000"/>
+                      </a:schemeClr>
+                    </a:outerShdw>
+                  </a:effectLst>
+                  <a:latin typeface="Bahnschrift Light SemiCondensed" panose="020B0502040204020203" pitchFamily="34" charset="0"/>
+                </a:rPr>
+                <a:t>15 DAYS</a:t>
+              </a:r>
+            </a:p>
+          </p:txBody>
+        </p:sp>
+        <p:sp>
+          <p:nvSpPr>
+            <p:cNvPr id="171" name="Rectangle 170">
+              <a:extLst>
+                <a:ext uri="{FF2B5EF4-FFF2-40B4-BE49-F238E27FC236}">
+                  <a16:creationId xmlns:a16="http://schemas.microsoft.com/office/drawing/2014/main" id="{198FF102-1693-4FF9-A9EB-84DF1549DA30}"/>
+                </a:ext>
+              </a:extLst>
+            </p:cNvPr>
+            <p:cNvSpPr/>
+            <p:nvPr/>
+          </p:nvSpPr>
+          <p:spPr>
+            <a:xfrm>
+              <a:off x="1648265" y="2499043"/>
+              <a:ext cx="996461" cy="356699"/>
+            </a:xfrm>
+            <a:prstGeom prst="rect">
+              <a:avLst/>
+            </a:prstGeom>
+            <a:solidFill>
+              <a:srgbClr val="2BA6E1"/>
+            </a:solidFill>
+            <a:ln>
+              <a:noFill/>
+            </a:ln>
+          </p:spPr>
+          <p:style>
+            <a:lnRef idx="2">
+              <a:schemeClr val="accent1">
+                <a:shade val="50000"/>
+              </a:schemeClr>
+            </a:lnRef>
+            <a:fillRef idx="1">
+              <a:schemeClr val="accent1"/>
+            </a:fillRef>
+            <a:effectRef idx="0">
+              <a:schemeClr val="accent1"/>
+            </a:effectRef>
+            <a:fontRef idx="minor">
+              <a:schemeClr val="lt1"/>
+            </a:fontRef>
+          </p:style>
+          <p:txBody>
+            <a:bodyPr rtlCol="0" anchor="ctr"/>
+            <a:lstStyle/>
+            <a:p>
+              <a:pPr algn="ctr"/>
+              <a:endParaRPr lang="en-US"/>
+            </a:p>
+          </p:txBody>
+        </p:sp>
+        <p:sp>
+          <p:nvSpPr>
+            <p:cNvPr id="172" name="Rectangle 171">
+              <a:extLst>
+                <a:ext uri="{FF2B5EF4-FFF2-40B4-BE49-F238E27FC236}">
+                  <a16:creationId xmlns:a16="http://schemas.microsoft.com/office/drawing/2014/main" id="{BF32696E-774E-4591-8248-614D048BDE0E}"/>
+                </a:ext>
+              </a:extLst>
+            </p:cNvPr>
+            <p:cNvSpPr/>
+            <p:nvPr/>
+          </p:nvSpPr>
+          <p:spPr>
+            <a:xfrm>
+              <a:off x="1980836" y="1243940"/>
+              <a:ext cx="996461" cy="356699"/>
+            </a:xfrm>
+            <a:prstGeom prst="rect">
+              <a:avLst/>
+            </a:prstGeom>
+            <a:solidFill>
+              <a:srgbClr val="2BA6E1"/>
+            </a:solidFill>
+            <a:ln>
+              <a:noFill/>
+            </a:ln>
+          </p:spPr>
+          <p:style>
+            <a:lnRef idx="2">
+              <a:schemeClr val="accent1">
+                <a:shade val="50000"/>
+              </a:schemeClr>
+            </a:lnRef>
+            <a:fillRef idx="1">
+              <a:schemeClr val="accent1"/>
+            </a:fillRef>
+            <a:effectRef idx="0">
+              <a:schemeClr val="accent1"/>
+            </a:effectRef>
+            <a:fontRef idx="minor">
+              <a:schemeClr val="lt1"/>
+            </a:fontRef>
+          </p:style>
+          <p:txBody>
+            <a:bodyPr rtlCol="0" anchor="ctr"/>
+            <a:lstStyle/>
+            <a:p>
+              <a:pPr algn="ctr"/>
+              <a:endParaRPr lang="en-US"/>
+            </a:p>
+          </p:txBody>
+        </p:sp>
+      </p:grpSp>
+      <p:grpSp>
+        <p:nvGrpSpPr>
+          <p:cNvPr id="175" name="Group 174">
+            <a:extLst>
+              <a:ext uri="{FF2B5EF4-FFF2-40B4-BE49-F238E27FC236}">
+                <a16:creationId xmlns:a16="http://schemas.microsoft.com/office/drawing/2014/main" id="{E76EFC11-C878-4814-B6EB-C79D48EB4254}"/>
+              </a:ext>
+            </a:extLst>
+          </p:cNvPr>
+          <p:cNvGrpSpPr/>
+          <p:nvPr/>
+        </p:nvGrpSpPr>
+        <p:grpSpPr>
+          <a:xfrm>
+            <a:off x="8676934" y="4541316"/>
+            <a:ext cx="3695114" cy="3695114"/>
+            <a:chOff x="188742" y="138464"/>
+            <a:chExt cx="3695114" cy="3695114"/>
+          </a:xfrm>
+        </p:grpSpPr>
+        <p:grpSp>
+          <p:nvGrpSpPr>
+            <p:cNvPr id="176" name="Group 175">
+              <a:extLst>
+                <a:ext uri="{FF2B5EF4-FFF2-40B4-BE49-F238E27FC236}">
+                  <a16:creationId xmlns:a16="http://schemas.microsoft.com/office/drawing/2014/main" id="{4846C21D-2D64-45DD-A7F6-84BDE39B3B3D}"/>
+                </a:ext>
+              </a:extLst>
+            </p:cNvPr>
+            <p:cNvGrpSpPr/>
+            <p:nvPr/>
+          </p:nvGrpSpPr>
+          <p:grpSpPr>
+            <a:xfrm>
+              <a:off x="188742" y="138464"/>
+              <a:ext cx="3695114" cy="3695114"/>
+              <a:chOff x="1541585" y="252"/>
+              <a:chExt cx="6858000" cy="6858000"/>
+            </a:xfrm>
+          </p:grpSpPr>
+          <p:sp>
+            <p:nvSpPr>
+              <p:cNvPr id="180" name="Rectangle 179">
+                <a:extLst>
+                  <a:ext uri="{FF2B5EF4-FFF2-40B4-BE49-F238E27FC236}">
+                    <a16:creationId xmlns:a16="http://schemas.microsoft.com/office/drawing/2014/main" id="{834CCA26-B713-4BCE-8580-DC0B040C3498}"/>
+                  </a:ext>
+                </a:extLst>
+              </p:cNvPr>
+              <p:cNvSpPr/>
+              <p:nvPr/>
+            </p:nvSpPr>
+            <p:spPr>
+              <a:xfrm>
+                <a:off x="2757268" y="2039815"/>
+                <a:ext cx="4135901" cy="3291840"/>
+              </a:xfrm>
+              <a:prstGeom prst="rect">
+                <a:avLst/>
+              </a:prstGeom>
+              <a:solidFill>
+                <a:schemeClr val="bg1"/>
+              </a:solidFill>
+            </p:spPr>
+            <p:style>
+              <a:lnRef idx="2">
+                <a:schemeClr val="accent1">
+                  <a:shade val="50000"/>
+                </a:schemeClr>
+              </a:lnRef>
+              <a:fillRef idx="1">
+                <a:schemeClr val="accent1"/>
+              </a:fillRef>
+              <a:effectRef idx="0">
+                <a:schemeClr val="accent1"/>
+              </a:effectRef>
+              <a:fontRef idx="minor">
+                <a:schemeClr val="lt1"/>
+              </a:fontRef>
+            </p:style>
+            <p:txBody>
+              <a:bodyPr rtlCol="0" anchor="ctr"/>
+              <a:lstStyle/>
+              <a:p>
+                <a:pPr algn="ctr"/>
+                <a:endParaRPr lang="en-US"/>
+              </a:p>
+            </p:txBody>
+          </p:sp>
+          <p:pic>
+            <p:nvPicPr>
+              <p:cNvPr id="181" name="Picture 180">
+                <a:extLst>
+                  <a:ext uri="{FF2B5EF4-FFF2-40B4-BE49-F238E27FC236}">
+                    <a16:creationId xmlns:a16="http://schemas.microsoft.com/office/drawing/2014/main" id="{205C2C1A-8CC8-4533-97CF-A9D990AB5A08}"/>
+                  </a:ext>
+                </a:extLst>
+              </p:cNvPr>
+              <p:cNvPicPr>
+                <a:picLocks noChangeAspect="1"/>
+              </p:cNvPicPr>
+              <p:nvPr/>
+            </p:nvPicPr>
+            <p:blipFill>
+              <a:blip r:embed="rId2">
+                <a:extLst>
+                  <a:ext uri="{BEBA8EAE-BF5A-486C-A8C5-ECC9F3942E4B}">
+                    <a14:imgProps xmlns:a14="http://schemas.microsoft.com/office/drawing/2010/main">
+                      <a14:imgLayer r:embed="rId3">
+                        <a14:imgEffect>
+                          <a14:backgroundRemoval t="5333" b="92889" l="5222" r="93000">
+                            <a14:foregroundMark x1="9333" y1="46778" x2="8889" y2="49889"/>
+                            <a14:foregroundMark x1="49556" y1="7556" x2="42333" y2="8000"/>
+                            <a14:foregroundMark x1="42333" y1="8000" x2="49778" y2="6556"/>
+                            <a14:foregroundMark x1="49778" y1="6556" x2="57333" y2="8556"/>
+                            <a14:foregroundMark x1="57333" y1="8556" x2="58333" y2="9444"/>
+                            <a14:foregroundMark x1="91111" y1="38778" x2="93222" y2="55000"/>
+                            <a14:foregroundMark x1="5778" y1="46333" x2="5444" y2="50444"/>
+                            <a14:foregroundMark x1="37222" y1="91333" x2="52333" y2="92889"/>
+                            <a14:foregroundMark x1="52333" y1="92889" x2="62000" y2="91111"/>
+                            <a14:foregroundMark x1="51556" y1="5333" x2="51000" y2="5333"/>
+                          </a14:backgroundRemoval>
+                        </a14:imgEffect>
+                        <a14:imgEffect>
+                          <a14:saturation sat="0"/>
+                        </a14:imgEffect>
+                      </a14:imgLayer>
+                    </a14:imgProps>
+                  </a:ext>
+                  <a:ext uri="{28A0092B-C50C-407E-A947-70E740481C1C}">
+                    <a14:useLocalDpi xmlns:a14="http://schemas.microsoft.com/office/drawing/2010/main" val="0"/>
+                  </a:ext>
+                </a:extLst>
+              </a:blip>
+              <a:stretch>
+                <a:fillRect/>
+              </a:stretch>
+            </p:blipFill>
+            <p:spPr>
+              <a:xfrm>
+                <a:off x="1541585" y="252"/>
+                <a:ext cx="6858000" cy="6858000"/>
+              </a:xfrm>
+              <a:prstGeom prst="rect">
+                <a:avLst/>
+              </a:prstGeom>
+            </p:spPr>
+          </p:pic>
+        </p:grpSp>
+        <p:sp>
+          <p:nvSpPr>
+            <p:cNvPr id="177" name="Rectangle 176">
+              <a:extLst>
+                <a:ext uri="{FF2B5EF4-FFF2-40B4-BE49-F238E27FC236}">
+                  <a16:creationId xmlns:a16="http://schemas.microsoft.com/office/drawing/2014/main" id="{FC4608E5-BDB9-4EB6-85C2-5B303758AA16}"/>
+                </a:ext>
+              </a:extLst>
+            </p:cNvPr>
+            <p:cNvSpPr/>
+            <p:nvPr/>
+          </p:nvSpPr>
+          <p:spPr>
+            <a:xfrm>
+              <a:off x="636233" y="1531582"/>
+              <a:ext cx="2800132" cy="1015663"/>
+            </a:xfrm>
+            <a:prstGeom prst="rect">
+              <a:avLst/>
+            </a:prstGeom>
+            <a:solidFill>
+              <a:srgbClr val="868686"/>
+            </a:solidFill>
+          </p:spPr>
+          <p:txBody>
+            <a:bodyPr wrap="square" lIns="91440" tIns="45720" rIns="91440" bIns="45720">
+              <a:spAutoFit/>
+            </a:bodyPr>
+            <a:lstStyle/>
+            <a:p>
+              <a:pPr algn="ctr"/>
+              <a:r>
+                <a:rPr lang="en-US" sz="6000" b="0" cap="none" spc="0" dirty="0">
+                  <a:ln w="0"/>
+                  <a:solidFill>
+                    <a:schemeClr val="bg1"/>
+                  </a:solidFill>
+                  <a:effectLst>
+                    <a:outerShdw blurRad="38100" dist="19050" dir="2700000" algn="tl" rotWithShape="0">
+                      <a:schemeClr val="dk1">
+                        <a:alpha val="40000"/>
+                      </a:schemeClr>
+                    </a:outerShdw>
+                  </a:effectLst>
+                  <a:latin typeface="Bahnschrift Light SemiCondensed" panose="020B0502040204020203" pitchFamily="34" charset="0"/>
+                </a:rPr>
+                <a:t>30 DAYS</a:t>
+              </a:r>
+            </a:p>
+          </p:txBody>
+        </p:sp>
+        <p:sp>
+          <p:nvSpPr>
+            <p:cNvPr id="178" name="Rectangle 177">
+              <a:extLst>
+                <a:ext uri="{FF2B5EF4-FFF2-40B4-BE49-F238E27FC236}">
+                  <a16:creationId xmlns:a16="http://schemas.microsoft.com/office/drawing/2014/main" id="{C79F3F28-76DF-4536-8DE6-8A0F266B8F54}"/>
+                </a:ext>
+              </a:extLst>
+            </p:cNvPr>
+            <p:cNvSpPr/>
+            <p:nvPr/>
+          </p:nvSpPr>
+          <p:spPr>
+            <a:xfrm>
+              <a:off x="1648265" y="2499043"/>
+              <a:ext cx="996461" cy="356699"/>
+            </a:xfrm>
+            <a:prstGeom prst="rect">
+              <a:avLst/>
+            </a:prstGeom>
+            <a:solidFill>
+              <a:srgbClr val="868686"/>
+            </a:solidFill>
+            <a:ln>
+              <a:noFill/>
+            </a:ln>
+          </p:spPr>
+          <p:style>
+            <a:lnRef idx="2">
+              <a:schemeClr val="accent1">
+                <a:shade val="50000"/>
+              </a:schemeClr>
+            </a:lnRef>
+            <a:fillRef idx="1">
+              <a:schemeClr val="accent1"/>
+            </a:fillRef>
+            <a:effectRef idx="0">
+              <a:schemeClr val="accent1"/>
+            </a:effectRef>
+            <a:fontRef idx="minor">
+              <a:schemeClr val="lt1"/>
+            </a:fontRef>
+          </p:style>
+          <p:txBody>
+            <a:bodyPr rtlCol="0" anchor="ctr"/>
+            <a:lstStyle/>
+            <a:p>
+              <a:pPr algn="ctr"/>
+              <a:endParaRPr lang="en-US"/>
+            </a:p>
+          </p:txBody>
+        </p:sp>
+        <p:sp>
+          <p:nvSpPr>
+            <p:cNvPr id="179" name="Rectangle 178">
+              <a:extLst>
+                <a:ext uri="{FF2B5EF4-FFF2-40B4-BE49-F238E27FC236}">
+                  <a16:creationId xmlns:a16="http://schemas.microsoft.com/office/drawing/2014/main" id="{FF3F1E71-9662-4064-BA79-EBBFF45DBEB6}"/>
+                </a:ext>
+              </a:extLst>
+            </p:cNvPr>
+            <p:cNvSpPr/>
+            <p:nvPr/>
+          </p:nvSpPr>
+          <p:spPr>
+            <a:xfrm>
+              <a:off x="1982010" y="1246688"/>
+              <a:ext cx="996461" cy="356699"/>
+            </a:xfrm>
+            <a:prstGeom prst="rect">
+              <a:avLst/>
+            </a:prstGeom>
+            <a:solidFill>
+              <a:srgbClr val="868686"/>
+            </a:solidFill>
+            <a:ln>
+              <a:noFill/>
+            </a:ln>
+          </p:spPr>
+          <p:style>
+            <a:lnRef idx="2">
+              <a:schemeClr val="accent1">
+                <a:shade val="50000"/>
+              </a:schemeClr>
+            </a:lnRef>
+            <a:fillRef idx="1">
+              <a:schemeClr val="accent1"/>
+            </a:fillRef>
+            <a:effectRef idx="0">
+              <a:schemeClr val="accent1"/>
+            </a:effectRef>
+            <a:fontRef idx="minor">
+              <a:schemeClr val="lt1"/>
+            </a:fontRef>
+          </p:style>
+          <p:txBody>
+            <a:bodyPr rtlCol="0" anchor="ctr"/>
+            <a:lstStyle/>
+            <a:p>
+              <a:pPr algn="ctr"/>
+              <a:endParaRPr lang="en-US"/>
+            </a:p>
+          </p:txBody>
+        </p:sp>
+      </p:grpSp>
+      <p:grpSp>
+        <p:nvGrpSpPr>
+          <p:cNvPr id="182" name="Group 181">
+            <a:extLst>
+              <a:ext uri="{FF2B5EF4-FFF2-40B4-BE49-F238E27FC236}">
+                <a16:creationId xmlns:a16="http://schemas.microsoft.com/office/drawing/2014/main" id="{F4D7B544-4408-4006-B14E-9B12D75C75F8}"/>
+              </a:ext>
+            </a:extLst>
+          </p:cNvPr>
+          <p:cNvGrpSpPr/>
+          <p:nvPr/>
+        </p:nvGrpSpPr>
+        <p:grpSpPr>
+          <a:xfrm>
+            <a:off x="3336320" y="4055491"/>
+            <a:ext cx="3695114" cy="3695114"/>
+            <a:chOff x="188742" y="138464"/>
+            <a:chExt cx="3695114" cy="3695114"/>
+          </a:xfrm>
+        </p:grpSpPr>
+        <p:grpSp>
+          <p:nvGrpSpPr>
+            <p:cNvPr id="183" name="Group 182">
+              <a:extLst>
+                <a:ext uri="{FF2B5EF4-FFF2-40B4-BE49-F238E27FC236}">
+                  <a16:creationId xmlns:a16="http://schemas.microsoft.com/office/drawing/2014/main" id="{D761808B-00E0-41CC-955B-6D469F2B2EAB}"/>
+                </a:ext>
+              </a:extLst>
+            </p:cNvPr>
+            <p:cNvGrpSpPr/>
+            <p:nvPr/>
+          </p:nvGrpSpPr>
+          <p:grpSpPr>
+            <a:xfrm>
+              <a:off x="188742" y="138464"/>
+              <a:ext cx="3695114" cy="3695114"/>
+              <a:chOff x="1541585" y="252"/>
+              <a:chExt cx="6858000" cy="6858000"/>
+            </a:xfrm>
+          </p:grpSpPr>
+          <p:sp>
+            <p:nvSpPr>
+              <p:cNvPr id="187" name="Rectangle 186">
+                <a:extLst>
+                  <a:ext uri="{FF2B5EF4-FFF2-40B4-BE49-F238E27FC236}">
+                    <a16:creationId xmlns:a16="http://schemas.microsoft.com/office/drawing/2014/main" id="{0D124AB3-C022-484E-80AA-6D202C3F2E26}"/>
+                  </a:ext>
+                </a:extLst>
+              </p:cNvPr>
+              <p:cNvSpPr/>
+              <p:nvPr/>
+            </p:nvSpPr>
+            <p:spPr>
+              <a:xfrm>
+                <a:off x="2757268" y="2039815"/>
+                <a:ext cx="4135901" cy="3291840"/>
+              </a:xfrm>
+              <a:prstGeom prst="rect">
+                <a:avLst/>
+              </a:prstGeom>
+              <a:solidFill>
+                <a:schemeClr val="bg1"/>
+              </a:solidFill>
+            </p:spPr>
+            <p:style>
+              <a:lnRef idx="2">
+                <a:schemeClr val="accent1">
+                  <a:shade val="50000"/>
+                </a:schemeClr>
+              </a:lnRef>
+              <a:fillRef idx="1">
+                <a:schemeClr val="accent1"/>
+              </a:fillRef>
+              <a:effectRef idx="0">
+                <a:schemeClr val="accent1"/>
+              </a:effectRef>
+              <a:fontRef idx="minor">
+                <a:schemeClr val="lt1"/>
+              </a:fontRef>
+            </p:style>
+            <p:txBody>
+              <a:bodyPr rtlCol="0" anchor="ctr"/>
+              <a:lstStyle/>
+              <a:p>
+                <a:pPr algn="ctr"/>
+                <a:endParaRPr lang="en-US"/>
+              </a:p>
+            </p:txBody>
+          </p:sp>
+          <p:pic>
+            <p:nvPicPr>
+              <p:cNvPr id="188" name="Picture 187">
+                <a:extLst>
+                  <a:ext uri="{FF2B5EF4-FFF2-40B4-BE49-F238E27FC236}">
+                    <a16:creationId xmlns:a16="http://schemas.microsoft.com/office/drawing/2014/main" id="{EB3E08DF-B518-47D4-8D3A-661EA0D628DC}"/>
+                  </a:ext>
+                </a:extLst>
+              </p:cNvPr>
+              <p:cNvPicPr>
+                <a:picLocks noChangeAspect="1"/>
+              </p:cNvPicPr>
+              <p:nvPr/>
+            </p:nvPicPr>
+            <p:blipFill>
+              <a:blip r:embed="rId5">
+                <a:extLst>
+                  <a:ext uri="{BEBA8EAE-BF5A-486C-A8C5-ECC9F3942E4B}">
+                    <a14:imgProps xmlns:a14="http://schemas.microsoft.com/office/drawing/2010/main">
+                      <a14:imgLayer r:embed="rId3">
+                        <a14:imgEffect>
+                          <a14:backgroundRemoval t="5333" b="92889" l="5222" r="93000">
+                            <a14:foregroundMark x1="9333" y1="46778" x2="8889" y2="49889"/>
+                            <a14:foregroundMark x1="49556" y1="7556" x2="42333" y2="8000"/>
+                            <a14:foregroundMark x1="42333" y1="8000" x2="49778" y2="6556"/>
+                            <a14:foregroundMark x1="49778" y1="6556" x2="57333" y2="8556"/>
+                            <a14:foregroundMark x1="57333" y1="8556" x2="58333" y2="9444"/>
+                            <a14:foregroundMark x1="91111" y1="38778" x2="93222" y2="55000"/>
+                            <a14:foregroundMark x1="5778" y1="46333" x2="5444" y2="50444"/>
+                            <a14:foregroundMark x1="37222" y1="91333" x2="52333" y2="92889"/>
+                            <a14:foregroundMark x1="52333" y1="92889" x2="62000" y2="91111"/>
+                            <a14:foregroundMark x1="51556" y1="5333" x2="51000" y2="5333"/>
+                          </a14:backgroundRemoval>
+                        </a14:imgEffect>
+                      </a14:imgLayer>
+                    </a14:imgProps>
+                  </a:ext>
+                  <a:ext uri="{28A0092B-C50C-407E-A947-70E740481C1C}">
+                    <a14:useLocalDpi xmlns:a14="http://schemas.microsoft.com/office/drawing/2010/main" val="0"/>
+                  </a:ext>
+                </a:extLst>
+              </a:blip>
+              <a:stretch>
+                <a:fillRect/>
+              </a:stretch>
+            </p:blipFill>
+            <p:spPr>
+              <a:xfrm>
+                <a:off x="1541585" y="252"/>
+                <a:ext cx="6858000" cy="6858000"/>
+              </a:xfrm>
+              <a:prstGeom prst="rect">
+                <a:avLst/>
+              </a:prstGeom>
+            </p:spPr>
+          </p:pic>
+        </p:grpSp>
+        <p:sp>
+          <p:nvSpPr>
+            <p:cNvPr id="184" name="Rectangle 183">
+              <a:extLst>
+                <a:ext uri="{FF2B5EF4-FFF2-40B4-BE49-F238E27FC236}">
+                  <a16:creationId xmlns:a16="http://schemas.microsoft.com/office/drawing/2014/main" id="{F02A0846-E7B3-437A-92EC-11FB3FBCC6AF}"/>
+                </a:ext>
+              </a:extLst>
+            </p:cNvPr>
+            <p:cNvSpPr/>
+            <p:nvPr/>
+          </p:nvSpPr>
+          <p:spPr>
+            <a:xfrm>
+              <a:off x="636233" y="1531582"/>
+              <a:ext cx="2800132" cy="1015663"/>
+            </a:xfrm>
+            <a:prstGeom prst="rect">
+              <a:avLst/>
+            </a:prstGeom>
+            <a:solidFill>
+              <a:srgbClr val="2BA6E1"/>
+            </a:solidFill>
+          </p:spPr>
+          <p:txBody>
+            <a:bodyPr wrap="square" lIns="91440" tIns="45720" rIns="91440" bIns="45720">
+              <a:spAutoFit/>
+            </a:bodyPr>
+            <a:lstStyle/>
+            <a:p>
+              <a:pPr algn="ctr"/>
+              <a:r>
+                <a:rPr lang="en-US" sz="6000" b="0" cap="none" spc="0" dirty="0">
+                  <a:ln w="0"/>
+                  <a:solidFill>
+                    <a:schemeClr val="bg1"/>
+                  </a:solidFill>
+                  <a:effectLst>
+                    <a:outerShdw blurRad="38100" dist="19050" dir="2700000" algn="tl" rotWithShape="0">
+                      <a:schemeClr val="dk1">
+                        <a:alpha val="40000"/>
+                      </a:schemeClr>
+                    </a:outerShdw>
+                  </a:effectLst>
+                  <a:latin typeface="Bahnschrift Light SemiCondensed" panose="020B0502040204020203" pitchFamily="34" charset="0"/>
+                </a:rPr>
+                <a:t>30 DAYS</a:t>
+              </a:r>
+            </a:p>
+          </p:txBody>
+        </p:sp>
+        <p:sp>
+          <p:nvSpPr>
+            <p:cNvPr id="185" name="Rectangle 184">
+              <a:extLst>
+                <a:ext uri="{FF2B5EF4-FFF2-40B4-BE49-F238E27FC236}">
+                  <a16:creationId xmlns:a16="http://schemas.microsoft.com/office/drawing/2014/main" id="{54924306-500D-4B65-BA8A-01961EBE9BD6}"/>
+                </a:ext>
+              </a:extLst>
+            </p:cNvPr>
+            <p:cNvSpPr/>
+            <p:nvPr/>
+          </p:nvSpPr>
+          <p:spPr>
+            <a:xfrm>
+              <a:off x="1648265" y="2499043"/>
+              <a:ext cx="996461" cy="356699"/>
+            </a:xfrm>
+            <a:prstGeom prst="rect">
+              <a:avLst/>
+            </a:prstGeom>
+            <a:solidFill>
+              <a:srgbClr val="2BA6E1"/>
+            </a:solidFill>
+            <a:ln>
+              <a:noFill/>
+            </a:ln>
+          </p:spPr>
+          <p:style>
+            <a:lnRef idx="2">
+              <a:schemeClr val="accent1">
+                <a:shade val="50000"/>
+              </a:schemeClr>
+            </a:lnRef>
+            <a:fillRef idx="1">
+              <a:schemeClr val="accent1"/>
+            </a:fillRef>
+            <a:effectRef idx="0">
+              <a:schemeClr val="accent1"/>
+            </a:effectRef>
+            <a:fontRef idx="minor">
+              <a:schemeClr val="lt1"/>
+            </a:fontRef>
+          </p:style>
+          <p:txBody>
+            <a:bodyPr rtlCol="0" anchor="ctr"/>
+            <a:lstStyle/>
+            <a:p>
+              <a:pPr algn="ctr"/>
+              <a:endParaRPr lang="en-US"/>
+            </a:p>
+          </p:txBody>
+        </p:sp>
+        <p:sp>
+          <p:nvSpPr>
+            <p:cNvPr id="186" name="Rectangle 185">
+              <a:extLst>
+                <a:ext uri="{FF2B5EF4-FFF2-40B4-BE49-F238E27FC236}">
+                  <a16:creationId xmlns:a16="http://schemas.microsoft.com/office/drawing/2014/main" id="{073ADB94-7146-4BFA-A0C9-A492DBEEA2CD}"/>
+                </a:ext>
+              </a:extLst>
+            </p:cNvPr>
+            <p:cNvSpPr/>
+            <p:nvPr/>
+          </p:nvSpPr>
+          <p:spPr>
+            <a:xfrm>
+              <a:off x="1980836" y="1243940"/>
+              <a:ext cx="996461" cy="356699"/>
+            </a:xfrm>
+            <a:prstGeom prst="rect">
+              <a:avLst/>
+            </a:prstGeom>
+            <a:solidFill>
+              <a:srgbClr val="2BA6E1"/>
+            </a:solidFill>
+            <a:ln>
+              <a:noFill/>
+            </a:ln>
+          </p:spPr>
+          <p:style>
+            <a:lnRef idx="2">
+              <a:schemeClr val="accent1">
+                <a:shade val="50000"/>
+              </a:schemeClr>
+            </a:lnRef>
+            <a:fillRef idx="1">
+              <a:schemeClr val="accent1"/>
+            </a:fillRef>
+            <a:effectRef idx="0">
+              <a:schemeClr val="accent1"/>
+            </a:effectRef>
+            <a:fontRef idx="minor">
+              <a:schemeClr val="lt1"/>
+            </a:fontRef>
+          </p:style>
+          <p:txBody>
+            <a:bodyPr rtlCol="0" anchor="ctr"/>
+            <a:lstStyle/>
+            <a:p>
+              <a:pPr algn="ctr"/>
+              <a:endParaRPr lang="en-US"/>
+            </a:p>
+          </p:txBody>
+        </p:sp>
+      </p:grpSp>
+      <p:grpSp>
+        <p:nvGrpSpPr>
+          <p:cNvPr id="224" name="Group 223">
+            <a:extLst>
+              <a:ext uri="{FF2B5EF4-FFF2-40B4-BE49-F238E27FC236}">
+                <a16:creationId xmlns:a16="http://schemas.microsoft.com/office/drawing/2014/main" id="{8963A59D-FC8C-417A-9629-C43E7DFA9021}"/>
+              </a:ext>
+            </a:extLst>
+          </p:cNvPr>
+          <p:cNvGrpSpPr/>
+          <p:nvPr/>
+        </p:nvGrpSpPr>
+        <p:grpSpPr>
+          <a:xfrm>
+            <a:off x="-7642927" y="445472"/>
+            <a:ext cx="3695114" cy="3695114"/>
+            <a:chOff x="188742" y="138464"/>
+            <a:chExt cx="3695114" cy="3695114"/>
+          </a:xfrm>
+        </p:grpSpPr>
+        <p:grpSp>
+          <p:nvGrpSpPr>
+            <p:cNvPr id="225" name="Group 224">
+              <a:extLst>
+                <a:ext uri="{FF2B5EF4-FFF2-40B4-BE49-F238E27FC236}">
+                  <a16:creationId xmlns:a16="http://schemas.microsoft.com/office/drawing/2014/main" id="{8CFCB669-79EF-4E45-B38E-0405FC61DAC3}"/>
+                </a:ext>
+              </a:extLst>
+            </p:cNvPr>
+            <p:cNvGrpSpPr/>
+            <p:nvPr/>
+          </p:nvGrpSpPr>
+          <p:grpSpPr>
+            <a:xfrm>
+              <a:off x="188742" y="138464"/>
+              <a:ext cx="3695114" cy="3695114"/>
+              <a:chOff x="1541585" y="252"/>
+              <a:chExt cx="6858000" cy="6858000"/>
+            </a:xfrm>
+          </p:grpSpPr>
+          <p:sp>
+            <p:nvSpPr>
+              <p:cNvPr id="229" name="Rectangle 228">
+                <a:extLst>
+                  <a:ext uri="{FF2B5EF4-FFF2-40B4-BE49-F238E27FC236}">
+                    <a16:creationId xmlns:a16="http://schemas.microsoft.com/office/drawing/2014/main" id="{D464B45A-5DCA-4F37-835C-9F1A8AD84FFD}"/>
+                  </a:ext>
+                </a:extLst>
+              </p:cNvPr>
+              <p:cNvSpPr/>
+              <p:nvPr/>
+            </p:nvSpPr>
+            <p:spPr>
+              <a:xfrm>
+                <a:off x="2757268" y="2039815"/>
+                <a:ext cx="4135901" cy="3291840"/>
+              </a:xfrm>
+              <a:prstGeom prst="rect">
+                <a:avLst/>
+              </a:prstGeom>
+              <a:solidFill>
+                <a:schemeClr val="bg1"/>
+              </a:solidFill>
+            </p:spPr>
+            <p:style>
+              <a:lnRef idx="2">
+                <a:schemeClr val="accent1">
+                  <a:shade val="50000"/>
+                </a:schemeClr>
+              </a:lnRef>
+              <a:fillRef idx="1">
+                <a:schemeClr val="accent1"/>
+              </a:fillRef>
+              <a:effectRef idx="0">
+                <a:schemeClr val="accent1"/>
+              </a:effectRef>
+              <a:fontRef idx="minor">
+                <a:schemeClr val="lt1"/>
+              </a:fontRef>
+            </p:style>
+            <p:txBody>
+              <a:bodyPr rtlCol="0" anchor="ctr"/>
+              <a:lstStyle/>
+              <a:p>
+                <a:pPr algn="ctr"/>
+                <a:endParaRPr lang="en-US"/>
+              </a:p>
+            </p:txBody>
+          </p:sp>
+          <p:pic>
+            <p:nvPicPr>
+              <p:cNvPr id="230" name="Picture 229">
+                <a:extLst>
+                  <a:ext uri="{FF2B5EF4-FFF2-40B4-BE49-F238E27FC236}">
+                    <a16:creationId xmlns:a16="http://schemas.microsoft.com/office/drawing/2014/main" id="{45813C71-63C6-4111-BA45-4AA70AAEBF7B}"/>
+                  </a:ext>
+                </a:extLst>
+              </p:cNvPr>
+              <p:cNvPicPr>
+                <a:picLocks noChangeAspect="1"/>
+              </p:cNvPicPr>
+              <p:nvPr/>
+            </p:nvPicPr>
+            <p:blipFill>
+              <a:blip r:embed="rId5">
+                <a:extLst>
+                  <a:ext uri="{BEBA8EAE-BF5A-486C-A8C5-ECC9F3942E4B}">
+                    <a14:imgProps xmlns:a14="http://schemas.microsoft.com/office/drawing/2010/main">
+                      <a14:imgLayer r:embed="rId3">
+                        <a14:imgEffect>
+                          <a14:backgroundRemoval t="5333" b="92889" l="5222" r="93000">
+                            <a14:foregroundMark x1="9333" y1="46778" x2="8889" y2="49889"/>
+                            <a14:foregroundMark x1="49556" y1="7556" x2="42333" y2="8000"/>
+                            <a14:foregroundMark x1="42333" y1="8000" x2="49778" y2="6556"/>
+                            <a14:foregroundMark x1="49778" y1="6556" x2="57333" y2="8556"/>
+                            <a14:foregroundMark x1="57333" y1="8556" x2="58333" y2="9444"/>
+                            <a14:foregroundMark x1="91111" y1="38778" x2="93222" y2="55000"/>
+                            <a14:foregroundMark x1="5778" y1="46333" x2="5444" y2="50444"/>
+                            <a14:foregroundMark x1="37222" y1="91333" x2="52333" y2="92889"/>
+                            <a14:foregroundMark x1="52333" y1="92889" x2="62000" y2="91111"/>
+                            <a14:foregroundMark x1="51556" y1="5333" x2="51000" y2="5333"/>
+                          </a14:backgroundRemoval>
+                        </a14:imgEffect>
+                      </a14:imgLayer>
+                    </a14:imgProps>
+                  </a:ext>
+                  <a:ext uri="{28A0092B-C50C-407E-A947-70E740481C1C}">
+                    <a14:useLocalDpi xmlns:a14="http://schemas.microsoft.com/office/drawing/2010/main" val="0"/>
+                  </a:ext>
+                </a:extLst>
+              </a:blip>
+              <a:stretch>
+                <a:fillRect/>
+              </a:stretch>
+            </p:blipFill>
+            <p:spPr>
+              <a:xfrm>
+                <a:off x="1541585" y="252"/>
+                <a:ext cx="6858000" cy="6858000"/>
+              </a:xfrm>
+              <a:prstGeom prst="rect">
+                <a:avLst/>
+              </a:prstGeom>
+            </p:spPr>
+          </p:pic>
+        </p:grpSp>
+        <p:sp>
+          <p:nvSpPr>
+            <p:cNvPr id="226" name="Rectangle 225">
+              <a:extLst>
+                <a:ext uri="{FF2B5EF4-FFF2-40B4-BE49-F238E27FC236}">
+                  <a16:creationId xmlns:a16="http://schemas.microsoft.com/office/drawing/2014/main" id="{02D76705-8436-42E8-BC65-EB8A2C26629B}"/>
+                </a:ext>
+              </a:extLst>
+            </p:cNvPr>
+            <p:cNvSpPr/>
+            <p:nvPr/>
+          </p:nvSpPr>
+          <p:spPr>
+            <a:xfrm>
+              <a:off x="703326" y="1015637"/>
+              <a:ext cx="2577383" cy="1846659"/>
+            </a:xfrm>
+            <a:prstGeom prst="rect">
+              <a:avLst/>
+            </a:prstGeom>
+            <a:solidFill>
+              <a:srgbClr val="2BA6E1"/>
+            </a:solidFill>
+          </p:spPr>
+          <p:txBody>
+            <a:bodyPr wrap="square" lIns="91440" tIns="45720" rIns="91440" bIns="45720">
+              <a:spAutoFit/>
+            </a:bodyPr>
+            <a:lstStyle/>
+            <a:p>
+              <a:pPr algn="ctr"/>
+              <a:r>
+                <a:rPr lang="en-US" sz="6600" b="1" i="1" dirty="0">
+                  <a:ln w="0"/>
+                  <a:solidFill>
+                    <a:schemeClr val="bg1"/>
+                  </a:solidFill>
+                  <a:effectLst>
+                    <a:outerShdw blurRad="38100" dist="19050" dir="2700000" algn="tl" rotWithShape="0">
+                      <a:schemeClr val="dk1">
+                        <a:alpha val="40000"/>
+                      </a:schemeClr>
+                    </a:outerShdw>
+                  </a:effectLst>
+                  <a:latin typeface="Bahnschrift Light SemiCondensed" panose="020B0502040204020203" pitchFamily="34" charset="0"/>
+                </a:rPr>
+                <a:t>GET</a:t>
+              </a:r>
+              <a:r>
+                <a:rPr lang="en-US" sz="4800" b="1" i="1" dirty="0">
+                  <a:ln w="0"/>
+                  <a:solidFill>
+                    <a:schemeClr val="bg1"/>
+                  </a:solidFill>
+                  <a:effectLst>
+                    <a:outerShdw blurRad="38100" dist="19050" dir="2700000" algn="tl" rotWithShape="0">
+                      <a:schemeClr val="dk1">
+                        <a:alpha val="40000"/>
+                      </a:schemeClr>
+                    </a:outerShdw>
+                  </a:effectLst>
+                  <a:latin typeface="Bahnschrift Light SemiCondensed" panose="020B0502040204020203" pitchFamily="34" charset="0"/>
+                </a:rPr>
+                <a:t> </a:t>
+              </a:r>
+              <a:r>
+                <a:rPr lang="en-US" sz="4400" b="1" i="1" dirty="0">
+                  <a:ln w="0"/>
+                  <a:effectLst>
+                    <a:outerShdw blurRad="38100" dist="19050" dir="2700000" algn="tl" rotWithShape="0">
+                      <a:schemeClr val="dk1">
+                        <a:alpha val="40000"/>
+                      </a:schemeClr>
+                    </a:outerShdw>
+                  </a:effectLst>
+                  <a:latin typeface="Bahnschrift Light SemiCondensed" panose="020B0502040204020203" pitchFamily="34" charset="0"/>
+                </a:rPr>
+                <a:t>STARTED</a:t>
+              </a:r>
+              <a:r>
+                <a:rPr lang="en-US" sz="4400" b="1" i="1" dirty="0">
+                  <a:ln w="0"/>
+                  <a:solidFill>
+                    <a:schemeClr val="bg1"/>
+                  </a:solidFill>
+                  <a:effectLst>
+                    <a:outerShdw blurRad="38100" dist="19050" dir="2700000" algn="tl" rotWithShape="0">
+                      <a:schemeClr val="dk1">
+                        <a:alpha val="40000"/>
+                      </a:schemeClr>
+                    </a:outerShdw>
+                  </a:effectLst>
+                  <a:latin typeface="Bahnschrift Light SemiCondensed" panose="020B0502040204020203" pitchFamily="34" charset="0"/>
+                </a:rPr>
+                <a:t> !</a:t>
+              </a:r>
+              <a:endParaRPr lang="en-US" sz="4800" b="1" i="1" cap="none" spc="0" dirty="0">
+                <a:ln w="0"/>
+                <a:solidFill>
+                  <a:schemeClr val="bg1"/>
+                </a:solidFill>
+                <a:effectLst>
+                  <a:outerShdw blurRad="38100" dist="19050" dir="2700000" algn="tl" rotWithShape="0">
+                    <a:schemeClr val="dk1">
+                      <a:alpha val="40000"/>
+                    </a:schemeClr>
+                  </a:outerShdw>
+                </a:effectLst>
+                <a:latin typeface="Bahnschrift Light SemiCondensed" panose="020B0502040204020203" pitchFamily="34" charset="0"/>
+              </a:endParaRPr>
+            </a:p>
+          </p:txBody>
+        </p:sp>
+      </p:grpSp>
+      <p:grpSp>
+        <p:nvGrpSpPr>
+          <p:cNvPr id="232" name="Group 231">
+            <a:extLst>
+              <a:ext uri="{FF2B5EF4-FFF2-40B4-BE49-F238E27FC236}">
+                <a16:creationId xmlns:a16="http://schemas.microsoft.com/office/drawing/2014/main" id="{29374200-4EAE-4E67-896B-C5CD36AC03C8}"/>
+              </a:ext>
+            </a:extLst>
+          </p:cNvPr>
+          <p:cNvGrpSpPr/>
+          <p:nvPr/>
+        </p:nvGrpSpPr>
+        <p:grpSpPr>
+          <a:xfrm>
+            <a:off x="-7118593" y="3928921"/>
+            <a:ext cx="3695114" cy="3695114"/>
+            <a:chOff x="188742" y="138464"/>
+            <a:chExt cx="3695114" cy="3695114"/>
+          </a:xfrm>
+        </p:grpSpPr>
+        <p:grpSp>
+          <p:nvGrpSpPr>
+            <p:cNvPr id="233" name="Group 232">
+              <a:extLst>
+                <a:ext uri="{FF2B5EF4-FFF2-40B4-BE49-F238E27FC236}">
+                  <a16:creationId xmlns:a16="http://schemas.microsoft.com/office/drawing/2014/main" id="{81CBE7AA-7D51-484C-8694-538B43BA3B02}"/>
+                </a:ext>
+              </a:extLst>
+            </p:cNvPr>
+            <p:cNvGrpSpPr/>
+            <p:nvPr/>
+          </p:nvGrpSpPr>
+          <p:grpSpPr>
+            <a:xfrm>
+              <a:off x="188742" y="138464"/>
+              <a:ext cx="3695114" cy="3695114"/>
+              <a:chOff x="1541585" y="252"/>
+              <a:chExt cx="6858000" cy="6858000"/>
+            </a:xfrm>
+          </p:grpSpPr>
+          <p:sp>
+            <p:nvSpPr>
+              <p:cNvPr id="235" name="Rectangle 234">
+                <a:extLst>
+                  <a:ext uri="{FF2B5EF4-FFF2-40B4-BE49-F238E27FC236}">
+                    <a16:creationId xmlns:a16="http://schemas.microsoft.com/office/drawing/2014/main" id="{924A86F3-9C2F-4BF3-8E28-78F5E8776EE6}"/>
+                  </a:ext>
+                </a:extLst>
+              </p:cNvPr>
+              <p:cNvSpPr/>
+              <p:nvPr/>
+            </p:nvSpPr>
+            <p:spPr>
+              <a:xfrm>
+                <a:off x="2757268" y="2039815"/>
+                <a:ext cx="4135901" cy="3291840"/>
+              </a:xfrm>
+              <a:prstGeom prst="rect">
+                <a:avLst/>
+              </a:prstGeom>
+              <a:solidFill>
+                <a:schemeClr val="bg1"/>
+              </a:solidFill>
+            </p:spPr>
+            <p:style>
+              <a:lnRef idx="2">
+                <a:schemeClr val="accent1">
+                  <a:shade val="50000"/>
+                </a:schemeClr>
+              </a:lnRef>
+              <a:fillRef idx="1">
+                <a:schemeClr val="accent1"/>
+              </a:fillRef>
+              <a:effectRef idx="0">
+                <a:schemeClr val="accent1"/>
+              </a:effectRef>
+              <a:fontRef idx="minor">
+                <a:schemeClr val="lt1"/>
+              </a:fontRef>
+            </p:style>
+            <p:txBody>
+              <a:bodyPr rtlCol="0" anchor="ctr"/>
+              <a:lstStyle/>
+              <a:p>
+                <a:pPr algn="ctr"/>
+                <a:endParaRPr lang="en-US"/>
+              </a:p>
+            </p:txBody>
+          </p:sp>
+          <p:pic>
+            <p:nvPicPr>
+              <p:cNvPr id="236" name="Picture 235">
+                <a:extLst>
+                  <a:ext uri="{FF2B5EF4-FFF2-40B4-BE49-F238E27FC236}">
+                    <a16:creationId xmlns:a16="http://schemas.microsoft.com/office/drawing/2014/main" id="{5E0B8E59-AF16-474C-8391-7062610C7946}"/>
+                  </a:ext>
+                </a:extLst>
+              </p:cNvPr>
+              <p:cNvPicPr>
+                <a:picLocks noChangeAspect="1"/>
+              </p:cNvPicPr>
+              <p:nvPr/>
+            </p:nvPicPr>
+            <p:blipFill>
+              <a:blip r:embed="rId2">
+                <a:extLst>
+                  <a:ext uri="{BEBA8EAE-BF5A-486C-A8C5-ECC9F3942E4B}">
+                    <a14:imgProps xmlns:a14="http://schemas.microsoft.com/office/drawing/2010/main">
+                      <a14:imgLayer r:embed="rId3">
+                        <a14:imgEffect>
+                          <a14:backgroundRemoval t="5333" b="92889" l="5222" r="93000">
+                            <a14:foregroundMark x1="9333" y1="46778" x2="8889" y2="49889"/>
+                            <a14:foregroundMark x1="49556" y1="7556" x2="42333" y2="8000"/>
+                            <a14:foregroundMark x1="42333" y1="8000" x2="49778" y2="6556"/>
+                            <a14:foregroundMark x1="49778" y1="6556" x2="57333" y2="8556"/>
+                            <a14:foregroundMark x1="57333" y1="8556" x2="58333" y2="9444"/>
+                            <a14:foregroundMark x1="91111" y1="38778" x2="93222" y2="55000"/>
+                            <a14:foregroundMark x1="5778" y1="46333" x2="5444" y2="50444"/>
+                            <a14:foregroundMark x1="37222" y1="91333" x2="52333" y2="92889"/>
+                            <a14:foregroundMark x1="52333" y1="92889" x2="62000" y2="91111"/>
+                            <a14:foregroundMark x1="51556" y1="5333" x2="51000" y2="5333"/>
+                          </a14:backgroundRemoval>
+                        </a14:imgEffect>
+                        <a14:imgEffect>
+                          <a14:saturation sat="0"/>
+                        </a14:imgEffect>
+                      </a14:imgLayer>
+                    </a14:imgProps>
+                  </a:ext>
+                  <a:ext uri="{28A0092B-C50C-407E-A947-70E740481C1C}">
+                    <a14:useLocalDpi xmlns:a14="http://schemas.microsoft.com/office/drawing/2010/main" val="0"/>
+                  </a:ext>
+                </a:extLst>
+              </a:blip>
+              <a:stretch>
+                <a:fillRect/>
+              </a:stretch>
+            </p:blipFill>
+            <p:spPr>
+              <a:xfrm>
+                <a:off x="1541585" y="252"/>
+                <a:ext cx="6858000" cy="6858000"/>
+              </a:xfrm>
+              <a:prstGeom prst="rect">
+                <a:avLst/>
+              </a:prstGeom>
+            </p:spPr>
+          </p:pic>
+        </p:grpSp>
+        <p:sp>
+          <p:nvSpPr>
+            <p:cNvPr id="234" name="Rectangle 233">
+              <a:extLst>
+                <a:ext uri="{FF2B5EF4-FFF2-40B4-BE49-F238E27FC236}">
+                  <a16:creationId xmlns:a16="http://schemas.microsoft.com/office/drawing/2014/main" id="{A3FEACBD-110F-4F7A-AE2A-B986772FBDD2}"/>
+                </a:ext>
+              </a:extLst>
+            </p:cNvPr>
+            <p:cNvSpPr/>
+            <p:nvPr/>
+          </p:nvSpPr>
+          <p:spPr>
+            <a:xfrm>
+              <a:off x="703326" y="1015637"/>
+              <a:ext cx="2577383" cy="1846659"/>
+            </a:xfrm>
+            <a:prstGeom prst="rect">
+              <a:avLst/>
+            </a:prstGeom>
+            <a:solidFill>
+              <a:srgbClr val="868686"/>
+            </a:solidFill>
+          </p:spPr>
+          <p:txBody>
+            <a:bodyPr wrap="square" lIns="91440" tIns="45720" rIns="91440" bIns="45720">
+              <a:spAutoFit/>
+            </a:bodyPr>
+            <a:lstStyle/>
+            <a:p>
+              <a:pPr algn="ctr"/>
+              <a:r>
+                <a:rPr lang="en-US" sz="6600" b="1" i="1" dirty="0">
+                  <a:ln w="0"/>
+                  <a:effectLst>
+                    <a:outerShdw blurRad="38100" dist="19050" dir="2700000" algn="tl" rotWithShape="0">
+                      <a:schemeClr val="dk1">
+                        <a:alpha val="40000"/>
+                      </a:schemeClr>
+                    </a:outerShdw>
+                  </a:effectLst>
+                  <a:latin typeface="Bahnschrift Light SemiCondensed" panose="020B0502040204020203" pitchFamily="34" charset="0"/>
+                </a:rPr>
+                <a:t>GET</a:t>
+              </a:r>
+              <a:r>
+                <a:rPr lang="en-US" sz="4800" b="1" i="1" dirty="0">
+                  <a:ln w="0"/>
+                  <a:solidFill>
+                    <a:schemeClr val="bg1"/>
+                  </a:solidFill>
+                  <a:effectLst>
+                    <a:outerShdw blurRad="38100" dist="19050" dir="2700000" algn="tl" rotWithShape="0">
+                      <a:schemeClr val="dk1">
+                        <a:alpha val="40000"/>
+                      </a:schemeClr>
+                    </a:outerShdw>
+                  </a:effectLst>
+                  <a:latin typeface="Bahnschrift Light SemiCondensed" panose="020B0502040204020203" pitchFamily="34" charset="0"/>
+                </a:rPr>
+                <a:t> </a:t>
+              </a:r>
+              <a:r>
+                <a:rPr lang="en-US" sz="4400" b="1" i="1" dirty="0">
+                  <a:ln w="0"/>
+                  <a:solidFill>
+                    <a:schemeClr val="bg1"/>
+                  </a:solidFill>
+                  <a:effectLst>
+                    <a:outerShdw blurRad="38100" dist="19050" dir="2700000" algn="tl" rotWithShape="0">
+                      <a:schemeClr val="dk1">
+                        <a:alpha val="40000"/>
+                      </a:schemeClr>
+                    </a:outerShdw>
+                  </a:effectLst>
+                  <a:latin typeface="Bahnschrift Light SemiCondensed" panose="020B0502040204020203" pitchFamily="34" charset="0"/>
+                </a:rPr>
+                <a:t>STARTED </a:t>
+              </a:r>
+              <a:r>
+                <a:rPr lang="en-US" sz="4400" b="1" i="1" dirty="0">
+                  <a:ln w="0"/>
+                  <a:effectLst>
+                    <a:outerShdw blurRad="38100" dist="19050" dir="2700000" algn="tl" rotWithShape="0">
+                      <a:schemeClr val="dk1">
+                        <a:alpha val="40000"/>
+                      </a:schemeClr>
+                    </a:outerShdw>
+                  </a:effectLst>
+                  <a:latin typeface="Bahnschrift Light SemiCondensed" panose="020B0502040204020203" pitchFamily="34" charset="0"/>
+                </a:rPr>
+                <a:t>!</a:t>
+              </a:r>
+              <a:endParaRPr lang="en-US" sz="4800" b="1" i="1" cap="none" spc="0" dirty="0">
+                <a:ln w="0"/>
+                <a:effectLst>
+                  <a:outerShdw blurRad="38100" dist="19050" dir="2700000" algn="tl" rotWithShape="0">
+                    <a:schemeClr val="dk1">
+                      <a:alpha val="40000"/>
+                    </a:schemeClr>
+                  </a:outerShdw>
+                </a:effectLst>
+                <a:latin typeface="Bahnschrift Light SemiCondensed" panose="020B0502040204020203" pitchFamily="34" charset="0"/>
+              </a:endParaRPr>
+            </a:p>
+          </p:txBody>
+        </p:sp>
+      </p:grpSp>
+    </p:spTree>
+    <p:extLst>
+      <p:ext uri="{BB962C8B-B14F-4D97-AF65-F5344CB8AC3E}">
+        <p14:creationId xmlns:p14="http://schemas.microsoft.com/office/powerpoint/2010/main" val="3871047051"/>
+      </p:ext>
+    </p:extLst>
+  </p:cSld>
+  <p:clrMapOvr>
+    <a:masterClrMapping/>
+  </p:clrMapOvr>
+</p:sld>
+</file>
+
 <file path=ppt/theme/theme1.xml><?xml version="1.0" encoding="utf-8"?>
 <a:theme xmlns:a="http://schemas.openxmlformats.org/drawingml/2006/main" name="Office Theme">
   <a:themeElements>
